--- a/presentazione/presentazione.pptx
+++ b/presentazione/presentazione.pptx
@@ -5,10 +5,10 @@
     <p:sldMasterId id="2147483717" r:id="rId4"/>
   </p:sldMasterIdLst>
   <p:notesMasterIdLst>
-    <p:notesMasterId r:id="rId16"/>
+    <p:notesMasterId r:id="rId25"/>
   </p:notesMasterIdLst>
   <p:handoutMasterIdLst>
-    <p:handoutMasterId r:id="rId17"/>
+    <p:handoutMasterId r:id="rId26"/>
   </p:handoutMasterIdLst>
   <p:sldIdLst>
     <p:sldId id="258" r:id="rId5"/>
@@ -21,7 +21,16 @@
     <p:sldId id="297" r:id="rId12"/>
     <p:sldId id="298" r:id="rId13"/>
     <p:sldId id="299" r:id="rId14"/>
-    <p:sldId id="290" r:id="rId15"/>
+    <p:sldId id="300" r:id="rId15"/>
+    <p:sldId id="302" r:id="rId16"/>
+    <p:sldId id="303" r:id="rId17"/>
+    <p:sldId id="301" r:id="rId18"/>
+    <p:sldId id="304" r:id="rId19"/>
+    <p:sldId id="305" r:id="rId20"/>
+    <p:sldId id="307" r:id="rId21"/>
+    <p:sldId id="306" r:id="rId22"/>
+    <p:sldId id="308" r:id="rId23"/>
+    <p:sldId id="290" r:id="rId24"/>
   </p:sldIdLst>
   <p:sldSz cx="12192000" cy="6858000"/>
   <p:notesSz cx="6858000" cy="9144000"/>
@@ -227,7 +236,7 @@
             <a:pPr rtl="0"/>
             <a:fld id="{36FC0A7B-6666-4F41-AD03-C74B76B10001}" type="datetime1">
               <a:rPr lang="it-IT" smtClean="0"/>
-              <a:t>27/06/2022</a:t>
+              <a:t>04/07/2022</a:t>
             </a:fld>
             <a:endParaRPr lang="it-IT" dirty="0"/>
           </a:p>
@@ -408,7 +417,7 @@
             <a:fld id="{110E367B-2E0B-461C-8280-86016408BD7C}" type="datetime1">
               <a:rPr lang="it-IT" smtClean="0"/>
               <a:pPr/>
-              <a:t>27/06/2022</a:t>
+              <a:t>04/07/2022</a:t>
             </a:fld>
             <a:endParaRPr lang="it-IT" dirty="0"/>
           </a:p>
@@ -917,7 +926,7 @@
             <a:pPr rtl="0"/>
             <a:fld id="{284ECAD9-32EE-4091-BDA5-6BD15ACC5E58}" type="slidenum">
               <a:rPr lang="it-IT" smtClean="0"/>
-              <a:t>11</a:t>
+              <a:t>20</a:t>
             </a:fld>
             <a:endParaRPr lang="it-IT" dirty="0"/>
           </a:p>
@@ -1700,7 +1709,7 @@
             <a:pPr rtl="0"/>
             <a:fld id="{BC5A5791-EFA9-42A2-8E0D-DBC7A027EB39}" type="datetime1">
               <a:rPr lang="it-IT" noProof="0" smtClean="0"/>
-              <a:t>27/06/2022</a:t>
+              <a:t>04/07/2022</a:t>
             </a:fld>
             <a:endParaRPr lang="it-IT" noProof="0" dirty="0"/>
           </a:p>
@@ -2328,7 +2337,7 @@
             <a:pPr rtl="0"/>
             <a:fld id="{FF17C169-DBE1-4B6A-9921-1E108A1C6C42}" type="datetime1">
               <a:rPr lang="it-IT" noProof="0" smtClean="0"/>
-              <a:t>27/06/2022</a:t>
+              <a:t>04/07/2022</a:t>
             </a:fld>
             <a:endParaRPr lang="it-IT" noProof="0" dirty="0"/>
           </a:p>
@@ -2685,7 +2694,7 @@
             <a:pPr rtl="0"/>
             <a:fld id="{6C0ABBAF-B24C-4448-B75C-ADB9350121F9}" type="datetime1">
               <a:rPr lang="it-IT" noProof="0" smtClean="0"/>
-              <a:t>27/06/2022</a:t>
+              <a:t>04/07/2022</a:t>
             </a:fld>
             <a:endParaRPr lang="it-IT" noProof="0" dirty="0"/>
           </a:p>
@@ -3084,7 +3093,7 @@
             <a:pPr rtl="0"/>
             <a:fld id="{26E56894-810F-46F6-9A4E-7CB650138CD2}" type="datetime1">
               <a:rPr lang="it-IT" noProof="0" smtClean="0"/>
-              <a:t>27/06/2022</a:t>
+              <a:t>04/07/2022</a:t>
             </a:fld>
             <a:endParaRPr lang="it-IT" noProof="0" dirty="0"/>
           </a:p>
@@ -3567,7 +3576,7 @@
             <a:pPr rtl="0"/>
             <a:fld id="{6BDF9918-2BB5-43D7-98E9-1FB3954C3638}" type="datetime1">
               <a:rPr lang="it-IT" noProof="0" smtClean="0"/>
-              <a:t>27/06/2022</a:t>
+              <a:t>04/07/2022</a:t>
             </a:fld>
             <a:endParaRPr lang="it-IT" noProof="0" dirty="0"/>
           </a:p>
@@ -3958,7 +3967,7 @@
             <a:pPr rtl="0"/>
             <a:fld id="{983F2180-7340-4006-8F9F-3B15285D3035}" type="datetime1">
               <a:rPr lang="it-IT" noProof="0" smtClean="0"/>
-              <a:t>27/06/2022</a:t>
+              <a:t>04/07/2022</a:t>
             </a:fld>
             <a:endParaRPr lang="it-IT" noProof="0" dirty="0"/>
           </a:p>
@@ -4326,7 +4335,7 @@
             <a:pPr rtl="0"/>
             <a:fld id="{47C567FE-B98A-4D3F-9213-316EA9EC55A5}" type="datetime1">
               <a:rPr lang="it-IT" noProof="0" smtClean="0"/>
-              <a:t>27/06/2022</a:t>
+              <a:t>04/07/2022</a:t>
             </a:fld>
             <a:endParaRPr lang="it-IT" noProof="0" dirty="0"/>
           </a:p>
@@ -4819,7 +4828,7 @@
             <a:pPr rtl="0"/>
             <a:fld id="{BC922104-62E9-446F-9FB1-A32B08927891}" type="datetime1">
               <a:rPr lang="it-IT" noProof="0" smtClean="0"/>
-              <a:t>27/06/2022</a:t>
+              <a:t>04/07/2022</a:t>
             </a:fld>
             <a:endParaRPr lang="it-IT" noProof="0" dirty="0"/>
           </a:p>
@@ -5319,7 +5328,7 @@
             <a:pPr rtl="0"/>
             <a:fld id="{192B49F1-2FC8-466C-ABE0-4929E08403C1}" type="datetime1">
               <a:rPr lang="it-IT" noProof="0" smtClean="0"/>
-              <a:t>27/06/2022</a:t>
+              <a:t>04/07/2022</a:t>
             </a:fld>
             <a:endParaRPr lang="it-IT" noProof="0" dirty="0"/>
           </a:p>
@@ -5756,7 +5765,7 @@
             <a:pPr rtl="0"/>
             <a:fld id="{D669DC07-792B-4D17-B0C3-BB835168107E}" type="datetime1">
               <a:rPr lang="it-IT" noProof="0" smtClean="0"/>
-              <a:t>27/06/2022</a:t>
+              <a:t>04/07/2022</a:t>
             </a:fld>
             <a:endParaRPr lang="it-IT" noProof="0" dirty="0"/>
           </a:p>
@@ -6013,7 +6022,7 @@
             <a:pPr rtl="0"/>
             <a:fld id="{C95873E1-B6E7-4F22-ACBC-2B4E759526F9}" type="datetime1">
               <a:rPr lang="it-IT" noProof="0" smtClean="0"/>
-              <a:t>27/06/2022</a:t>
+              <a:t>04/07/2022</a:t>
             </a:fld>
             <a:endParaRPr lang="it-IT" noProof="0" dirty="0"/>
           </a:p>
@@ -6246,7 +6255,7 @@
             <a:pPr rtl="0"/>
             <a:fld id="{EDF35B73-1E84-4E1D-9C62-04B6DA1DCD89}" type="datetime1">
               <a:rPr lang="it-IT" noProof="0" smtClean="0"/>
-              <a:t>27/06/2022</a:t>
+              <a:t>04/07/2022</a:t>
             </a:fld>
             <a:endParaRPr lang="it-IT" noProof="0" dirty="0"/>
           </a:p>
@@ -6654,7 +6663,7 @@
             <a:pPr rtl="0"/>
             <a:fld id="{EF217D74-4249-45DE-AFC1-DB41000B186F}" type="datetime1">
               <a:rPr lang="it-IT" noProof="0" smtClean="0"/>
-              <a:t>27/06/2022</a:t>
+              <a:t>04/07/2022</a:t>
             </a:fld>
             <a:endParaRPr lang="it-IT" noProof="0" dirty="0"/>
           </a:p>
@@ -6898,7 +6907,7 @@
             <a:pPr rtl="0"/>
             <a:fld id="{02821AFD-43C1-409E-AABC-CA19CBFB6E3C}" type="datetime1">
               <a:rPr lang="it-IT" noProof="0" smtClean="0"/>
-              <a:t>27/06/2022</a:t>
+              <a:t>04/07/2022</a:t>
             </a:fld>
             <a:endParaRPr lang="it-IT" noProof="0" dirty="0"/>
           </a:p>
@@ -7098,7 +7107,7 @@
             <a:pPr rtl="0"/>
             <a:fld id="{25D5A028-43A2-4639-BEEA-82C2B46D2F75}" type="datetime1">
               <a:rPr lang="it-IT" noProof="0" smtClean="0"/>
-              <a:t>27/06/2022</a:t>
+              <a:t>04/07/2022</a:t>
             </a:fld>
             <a:endParaRPr lang="it-IT" noProof="0" dirty="0"/>
           </a:p>
@@ -7558,7 +7567,7 @@
             <a:pPr rtl="0"/>
             <a:fld id="{0AC1AF47-3649-4D70-8624-44F2D47949BF}" type="datetime1">
               <a:rPr lang="it-IT" noProof="0" smtClean="0"/>
-              <a:t>27/06/2022</a:t>
+              <a:t>04/07/2022</a:t>
             </a:fld>
             <a:endParaRPr lang="it-IT" noProof="0" dirty="0"/>
           </a:p>
@@ -8142,7 +8151,7 @@
             <a:pPr rtl="0"/>
             <a:fld id="{0C86549E-7F36-460D-B45B-E31862ACF4DC}" type="datetime1">
               <a:rPr lang="it-IT" noProof="0" smtClean="0"/>
-              <a:t>27/06/2022</a:t>
+              <a:t>04/07/2022</a:t>
             </a:fld>
             <a:endParaRPr lang="it-IT" noProof="0" dirty="0"/>
           </a:p>
@@ -8546,7 +8555,7 @@
             <a:pPr rtl="0"/>
             <a:fld id="{5AD476CA-C764-4FAD-8146-5EA1029A9E33}" type="datetime1">
               <a:rPr lang="it-IT" noProof="0" smtClean="0"/>
-              <a:t>27/06/2022</a:t>
+              <a:t>04/07/2022</a:t>
             </a:fld>
             <a:endParaRPr lang="it-IT" noProof="0" dirty="0"/>
           </a:p>
@@ -8689,7 +8698,7 @@
             <a:pPr rtl="0"/>
             <a:fld id="{8718CE71-08A2-40CC-B75F-5DA9EAC27385}" type="datetime1">
               <a:rPr lang="it-IT" noProof="0" smtClean="0"/>
-              <a:t>27/06/2022</a:t>
+              <a:t>04/07/2022</a:t>
             </a:fld>
             <a:endParaRPr lang="it-IT" noProof="0" dirty="0"/>
           </a:p>
@@ -8881,7 +8890,7 @@
             <a:pPr rtl="0"/>
             <a:fld id="{2F6EAE58-4589-466E-80D1-72C9CC21B379}" type="datetime1">
               <a:rPr lang="it-IT" noProof="0" smtClean="0"/>
-              <a:t>27/06/2022</a:t>
+              <a:t>04/07/2022</a:t>
             </a:fld>
             <a:endParaRPr lang="it-IT" noProof="0" dirty="0"/>
           </a:p>
@@ -9197,7 +9206,7 @@
             <a:pPr rtl="0"/>
             <a:fld id="{415EA518-E098-4533-A7FE-3A70CD273BA1}" type="datetime1">
               <a:rPr lang="it-IT" noProof="0" smtClean="0"/>
-              <a:t>27/06/2022</a:t>
+              <a:t>04/07/2022</a:t>
             </a:fld>
             <a:endParaRPr lang="it-IT" noProof="0" dirty="0"/>
           </a:p>
@@ -9848,13 +9857,23 @@
           <a:bodyPr rtlCol="0"/>
           <a:lstStyle/>
           <a:p>
+            <a:pPr algn="ctr" rtl="0"/>
+            <a:r>
+              <a:rPr lang="it-IT" sz="3000" b="1" dirty="0"/>
+              <a:t>Oscillatori</a:t>
+            </a:r>
+          </a:p>
+          <a:p>
             <a:pPr rtl="0"/>
-            <a:r>
-              <a:rPr lang="it-IT" dirty="0">
-                <a:latin typeface="+mj-lt"/>
-              </a:rPr>
-              <a:t>Oscillatori</a:t>
-            </a:r>
+            <a:endParaRPr lang="it-IT" dirty="0">
+              <a:latin typeface="+mj-lt"/>
+            </a:endParaRPr>
+          </a:p>
+          <a:p>
+            <a:pPr rtl="0"/>
+            <a:endParaRPr lang="it-IT" dirty="0">
+              <a:latin typeface="+mj-lt"/>
+            </a:endParaRPr>
           </a:p>
           <a:p>
             <a:pPr rtl="0"/>
@@ -9863,6 +9882,15 @@
                 <a:latin typeface="+mj-lt"/>
               </a:rPr>
               <a:t>Greco salvatore 1053509</a:t>
+            </a:r>
+          </a:p>
+          <a:p>
+            <a:pPr rtl="0"/>
+            <a:r>
+              <a:rPr lang="it-IT" dirty="0">
+                <a:latin typeface="+mj-lt"/>
+              </a:rPr>
+              <a:t>Gamba Fabio 1053157</a:t>
             </a:r>
           </a:p>
         </p:txBody>
@@ -10530,14 +10558,6 @@
 <file path=ppt/slides/slide11.xml><?xml version="1.0" encoding="utf-8"?>
 <p:sld xmlns:a="http://schemas.openxmlformats.org/drawingml/2006/main" xmlns:r="http://schemas.openxmlformats.org/officeDocument/2006/relationships" xmlns:p="http://schemas.openxmlformats.org/presentationml/2006/main">
   <p:cSld>
-    <p:bg>
-      <p:bgPr>
-        <a:solidFill>
-          <a:schemeClr val="bg1"/>
-        </a:solidFill>
-        <a:effectLst/>
-      </p:bgPr>
-    </p:bg>
     <p:spTree>
       <p:nvGrpSpPr>
         <p:cNvPr id="1" name=""/>
@@ -10554,183 +10574,10 @@
       </p:grpSpPr>
       <p:sp>
         <p:nvSpPr>
-          <p:cNvPr id="13" name="Rettangolo 12">
-            <a:extLst>
-              <a:ext uri="{FF2B5EF4-FFF2-40B4-BE49-F238E27FC236}">
-                <a16:creationId xmlns:a16="http://schemas.microsoft.com/office/drawing/2014/main" id="{39E3965E-AC41-4711-9D10-E25ABB132D86}"/>
-              </a:ext>
-              <a:ext uri="{C183D7F6-B498-43B3-948B-1728B52AA6E4}">
-                <adec:decorative xmlns:adec="http://schemas.microsoft.com/office/drawing/2017/decorative" val="1"/>
-              </a:ext>
-            </a:extLst>
-          </p:cNvPr>
-          <p:cNvSpPr>
-            <a:spLocks noGrp="1" noRot="1" noChangeAspect="1" noMove="1" noResize="1" noEditPoints="1" noAdjustHandles="1" noChangeArrowheads="1" noChangeShapeType="1" noTextEdit="1"/>
-          </p:cNvSpPr>
-          <p:nvPr>
-            <p:extLst>
-              <p:ext uri="{386F3935-93C4-4BCD-93E2-E3B085C9AB24}">
-                <p16:designElem xmlns:p16="http://schemas.microsoft.com/office/powerpoint/2015/main" val="1"/>
-              </p:ext>
-            </p:extLst>
-          </p:nvPr>
-        </p:nvSpPr>
-        <p:spPr>
-          <a:xfrm>
-            <a:off x="3175" y="6400800"/>
-            <a:ext cx="12188825" cy="457200"/>
-          </a:xfrm>
-          <a:prstGeom prst="rect">
-            <a:avLst/>
-          </a:prstGeom>
-          <a:solidFill>
-            <a:srgbClr val="262626"/>
-          </a:solidFill>
-          <a:ln>
-            <a:noFill/>
-          </a:ln>
-        </p:spPr>
-        <p:style>
-          <a:lnRef idx="2">
-            <a:schemeClr val="accent1">
-              <a:shade val="50000"/>
-            </a:schemeClr>
-          </a:lnRef>
-          <a:fillRef idx="1">
-            <a:schemeClr val="accent1"/>
-          </a:fillRef>
-          <a:effectRef idx="0">
-            <a:schemeClr val="accent1"/>
-          </a:effectRef>
-          <a:fontRef idx="minor">
-            <a:schemeClr val="lt1"/>
-          </a:fontRef>
-        </p:style>
-      </p:sp>
-      <p:cxnSp>
-        <p:nvCxnSpPr>
-          <p:cNvPr id="15" name="Connettore diritto 14">
-            <a:extLst>
-              <a:ext uri="{FF2B5EF4-FFF2-40B4-BE49-F238E27FC236}">
-                <a16:creationId xmlns:a16="http://schemas.microsoft.com/office/drawing/2014/main" id="{1F5DC8C3-BA5F-4EED-BB9A-A14272BD82A1}"/>
-              </a:ext>
-              <a:ext uri="{C183D7F6-B498-43B3-948B-1728B52AA6E4}">
-                <adec:decorative xmlns:adec="http://schemas.microsoft.com/office/drawing/2017/decorative" val="1"/>
-              </a:ext>
-            </a:extLst>
-          </p:cNvPr>
-          <p:cNvCxnSpPr>
-            <a:cxnSpLocks noGrp="1" noRot="1" noChangeAspect="1" noMove="1" noResize="1" noEditPoints="1" noAdjustHandles="1" noChangeArrowheads="1" noChangeShapeType="1"/>
-          </p:cNvCxnSpPr>
-          <p:nvPr>
-            <p:extLst>
-              <p:ext uri="{386F3935-93C4-4BCD-93E2-E3B085C9AB24}">
-                <p16:designElem xmlns:p16="http://schemas.microsoft.com/office/powerpoint/2015/main" val="1"/>
-              </p:ext>
-            </p:extLst>
-          </p:nvPr>
-        </p:nvCxnSpPr>
-        <p:spPr>
-          <a:xfrm>
-            <a:off x="1207658" y="4474741"/>
-            <a:ext cx="9875520" cy="0"/>
-          </a:xfrm>
-          <a:prstGeom prst="line">
-            <a:avLst/>
-          </a:prstGeom>
-          <a:ln w="12700">
-            <a:solidFill>
-              <a:schemeClr val="tx1">
-                <a:lumMod val="75000"/>
-                <a:lumOff val="25000"/>
-              </a:schemeClr>
-            </a:solidFill>
-          </a:ln>
-        </p:spPr>
-        <p:style>
-          <a:lnRef idx="1">
-            <a:schemeClr val="accent1"/>
-          </a:lnRef>
-          <a:fillRef idx="0">
-            <a:schemeClr val="accent1"/>
-          </a:fillRef>
-          <a:effectRef idx="0">
-            <a:schemeClr val="accent1"/>
-          </a:effectRef>
-          <a:fontRef idx="minor">
-            <a:schemeClr val="tx1"/>
-          </a:fontRef>
-        </p:style>
-      </p:cxnSp>
-      <p:sp>
-        <p:nvSpPr>
-          <p:cNvPr id="17" name="Rettangolo 16">
-            <a:extLst>
-              <a:ext uri="{FF2B5EF4-FFF2-40B4-BE49-F238E27FC236}">
-                <a16:creationId xmlns:a16="http://schemas.microsoft.com/office/drawing/2014/main" id="{FBDCECDC-EEE3-4128-AA5E-82A8C08796E8}"/>
-              </a:ext>
-              <a:ext uri="{C183D7F6-B498-43B3-948B-1728B52AA6E4}">
-                <adec:decorative xmlns:adec="http://schemas.microsoft.com/office/drawing/2017/decorative" val="1"/>
-              </a:ext>
-            </a:extLst>
-          </p:cNvPr>
-          <p:cNvSpPr>
-            <a:spLocks noGrp="1" noRot="1" noChangeAspect="1" noMove="1" noResize="1" noEditPoints="1" noAdjustHandles="1" noChangeArrowheads="1" noChangeShapeType="1" noTextEdit="1"/>
-          </p:cNvSpPr>
-          <p:nvPr>
-            <p:extLst>
-              <p:ext uri="{386F3935-93C4-4BCD-93E2-E3B085C9AB24}">
-                <p16:designElem xmlns:p16="http://schemas.microsoft.com/office/powerpoint/2015/main" val="1"/>
-              </p:ext>
-            </p:extLst>
-          </p:nvPr>
-        </p:nvSpPr>
-        <p:spPr>
-          <a:xfrm>
-            <a:off x="1507" y="0"/>
-            <a:ext cx="12192000" cy="6858000"/>
-          </a:xfrm>
-          <a:prstGeom prst="rect">
-            <a:avLst/>
-          </a:prstGeom>
-          <a:solidFill>
-            <a:schemeClr val="accent1"/>
-          </a:solidFill>
-          <a:ln>
-            <a:noFill/>
-          </a:ln>
-        </p:spPr>
-        <p:style>
-          <a:lnRef idx="2">
-            <a:schemeClr val="accent1">
-              <a:shade val="50000"/>
-            </a:schemeClr>
-          </a:lnRef>
-          <a:fillRef idx="1">
-            <a:schemeClr val="accent1"/>
-          </a:fillRef>
-          <a:effectRef idx="0">
-            <a:schemeClr val="accent1"/>
-          </a:effectRef>
-          <a:fontRef idx="minor">
-            <a:schemeClr val="lt1"/>
-          </a:fontRef>
-        </p:style>
-        <p:txBody>
-          <a:bodyPr rtlCol="0" anchor="ctr"/>
-          <a:lstStyle/>
-          <a:p>
-            <a:pPr algn="ctr" rtl="0"/>
-            <a:endParaRPr lang="it-IT" dirty="0"/>
-          </a:p>
-        </p:txBody>
-      </p:sp>
-      <p:sp>
-        <p:nvSpPr>
-          <p:cNvPr id="7" name="Titolo 6">
-            <a:extLst>
-              <a:ext uri="{FF2B5EF4-FFF2-40B4-BE49-F238E27FC236}">
-                <a16:creationId xmlns:a16="http://schemas.microsoft.com/office/drawing/2014/main" id="{5365BF64-4B30-4125-9A30-A1B08C80ED7D}"/>
+          <p:cNvPr id="2" name="Titolo 1">
+            <a:extLst>
+              <a:ext uri="{FF2B5EF4-FFF2-40B4-BE49-F238E27FC236}">
+                <a16:creationId xmlns:a16="http://schemas.microsoft.com/office/drawing/2014/main" id="{CD168BCB-C0C0-7B87-1FDF-8814F3CAA3C2}"/>
               </a:ext>
             </a:extLst>
           </p:cNvPr>
@@ -10741,92 +10588,29 @@
             <p:ph type="title"/>
           </p:nvPr>
         </p:nvSpPr>
-        <p:spPr>
-          <a:xfrm>
-            <a:off x="1097280" y="758952"/>
-            <a:ext cx="10058400" cy="3892168"/>
-          </a:xfrm>
-        </p:spPr>
-        <p:txBody>
-          <a:bodyPr vert="horz" lIns="91440" tIns="45720" rIns="91440" bIns="45720" rtlCol="0" anchor="b">
-            <a:normAutofit/>
-          </a:bodyPr>
+        <p:spPr/>
+        <p:txBody>
+          <a:bodyPr/>
           <a:lstStyle/>
           <a:p>
-            <a:pPr rtl="0"/>
-            <a:r>
-              <a:rPr lang="it-IT" sz="9600" dirty="0">
-                <a:solidFill>
-                  <a:srgbClr val="FFFFFF"/>
-                </a:solidFill>
-                <a:latin typeface="+mj-lt"/>
-              </a:rPr>
-              <a:t>Fine</a:t>
-            </a:r>
-          </a:p>
-        </p:txBody>
-      </p:sp>
-      <p:sp>
-        <p:nvSpPr>
-          <p:cNvPr id="19" name="Rettangolo 18">
-            <a:extLst>
-              <a:ext uri="{FF2B5EF4-FFF2-40B4-BE49-F238E27FC236}">
-                <a16:creationId xmlns:a16="http://schemas.microsoft.com/office/drawing/2014/main" id="{4260EDE0-989C-4E16-AF94-F652294D828E}"/>
-              </a:ext>
-              <a:ext uri="{C183D7F6-B498-43B3-948B-1728B52AA6E4}">
-                <adec:decorative xmlns:adec="http://schemas.microsoft.com/office/drawing/2017/decorative" val="1"/>
-              </a:ext>
-            </a:extLst>
-          </p:cNvPr>
-          <p:cNvSpPr>
-            <a:spLocks noGrp="1" noRot="1" noChangeAspect="1" noMove="1" noResize="1" noEditPoints="1" noAdjustHandles="1" noChangeArrowheads="1" noChangeShapeType="1" noTextEdit="1"/>
-          </p:cNvSpPr>
-          <p:nvPr>
-            <p:extLst>
-              <p:ext uri="{386F3935-93C4-4BCD-93E2-E3B085C9AB24}">
-                <p16:designElem xmlns:p16="http://schemas.microsoft.com/office/powerpoint/2015/main" val="1"/>
-              </p:ext>
-            </p:extLst>
-          </p:nvPr>
-        </p:nvSpPr>
-        <p:spPr bwMode="white">
-          <a:xfrm>
-            <a:off x="1507" y="4953000"/>
-            <a:ext cx="12188952" cy="1905000"/>
-          </a:xfrm>
-          <a:prstGeom prst="rect">
-            <a:avLst/>
-          </a:prstGeom>
-          <a:solidFill>
-            <a:srgbClr val="262626"/>
-          </a:solidFill>
-          <a:ln>
-            <a:noFill/>
-          </a:ln>
-        </p:spPr>
-        <p:style>
-          <a:lnRef idx="2">
-            <a:schemeClr val="accent1">
-              <a:shade val="50000"/>
-            </a:schemeClr>
-          </a:lnRef>
-          <a:fillRef idx="1">
-            <a:schemeClr val="accent1"/>
-          </a:fillRef>
-          <a:effectRef idx="0">
-            <a:schemeClr val="accent1"/>
-          </a:effectRef>
-          <a:fontRef idx="minor">
-            <a:schemeClr val="lt1"/>
-          </a:fontRef>
-        </p:style>
-      </p:sp>
-      <p:sp>
-        <p:nvSpPr>
-          <p:cNvPr id="8" name="Segnaposto contenuto 7">
-            <a:extLst>
-              <a:ext uri="{FF2B5EF4-FFF2-40B4-BE49-F238E27FC236}">
-                <a16:creationId xmlns:a16="http://schemas.microsoft.com/office/drawing/2014/main" id="{D4305886-8ACA-4ED6-AA5B-215F6D741CF0}"/>
+            <a:r>
+              <a:rPr lang="it-IT" dirty="0"/>
+              <a:t>Timer 555 </a:t>
+            </a:r>
+            <a:r>
+              <a:rPr lang="it-IT" dirty="0" err="1"/>
+              <a:t>Astable</a:t>
+            </a:r>
+            <a:endParaRPr lang="it-IT" dirty="0"/>
+          </a:p>
+        </p:txBody>
+      </p:sp>
+      <p:sp>
+        <p:nvSpPr>
+          <p:cNvPr id="3" name="Segnaposto contenuto 2">
+            <a:extLst>
+              <a:ext uri="{FF2B5EF4-FFF2-40B4-BE49-F238E27FC236}">
+                <a16:creationId xmlns:a16="http://schemas.microsoft.com/office/drawing/2014/main" id="{16A48B06-D0C0-AFB4-95B8-98CD777EEED2}"/>
               </a:ext>
             </a:extLst>
           </p:cNvPr>
@@ -10837,72 +10621,2266 @@
             <p:ph idx="1"/>
           </p:nvPr>
         </p:nvSpPr>
-        <p:spPr>
-          <a:xfrm>
-            <a:off x="1100051" y="5225240"/>
-            <a:ext cx="10058400" cy="1143000"/>
-          </a:xfrm>
-        </p:spPr>
-        <p:txBody>
-          <a:bodyPr vert="horz" lIns="91440" tIns="45720" rIns="91440" bIns="45720" rtlCol="0">
-            <a:normAutofit/>
-          </a:bodyPr>
+        <p:spPr/>
+        <p:txBody>
+          <a:bodyPr/>
           <a:lstStyle/>
           <a:p>
-            <a:pPr marL="0" indent="0" rtl="0">
-              <a:buNone/>
-            </a:pPr>
-            <a:endParaRPr lang="it-IT" sz="2400" cap="all" spc="200" dirty="0">
-              <a:solidFill>
-                <a:srgbClr val="FFFFFF"/>
-              </a:solidFill>
-            </a:endParaRPr>
+            <a:r>
+              <a:rPr lang="it-IT" dirty="0"/>
+              <a:t>Abbiamo realizzato un Timer 555 in modalità astabile, ovvero che genera continuamente, in uscita, un’onda quadra.</a:t>
+            </a:r>
+          </a:p>
+          <a:p>
+            <a:r>
+              <a:rPr lang="it-IT" dirty="0"/>
+              <a:t>In </a:t>
+            </a:r>
+            <a:r>
+              <a:rPr lang="it-IT" dirty="0" err="1"/>
+              <a:t>LTSpice</a:t>
+            </a:r>
+            <a:r>
+              <a:rPr lang="it-IT" dirty="0"/>
+              <a:t> abbiamo realizzato sia la versione con duty </a:t>
+            </a:r>
+            <a:r>
+              <a:rPr lang="it-IT" dirty="0" err="1"/>
+              <a:t>cycle</a:t>
+            </a:r>
+            <a:r>
+              <a:rPr lang="it-IT" dirty="0"/>
+              <a:t> maggiore del 50%, sia la versione con duty </a:t>
+            </a:r>
+            <a:r>
+              <a:rPr lang="it-IT" dirty="0" err="1"/>
+              <a:t>cycle</a:t>
+            </a:r>
+            <a:r>
+              <a:rPr lang="it-IT" dirty="0"/>
+              <a:t> minore del 50%. </a:t>
+            </a:r>
+          </a:p>
+        </p:txBody>
+      </p:sp>
+      <p:sp>
+        <p:nvSpPr>
+          <p:cNvPr id="4" name="Segnaposto numero diapositiva 3">
+            <a:extLst>
+              <a:ext uri="{FF2B5EF4-FFF2-40B4-BE49-F238E27FC236}">
+                <a16:creationId xmlns:a16="http://schemas.microsoft.com/office/drawing/2014/main" id="{D6836A4F-B154-B895-BFEC-B25B907FB131}"/>
+              </a:ext>
+            </a:extLst>
+          </p:cNvPr>
+          <p:cNvSpPr>
+            <a:spLocks noGrp="1"/>
+          </p:cNvSpPr>
+          <p:nvPr>
+            <p:ph type="sldNum" sz="quarter" idx="12"/>
+          </p:nvPr>
+        </p:nvSpPr>
+        <p:spPr/>
+        <p:txBody>
+          <a:bodyPr/>
+          <a:lstStyle/>
+          <a:p>
+            <a:pPr rtl="0"/>
+            <a:fld id="{3A98EE3D-8CD1-4C3F-BD1C-C98C9596463C}" type="slidenum">
+              <a:rPr lang="it-IT" noProof="0" smtClean="0"/>
+              <a:t>11</a:t>
+            </a:fld>
+            <a:endParaRPr lang="it-IT" noProof="0" dirty="0"/>
+          </a:p>
+        </p:txBody>
+      </p:sp>
+    </p:spTree>
+    <p:extLst>
+      <p:ext uri="{BB962C8B-B14F-4D97-AF65-F5344CB8AC3E}">
+        <p14:creationId xmlns:p14="http://schemas.microsoft.com/office/powerpoint/2010/main" val="4216702591"/>
+      </p:ext>
+    </p:extLst>
+  </p:cSld>
+  <p:clrMapOvr>
+    <a:masterClrMapping/>
+  </p:clrMapOvr>
+</p:sld>
+</file>
+
+<file path=ppt/slides/slide12.xml><?xml version="1.0" encoding="utf-8"?>
+<p:sld xmlns:a="http://schemas.openxmlformats.org/drawingml/2006/main" xmlns:r="http://schemas.openxmlformats.org/officeDocument/2006/relationships" xmlns:p="http://schemas.openxmlformats.org/presentationml/2006/main">
+  <p:cSld>
+    <p:spTree>
+      <p:nvGrpSpPr>
+        <p:cNvPr id="1" name=""/>
+        <p:cNvGrpSpPr/>
+        <p:nvPr/>
+      </p:nvGrpSpPr>
+      <p:grpSpPr>
+        <a:xfrm>
+          <a:off x="0" y="0"/>
+          <a:ext cx="0" cy="0"/>
+          <a:chOff x="0" y="0"/>
+          <a:chExt cx="0" cy="0"/>
+        </a:xfrm>
+      </p:grpSpPr>
+      <p:sp>
+        <p:nvSpPr>
+          <p:cNvPr id="2" name="Titolo 1">
+            <a:extLst>
+              <a:ext uri="{FF2B5EF4-FFF2-40B4-BE49-F238E27FC236}">
+                <a16:creationId xmlns:a16="http://schemas.microsoft.com/office/drawing/2014/main" id="{33E97393-C91F-2190-CC01-0973F406224F}"/>
+              </a:ext>
+            </a:extLst>
+          </p:cNvPr>
+          <p:cNvSpPr>
+            <a:spLocks noGrp="1"/>
+          </p:cNvSpPr>
+          <p:nvPr>
+            <p:ph type="title"/>
+          </p:nvPr>
+        </p:nvSpPr>
+        <p:spPr/>
+        <p:txBody>
+          <a:bodyPr/>
+          <a:lstStyle/>
+          <a:p>
+            <a:r>
+              <a:rPr lang="it-IT" dirty="0"/>
+              <a:t>Schema </a:t>
+            </a:r>
+            <a:r>
+              <a:rPr lang="it-IT" dirty="0" err="1"/>
+              <a:t>LTSpice</a:t>
+            </a:r>
+            <a:r>
+              <a:rPr lang="it-IT" dirty="0"/>
+              <a:t> (</a:t>
+            </a:r>
+            <a:r>
+              <a:rPr lang="it-IT" dirty="0" err="1"/>
+              <a:t>Normal</a:t>
+            </a:r>
+            <a:r>
+              <a:rPr lang="it-IT" dirty="0"/>
+              <a:t> Duty </a:t>
+            </a:r>
+            <a:r>
+              <a:rPr lang="it-IT" dirty="0" err="1"/>
+              <a:t>Cycle</a:t>
+            </a:r>
+            <a:r>
+              <a:rPr lang="it-IT" dirty="0"/>
+              <a:t>)</a:t>
+            </a:r>
           </a:p>
         </p:txBody>
       </p:sp>
       <p:pic>
         <p:nvPicPr>
-          <p:cNvPr id="9" name="Elemento grafico 8">
-            <a:extLst>
-              <a:ext uri="{FF2B5EF4-FFF2-40B4-BE49-F238E27FC236}">
-                <a16:creationId xmlns:a16="http://schemas.microsoft.com/office/drawing/2014/main" id="{3E65CF70-BBD9-4DD4-B59D-D2657A0E613F}"/>
+          <p:cNvPr id="6" name="Segnaposto contenuto 5">
+            <a:extLst>
+              <a:ext uri="{FF2B5EF4-FFF2-40B4-BE49-F238E27FC236}">
+                <a16:creationId xmlns:a16="http://schemas.microsoft.com/office/drawing/2014/main" id="{9B2886E6-FD02-F9D5-22D5-7F0500EB82B9}"/>
               </a:ext>
             </a:extLst>
           </p:cNvPr>
           <p:cNvPicPr>
-            <a:picLocks noChangeAspect="1"/>
+            <a:picLocks noGrp="1" noChangeAspect="1"/>
           </p:cNvPicPr>
-          <p:nvPr/>
+          <p:nvPr>
+            <p:ph idx="1"/>
+          </p:nvPr>
         </p:nvPicPr>
         <p:blipFill>
-          <a:blip r:embed="rId3" cstate="print">
-            <a:extLst>
-              <a:ext uri="{28A0092B-C50C-407E-A947-70E740481C1C}">
-                <a14:useLocalDpi xmlns:a14="http://schemas.microsoft.com/office/drawing/2010/main" val="0"/>
-              </a:ext>
-              <a:ext uri="{96DAC541-7B7A-43D3-8B79-37D633B846F1}">
-                <asvg:svgBlip xmlns:asvg="http://schemas.microsoft.com/office/drawing/2016/SVG/main" r:embed="rId4"/>
-              </a:ext>
-            </a:extLst>
-          </a:blip>
+          <a:blip r:embed="rId2"/>
           <a:stretch>
             <a:fillRect/>
           </a:stretch>
         </p:blipFill>
         <p:spPr>
           <a:xfrm>
-            <a:off x="5210895" y="5764056"/>
-            <a:ext cx="1770209" cy="700341"/>
+            <a:off x="670760" y="2065068"/>
+            <a:ext cx="6456160" cy="3760788"/>
+          </a:xfrm>
+        </p:spPr>
+      </p:pic>
+      <p:sp>
+        <p:nvSpPr>
+          <p:cNvPr id="4" name="Segnaposto numero diapositiva 3">
+            <a:extLst>
+              <a:ext uri="{FF2B5EF4-FFF2-40B4-BE49-F238E27FC236}">
+                <a16:creationId xmlns:a16="http://schemas.microsoft.com/office/drawing/2014/main" id="{67220717-04B8-32FF-3143-EDED0A47A177}"/>
+              </a:ext>
+            </a:extLst>
+          </p:cNvPr>
+          <p:cNvSpPr>
+            <a:spLocks noGrp="1"/>
+          </p:cNvSpPr>
+          <p:nvPr>
+            <p:ph type="sldNum" sz="quarter" idx="12"/>
+          </p:nvPr>
+        </p:nvSpPr>
+        <p:spPr/>
+        <p:txBody>
+          <a:bodyPr/>
+          <a:lstStyle/>
+          <a:p>
+            <a:pPr rtl="0"/>
+            <a:fld id="{3A98EE3D-8CD1-4C3F-BD1C-C98C9596463C}" type="slidenum">
+              <a:rPr lang="it-IT" noProof="0" smtClean="0"/>
+              <a:t>12</a:t>
+            </a:fld>
+            <a:endParaRPr lang="it-IT" noProof="0" dirty="0"/>
+          </a:p>
+        </p:txBody>
+      </p:sp>
+      <p:sp>
+        <p:nvSpPr>
+          <p:cNvPr id="7" name="CasellaDiTesto 6">
+            <a:extLst>
+              <a:ext uri="{FF2B5EF4-FFF2-40B4-BE49-F238E27FC236}">
+                <a16:creationId xmlns:a16="http://schemas.microsoft.com/office/drawing/2014/main" id="{B36A845B-927A-112B-ED0A-76C9B1919693}"/>
+              </a:ext>
+            </a:extLst>
+          </p:cNvPr>
+          <p:cNvSpPr txBox="1"/>
+          <p:nvPr/>
+        </p:nvSpPr>
+        <p:spPr>
+          <a:xfrm>
+            <a:off x="7582619" y="2065068"/>
+            <a:ext cx="4028536" cy="2585323"/>
           </a:xfrm>
           <a:prstGeom prst="rect">
             <a:avLst/>
           </a:prstGeom>
+          <a:noFill/>
+        </p:spPr>
+        <p:txBody>
+          <a:bodyPr wrap="square" rtlCol="0">
+            <a:spAutoFit/>
+          </a:bodyPr>
+          <a:lstStyle/>
+          <a:p>
+            <a:r>
+              <a:rPr lang="it-IT" dirty="0"/>
+              <a:t>Abbiamo realizzato il timer 555 utilizzando lo </a:t>
+            </a:r>
+            <a:r>
+              <a:rPr lang="it-IT" dirty="0" err="1"/>
+              <a:t>schematic</a:t>
+            </a:r>
+            <a:r>
+              <a:rPr lang="it-IT" dirty="0"/>
+              <a:t> già presente in </a:t>
+            </a:r>
+            <a:r>
+              <a:rPr lang="it-IT" dirty="0" err="1"/>
+              <a:t>LTSpice</a:t>
+            </a:r>
+            <a:r>
+              <a:rPr lang="it-IT" dirty="0"/>
+              <a:t>, ovvero l’NE555.</a:t>
+            </a:r>
+          </a:p>
+          <a:p>
+            <a:endParaRPr lang="it-IT" dirty="0"/>
+          </a:p>
+          <a:p>
+            <a:r>
+              <a:rPr lang="it-IT" dirty="0"/>
+              <a:t>Abbiamo quindi aggiunto la tensione di alimentazione, il circuito di carica/scarica formato da R1 e R2, il condensatore di carica/scarica e il condensatore di controllo.</a:t>
+            </a:r>
+          </a:p>
+        </p:txBody>
+      </p:sp>
+    </p:spTree>
+    <p:extLst>
+      <p:ext uri="{BB962C8B-B14F-4D97-AF65-F5344CB8AC3E}">
+        <p14:creationId xmlns:p14="http://schemas.microsoft.com/office/powerpoint/2010/main" val="766126276"/>
+      </p:ext>
+    </p:extLst>
+  </p:cSld>
+  <p:clrMapOvr>
+    <a:masterClrMapping/>
+  </p:clrMapOvr>
+</p:sld>
+</file>
+
+<file path=ppt/slides/slide13.xml><?xml version="1.0" encoding="utf-8"?>
+<p:sld xmlns:a="http://schemas.openxmlformats.org/drawingml/2006/main" xmlns:r="http://schemas.openxmlformats.org/officeDocument/2006/relationships" xmlns:p="http://schemas.openxmlformats.org/presentationml/2006/main">
+  <p:cSld>
+    <p:spTree>
+      <p:nvGrpSpPr>
+        <p:cNvPr id="1" name=""/>
+        <p:cNvGrpSpPr/>
+        <p:nvPr/>
+      </p:nvGrpSpPr>
+      <p:grpSpPr>
+        <a:xfrm>
+          <a:off x="0" y="0"/>
+          <a:ext cx="0" cy="0"/>
+          <a:chOff x="0" y="0"/>
+          <a:chExt cx="0" cy="0"/>
+        </a:xfrm>
+      </p:grpSpPr>
+      <p:sp>
+        <p:nvSpPr>
+          <p:cNvPr id="2" name="Titolo 1">
+            <a:extLst>
+              <a:ext uri="{FF2B5EF4-FFF2-40B4-BE49-F238E27FC236}">
+                <a16:creationId xmlns:a16="http://schemas.microsoft.com/office/drawing/2014/main" id="{2A16B747-BD8A-BD01-66C5-A59CD3883A64}"/>
+              </a:ext>
+            </a:extLst>
+          </p:cNvPr>
+          <p:cNvSpPr>
+            <a:spLocks noGrp="1"/>
+          </p:cNvSpPr>
+          <p:nvPr>
+            <p:ph type="title"/>
+          </p:nvPr>
+        </p:nvSpPr>
+        <p:spPr/>
+        <p:txBody>
+          <a:bodyPr/>
+          <a:lstStyle/>
+          <a:p>
+            <a:r>
+              <a:rPr lang="it-IT" dirty="0"/>
+              <a:t>Grafici e risultati (</a:t>
+            </a:r>
+            <a:r>
+              <a:rPr lang="it-IT" dirty="0" err="1"/>
+              <a:t>Normal</a:t>
+            </a:r>
+            <a:r>
+              <a:rPr lang="it-IT" dirty="0"/>
+              <a:t> Duty </a:t>
+            </a:r>
+            <a:r>
+              <a:rPr lang="it-IT" dirty="0" err="1"/>
+              <a:t>Cycle</a:t>
+            </a:r>
+            <a:r>
+              <a:rPr lang="it-IT" dirty="0"/>
+              <a:t>)</a:t>
+            </a:r>
+          </a:p>
+        </p:txBody>
+      </p:sp>
+      <p:sp>
+        <p:nvSpPr>
+          <p:cNvPr id="4" name="Segnaposto numero diapositiva 3">
+            <a:extLst>
+              <a:ext uri="{FF2B5EF4-FFF2-40B4-BE49-F238E27FC236}">
+                <a16:creationId xmlns:a16="http://schemas.microsoft.com/office/drawing/2014/main" id="{FFE0FC92-F5FC-512E-D9E2-67DE2381E55B}"/>
+              </a:ext>
+            </a:extLst>
+          </p:cNvPr>
+          <p:cNvSpPr>
+            <a:spLocks noGrp="1"/>
+          </p:cNvSpPr>
+          <p:nvPr>
+            <p:ph type="sldNum" sz="quarter" idx="12"/>
+          </p:nvPr>
+        </p:nvSpPr>
+        <p:spPr/>
+        <p:txBody>
+          <a:bodyPr/>
+          <a:lstStyle/>
+          <a:p>
+            <a:pPr rtl="0"/>
+            <a:fld id="{3A98EE3D-8CD1-4C3F-BD1C-C98C9596463C}" type="slidenum">
+              <a:rPr lang="it-IT" noProof="0" smtClean="0"/>
+              <a:t>13</a:t>
+            </a:fld>
+            <a:endParaRPr lang="it-IT" noProof="0" dirty="0"/>
+          </a:p>
+        </p:txBody>
+      </p:sp>
+      <p:pic>
+        <p:nvPicPr>
+          <p:cNvPr id="10" name="Segnaposto contenuto 9">
+            <a:extLst>
+              <a:ext uri="{FF2B5EF4-FFF2-40B4-BE49-F238E27FC236}">
+                <a16:creationId xmlns:a16="http://schemas.microsoft.com/office/drawing/2014/main" id="{D84DAD62-F93A-01F1-758E-D179FB78790F}"/>
+              </a:ext>
+            </a:extLst>
+          </p:cNvPr>
+          <p:cNvPicPr>
+            <a:picLocks noGrp="1" noChangeAspect="1"/>
+          </p:cNvPicPr>
+          <p:nvPr>
+            <p:ph idx="1"/>
+          </p:nvPr>
+        </p:nvPicPr>
+        <p:blipFill>
+          <a:blip r:embed="rId2"/>
+          <a:stretch>
+            <a:fillRect/>
+          </a:stretch>
+        </p:blipFill>
+        <p:spPr>
+          <a:xfrm>
+            <a:off x="5530012" y="1860997"/>
+            <a:ext cx="6367698" cy="3760788"/>
+          </a:xfrm>
+        </p:spPr>
+      </p:pic>
+      <mc:AlternateContent xmlns:mc="http://schemas.openxmlformats.org/markup-compatibility/2006">
+        <mc:Choice xmlns:a14="http://schemas.microsoft.com/office/drawing/2010/main" Requires="a14">
+          <p:sp>
+            <p:nvSpPr>
+              <p:cNvPr id="11" name="CasellaDiTesto 10">
+                <a:extLst>
+                  <a:ext uri="{FF2B5EF4-FFF2-40B4-BE49-F238E27FC236}">
+                    <a16:creationId xmlns:a16="http://schemas.microsoft.com/office/drawing/2014/main" id="{60ACAD0F-CE97-EC90-3CE3-7812100D4397}"/>
+                  </a:ext>
+                </a:extLst>
+              </p:cNvPr>
+              <p:cNvSpPr txBox="1"/>
+              <p:nvPr/>
+            </p:nvSpPr>
+            <p:spPr>
+              <a:xfrm>
+                <a:off x="185338" y="1737360"/>
+                <a:ext cx="5144654" cy="5136727"/>
+              </a:xfrm>
+              <a:prstGeom prst="rect">
+                <a:avLst/>
+              </a:prstGeom>
+              <a:noFill/>
+            </p:spPr>
+            <p:txBody>
+              <a:bodyPr wrap="square" rtlCol="0">
+                <a:spAutoFit/>
+              </a:bodyPr>
+              <a:lstStyle/>
+              <a:p>
+                <a:r>
+                  <a:rPr lang="it-IT" dirty="0"/>
+                  <a:t>V(out) è la tensione in output al timer e varia tra 0V e 6V.</a:t>
+                </a:r>
+              </a:p>
+              <a:p>
+                <a:endParaRPr lang="it-IT" dirty="0"/>
+              </a:p>
+              <a:p>
+                <a:r>
+                  <a:rPr lang="it-IT" dirty="0"/>
+                  <a:t>V(n001) è la tensione del condensatore e varia tra </a:t>
+                </a:r>
+                <a14:m>
+                  <m:oMath xmlns:m="http://schemas.openxmlformats.org/officeDocument/2006/math">
+                    <m:f>
+                      <m:fPr>
+                        <m:ctrlPr>
+                          <a:rPr lang="it-IT" i="1" smtClean="0">
+                            <a:latin typeface="Cambria Math" panose="02040503050406030204" pitchFamily="18" charset="0"/>
+                          </a:rPr>
+                        </m:ctrlPr>
+                      </m:fPr>
+                      <m:num>
+                        <m:r>
+                          <a:rPr lang="it-IT" b="0" i="1" smtClean="0">
+                            <a:latin typeface="Cambria Math" panose="02040503050406030204" pitchFamily="18" charset="0"/>
+                          </a:rPr>
+                          <m:t>2</m:t>
+                        </m:r>
+                      </m:num>
+                      <m:den>
+                        <m:r>
+                          <a:rPr lang="it-IT" b="0" i="1" smtClean="0">
+                            <a:latin typeface="Cambria Math" panose="02040503050406030204" pitchFamily="18" charset="0"/>
+                          </a:rPr>
+                          <m:t>3</m:t>
+                        </m:r>
+                      </m:den>
+                    </m:f>
+                    <m:r>
+                      <a:rPr lang="it-IT" b="0" i="1" smtClean="0">
+                        <a:latin typeface="Cambria Math" panose="02040503050406030204" pitchFamily="18" charset="0"/>
+                      </a:rPr>
+                      <m:t>𝑉𝑐𝑐</m:t>
+                    </m:r>
+                  </m:oMath>
+                </a14:m>
+                <a:r>
+                  <a:rPr lang="it-IT" dirty="0"/>
+                  <a:t> e </a:t>
+                </a:r>
+                <a14:m>
+                  <m:oMath xmlns:m="http://schemas.openxmlformats.org/officeDocument/2006/math">
+                    <m:f>
+                      <m:fPr>
+                        <m:ctrlPr>
+                          <a:rPr lang="it-IT" i="1">
+                            <a:latin typeface="Cambria Math" panose="02040503050406030204" pitchFamily="18" charset="0"/>
+                          </a:rPr>
+                        </m:ctrlPr>
+                      </m:fPr>
+                      <m:num>
+                        <m:r>
+                          <a:rPr lang="it-IT" b="0" i="1" smtClean="0">
+                            <a:latin typeface="Cambria Math" panose="02040503050406030204" pitchFamily="18" charset="0"/>
+                          </a:rPr>
+                          <m:t>1</m:t>
+                        </m:r>
+                      </m:num>
+                      <m:den>
+                        <m:r>
+                          <a:rPr lang="it-IT" i="1">
+                            <a:latin typeface="Cambria Math" panose="02040503050406030204" pitchFamily="18" charset="0"/>
+                          </a:rPr>
+                          <m:t>3</m:t>
+                        </m:r>
+                      </m:den>
+                    </m:f>
+                    <m:r>
+                      <a:rPr lang="it-IT" b="0" i="1" smtClean="0">
+                        <a:latin typeface="Cambria Math" panose="02040503050406030204" pitchFamily="18" charset="0"/>
+                      </a:rPr>
+                      <m:t>𝑉𝑐𝑐</m:t>
+                    </m:r>
+                  </m:oMath>
+                </a14:m>
+                <a:r>
+                  <a:rPr lang="it-IT" dirty="0"/>
+                  <a:t>. Poiché </a:t>
+                </a:r>
+                <a:r>
+                  <a:rPr lang="it-IT" dirty="0" err="1"/>
+                  <a:t>Vcc</a:t>
+                </a:r>
+                <a:r>
+                  <a:rPr lang="it-IT" dirty="0"/>
+                  <a:t> = 6V, la tensione varia, quindi, tra 2V e 4V.</a:t>
+                </a:r>
+              </a:p>
+              <a:p>
+                <a:endParaRPr lang="it-IT" dirty="0"/>
+              </a:p>
+              <a:p>
+                <a:r>
+                  <a:rPr lang="it-IT" dirty="0"/>
+                  <a:t>Essendo il timer in </a:t>
+                </a:r>
+                <a:r>
+                  <a:rPr lang="it-IT" dirty="0" err="1"/>
+                  <a:t>modalià</a:t>
+                </a:r>
+                <a:r>
+                  <a:rPr lang="it-IT" dirty="0"/>
+                  <a:t> </a:t>
+                </a:r>
+                <a:r>
+                  <a:rPr lang="it-IT" dirty="0" err="1"/>
+                  <a:t>Normal</a:t>
+                </a:r>
+                <a:r>
+                  <a:rPr lang="it-IT" dirty="0"/>
+                  <a:t> Duty </a:t>
+                </a:r>
+                <a:r>
+                  <a:rPr lang="it-IT" dirty="0" err="1"/>
+                  <a:t>Cycle</a:t>
+                </a:r>
+                <a:r>
+                  <a:rPr lang="it-IT" dirty="0"/>
+                  <a:t>, il tempo di carica del condensatore e sempre maggiore del tempo di scarica, infatti:</a:t>
+                </a:r>
+              </a:p>
+              <a:p>
+                <a:endParaRPr lang="it-IT" dirty="0"/>
+              </a:p>
+              <a:p>
+                <a:pPr/>
+                <a14:m>
+                  <m:oMath xmlns:m="http://schemas.openxmlformats.org/officeDocument/2006/math">
+                    <m:sSub>
+                      <m:sSubPr>
+                        <m:ctrlPr>
+                          <a:rPr lang="it-IT" i="1" smtClean="0">
+                            <a:latin typeface="Cambria Math" panose="02040503050406030204" pitchFamily="18" charset="0"/>
+                          </a:rPr>
+                        </m:ctrlPr>
+                      </m:sSubPr>
+                      <m:e>
+                        <m:r>
+                          <a:rPr lang="it-IT" b="0" i="1" smtClean="0">
+                            <a:latin typeface="Cambria Math" panose="02040503050406030204" pitchFamily="18" charset="0"/>
+                          </a:rPr>
+                          <m:t>𝑡</m:t>
+                        </m:r>
+                      </m:e>
+                      <m:sub>
+                        <m:r>
+                          <a:rPr lang="it-IT" b="0" i="1" smtClean="0">
+                            <a:latin typeface="Cambria Math" panose="02040503050406030204" pitchFamily="18" charset="0"/>
+                          </a:rPr>
+                          <m:t>h𝑖𝑔h</m:t>
+                        </m:r>
+                      </m:sub>
+                    </m:sSub>
+                    <m:r>
+                      <a:rPr lang="it-IT" b="0" i="1" smtClean="0">
+                        <a:latin typeface="Cambria Math" panose="02040503050406030204" pitchFamily="18" charset="0"/>
+                      </a:rPr>
+                      <m:t>=0.693∗</m:t>
+                    </m:r>
+                    <m:d>
+                      <m:dPr>
+                        <m:ctrlPr>
+                          <a:rPr lang="it-IT" b="0" i="1" smtClean="0">
+                            <a:latin typeface="Cambria Math" panose="02040503050406030204" pitchFamily="18" charset="0"/>
+                          </a:rPr>
+                        </m:ctrlPr>
+                      </m:dPr>
+                      <m:e>
+                        <m:r>
+                          <a:rPr lang="it-IT" b="0" i="1" smtClean="0">
+                            <a:latin typeface="Cambria Math" panose="02040503050406030204" pitchFamily="18" charset="0"/>
+                          </a:rPr>
+                          <m:t>𝑅</m:t>
+                        </m:r>
+                        <m:r>
+                          <a:rPr lang="it-IT" b="0" i="1" smtClean="0">
+                            <a:latin typeface="Cambria Math" panose="02040503050406030204" pitchFamily="18" charset="0"/>
+                          </a:rPr>
+                          <m:t>1+</m:t>
+                        </m:r>
+                        <m:r>
+                          <a:rPr lang="it-IT" b="0" i="1" smtClean="0">
+                            <a:latin typeface="Cambria Math" panose="02040503050406030204" pitchFamily="18" charset="0"/>
+                          </a:rPr>
+                          <m:t>𝑅</m:t>
+                        </m:r>
+                        <m:r>
+                          <a:rPr lang="it-IT" b="0" i="1" smtClean="0">
+                            <a:latin typeface="Cambria Math" panose="02040503050406030204" pitchFamily="18" charset="0"/>
+                          </a:rPr>
+                          <m:t>2</m:t>
+                        </m:r>
+                      </m:e>
+                    </m:d>
+                    <m:r>
+                      <a:rPr lang="it-IT" b="0" i="1" smtClean="0">
+                        <a:latin typeface="Cambria Math" panose="02040503050406030204" pitchFamily="18" charset="0"/>
+                      </a:rPr>
+                      <m:t>∗</m:t>
+                    </m:r>
+                    <m:r>
+                      <a:rPr lang="it-IT" b="0" i="1" smtClean="0">
+                        <a:latin typeface="Cambria Math" panose="02040503050406030204" pitchFamily="18" charset="0"/>
+                      </a:rPr>
+                      <m:t>𝐶</m:t>
+                    </m:r>
+                  </m:oMath>
+                </a14:m>
+                <a:r>
+                  <a:rPr lang="it-IT" b="0" i="1" dirty="0">
+                    <a:latin typeface="Cambria Math" panose="02040503050406030204" pitchFamily="18" charset="0"/>
+                  </a:rPr>
+                  <a:t>= 3.95ms</a:t>
+                </a:r>
+              </a:p>
+              <a:p>
+                <a:pPr/>
+                <a14:m>
+                  <m:oMathPara xmlns:m="http://schemas.openxmlformats.org/officeDocument/2006/math">
+                    <m:oMathParaPr>
+                      <m:jc m:val="left"/>
+                    </m:oMathParaPr>
+                    <m:oMath xmlns:m="http://schemas.openxmlformats.org/officeDocument/2006/math">
+                      <m:sSub>
+                        <m:sSubPr>
+                          <m:ctrlPr>
+                            <a:rPr lang="it-IT" i="1" smtClean="0">
+                              <a:latin typeface="Cambria Math" panose="02040503050406030204" pitchFamily="18" charset="0"/>
+                            </a:rPr>
+                          </m:ctrlPr>
+                        </m:sSubPr>
+                        <m:e>
+                          <m:r>
+                            <a:rPr lang="it-IT" b="0" i="1" smtClean="0">
+                              <a:latin typeface="Cambria Math" panose="02040503050406030204" pitchFamily="18" charset="0"/>
+                            </a:rPr>
+                            <m:t>𝑡</m:t>
+                          </m:r>
+                        </m:e>
+                        <m:sub>
+                          <m:r>
+                            <a:rPr lang="it-IT" b="0" i="1" smtClean="0">
+                              <a:latin typeface="Cambria Math" panose="02040503050406030204" pitchFamily="18" charset="0"/>
+                            </a:rPr>
+                            <m:t>𝑙𝑜𝑤</m:t>
+                          </m:r>
+                        </m:sub>
+                      </m:sSub>
+                      <m:r>
+                        <a:rPr lang="it-IT" b="0" i="1" smtClean="0">
+                          <a:latin typeface="Cambria Math" panose="02040503050406030204" pitchFamily="18" charset="0"/>
+                        </a:rPr>
+                        <m:t>=0.693 ∗</m:t>
+                      </m:r>
+                      <m:r>
+                        <a:rPr lang="it-IT" b="0" i="1" smtClean="0">
+                          <a:latin typeface="Cambria Math" panose="02040503050406030204" pitchFamily="18" charset="0"/>
+                        </a:rPr>
+                        <m:t>𝑅</m:t>
+                      </m:r>
+                      <m:r>
+                        <a:rPr lang="it-IT" b="0" i="1" smtClean="0">
+                          <a:latin typeface="Cambria Math" panose="02040503050406030204" pitchFamily="18" charset="0"/>
+                        </a:rPr>
+                        <m:t>2 ∗</m:t>
+                      </m:r>
+                      <m:r>
+                        <a:rPr lang="it-IT" b="0" i="1" smtClean="0">
+                          <a:latin typeface="Cambria Math" panose="02040503050406030204" pitchFamily="18" charset="0"/>
+                        </a:rPr>
+                        <m:t>𝐶</m:t>
+                      </m:r>
+                      <m:r>
+                        <a:rPr lang="it-IT" b="0" i="0" smtClean="0">
+                          <a:latin typeface="Cambria Math" panose="02040503050406030204" pitchFamily="18" charset="0"/>
+                        </a:rPr>
+                        <m:t>=3.25</m:t>
+                      </m:r>
+                      <m:r>
+                        <m:rPr>
+                          <m:sty m:val="p"/>
+                        </m:rPr>
+                        <a:rPr lang="it-IT" b="0" i="0" smtClean="0">
+                          <a:latin typeface="Cambria Math" panose="02040503050406030204" pitchFamily="18" charset="0"/>
+                        </a:rPr>
+                        <m:t>ms</m:t>
+                      </m:r>
+                    </m:oMath>
+                  </m:oMathPara>
+                </a14:m>
+                <a:endParaRPr lang="it-IT" dirty="0"/>
+              </a:p>
+              <a:p>
+                <a:pPr/>
+                <a:r>
+                  <a:rPr lang="it-IT" dirty="0"/>
+                  <a:t>Periodo T = 7.2ms e frequenza f = 139Hz</a:t>
+                </a:r>
+              </a:p>
+              <a:p>
+                <a:pPr/>
+                <a:endParaRPr lang="it-IT" dirty="0"/>
+              </a:p>
+              <a:p>
+                <a:pPr/>
+                <a:r>
+                  <a:rPr lang="it-IT" dirty="0"/>
+                  <a:t>Si ha quindi un duty </a:t>
+                </a:r>
+                <a:r>
+                  <a:rPr lang="it-IT" dirty="0" err="1"/>
+                  <a:t>cycle</a:t>
+                </a:r>
+                <a:r>
+                  <a:rPr lang="it-IT" dirty="0"/>
+                  <a:t> uguale a:</a:t>
+                </a:r>
+              </a:p>
+              <a:p>
+                <a:pPr/>
+                <a:r>
+                  <a:rPr lang="it-IT" dirty="0" err="1"/>
+                  <a:t>DutyCyc</a:t>
+                </a:r>
+                <a:r>
+                  <a:rPr lang="it-IT" dirty="0"/>
+                  <a:t>le = </a:t>
+                </a:r>
+                <a14:m>
+                  <m:oMath xmlns:m="http://schemas.openxmlformats.org/officeDocument/2006/math">
+                    <m:f>
+                      <m:fPr>
+                        <m:ctrlPr>
+                          <a:rPr lang="it-IT" i="1" smtClean="0">
+                            <a:latin typeface="Cambria Math" panose="02040503050406030204" pitchFamily="18" charset="0"/>
+                          </a:rPr>
+                        </m:ctrlPr>
+                      </m:fPr>
+                      <m:num>
+                        <m:sSub>
+                          <m:sSubPr>
+                            <m:ctrlPr>
+                              <a:rPr lang="it-IT" i="1">
+                                <a:latin typeface="Cambria Math" panose="02040503050406030204" pitchFamily="18" charset="0"/>
+                              </a:rPr>
+                            </m:ctrlPr>
+                          </m:sSubPr>
+                          <m:e>
+                            <m:r>
+                              <a:rPr lang="it-IT" i="1">
+                                <a:latin typeface="Cambria Math" panose="02040503050406030204" pitchFamily="18" charset="0"/>
+                              </a:rPr>
+                              <m:t>𝑡</m:t>
+                            </m:r>
+                          </m:e>
+                          <m:sub>
+                            <m:r>
+                              <a:rPr lang="it-IT" i="1">
+                                <a:latin typeface="Cambria Math" panose="02040503050406030204" pitchFamily="18" charset="0"/>
+                              </a:rPr>
+                              <m:t>h𝑖𝑔h</m:t>
+                            </m:r>
+                          </m:sub>
+                        </m:sSub>
+                      </m:num>
+                      <m:den>
+                        <m:sSub>
+                          <m:sSubPr>
+                            <m:ctrlPr>
+                              <a:rPr lang="it-IT" i="1">
+                                <a:latin typeface="Cambria Math" panose="02040503050406030204" pitchFamily="18" charset="0"/>
+                              </a:rPr>
+                            </m:ctrlPr>
+                          </m:sSubPr>
+                          <m:e>
+                            <m:r>
+                              <a:rPr lang="it-IT" i="1">
+                                <a:latin typeface="Cambria Math" panose="02040503050406030204" pitchFamily="18" charset="0"/>
+                              </a:rPr>
+                              <m:t>𝑡</m:t>
+                            </m:r>
+                          </m:e>
+                          <m:sub>
+                            <m:r>
+                              <a:rPr lang="it-IT" i="1">
+                                <a:latin typeface="Cambria Math" panose="02040503050406030204" pitchFamily="18" charset="0"/>
+                              </a:rPr>
+                              <m:t>h𝑖𝑔h</m:t>
+                            </m:r>
+                          </m:sub>
+                        </m:sSub>
+                        <m:r>
+                          <a:rPr lang="it-IT" b="0" i="1" smtClean="0">
+                            <a:latin typeface="Cambria Math" panose="02040503050406030204" pitchFamily="18" charset="0"/>
+                          </a:rPr>
+                          <m:t>+</m:t>
+                        </m:r>
+                        <m:sSub>
+                          <m:sSubPr>
+                            <m:ctrlPr>
+                              <a:rPr lang="it-IT" i="1">
+                                <a:latin typeface="Cambria Math" panose="02040503050406030204" pitchFamily="18" charset="0"/>
+                              </a:rPr>
+                            </m:ctrlPr>
+                          </m:sSubPr>
+                          <m:e>
+                            <m:r>
+                              <a:rPr lang="it-IT" i="1">
+                                <a:latin typeface="Cambria Math" panose="02040503050406030204" pitchFamily="18" charset="0"/>
+                              </a:rPr>
+                              <m:t>𝑡</m:t>
+                            </m:r>
+                          </m:e>
+                          <m:sub>
+                            <m:r>
+                              <a:rPr lang="it-IT" i="1">
+                                <a:latin typeface="Cambria Math" panose="02040503050406030204" pitchFamily="18" charset="0"/>
+                              </a:rPr>
+                              <m:t>𝑙𝑜𝑤</m:t>
+                            </m:r>
+                          </m:sub>
+                        </m:sSub>
+                      </m:den>
+                    </m:f>
+                  </m:oMath>
+                </a14:m>
+                <a:r>
+                  <a:rPr lang="it-IT" dirty="0"/>
+                  <a:t> = 54%</a:t>
+                </a:r>
+              </a:p>
+            </p:txBody>
+          </p:sp>
+        </mc:Choice>
+        <mc:Fallback>
+          <p:sp>
+            <p:nvSpPr>
+              <p:cNvPr id="11" name="CasellaDiTesto 10">
+                <a:extLst>
+                  <a:ext uri="{FF2B5EF4-FFF2-40B4-BE49-F238E27FC236}">
+                    <a16:creationId xmlns:a16="http://schemas.microsoft.com/office/drawing/2014/main" id="{60ACAD0F-CE97-EC90-3CE3-7812100D4397}"/>
+                  </a:ext>
+                </a:extLst>
+              </p:cNvPr>
+              <p:cNvSpPr txBox="1">
+                <a:spLocks noRot="1" noChangeAspect="1" noMove="1" noResize="1" noEditPoints="1" noAdjustHandles="1" noChangeArrowheads="1" noChangeShapeType="1" noTextEdit="1"/>
+              </p:cNvSpPr>
+              <p:nvPr/>
+            </p:nvSpPr>
+            <p:spPr>
+              <a:xfrm>
+                <a:off x="185338" y="1737360"/>
+                <a:ext cx="5144654" cy="5136727"/>
+              </a:xfrm>
+              <a:prstGeom prst="rect">
+                <a:avLst/>
+              </a:prstGeom>
+              <a:blipFill>
+                <a:blip r:embed="rId3"/>
+                <a:stretch>
+                  <a:fillRect l="-948" t="-593" r="-2014"/>
+                </a:stretch>
+              </a:blipFill>
+            </p:spPr>
+            <p:txBody>
+              <a:bodyPr/>
+              <a:lstStyle/>
+              <a:p>
+                <a:r>
+                  <a:rPr lang="it-IT">
+                    <a:noFill/>
+                  </a:rPr>
+                  <a:t> </a:t>
+                </a:r>
+              </a:p>
+            </p:txBody>
+          </p:sp>
+        </mc:Fallback>
+      </mc:AlternateContent>
+    </p:spTree>
+    <p:extLst>
+      <p:ext uri="{BB962C8B-B14F-4D97-AF65-F5344CB8AC3E}">
+        <p14:creationId xmlns:p14="http://schemas.microsoft.com/office/powerpoint/2010/main" val="1270097602"/>
+      </p:ext>
+    </p:extLst>
+  </p:cSld>
+  <p:clrMapOvr>
+    <a:masterClrMapping/>
+  </p:clrMapOvr>
+</p:sld>
+</file>
+
+<file path=ppt/slides/slide14.xml><?xml version="1.0" encoding="utf-8"?>
+<p:sld xmlns:a="http://schemas.openxmlformats.org/drawingml/2006/main" xmlns:r="http://schemas.openxmlformats.org/officeDocument/2006/relationships" xmlns:p="http://schemas.openxmlformats.org/presentationml/2006/main">
+  <p:cSld>
+    <p:spTree>
+      <p:nvGrpSpPr>
+        <p:cNvPr id="1" name=""/>
+        <p:cNvGrpSpPr/>
+        <p:nvPr/>
+      </p:nvGrpSpPr>
+      <p:grpSpPr>
+        <a:xfrm>
+          <a:off x="0" y="0"/>
+          <a:ext cx="0" cy="0"/>
+          <a:chOff x="0" y="0"/>
+          <a:chExt cx="0" cy="0"/>
+        </a:xfrm>
+      </p:grpSpPr>
+      <p:sp>
+        <p:nvSpPr>
+          <p:cNvPr id="2" name="Titolo 1">
+            <a:extLst>
+              <a:ext uri="{FF2B5EF4-FFF2-40B4-BE49-F238E27FC236}">
+                <a16:creationId xmlns:a16="http://schemas.microsoft.com/office/drawing/2014/main" id="{03BAC843-08E1-4AFB-686B-83051F7CDA7B}"/>
+              </a:ext>
+            </a:extLst>
+          </p:cNvPr>
+          <p:cNvSpPr>
+            <a:spLocks noGrp="1"/>
+          </p:cNvSpPr>
+          <p:nvPr>
+            <p:ph type="title"/>
+          </p:nvPr>
+        </p:nvSpPr>
+        <p:spPr/>
+        <p:txBody>
+          <a:bodyPr/>
+          <a:lstStyle/>
+          <a:p>
+            <a:r>
+              <a:rPr lang="it-IT" dirty="0"/>
+              <a:t>Schema </a:t>
+            </a:r>
+            <a:r>
+              <a:rPr lang="it-IT" dirty="0" err="1"/>
+              <a:t>LTSpice</a:t>
+            </a:r>
+            <a:r>
+              <a:rPr lang="it-IT" dirty="0"/>
+              <a:t> (Low Duty </a:t>
+            </a:r>
+            <a:r>
+              <a:rPr lang="it-IT" dirty="0" err="1"/>
+              <a:t>Cycle</a:t>
+            </a:r>
+            <a:r>
+              <a:rPr lang="it-IT" dirty="0"/>
+              <a:t>)</a:t>
+            </a:r>
+          </a:p>
+        </p:txBody>
+      </p:sp>
+      <p:pic>
+        <p:nvPicPr>
+          <p:cNvPr id="6" name="Segnaposto contenuto 5">
+            <a:extLst>
+              <a:ext uri="{FF2B5EF4-FFF2-40B4-BE49-F238E27FC236}">
+                <a16:creationId xmlns:a16="http://schemas.microsoft.com/office/drawing/2014/main" id="{B409238E-E644-A2C6-7C9D-65DAAAE557B8}"/>
+              </a:ext>
+            </a:extLst>
+          </p:cNvPr>
+          <p:cNvPicPr>
+            <a:picLocks noGrp="1" noChangeAspect="1"/>
+          </p:cNvPicPr>
+          <p:nvPr>
+            <p:ph idx="1"/>
+          </p:nvPr>
+        </p:nvPicPr>
+        <p:blipFill>
+          <a:blip r:embed="rId2"/>
+          <a:stretch>
+            <a:fillRect/>
+          </a:stretch>
+        </p:blipFill>
+        <p:spPr>
+          <a:xfrm>
+            <a:off x="624046" y="2057737"/>
+            <a:ext cx="6489368" cy="3760788"/>
+          </a:xfrm>
+        </p:spPr>
+      </p:pic>
+      <p:sp>
+        <p:nvSpPr>
+          <p:cNvPr id="4" name="Segnaposto numero diapositiva 3">
+            <a:extLst>
+              <a:ext uri="{FF2B5EF4-FFF2-40B4-BE49-F238E27FC236}">
+                <a16:creationId xmlns:a16="http://schemas.microsoft.com/office/drawing/2014/main" id="{5E79F8BD-FD9C-39CA-4949-0A6369B9039D}"/>
+              </a:ext>
+            </a:extLst>
+          </p:cNvPr>
+          <p:cNvSpPr>
+            <a:spLocks noGrp="1"/>
+          </p:cNvSpPr>
+          <p:nvPr>
+            <p:ph type="sldNum" sz="quarter" idx="12"/>
+          </p:nvPr>
+        </p:nvSpPr>
+        <p:spPr/>
+        <p:txBody>
+          <a:bodyPr/>
+          <a:lstStyle/>
+          <a:p>
+            <a:pPr rtl="0"/>
+            <a:fld id="{3A98EE3D-8CD1-4C3F-BD1C-C98C9596463C}" type="slidenum">
+              <a:rPr lang="it-IT" noProof="0" smtClean="0"/>
+              <a:t>14</a:t>
+            </a:fld>
+            <a:endParaRPr lang="it-IT" noProof="0" dirty="0"/>
+          </a:p>
+        </p:txBody>
+      </p:sp>
+      <p:sp>
+        <p:nvSpPr>
+          <p:cNvPr id="9" name="CasellaDiTesto 8">
+            <a:extLst>
+              <a:ext uri="{FF2B5EF4-FFF2-40B4-BE49-F238E27FC236}">
+                <a16:creationId xmlns:a16="http://schemas.microsoft.com/office/drawing/2014/main" id="{0B581D0D-11CC-B00F-FB49-B5D55ACEEF62}"/>
+              </a:ext>
+            </a:extLst>
+          </p:cNvPr>
+          <p:cNvSpPr txBox="1"/>
+          <p:nvPr/>
+        </p:nvSpPr>
+        <p:spPr>
+          <a:xfrm>
+            <a:off x="7573992" y="2057737"/>
+            <a:ext cx="4235570" cy="2862322"/>
+          </a:xfrm>
+          <a:prstGeom prst="rect">
+            <a:avLst/>
+          </a:prstGeom>
+          <a:noFill/>
+        </p:spPr>
+        <p:txBody>
+          <a:bodyPr wrap="square" rtlCol="0">
+            <a:spAutoFit/>
+          </a:bodyPr>
+          <a:lstStyle/>
+          <a:p>
+            <a:r>
+              <a:rPr lang="it-IT" dirty="0"/>
+              <a:t>Per realizzare il timer 555 in modalità Low Duty </a:t>
+            </a:r>
+            <a:r>
+              <a:rPr lang="it-IT" dirty="0" err="1"/>
+              <a:t>Cycle</a:t>
+            </a:r>
+            <a:r>
+              <a:rPr lang="it-IT" dirty="0"/>
+              <a:t>, basta aggiungere un diodo ai capi di R2. Questo permette di caricare il condensatore non più attraverso R1 e R2, ma solo attraverso R1. Si ha un Duty </a:t>
+            </a:r>
+            <a:r>
+              <a:rPr lang="it-IT" dirty="0" err="1"/>
+              <a:t>Cycle</a:t>
+            </a:r>
+            <a:r>
+              <a:rPr lang="it-IT" dirty="0"/>
+              <a:t> minore del 50%, perché la costante di tempo di carica del condensatore non è più (R1+R2)*C, ma diventa R1 * C. Invece la costante di tempo di scarica del condensatore resta invariata.</a:t>
+            </a:r>
+          </a:p>
+        </p:txBody>
+      </p:sp>
+    </p:spTree>
+    <p:extLst>
+      <p:ext uri="{BB962C8B-B14F-4D97-AF65-F5344CB8AC3E}">
+        <p14:creationId xmlns:p14="http://schemas.microsoft.com/office/powerpoint/2010/main" val="1577375790"/>
+      </p:ext>
+    </p:extLst>
+  </p:cSld>
+  <p:clrMapOvr>
+    <a:masterClrMapping/>
+  </p:clrMapOvr>
+</p:sld>
+</file>
+
+<file path=ppt/slides/slide15.xml><?xml version="1.0" encoding="utf-8"?>
+<p:sld xmlns:a="http://schemas.openxmlformats.org/drawingml/2006/main" xmlns:r="http://schemas.openxmlformats.org/officeDocument/2006/relationships" xmlns:p="http://schemas.openxmlformats.org/presentationml/2006/main">
+  <p:cSld>
+    <p:spTree>
+      <p:nvGrpSpPr>
+        <p:cNvPr id="1" name=""/>
+        <p:cNvGrpSpPr/>
+        <p:nvPr/>
+      </p:nvGrpSpPr>
+      <p:grpSpPr>
+        <a:xfrm>
+          <a:off x="0" y="0"/>
+          <a:ext cx="0" cy="0"/>
+          <a:chOff x="0" y="0"/>
+          <a:chExt cx="0" cy="0"/>
+        </a:xfrm>
+      </p:grpSpPr>
+      <p:sp>
+        <p:nvSpPr>
+          <p:cNvPr id="2" name="Titolo 1">
+            <a:extLst>
+              <a:ext uri="{FF2B5EF4-FFF2-40B4-BE49-F238E27FC236}">
+                <a16:creationId xmlns:a16="http://schemas.microsoft.com/office/drawing/2014/main" id="{3C5D180E-F22E-5181-63E2-402189E79DF7}"/>
+              </a:ext>
+            </a:extLst>
+          </p:cNvPr>
+          <p:cNvSpPr>
+            <a:spLocks noGrp="1"/>
+          </p:cNvSpPr>
+          <p:nvPr>
+            <p:ph type="title"/>
+          </p:nvPr>
+        </p:nvSpPr>
+        <p:spPr/>
+        <p:txBody>
+          <a:bodyPr/>
+          <a:lstStyle/>
+          <a:p>
+            <a:r>
+              <a:rPr lang="it-IT" dirty="0"/>
+              <a:t>Grafici e risultati (Low Duty </a:t>
+            </a:r>
+            <a:r>
+              <a:rPr lang="it-IT" dirty="0" err="1"/>
+              <a:t>Cycle</a:t>
+            </a:r>
+            <a:r>
+              <a:rPr lang="it-IT" dirty="0"/>
+              <a:t>)</a:t>
+            </a:r>
+          </a:p>
+        </p:txBody>
+      </p:sp>
+      <p:sp>
+        <p:nvSpPr>
+          <p:cNvPr id="4" name="Segnaposto numero diapositiva 3">
+            <a:extLst>
+              <a:ext uri="{FF2B5EF4-FFF2-40B4-BE49-F238E27FC236}">
+                <a16:creationId xmlns:a16="http://schemas.microsoft.com/office/drawing/2014/main" id="{7C941C42-2AC4-D829-B1ED-AA79EB251F7E}"/>
+              </a:ext>
+            </a:extLst>
+          </p:cNvPr>
+          <p:cNvSpPr>
+            <a:spLocks noGrp="1"/>
+          </p:cNvSpPr>
+          <p:nvPr>
+            <p:ph type="sldNum" sz="quarter" idx="12"/>
+          </p:nvPr>
+        </p:nvSpPr>
+        <p:spPr/>
+        <p:txBody>
+          <a:bodyPr/>
+          <a:lstStyle/>
+          <a:p>
+            <a:pPr rtl="0"/>
+            <a:fld id="{3A98EE3D-8CD1-4C3F-BD1C-C98C9596463C}" type="slidenum">
+              <a:rPr lang="it-IT" noProof="0" smtClean="0"/>
+              <a:t>15</a:t>
+            </a:fld>
+            <a:endParaRPr lang="it-IT" noProof="0" dirty="0"/>
+          </a:p>
+        </p:txBody>
+      </p:sp>
+      <p:pic>
+        <p:nvPicPr>
+          <p:cNvPr id="11" name="Segnaposto contenuto 10">
+            <a:extLst>
+              <a:ext uri="{FF2B5EF4-FFF2-40B4-BE49-F238E27FC236}">
+                <a16:creationId xmlns:a16="http://schemas.microsoft.com/office/drawing/2014/main" id="{25FD4E34-C712-A05E-86B9-C4B83751C50B}"/>
+              </a:ext>
+            </a:extLst>
+          </p:cNvPr>
+          <p:cNvPicPr>
+            <a:picLocks noGrp="1" noChangeAspect="1"/>
+          </p:cNvPicPr>
+          <p:nvPr>
+            <p:ph idx="1"/>
+          </p:nvPr>
+        </p:nvPicPr>
+        <p:blipFill>
+          <a:blip r:embed="rId2"/>
+          <a:stretch>
+            <a:fillRect/>
+          </a:stretch>
+        </p:blipFill>
+        <p:spPr>
+          <a:xfrm>
+            <a:off x="5461835" y="1737360"/>
+            <a:ext cx="6447065" cy="3760788"/>
+          </a:xfrm>
+        </p:spPr>
+      </p:pic>
+      <mc:AlternateContent xmlns:mc="http://schemas.openxmlformats.org/markup-compatibility/2006">
+        <mc:Choice xmlns:a14="http://schemas.microsoft.com/office/drawing/2010/main" Requires="a14">
+          <p:sp>
+            <p:nvSpPr>
+              <p:cNvPr id="12" name="CasellaDiTesto 11">
+                <a:extLst>
+                  <a:ext uri="{FF2B5EF4-FFF2-40B4-BE49-F238E27FC236}">
+                    <a16:creationId xmlns:a16="http://schemas.microsoft.com/office/drawing/2014/main" id="{EDCD5B4C-36ED-01A3-B57E-848A7DB4E9C8}"/>
+                  </a:ext>
+                </a:extLst>
+              </p:cNvPr>
+              <p:cNvSpPr txBox="1"/>
+              <p:nvPr/>
+            </p:nvSpPr>
+            <p:spPr>
+              <a:xfrm>
+                <a:off x="203200" y="1865745"/>
+                <a:ext cx="5052291" cy="4189608"/>
+              </a:xfrm>
+              <a:prstGeom prst="rect">
+                <a:avLst/>
+              </a:prstGeom>
+              <a:noFill/>
+            </p:spPr>
+            <p:txBody>
+              <a:bodyPr wrap="square" rtlCol="0">
+                <a:spAutoFit/>
+              </a:bodyPr>
+              <a:lstStyle/>
+              <a:p>
+                <a:r>
+                  <a:rPr lang="it-IT" dirty="0"/>
+                  <a:t>V(out) varia sempre tra 0V e 6V.</a:t>
+                </a:r>
+              </a:p>
+              <a:p>
+                <a:endParaRPr lang="it-IT" dirty="0"/>
+              </a:p>
+              <a:p>
+                <a:r>
+                  <a:rPr lang="it-IT" dirty="0"/>
+                  <a:t>La tensione del condensatore varia ancora tra 2V e 4V, ma il cambiamento è avvenuto nel tempo di carica del condensatore. Infatti:</a:t>
+                </a:r>
+              </a:p>
+              <a:p>
+                <a:endParaRPr lang="it-IT" dirty="0"/>
+              </a:p>
+              <a:p>
+                <a14:m>
+                  <m:oMath xmlns:m="http://schemas.openxmlformats.org/officeDocument/2006/math">
+                    <m:sSub>
+                      <m:sSubPr>
+                        <m:ctrlPr>
+                          <a:rPr lang="it-IT" i="1" smtClean="0">
+                            <a:latin typeface="Cambria Math" panose="02040503050406030204" pitchFamily="18" charset="0"/>
+                          </a:rPr>
+                        </m:ctrlPr>
+                      </m:sSubPr>
+                      <m:e>
+                        <m:r>
+                          <a:rPr lang="it-IT" b="0" i="1" smtClean="0">
+                            <a:latin typeface="Cambria Math" panose="02040503050406030204" pitchFamily="18" charset="0"/>
+                          </a:rPr>
+                          <m:t>𝑡</m:t>
+                        </m:r>
+                      </m:e>
+                      <m:sub>
+                        <m:r>
+                          <a:rPr lang="it-IT" b="0" i="1" smtClean="0">
+                            <a:latin typeface="Cambria Math" panose="02040503050406030204" pitchFamily="18" charset="0"/>
+                          </a:rPr>
+                          <m:t>h𝑖𝑔h</m:t>
+                        </m:r>
+                      </m:sub>
+                    </m:sSub>
+                    <m:r>
+                      <a:rPr lang="it-IT" b="0" i="1" smtClean="0">
+                        <a:latin typeface="Cambria Math" panose="02040503050406030204" pitchFamily="18" charset="0"/>
+                      </a:rPr>
+                      <m:t>=0.693∗</m:t>
+                    </m:r>
+                    <m:r>
+                      <a:rPr lang="it-IT" b="0" i="1" smtClean="0">
+                        <a:latin typeface="Cambria Math" panose="02040503050406030204" pitchFamily="18" charset="0"/>
+                      </a:rPr>
+                      <m:t>𝑅</m:t>
+                    </m:r>
+                    <m:r>
+                      <a:rPr lang="it-IT" b="0" i="1" smtClean="0">
+                        <a:latin typeface="Cambria Math" panose="02040503050406030204" pitchFamily="18" charset="0"/>
+                      </a:rPr>
+                      <m:t>1∗</m:t>
+                    </m:r>
+                    <m:r>
+                      <a:rPr lang="it-IT" b="0" i="1" smtClean="0">
+                        <a:latin typeface="Cambria Math" panose="02040503050406030204" pitchFamily="18" charset="0"/>
+                      </a:rPr>
+                      <m:t>𝐶</m:t>
+                    </m:r>
+                  </m:oMath>
+                </a14:m>
+                <a:r>
+                  <a:rPr lang="it-IT" b="0" i="1" dirty="0">
+                    <a:latin typeface="Cambria Math" panose="02040503050406030204" pitchFamily="18" charset="0"/>
+                  </a:rPr>
+                  <a:t>= </a:t>
+                </a:r>
+                <a:r>
+                  <a:rPr lang="it-IT" dirty="0">
+                    <a:latin typeface="Cambria Math" panose="02040503050406030204" pitchFamily="18" charset="0"/>
+                  </a:rPr>
+                  <a:t>0.693</a:t>
+                </a:r>
+                <a:r>
+                  <a:rPr lang="it-IT" b="0" dirty="0">
+                    <a:latin typeface="Cambria Math" panose="02040503050406030204" pitchFamily="18" charset="0"/>
+                  </a:rPr>
+                  <a:t>ms</a:t>
+                </a:r>
+              </a:p>
+              <a:p>
+                <a:pPr/>
+                <a14:m>
+                  <m:oMathPara xmlns:m="http://schemas.openxmlformats.org/officeDocument/2006/math">
+                    <m:oMathParaPr>
+                      <m:jc m:val="left"/>
+                    </m:oMathParaPr>
+                    <m:oMath xmlns:m="http://schemas.openxmlformats.org/officeDocument/2006/math">
+                      <m:sSub>
+                        <m:sSubPr>
+                          <m:ctrlPr>
+                            <a:rPr lang="it-IT" i="1" smtClean="0">
+                              <a:latin typeface="Cambria Math" panose="02040503050406030204" pitchFamily="18" charset="0"/>
+                            </a:rPr>
+                          </m:ctrlPr>
+                        </m:sSubPr>
+                        <m:e>
+                          <m:r>
+                            <a:rPr lang="it-IT" b="0" i="1" smtClean="0">
+                              <a:latin typeface="Cambria Math" panose="02040503050406030204" pitchFamily="18" charset="0"/>
+                            </a:rPr>
+                            <m:t>𝑡</m:t>
+                          </m:r>
+                        </m:e>
+                        <m:sub>
+                          <m:r>
+                            <a:rPr lang="it-IT" b="0" i="1" smtClean="0">
+                              <a:latin typeface="Cambria Math" panose="02040503050406030204" pitchFamily="18" charset="0"/>
+                            </a:rPr>
+                            <m:t>𝑙𝑜𝑤</m:t>
+                          </m:r>
+                        </m:sub>
+                      </m:sSub>
+                      <m:r>
+                        <a:rPr lang="it-IT" b="0" i="1" smtClean="0">
+                          <a:latin typeface="Cambria Math" panose="02040503050406030204" pitchFamily="18" charset="0"/>
+                        </a:rPr>
+                        <m:t>=0.693 ∗</m:t>
+                      </m:r>
+                      <m:r>
+                        <a:rPr lang="it-IT" b="0" i="1" smtClean="0">
+                          <a:latin typeface="Cambria Math" panose="02040503050406030204" pitchFamily="18" charset="0"/>
+                        </a:rPr>
+                        <m:t>𝑅</m:t>
+                      </m:r>
+                      <m:r>
+                        <a:rPr lang="it-IT" b="0" i="1" smtClean="0">
+                          <a:latin typeface="Cambria Math" panose="02040503050406030204" pitchFamily="18" charset="0"/>
+                        </a:rPr>
+                        <m:t>2 ∗</m:t>
+                      </m:r>
+                      <m:r>
+                        <a:rPr lang="it-IT" b="0" i="1" smtClean="0">
+                          <a:latin typeface="Cambria Math" panose="02040503050406030204" pitchFamily="18" charset="0"/>
+                        </a:rPr>
+                        <m:t>𝐶</m:t>
+                      </m:r>
+                      <m:r>
+                        <a:rPr lang="it-IT" b="0" i="1" smtClean="0">
+                          <a:latin typeface="Cambria Math" panose="02040503050406030204" pitchFamily="18" charset="0"/>
+                        </a:rPr>
+                        <m:t>=3.25</m:t>
+                      </m:r>
+                      <m:r>
+                        <m:rPr>
+                          <m:sty m:val="p"/>
+                        </m:rPr>
+                        <a:rPr lang="it-IT" b="0" i="0" smtClean="0">
+                          <a:latin typeface="Cambria Math" panose="02040503050406030204" pitchFamily="18" charset="0"/>
+                        </a:rPr>
+                        <m:t>ms</m:t>
+                      </m:r>
+                    </m:oMath>
+                  </m:oMathPara>
+                </a14:m>
+                <a:endParaRPr lang="it-IT" dirty="0"/>
+              </a:p>
+              <a:p>
+                <a:r>
+                  <a:rPr lang="it-IT" dirty="0"/>
+                  <a:t>Periodo T = 3.943 e frequenza f = 254Hz</a:t>
+                </a:r>
+              </a:p>
+              <a:p>
+                <a:endParaRPr lang="it-IT" dirty="0"/>
+              </a:p>
+              <a:p>
+                <a:r>
+                  <a:rPr lang="it-IT" dirty="0"/>
+                  <a:t>Si ha quindi un duty </a:t>
+                </a:r>
+                <a:r>
+                  <a:rPr lang="it-IT" dirty="0" err="1"/>
+                  <a:t>cycle</a:t>
+                </a:r>
+                <a:r>
+                  <a:rPr lang="it-IT" dirty="0"/>
+                  <a:t> uguale a:</a:t>
+                </a:r>
+              </a:p>
+              <a:p>
+                <a:r>
+                  <a:rPr lang="it-IT" dirty="0" err="1"/>
+                  <a:t>DutyCyc</a:t>
+                </a:r>
+                <a:r>
+                  <a:rPr lang="it-IT" dirty="0"/>
+                  <a:t>le = </a:t>
+                </a:r>
+                <a14:m>
+                  <m:oMath xmlns:m="http://schemas.openxmlformats.org/officeDocument/2006/math">
+                    <m:f>
+                      <m:fPr>
+                        <m:ctrlPr>
+                          <a:rPr lang="it-IT" i="1" smtClean="0">
+                            <a:latin typeface="Cambria Math" panose="02040503050406030204" pitchFamily="18" charset="0"/>
+                          </a:rPr>
+                        </m:ctrlPr>
+                      </m:fPr>
+                      <m:num>
+                        <m:sSub>
+                          <m:sSubPr>
+                            <m:ctrlPr>
+                              <a:rPr lang="it-IT" i="1">
+                                <a:latin typeface="Cambria Math" panose="02040503050406030204" pitchFamily="18" charset="0"/>
+                              </a:rPr>
+                            </m:ctrlPr>
+                          </m:sSubPr>
+                          <m:e>
+                            <m:r>
+                              <a:rPr lang="it-IT" i="1">
+                                <a:latin typeface="Cambria Math" panose="02040503050406030204" pitchFamily="18" charset="0"/>
+                              </a:rPr>
+                              <m:t>𝑡</m:t>
+                            </m:r>
+                          </m:e>
+                          <m:sub>
+                            <m:r>
+                              <a:rPr lang="it-IT" i="1">
+                                <a:latin typeface="Cambria Math" panose="02040503050406030204" pitchFamily="18" charset="0"/>
+                              </a:rPr>
+                              <m:t>h𝑖𝑔h</m:t>
+                            </m:r>
+                          </m:sub>
+                        </m:sSub>
+                      </m:num>
+                      <m:den>
+                        <m:sSub>
+                          <m:sSubPr>
+                            <m:ctrlPr>
+                              <a:rPr lang="it-IT" i="1">
+                                <a:latin typeface="Cambria Math" panose="02040503050406030204" pitchFamily="18" charset="0"/>
+                              </a:rPr>
+                            </m:ctrlPr>
+                          </m:sSubPr>
+                          <m:e>
+                            <m:r>
+                              <a:rPr lang="it-IT" i="1">
+                                <a:latin typeface="Cambria Math" panose="02040503050406030204" pitchFamily="18" charset="0"/>
+                              </a:rPr>
+                              <m:t>𝑡</m:t>
+                            </m:r>
+                          </m:e>
+                          <m:sub>
+                            <m:r>
+                              <a:rPr lang="it-IT" i="1">
+                                <a:latin typeface="Cambria Math" panose="02040503050406030204" pitchFamily="18" charset="0"/>
+                              </a:rPr>
+                              <m:t>h𝑖𝑔h</m:t>
+                            </m:r>
+                          </m:sub>
+                        </m:sSub>
+                        <m:r>
+                          <a:rPr lang="it-IT" b="0" i="1" smtClean="0">
+                            <a:latin typeface="Cambria Math" panose="02040503050406030204" pitchFamily="18" charset="0"/>
+                          </a:rPr>
+                          <m:t>+</m:t>
+                        </m:r>
+                        <m:sSub>
+                          <m:sSubPr>
+                            <m:ctrlPr>
+                              <a:rPr lang="it-IT" i="1">
+                                <a:latin typeface="Cambria Math" panose="02040503050406030204" pitchFamily="18" charset="0"/>
+                              </a:rPr>
+                            </m:ctrlPr>
+                          </m:sSubPr>
+                          <m:e>
+                            <m:r>
+                              <a:rPr lang="it-IT" i="1">
+                                <a:latin typeface="Cambria Math" panose="02040503050406030204" pitchFamily="18" charset="0"/>
+                              </a:rPr>
+                              <m:t>𝑡</m:t>
+                            </m:r>
+                          </m:e>
+                          <m:sub>
+                            <m:r>
+                              <a:rPr lang="it-IT" i="1">
+                                <a:latin typeface="Cambria Math" panose="02040503050406030204" pitchFamily="18" charset="0"/>
+                              </a:rPr>
+                              <m:t>𝑙𝑜𝑤</m:t>
+                            </m:r>
+                          </m:sub>
+                        </m:sSub>
+                      </m:den>
+                    </m:f>
+                  </m:oMath>
+                </a14:m>
+                <a:r>
+                  <a:rPr lang="it-IT" dirty="0"/>
+                  <a:t> = 17.5%</a:t>
+                </a:r>
+              </a:p>
+              <a:p>
+                <a:pPr/>
+                <a:endParaRPr lang="it-IT" dirty="0"/>
+              </a:p>
+              <a:p>
+                <a:endParaRPr lang="it-IT" dirty="0"/>
+              </a:p>
+            </p:txBody>
+          </p:sp>
+        </mc:Choice>
+        <mc:Fallback>
+          <p:sp>
+            <p:nvSpPr>
+              <p:cNvPr id="12" name="CasellaDiTesto 11">
+                <a:extLst>
+                  <a:ext uri="{FF2B5EF4-FFF2-40B4-BE49-F238E27FC236}">
+                    <a16:creationId xmlns:a16="http://schemas.microsoft.com/office/drawing/2014/main" id="{EDCD5B4C-36ED-01A3-B57E-848A7DB4E9C8}"/>
+                  </a:ext>
+                </a:extLst>
+              </p:cNvPr>
+              <p:cNvSpPr txBox="1">
+                <a:spLocks noRot="1" noChangeAspect="1" noMove="1" noResize="1" noEditPoints="1" noAdjustHandles="1" noChangeArrowheads="1" noChangeShapeType="1" noTextEdit="1"/>
+              </p:cNvSpPr>
+              <p:nvPr/>
+            </p:nvSpPr>
+            <p:spPr>
+              <a:xfrm>
+                <a:off x="203200" y="1865745"/>
+                <a:ext cx="5052291" cy="4189608"/>
+              </a:xfrm>
+              <a:prstGeom prst="rect">
+                <a:avLst/>
+              </a:prstGeom>
+              <a:blipFill>
+                <a:blip r:embed="rId3"/>
+                <a:stretch>
+                  <a:fillRect l="-965" t="-728"/>
+                </a:stretch>
+              </a:blipFill>
+            </p:spPr>
+            <p:txBody>
+              <a:bodyPr/>
+              <a:lstStyle/>
+              <a:p>
+                <a:r>
+                  <a:rPr lang="it-IT">
+                    <a:noFill/>
+                  </a:rPr>
+                  <a:t> </a:t>
+                </a:r>
+              </a:p>
+            </p:txBody>
+          </p:sp>
+        </mc:Fallback>
+      </mc:AlternateContent>
+    </p:spTree>
+    <p:extLst>
+      <p:ext uri="{BB962C8B-B14F-4D97-AF65-F5344CB8AC3E}">
+        <p14:creationId xmlns:p14="http://schemas.microsoft.com/office/powerpoint/2010/main" val="175088997"/>
+      </p:ext>
+    </p:extLst>
+  </p:cSld>
+  <p:clrMapOvr>
+    <a:masterClrMapping/>
+  </p:clrMapOvr>
+</p:sld>
+</file>
+
+<file path=ppt/slides/slide16.xml><?xml version="1.0" encoding="utf-8"?>
+<p:sld xmlns:a="http://schemas.openxmlformats.org/drawingml/2006/main" xmlns:r="http://schemas.openxmlformats.org/officeDocument/2006/relationships" xmlns:p="http://schemas.openxmlformats.org/presentationml/2006/main">
+  <p:cSld>
+    <p:spTree>
+      <p:nvGrpSpPr>
+        <p:cNvPr id="1" name=""/>
+        <p:cNvGrpSpPr/>
+        <p:nvPr/>
+      </p:nvGrpSpPr>
+      <p:grpSpPr>
+        <a:xfrm>
+          <a:off x="0" y="0"/>
+          <a:ext cx="0" cy="0"/>
+          <a:chOff x="0" y="0"/>
+          <a:chExt cx="0" cy="0"/>
+        </a:xfrm>
+      </p:grpSpPr>
+      <p:sp>
+        <p:nvSpPr>
+          <p:cNvPr id="2" name="Titolo 1">
+            <a:extLst>
+              <a:ext uri="{FF2B5EF4-FFF2-40B4-BE49-F238E27FC236}">
+                <a16:creationId xmlns:a16="http://schemas.microsoft.com/office/drawing/2014/main" id="{767708DE-5826-FD18-DA30-33D9335D1977}"/>
+              </a:ext>
+            </a:extLst>
+          </p:cNvPr>
+          <p:cNvSpPr>
+            <a:spLocks noGrp="1"/>
+          </p:cNvSpPr>
+          <p:nvPr>
+            <p:ph type="title"/>
+          </p:nvPr>
+        </p:nvSpPr>
+        <p:spPr/>
+        <p:txBody>
+          <a:bodyPr/>
+          <a:lstStyle/>
+          <a:p>
+            <a:r>
+              <a:rPr lang="it-IT" dirty="0"/>
+              <a:t>EAGLE: Schema (Low Duty </a:t>
+            </a:r>
+            <a:r>
+              <a:rPr lang="it-IT" dirty="0" err="1"/>
+              <a:t>Cycle</a:t>
+            </a:r>
+            <a:r>
+              <a:rPr lang="it-IT" dirty="0"/>
+              <a:t>)</a:t>
+            </a:r>
+          </a:p>
+        </p:txBody>
+      </p:sp>
+      <p:sp>
+        <p:nvSpPr>
+          <p:cNvPr id="4" name="Segnaposto numero diapositiva 3">
+            <a:extLst>
+              <a:ext uri="{FF2B5EF4-FFF2-40B4-BE49-F238E27FC236}">
+                <a16:creationId xmlns:a16="http://schemas.microsoft.com/office/drawing/2014/main" id="{CD797D4C-2717-EA5F-818B-33A373550D8C}"/>
+              </a:ext>
+            </a:extLst>
+          </p:cNvPr>
+          <p:cNvSpPr>
+            <a:spLocks noGrp="1"/>
+          </p:cNvSpPr>
+          <p:nvPr>
+            <p:ph type="sldNum" sz="quarter" idx="12"/>
+          </p:nvPr>
+        </p:nvSpPr>
+        <p:spPr/>
+        <p:txBody>
+          <a:bodyPr/>
+          <a:lstStyle/>
+          <a:p>
+            <a:pPr rtl="0"/>
+            <a:fld id="{3A98EE3D-8CD1-4C3F-BD1C-C98C9596463C}" type="slidenum">
+              <a:rPr lang="it-IT" noProof="0" smtClean="0"/>
+              <a:t>16</a:t>
+            </a:fld>
+            <a:endParaRPr lang="it-IT" noProof="0" dirty="0"/>
+          </a:p>
+        </p:txBody>
+      </p:sp>
+      <p:pic>
+        <p:nvPicPr>
+          <p:cNvPr id="12" name="Segnaposto contenuto 11">
+            <a:extLst>
+              <a:ext uri="{FF2B5EF4-FFF2-40B4-BE49-F238E27FC236}">
+                <a16:creationId xmlns:a16="http://schemas.microsoft.com/office/drawing/2014/main" id="{C8D8BE7B-9338-0BFB-AB5C-1FC9F50B4DE8}"/>
+              </a:ext>
+            </a:extLst>
+          </p:cNvPr>
+          <p:cNvPicPr>
+            <a:picLocks noGrp="1" noChangeAspect="1"/>
+          </p:cNvPicPr>
+          <p:nvPr>
+            <p:ph idx="1"/>
+          </p:nvPr>
+        </p:nvPicPr>
+        <p:blipFill>
+          <a:blip r:embed="rId2"/>
+          <a:stretch>
+            <a:fillRect/>
+          </a:stretch>
+        </p:blipFill>
+        <p:spPr>
+          <a:xfrm>
+            <a:off x="3054772" y="1872218"/>
+            <a:ext cx="6082455" cy="4574620"/>
+          </a:xfrm>
         </p:spPr>
       </p:pic>
     </p:spTree>
     <p:extLst>
       <p:ext uri="{BB962C8B-B14F-4D97-AF65-F5344CB8AC3E}">
-        <p14:creationId xmlns:p14="http://schemas.microsoft.com/office/powerpoint/2010/main" val="4127971368"/>
+        <p14:creationId xmlns:p14="http://schemas.microsoft.com/office/powerpoint/2010/main" val="3243573033"/>
+      </p:ext>
+    </p:extLst>
+  </p:cSld>
+  <p:clrMapOvr>
+    <a:masterClrMapping/>
+  </p:clrMapOvr>
+</p:sld>
+</file>
+
+<file path=ppt/slides/slide17.xml><?xml version="1.0" encoding="utf-8"?>
+<p:sld xmlns:a="http://schemas.openxmlformats.org/drawingml/2006/main" xmlns:r="http://schemas.openxmlformats.org/officeDocument/2006/relationships" xmlns:p="http://schemas.openxmlformats.org/presentationml/2006/main">
+  <p:cSld>
+    <p:spTree>
+      <p:nvGrpSpPr>
+        <p:cNvPr id="1" name=""/>
+        <p:cNvGrpSpPr/>
+        <p:nvPr/>
+      </p:nvGrpSpPr>
+      <p:grpSpPr>
+        <a:xfrm>
+          <a:off x="0" y="0"/>
+          <a:ext cx="0" cy="0"/>
+          <a:chOff x="0" y="0"/>
+          <a:chExt cx="0" cy="0"/>
+        </a:xfrm>
+      </p:grpSpPr>
+      <p:sp>
+        <p:nvSpPr>
+          <p:cNvPr id="2" name="Titolo 1">
+            <a:extLst>
+              <a:ext uri="{FF2B5EF4-FFF2-40B4-BE49-F238E27FC236}">
+                <a16:creationId xmlns:a16="http://schemas.microsoft.com/office/drawing/2014/main" id="{A13FEBD7-A23C-9DCE-EAD2-1814278EC709}"/>
+              </a:ext>
+            </a:extLst>
+          </p:cNvPr>
+          <p:cNvSpPr>
+            <a:spLocks noGrp="1"/>
+          </p:cNvSpPr>
+          <p:nvPr>
+            <p:ph type="title"/>
+          </p:nvPr>
+        </p:nvSpPr>
+        <p:spPr/>
+        <p:txBody>
+          <a:bodyPr/>
+          <a:lstStyle/>
+          <a:p>
+            <a:r>
+              <a:rPr lang="it-IT" dirty="0"/>
+              <a:t>EAGLE: Board (Low Duty </a:t>
+            </a:r>
+            <a:r>
+              <a:rPr lang="it-IT" dirty="0" err="1"/>
+              <a:t>Cycle</a:t>
+            </a:r>
+            <a:r>
+              <a:rPr lang="it-IT" dirty="0"/>
+              <a:t>)</a:t>
+            </a:r>
+          </a:p>
+        </p:txBody>
+      </p:sp>
+      <p:pic>
+        <p:nvPicPr>
+          <p:cNvPr id="6" name="Segnaposto contenuto 5">
+            <a:extLst>
+              <a:ext uri="{FF2B5EF4-FFF2-40B4-BE49-F238E27FC236}">
+                <a16:creationId xmlns:a16="http://schemas.microsoft.com/office/drawing/2014/main" id="{FC355188-E77E-19CC-5247-4C2B208EE1C2}"/>
+              </a:ext>
+            </a:extLst>
+          </p:cNvPr>
+          <p:cNvPicPr>
+            <a:picLocks noGrp="1" noChangeAspect="1"/>
+          </p:cNvPicPr>
+          <p:nvPr>
+            <p:ph idx="1"/>
+          </p:nvPr>
+        </p:nvPicPr>
+        <p:blipFill>
+          <a:blip r:embed="rId2"/>
+          <a:stretch>
+            <a:fillRect/>
+          </a:stretch>
+        </p:blipFill>
+        <p:spPr>
+          <a:xfrm>
+            <a:off x="2198632" y="2686050"/>
+            <a:ext cx="7855696" cy="3760788"/>
+          </a:xfrm>
+        </p:spPr>
+      </p:pic>
+      <p:sp>
+        <p:nvSpPr>
+          <p:cNvPr id="4" name="Segnaposto numero diapositiva 3">
+            <a:extLst>
+              <a:ext uri="{FF2B5EF4-FFF2-40B4-BE49-F238E27FC236}">
+                <a16:creationId xmlns:a16="http://schemas.microsoft.com/office/drawing/2014/main" id="{7A733696-EF38-010D-2794-209C7D8D1B7F}"/>
+              </a:ext>
+            </a:extLst>
+          </p:cNvPr>
+          <p:cNvSpPr>
+            <a:spLocks noGrp="1"/>
+          </p:cNvSpPr>
+          <p:nvPr>
+            <p:ph type="sldNum" sz="quarter" idx="12"/>
+          </p:nvPr>
+        </p:nvSpPr>
+        <p:spPr/>
+        <p:txBody>
+          <a:bodyPr/>
+          <a:lstStyle/>
+          <a:p>
+            <a:pPr rtl="0"/>
+            <a:fld id="{3A98EE3D-8CD1-4C3F-BD1C-C98C9596463C}" type="slidenum">
+              <a:rPr lang="it-IT" noProof="0" smtClean="0"/>
+              <a:t>17</a:t>
+            </a:fld>
+            <a:endParaRPr lang="it-IT" noProof="0" dirty="0"/>
+          </a:p>
+        </p:txBody>
+      </p:sp>
+      <p:sp>
+        <p:nvSpPr>
+          <p:cNvPr id="7" name="CasellaDiTesto 6">
+            <a:extLst>
+              <a:ext uri="{FF2B5EF4-FFF2-40B4-BE49-F238E27FC236}">
+                <a16:creationId xmlns:a16="http://schemas.microsoft.com/office/drawing/2014/main" id="{E5A8A376-2241-89CC-132C-258615D25F9F}"/>
+              </a:ext>
+            </a:extLst>
+          </p:cNvPr>
+          <p:cNvSpPr txBox="1"/>
+          <p:nvPr/>
+        </p:nvSpPr>
+        <p:spPr>
+          <a:xfrm>
+            <a:off x="1097280" y="2152996"/>
+            <a:ext cx="6077528" cy="369332"/>
+          </a:xfrm>
+          <a:prstGeom prst="rect">
+            <a:avLst/>
+          </a:prstGeom>
+          <a:noFill/>
+        </p:spPr>
+        <p:txBody>
+          <a:bodyPr wrap="square" rtlCol="0">
+            <a:spAutoFit/>
+          </a:bodyPr>
+          <a:lstStyle/>
+          <a:p>
+            <a:pPr marL="285750" indent="-285750">
+              <a:buFont typeface="Arial" panose="020B0604020202020204" pitchFamily="34" charset="0"/>
+              <a:buChar char="•"/>
+            </a:pPr>
+            <a:r>
+              <a:rPr lang="it-IT" dirty="0"/>
+              <a:t>Senza piano di massa</a:t>
+            </a:r>
+          </a:p>
+        </p:txBody>
+      </p:sp>
+    </p:spTree>
+    <p:extLst>
+      <p:ext uri="{BB962C8B-B14F-4D97-AF65-F5344CB8AC3E}">
+        <p14:creationId xmlns:p14="http://schemas.microsoft.com/office/powerpoint/2010/main" val="3343029344"/>
+      </p:ext>
+    </p:extLst>
+  </p:cSld>
+  <p:clrMapOvr>
+    <a:masterClrMapping/>
+  </p:clrMapOvr>
+</p:sld>
+</file>
+
+<file path=ppt/slides/slide18.xml><?xml version="1.0" encoding="utf-8"?>
+<p:sld xmlns:a="http://schemas.openxmlformats.org/drawingml/2006/main" xmlns:r="http://schemas.openxmlformats.org/officeDocument/2006/relationships" xmlns:p="http://schemas.openxmlformats.org/presentationml/2006/main">
+  <p:cSld>
+    <p:spTree>
+      <p:nvGrpSpPr>
+        <p:cNvPr id="1" name=""/>
+        <p:cNvGrpSpPr/>
+        <p:nvPr/>
+      </p:nvGrpSpPr>
+      <p:grpSpPr>
+        <a:xfrm>
+          <a:off x="0" y="0"/>
+          <a:ext cx="0" cy="0"/>
+          <a:chOff x="0" y="0"/>
+          <a:chExt cx="0" cy="0"/>
+        </a:xfrm>
+      </p:grpSpPr>
+      <p:sp>
+        <p:nvSpPr>
+          <p:cNvPr id="2" name="Titolo 1">
+            <a:extLst>
+              <a:ext uri="{FF2B5EF4-FFF2-40B4-BE49-F238E27FC236}">
+                <a16:creationId xmlns:a16="http://schemas.microsoft.com/office/drawing/2014/main" id="{51955A02-3255-A827-6539-766A4FA38DAC}"/>
+              </a:ext>
+            </a:extLst>
+          </p:cNvPr>
+          <p:cNvSpPr>
+            <a:spLocks noGrp="1"/>
+          </p:cNvSpPr>
+          <p:nvPr>
+            <p:ph type="title"/>
+          </p:nvPr>
+        </p:nvSpPr>
+        <p:spPr/>
+        <p:txBody>
+          <a:bodyPr/>
+          <a:lstStyle/>
+          <a:p>
+            <a:r>
+              <a:rPr lang="it-IT" dirty="0"/>
+              <a:t>EAGLE: Board (Low Duty </a:t>
+            </a:r>
+            <a:r>
+              <a:rPr lang="it-IT" dirty="0" err="1"/>
+              <a:t>Cycle</a:t>
+            </a:r>
+            <a:r>
+              <a:rPr lang="it-IT" dirty="0"/>
+              <a:t>)</a:t>
+            </a:r>
+          </a:p>
+        </p:txBody>
+      </p:sp>
+      <p:pic>
+        <p:nvPicPr>
+          <p:cNvPr id="6" name="Segnaposto contenuto 5">
+            <a:extLst>
+              <a:ext uri="{FF2B5EF4-FFF2-40B4-BE49-F238E27FC236}">
+                <a16:creationId xmlns:a16="http://schemas.microsoft.com/office/drawing/2014/main" id="{838A80A1-8D3A-4B8F-CC56-5F8C69B268BE}"/>
+              </a:ext>
+            </a:extLst>
+          </p:cNvPr>
+          <p:cNvPicPr>
+            <a:picLocks noGrp="1" noChangeAspect="1"/>
+          </p:cNvPicPr>
+          <p:nvPr>
+            <p:ph idx="1"/>
+          </p:nvPr>
+        </p:nvPicPr>
+        <p:blipFill>
+          <a:blip r:embed="rId2"/>
+          <a:stretch>
+            <a:fillRect/>
+          </a:stretch>
+        </p:blipFill>
+        <p:spPr>
+          <a:xfrm>
+            <a:off x="2139564" y="2576954"/>
+            <a:ext cx="7912871" cy="3847425"/>
+          </a:xfrm>
+        </p:spPr>
+      </p:pic>
+      <p:sp>
+        <p:nvSpPr>
+          <p:cNvPr id="4" name="Segnaposto numero diapositiva 3">
+            <a:extLst>
+              <a:ext uri="{FF2B5EF4-FFF2-40B4-BE49-F238E27FC236}">
+                <a16:creationId xmlns:a16="http://schemas.microsoft.com/office/drawing/2014/main" id="{5D221D54-C958-49AE-2803-8BA88E9B78C5}"/>
+              </a:ext>
+            </a:extLst>
+          </p:cNvPr>
+          <p:cNvSpPr>
+            <a:spLocks noGrp="1"/>
+          </p:cNvSpPr>
+          <p:nvPr>
+            <p:ph type="sldNum" sz="quarter" idx="12"/>
+          </p:nvPr>
+        </p:nvSpPr>
+        <p:spPr/>
+        <p:txBody>
+          <a:bodyPr/>
+          <a:lstStyle/>
+          <a:p>
+            <a:pPr rtl="0"/>
+            <a:fld id="{3A98EE3D-8CD1-4C3F-BD1C-C98C9596463C}" type="slidenum">
+              <a:rPr lang="it-IT" noProof="0" smtClean="0"/>
+              <a:t>18</a:t>
+            </a:fld>
+            <a:endParaRPr lang="it-IT" noProof="0" dirty="0"/>
+          </a:p>
+        </p:txBody>
+      </p:sp>
+      <p:sp>
+        <p:nvSpPr>
+          <p:cNvPr id="7" name="CasellaDiTesto 6">
+            <a:extLst>
+              <a:ext uri="{FF2B5EF4-FFF2-40B4-BE49-F238E27FC236}">
+                <a16:creationId xmlns:a16="http://schemas.microsoft.com/office/drawing/2014/main" id="{396A427F-4F75-8A06-4FFB-BBD9D64B0C47}"/>
+              </a:ext>
+            </a:extLst>
+          </p:cNvPr>
+          <p:cNvSpPr txBox="1"/>
+          <p:nvPr/>
+        </p:nvSpPr>
+        <p:spPr>
+          <a:xfrm>
+            <a:off x="1097280" y="2152996"/>
+            <a:ext cx="6077528" cy="369332"/>
+          </a:xfrm>
+          <a:prstGeom prst="rect">
+            <a:avLst/>
+          </a:prstGeom>
+          <a:noFill/>
+        </p:spPr>
+        <p:txBody>
+          <a:bodyPr wrap="square" rtlCol="0">
+            <a:spAutoFit/>
+          </a:bodyPr>
+          <a:lstStyle/>
+          <a:p>
+            <a:pPr marL="285750" indent="-285750">
+              <a:buFont typeface="Arial" panose="020B0604020202020204" pitchFamily="34" charset="0"/>
+              <a:buChar char="•"/>
+            </a:pPr>
+            <a:r>
+              <a:rPr lang="it-IT" dirty="0"/>
+              <a:t>Piano di massa </a:t>
+            </a:r>
+            <a:r>
+              <a:rPr lang="it-IT" dirty="0" err="1"/>
+              <a:t>layer</a:t>
+            </a:r>
+            <a:r>
+              <a:rPr lang="it-IT" dirty="0"/>
+              <a:t> 1</a:t>
+            </a:r>
+          </a:p>
+        </p:txBody>
+      </p:sp>
+    </p:spTree>
+    <p:extLst>
+      <p:ext uri="{BB962C8B-B14F-4D97-AF65-F5344CB8AC3E}">
+        <p14:creationId xmlns:p14="http://schemas.microsoft.com/office/powerpoint/2010/main" val="2259652876"/>
+      </p:ext>
+    </p:extLst>
+  </p:cSld>
+  <p:clrMapOvr>
+    <a:masterClrMapping/>
+  </p:clrMapOvr>
+</p:sld>
+</file>
+
+<file path=ppt/slides/slide19.xml><?xml version="1.0" encoding="utf-8"?>
+<p:sld xmlns:a="http://schemas.openxmlformats.org/drawingml/2006/main" xmlns:r="http://schemas.openxmlformats.org/officeDocument/2006/relationships" xmlns:p="http://schemas.openxmlformats.org/presentationml/2006/main">
+  <p:cSld>
+    <p:spTree>
+      <p:nvGrpSpPr>
+        <p:cNvPr id="1" name=""/>
+        <p:cNvGrpSpPr/>
+        <p:nvPr/>
+      </p:nvGrpSpPr>
+      <p:grpSpPr>
+        <a:xfrm>
+          <a:off x="0" y="0"/>
+          <a:ext cx="0" cy="0"/>
+          <a:chOff x="0" y="0"/>
+          <a:chExt cx="0" cy="0"/>
+        </a:xfrm>
+      </p:grpSpPr>
+      <p:sp>
+        <p:nvSpPr>
+          <p:cNvPr id="2" name="Titolo 1">
+            <a:extLst>
+              <a:ext uri="{FF2B5EF4-FFF2-40B4-BE49-F238E27FC236}">
+                <a16:creationId xmlns:a16="http://schemas.microsoft.com/office/drawing/2014/main" id="{D5902AC1-B058-FBA9-9F84-8247C51F8881}"/>
+              </a:ext>
+            </a:extLst>
+          </p:cNvPr>
+          <p:cNvSpPr>
+            <a:spLocks noGrp="1"/>
+          </p:cNvSpPr>
+          <p:nvPr>
+            <p:ph type="title"/>
+          </p:nvPr>
+        </p:nvSpPr>
+        <p:spPr/>
+        <p:txBody>
+          <a:bodyPr/>
+          <a:lstStyle/>
+          <a:p>
+            <a:r>
+              <a:rPr lang="it-IT" dirty="0"/>
+              <a:t>EAGLE: Board (Low Duty </a:t>
+            </a:r>
+            <a:r>
+              <a:rPr lang="it-IT" dirty="0" err="1"/>
+              <a:t>Cycle</a:t>
+            </a:r>
+            <a:r>
+              <a:rPr lang="it-IT" dirty="0"/>
+              <a:t>)</a:t>
+            </a:r>
+          </a:p>
+        </p:txBody>
+      </p:sp>
+      <p:pic>
+        <p:nvPicPr>
+          <p:cNvPr id="6" name="Segnaposto contenuto 5">
+            <a:extLst>
+              <a:ext uri="{FF2B5EF4-FFF2-40B4-BE49-F238E27FC236}">
+                <a16:creationId xmlns:a16="http://schemas.microsoft.com/office/drawing/2014/main" id="{D05104E6-A1EC-0EAC-BB17-D37851025E2B}"/>
+              </a:ext>
+            </a:extLst>
+          </p:cNvPr>
+          <p:cNvPicPr>
+            <a:picLocks noGrp="1" noChangeAspect="1"/>
+          </p:cNvPicPr>
+          <p:nvPr>
+            <p:ph idx="1"/>
+          </p:nvPr>
+        </p:nvPicPr>
+        <p:blipFill>
+          <a:blip r:embed="rId2"/>
+          <a:stretch>
+            <a:fillRect/>
+          </a:stretch>
+        </p:blipFill>
+        <p:spPr>
+          <a:xfrm>
+            <a:off x="2020485" y="2686050"/>
+            <a:ext cx="8151030" cy="3760788"/>
+          </a:xfrm>
+        </p:spPr>
+      </p:pic>
+      <p:sp>
+        <p:nvSpPr>
+          <p:cNvPr id="4" name="Segnaposto numero diapositiva 3">
+            <a:extLst>
+              <a:ext uri="{FF2B5EF4-FFF2-40B4-BE49-F238E27FC236}">
+                <a16:creationId xmlns:a16="http://schemas.microsoft.com/office/drawing/2014/main" id="{9D6E2B31-9461-C7F0-8634-62EB075256AB}"/>
+              </a:ext>
+            </a:extLst>
+          </p:cNvPr>
+          <p:cNvSpPr>
+            <a:spLocks noGrp="1"/>
+          </p:cNvSpPr>
+          <p:nvPr>
+            <p:ph type="sldNum" sz="quarter" idx="12"/>
+          </p:nvPr>
+        </p:nvSpPr>
+        <p:spPr/>
+        <p:txBody>
+          <a:bodyPr/>
+          <a:lstStyle/>
+          <a:p>
+            <a:pPr rtl="0"/>
+            <a:fld id="{3A98EE3D-8CD1-4C3F-BD1C-C98C9596463C}" type="slidenum">
+              <a:rPr lang="it-IT" noProof="0" smtClean="0"/>
+              <a:t>19</a:t>
+            </a:fld>
+            <a:endParaRPr lang="it-IT" noProof="0" dirty="0"/>
+          </a:p>
+        </p:txBody>
+      </p:sp>
+      <p:sp>
+        <p:nvSpPr>
+          <p:cNvPr id="7" name="CasellaDiTesto 6">
+            <a:extLst>
+              <a:ext uri="{FF2B5EF4-FFF2-40B4-BE49-F238E27FC236}">
+                <a16:creationId xmlns:a16="http://schemas.microsoft.com/office/drawing/2014/main" id="{DCA1F6A8-2D6E-1468-8B58-80FDA463AA5F}"/>
+              </a:ext>
+            </a:extLst>
+          </p:cNvPr>
+          <p:cNvSpPr txBox="1"/>
+          <p:nvPr/>
+        </p:nvSpPr>
+        <p:spPr>
+          <a:xfrm>
+            <a:off x="1097280" y="2152996"/>
+            <a:ext cx="6077528" cy="369332"/>
+          </a:xfrm>
+          <a:prstGeom prst="rect">
+            <a:avLst/>
+          </a:prstGeom>
+          <a:noFill/>
+        </p:spPr>
+        <p:txBody>
+          <a:bodyPr wrap="square" rtlCol="0">
+            <a:spAutoFit/>
+          </a:bodyPr>
+          <a:lstStyle/>
+          <a:p>
+            <a:pPr marL="285750" indent="-285750">
+              <a:buFont typeface="Arial" panose="020B0604020202020204" pitchFamily="34" charset="0"/>
+              <a:buChar char="•"/>
+            </a:pPr>
+            <a:r>
+              <a:rPr lang="it-IT" dirty="0"/>
+              <a:t>Piano di massa </a:t>
+            </a:r>
+            <a:r>
+              <a:rPr lang="it-IT" dirty="0" err="1"/>
+              <a:t>layer</a:t>
+            </a:r>
+            <a:r>
+              <a:rPr lang="it-IT" dirty="0"/>
+              <a:t> 16</a:t>
+            </a:r>
+          </a:p>
+        </p:txBody>
+      </p:sp>
+    </p:spTree>
+    <p:extLst>
+      <p:ext uri="{BB962C8B-B14F-4D97-AF65-F5344CB8AC3E}">
+        <p14:creationId xmlns:p14="http://schemas.microsoft.com/office/powerpoint/2010/main" val="2588207278"/>
       </p:ext>
     </p:extLst>
   </p:cSld>
@@ -10974,9 +12952,16 @@
             <p:ph idx="1"/>
           </p:nvPr>
         </p:nvSpPr>
-        <p:spPr/>
-        <p:txBody>
-          <a:bodyPr rtlCol="0"/>
+        <p:spPr>
+          <a:xfrm>
+            <a:off x="6518529" y="46037"/>
+            <a:ext cx="4654296" cy="6227763"/>
+          </a:xfrm>
+        </p:spPr>
+        <p:txBody>
+          <a:bodyPr rtlCol="0">
+            <a:normAutofit/>
+          </a:bodyPr>
           <a:lstStyle/>
           <a:p>
             <a:pPr rtl="0"/>
@@ -11024,6 +13009,101 @@
               <a:t>cicle</a:t>
             </a:r>
             <a:endParaRPr lang="it-IT" dirty="0"/>
+          </a:p>
+          <a:p>
+            <a:pPr rtl="0"/>
+            <a:r>
+              <a:rPr lang="it-IT" dirty="0"/>
+              <a:t>Timer 555 </a:t>
+            </a:r>
+            <a:r>
+              <a:rPr lang="it-IT" dirty="0" err="1"/>
+              <a:t>Astable</a:t>
+            </a:r>
+            <a:endParaRPr lang="it-IT" dirty="0"/>
+          </a:p>
+          <a:p>
+            <a:pPr lvl="1"/>
+            <a:r>
+              <a:rPr lang="it-IT" dirty="0"/>
+              <a:t>Schema </a:t>
+            </a:r>
+            <a:r>
+              <a:rPr lang="it-IT" dirty="0" err="1"/>
+              <a:t>LTSpice</a:t>
+            </a:r>
+            <a:r>
+              <a:rPr lang="it-IT" dirty="0"/>
+              <a:t> (</a:t>
+            </a:r>
+            <a:r>
+              <a:rPr lang="it-IT" dirty="0" err="1"/>
+              <a:t>Normal</a:t>
+            </a:r>
+            <a:r>
+              <a:rPr lang="it-IT" dirty="0"/>
+              <a:t> Duty </a:t>
+            </a:r>
+            <a:r>
+              <a:rPr lang="it-IT" dirty="0" err="1"/>
+              <a:t>Cycle</a:t>
+            </a:r>
+            <a:r>
+              <a:rPr lang="it-IT" dirty="0"/>
+              <a:t>)</a:t>
+            </a:r>
+          </a:p>
+          <a:p>
+            <a:pPr lvl="1"/>
+            <a:r>
+              <a:rPr lang="it-IT" dirty="0"/>
+              <a:t>Grafici e risultati</a:t>
+            </a:r>
+          </a:p>
+          <a:p>
+            <a:pPr lvl="1"/>
+            <a:r>
+              <a:rPr lang="it-IT" dirty="0"/>
+              <a:t>Schema </a:t>
+            </a:r>
+            <a:r>
+              <a:rPr lang="it-IT" dirty="0" err="1"/>
+              <a:t>LTSpice</a:t>
+            </a:r>
+            <a:r>
+              <a:rPr lang="it-IT" dirty="0"/>
+              <a:t> (Low Duty </a:t>
+            </a:r>
+            <a:r>
+              <a:rPr lang="it-IT" dirty="0" err="1"/>
+              <a:t>Cycle</a:t>
+            </a:r>
+            <a:r>
+              <a:rPr lang="it-IT" dirty="0"/>
+              <a:t>)</a:t>
+            </a:r>
+          </a:p>
+          <a:p>
+            <a:pPr lvl="1"/>
+            <a:r>
+              <a:rPr lang="it-IT" dirty="0"/>
+              <a:t>Grafici e risultati</a:t>
+            </a:r>
+          </a:p>
+          <a:p>
+            <a:pPr lvl="1"/>
+            <a:r>
+              <a:rPr lang="it-IT" dirty="0"/>
+              <a:t>EAGLE: schema e board (Low Duty </a:t>
+            </a:r>
+            <a:r>
+              <a:rPr lang="it-IT" dirty="0" err="1"/>
+              <a:t>Cycle</a:t>
+            </a:r>
+            <a:r>
+              <a:rPr lang="it-IT" dirty="0"/>
+              <a:t>)</a:t>
+            </a:r>
           </a:p>
           <a:p>
             <a:pPr rtl="0"/>
@@ -11550,6 +13630,391 @@
 </p:sld>
 </file>
 
+<file path=ppt/slides/slide20.xml><?xml version="1.0" encoding="utf-8"?>
+<p:sld xmlns:a="http://schemas.openxmlformats.org/drawingml/2006/main" xmlns:r="http://schemas.openxmlformats.org/officeDocument/2006/relationships" xmlns:p="http://schemas.openxmlformats.org/presentationml/2006/main">
+  <p:cSld>
+    <p:bg>
+      <p:bgPr>
+        <a:solidFill>
+          <a:schemeClr val="bg1"/>
+        </a:solidFill>
+        <a:effectLst/>
+      </p:bgPr>
+    </p:bg>
+    <p:spTree>
+      <p:nvGrpSpPr>
+        <p:cNvPr id="1" name=""/>
+        <p:cNvGrpSpPr/>
+        <p:nvPr/>
+      </p:nvGrpSpPr>
+      <p:grpSpPr>
+        <a:xfrm>
+          <a:off x="0" y="0"/>
+          <a:ext cx="0" cy="0"/>
+          <a:chOff x="0" y="0"/>
+          <a:chExt cx="0" cy="0"/>
+        </a:xfrm>
+      </p:grpSpPr>
+      <p:sp>
+        <p:nvSpPr>
+          <p:cNvPr id="13" name="Rettangolo 12">
+            <a:extLst>
+              <a:ext uri="{FF2B5EF4-FFF2-40B4-BE49-F238E27FC236}">
+                <a16:creationId xmlns:a16="http://schemas.microsoft.com/office/drawing/2014/main" id="{39E3965E-AC41-4711-9D10-E25ABB132D86}"/>
+              </a:ext>
+              <a:ext uri="{C183D7F6-B498-43B3-948B-1728B52AA6E4}">
+                <adec:decorative xmlns:adec="http://schemas.microsoft.com/office/drawing/2017/decorative" val="1"/>
+              </a:ext>
+            </a:extLst>
+          </p:cNvPr>
+          <p:cNvSpPr>
+            <a:spLocks noGrp="1" noRot="1" noChangeAspect="1" noMove="1" noResize="1" noEditPoints="1" noAdjustHandles="1" noChangeArrowheads="1" noChangeShapeType="1" noTextEdit="1"/>
+          </p:cNvSpPr>
+          <p:nvPr>
+            <p:extLst>
+              <p:ext uri="{386F3935-93C4-4BCD-93E2-E3B085C9AB24}">
+                <p16:designElem xmlns:p16="http://schemas.microsoft.com/office/powerpoint/2015/main" val="1"/>
+              </p:ext>
+            </p:extLst>
+          </p:nvPr>
+        </p:nvSpPr>
+        <p:spPr>
+          <a:xfrm>
+            <a:off x="3175" y="6400800"/>
+            <a:ext cx="12188825" cy="457200"/>
+          </a:xfrm>
+          <a:prstGeom prst="rect">
+            <a:avLst/>
+          </a:prstGeom>
+          <a:solidFill>
+            <a:srgbClr val="262626"/>
+          </a:solidFill>
+          <a:ln>
+            <a:noFill/>
+          </a:ln>
+        </p:spPr>
+        <p:style>
+          <a:lnRef idx="2">
+            <a:schemeClr val="accent1">
+              <a:shade val="50000"/>
+            </a:schemeClr>
+          </a:lnRef>
+          <a:fillRef idx="1">
+            <a:schemeClr val="accent1"/>
+          </a:fillRef>
+          <a:effectRef idx="0">
+            <a:schemeClr val="accent1"/>
+          </a:effectRef>
+          <a:fontRef idx="minor">
+            <a:schemeClr val="lt1"/>
+          </a:fontRef>
+        </p:style>
+      </p:sp>
+      <p:cxnSp>
+        <p:nvCxnSpPr>
+          <p:cNvPr id="15" name="Connettore diritto 14">
+            <a:extLst>
+              <a:ext uri="{FF2B5EF4-FFF2-40B4-BE49-F238E27FC236}">
+                <a16:creationId xmlns:a16="http://schemas.microsoft.com/office/drawing/2014/main" id="{1F5DC8C3-BA5F-4EED-BB9A-A14272BD82A1}"/>
+              </a:ext>
+              <a:ext uri="{C183D7F6-B498-43B3-948B-1728B52AA6E4}">
+                <adec:decorative xmlns:adec="http://schemas.microsoft.com/office/drawing/2017/decorative" val="1"/>
+              </a:ext>
+            </a:extLst>
+          </p:cNvPr>
+          <p:cNvCxnSpPr>
+            <a:cxnSpLocks noGrp="1" noRot="1" noChangeAspect="1" noMove="1" noResize="1" noEditPoints="1" noAdjustHandles="1" noChangeArrowheads="1" noChangeShapeType="1"/>
+          </p:cNvCxnSpPr>
+          <p:nvPr>
+            <p:extLst>
+              <p:ext uri="{386F3935-93C4-4BCD-93E2-E3B085C9AB24}">
+                <p16:designElem xmlns:p16="http://schemas.microsoft.com/office/powerpoint/2015/main" val="1"/>
+              </p:ext>
+            </p:extLst>
+          </p:nvPr>
+        </p:nvCxnSpPr>
+        <p:spPr>
+          <a:xfrm>
+            <a:off x="1207658" y="4474741"/>
+            <a:ext cx="9875520" cy="0"/>
+          </a:xfrm>
+          <a:prstGeom prst="line">
+            <a:avLst/>
+          </a:prstGeom>
+          <a:ln w="12700">
+            <a:solidFill>
+              <a:schemeClr val="tx1">
+                <a:lumMod val="75000"/>
+                <a:lumOff val="25000"/>
+              </a:schemeClr>
+            </a:solidFill>
+          </a:ln>
+        </p:spPr>
+        <p:style>
+          <a:lnRef idx="1">
+            <a:schemeClr val="accent1"/>
+          </a:lnRef>
+          <a:fillRef idx="0">
+            <a:schemeClr val="accent1"/>
+          </a:fillRef>
+          <a:effectRef idx="0">
+            <a:schemeClr val="accent1"/>
+          </a:effectRef>
+          <a:fontRef idx="minor">
+            <a:schemeClr val="tx1"/>
+          </a:fontRef>
+        </p:style>
+      </p:cxnSp>
+      <p:sp>
+        <p:nvSpPr>
+          <p:cNvPr id="17" name="Rettangolo 16">
+            <a:extLst>
+              <a:ext uri="{FF2B5EF4-FFF2-40B4-BE49-F238E27FC236}">
+                <a16:creationId xmlns:a16="http://schemas.microsoft.com/office/drawing/2014/main" id="{FBDCECDC-EEE3-4128-AA5E-82A8C08796E8}"/>
+              </a:ext>
+              <a:ext uri="{C183D7F6-B498-43B3-948B-1728B52AA6E4}">
+                <adec:decorative xmlns:adec="http://schemas.microsoft.com/office/drawing/2017/decorative" val="1"/>
+              </a:ext>
+            </a:extLst>
+          </p:cNvPr>
+          <p:cNvSpPr>
+            <a:spLocks noGrp="1" noRot="1" noChangeAspect="1" noMove="1" noResize="1" noEditPoints="1" noAdjustHandles="1" noChangeArrowheads="1" noChangeShapeType="1" noTextEdit="1"/>
+          </p:cNvSpPr>
+          <p:nvPr>
+            <p:extLst>
+              <p:ext uri="{386F3935-93C4-4BCD-93E2-E3B085C9AB24}">
+                <p16:designElem xmlns:p16="http://schemas.microsoft.com/office/powerpoint/2015/main" val="1"/>
+              </p:ext>
+            </p:extLst>
+          </p:nvPr>
+        </p:nvSpPr>
+        <p:spPr>
+          <a:xfrm>
+            <a:off x="1507" y="0"/>
+            <a:ext cx="12192000" cy="6858000"/>
+          </a:xfrm>
+          <a:prstGeom prst="rect">
+            <a:avLst/>
+          </a:prstGeom>
+          <a:solidFill>
+            <a:schemeClr val="accent1"/>
+          </a:solidFill>
+          <a:ln>
+            <a:noFill/>
+          </a:ln>
+        </p:spPr>
+        <p:style>
+          <a:lnRef idx="2">
+            <a:schemeClr val="accent1">
+              <a:shade val="50000"/>
+            </a:schemeClr>
+          </a:lnRef>
+          <a:fillRef idx="1">
+            <a:schemeClr val="accent1"/>
+          </a:fillRef>
+          <a:effectRef idx="0">
+            <a:schemeClr val="accent1"/>
+          </a:effectRef>
+          <a:fontRef idx="minor">
+            <a:schemeClr val="lt1"/>
+          </a:fontRef>
+        </p:style>
+        <p:txBody>
+          <a:bodyPr rtlCol="0" anchor="ctr"/>
+          <a:lstStyle/>
+          <a:p>
+            <a:pPr algn="ctr" rtl="0"/>
+            <a:endParaRPr lang="it-IT" dirty="0"/>
+          </a:p>
+        </p:txBody>
+      </p:sp>
+      <p:sp>
+        <p:nvSpPr>
+          <p:cNvPr id="7" name="Titolo 6">
+            <a:extLst>
+              <a:ext uri="{FF2B5EF4-FFF2-40B4-BE49-F238E27FC236}">
+                <a16:creationId xmlns:a16="http://schemas.microsoft.com/office/drawing/2014/main" id="{5365BF64-4B30-4125-9A30-A1B08C80ED7D}"/>
+              </a:ext>
+            </a:extLst>
+          </p:cNvPr>
+          <p:cNvSpPr>
+            <a:spLocks noGrp="1"/>
+          </p:cNvSpPr>
+          <p:nvPr>
+            <p:ph type="title"/>
+          </p:nvPr>
+        </p:nvSpPr>
+        <p:spPr>
+          <a:xfrm>
+            <a:off x="1097280" y="758952"/>
+            <a:ext cx="10058400" cy="3892168"/>
+          </a:xfrm>
+        </p:spPr>
+        <p:txBody>
+          <a:bodyPr vert="horz" lIns="91440" tIns="45720" rIns="91440" bIns="45720" rtlCol="0" anchor="b">
+            <a:normAutofit/>
+          </a:bodyPr>
+          <a:lstStyle/>
+          <a:p>
+            <a:pPr rtl="0"/>
+            <a:r>
+              <a:rPr lang="it-IT" sz="9600" dirty="0">
+                <a:solidFill>
+                  <a:srgbClr val="FFFFFF"/>
+                </a:solidFill>
+                <a:latin typeface="+mj-lt"/>
+              </a:rPr>
+              <a:t>Fine</a:t>
+            </a:r>
+          </a:p>
+        </p:txBody>
+      </p:sp>
+      <p:sp>
+        <p:nvSpPr>
+          <p:cNvPr id="19" name="Rettangolo 18">
+            <a:extLst>
+              <a:ext uri="{FF2B5EF4-FFF2-40B4-BE49-F238E27FC236}">
+                <a16:creationId xmlns:a16="http://schemas.microsoft.com/office/drawing/2014/main" id="{4260EDE0-989C-4E16-AF94-F652294D828E}"/>
+              </a:ext>
+              <a:ext uri="{C183D7F6-B498-43B3-948B-1728B52AA6E4}">
+                <adec:decorative xmlns:adec="http://schemas.microsoft.com/office/drawing/2017/decorative" val="1"/>
+              </a:ext>
+            </a:extLst>
+          </p:cNvPr>
+          <p:cNvSpPr>
+            <a:spLocks noGrp="1" noRot="1" noChangeAspect="1" noMove="1" noResize="1" noEditPoints="1" noAdjustHandles="1" noChangeArrowheads="1" noChangeShapeType="1" noTextEdit="1"/>
+          </p:cNvSpPr>
+          <p:nvPr>
+            <p:extLst>
+              <p:ext uri="{386F3935-93C4-4BCD-93E2-E3B085C9AB24}">
+                <p16:designElem xmlns:p16="http://schemas.microsoft.com/office/powerpoint/2015/main" val="1"/>
+              </p:ext>
+            </p:extLst>
+          </p:nvPr>
+        </p:nvSpPr>
+        <p:spPr bwMode="white">
+          <a:xfrm>
+            <a:off x="1507" y="4953000"/>
+            <a:ext cx="12188952" cy="1905000"/>
+          </a:xfrm>
+          <a:prstGeom prst="rect">
+            <a:avLst/>
+          </a:prstGeom>
+          <a:solidFill>
+            <a:srgbClr val="262626"/>
+          </a:solidFill>
+          <a:ln>
+            <a:noFill/>
+          </a:ln>
+        </p:spPr>
+        <p:style>
+          <a:lnRef idx="2">
+            <a:schemeClr val="accent1">
+              <a:shade val="50000"/>
+            </a:schemeClr>
+          </a:lnRef>
+          <a:fillRef idx="1">
+            <a:schemeClr val="accent1"/>
+          </a:fillRef>
+          <a:effectRef idx="0">
+            <a:schemeClr val="accent1"/>
+          </a:effectRef>
+          <a:fontRef idx="minor">
+            <a:schemeClr val="lt1"/>
+          </a:fontRef>
+        </p:style>
+      </p:sp>
+      <p:sp>
+        <p:nvSpPr>
+          <p:cNvPr id="8" name="Segnaposto contenuto 7">
+            <a:extLst>
+              <a:ext uri="{FF2B5EF4-FFF2-40B4-BE49-F238E27FC236}">
+                <a16:creationId xmlns:a16="http://schemas.microsoft.com/office/drawing/2014/main" id="{D4305886-8ACA-4ED6-AA5B-215F6D741CF0}"/>
+              </a:ext>
+            </a:extLst>
+          </p:cNvPr>
+          <p:cNvSpPr>
+            <a:spLocks noGrp="1"/>
+          </p:cNvSpPr>
+          <p:nvPr>
+            <p:ph idx="1"/>
+          </p:nvPr>
+        </p:nvSpPr>
+        <p:spPr>
+          <a:xfrm>
+            <a:off x="1100051" y="5225240"/>
+            <a:ext cx="10058400" cy="1143000"/>
+          </a:xfrm>
+        </p:spPr>
+        <p:txBody>
+          <a:bodyPr vert="horz" lIns="91440" tIns="45720" rIns="91440" bIns="45720" rtlCol="0">
+            <a:normAutofit/>
+          </a:bodyPr>
+          <a:lstStyle/>
+          <a:p>
+            <a:pPr marL="0" indent="0" rtl="0">
+              <a:buNone/>
+            </a:pPr>
+            <a:endParaRPr lang="it-IT" sz="2400" cap="all" spc="200" dirty="0">
+              <a:solidFill>
+                <a:srgbClr val="FFFFFF"/>
+              </a:solidFill>
+            </a:endParaRPr>
+          </a:p>
+        </p:txBody>
+      </p:sp>
+      <p:pic>
+        <p:nvPicPr>
+          <p:cNvPr id="9" name="Elemento grafico 8">
+            <a:extLst>
+              <a:ext uri="{FF2B5EF4-FFF2-40B4-BE49-F238E27FC236}">
+                <a16:creationId xmlns:a16="http://schemas.microsoft.com/office/drawing/2014/main" id="{3E65CF70-BBD9-4DD4-B59D-D2657A0E613F}"/>
+              </a:ext>
+            </a:extLst>
+          </p:cNvPr>
+          <p:cNvPicPr>
+            <a:picLocks noChangeAspect="1"/>
+          </p:cNvPicPr>
+          <p:nvPr/>
+        </p:nvPicPr>
+        <p:blipFill>
+          <a:blip r:embed="rId3" cstate="print">
+            <a:extLst>
+              <a:ext uri="{28A0092B-C50C-407E-A947-70E740481C1C}">
+                <a14:useLocalDpi xmlns:a14="http://schemas.microsoft.com/office/drawing/2010/main" val="0"/>
+              </a:ext>
+              <a:ext uri="{96DAC541-7B7A-43D3-8B79-37D633B846F1}">
+                <asvg:svgBlip xmlns:asvg="http://schemas.microsoft.com/office/drawing/2016/SVG/main" r:embed="rId4"/>
+              </a:ext>
+            </a:extLst>
+          </a:blip>
+          <a:stretch>
+            <a:fillRect/>
+          </a:stretch>
+        </p:blipFill>
+        <p:spPr>
+          <a:xfrm>
+            <a:off x="5210895" y="5764056"/>
+            <a:ext cx="1770209" cy="700341"/>
+          </a:xfrm>
+          <a:prstGeom prst="rect">
+            <a:avLst/>
+          </a:prstGeom>
+        </p:spPr>
+      </p:pic>
+    </p:spTree>
+    <p:extLst>
+      <p:ext uri="{BB962C8B-B14F-4D97-AF65-F5344CB8AC3E}">
+        <p14:creationId xmlns:p14="http://schemas.microsoft.com/office/powerpoint/2010/main" val="4127971368"/>
+      </p:ext>
+    </p:extLst>
+  </p:cSld>
+  <p:clrMapOvr>
+    <a:masterClrMapping/>
+  </p:clrMapOvr>
+</p:sld>
+</file>
+
 <file path=ppt/slides/slide3.xml><?xml version="1.0" encoding="utf-8"?>
 <p:sld xmlns:a="http://schemas.openxmlformats.org/drawingml/2006/main" xmlns:r="http://schemas.openxmlformats.org/officeDocument/2006/relationships" xmlns:p="http://schemas.openxmlformats.org/presentationml/2006/main">
   <p:cSld>
@@ -12295,8 +14760,8 @@
           </a:prstGeom>
         </p:spPr>
       </p:pic>
-      <mc:AlternateContent xmlns:mc="http://schemas.openxmlformats.org/markup-compatibility/2006">
-        <mc:Choice xmlns:a14="http://schemas.microsoft.com/office/drawing/2010/main" Requires="a14">
+      <mc:AlternateContent xmlns:mc="http://schemas.openxmlformats.org/markup-compatibility/2006" xmlns:a14="http://schemas.microsoft.com/office/drawing/2010/main">
+        <mc:Choice Requires="a14">
           <p:sp>
             <p:nvSpPr>
               <p:cNvPr id="14" name="CasellaDiTesto 13">
@@ -12572,16 +15037,7 @@
                             <a:ea typeface="Calibri" panose="020F0502020204030204" pitchFamily="34" charset="0"/>
                             <a:cs typeface="Times New Roman" panose="02020603050405020304" pitchFamily="18" charset="0"/>
                           </a:rPr>
-                          <m:t>±</m:t>
-                        </m:r>
-                        <m:r>
-                          <a:rPr lang="it-IT" sz="1800" i="1">
-                            <a:effectLst/>
-                            <a:latin typeface="Cambria Math" panose="02040503050406030204" pitchFamily="18" charset="0"/>
-                            <a:ea typeface="Calibri" panose="020F0502020204030204" pitchFamily="34" charset="0"/>
-                            <a:cs typeface="Times New Roman" panose="02020603050405020304" pitchFamily="18" charset="0"/>
-                          </a:rPr>
-                          <m:t>15</m:t>
+                          <m:t>±15</m:t>
                         </m:r>
                         <m:r>
                           <a:rPr lang="it-IT" sz="1800" i="1">
@@ -12601,34 +15057,7 @@
                         <a:ea typeface="Calibri" panose="020F0502020204030204" pitchFamily="34" charset="0"/>
                         <a:cs typeface="Times New Roman" panose="02020603050405020304" pitchFamily="18" charset="0"/>
                       </a:rPr>
-                      <m:t>=±</m:t>
-                    </m:r>
-                    <m:r>
-                      <a:rPr lang="it-IT" sz="1800" i="1">
-                        <a:effectLst/>
-                        <a:latin typeface="Cambria Math" panose="02040503050406030204" pitchFamily="18" charset="0"/>
-                        <a:ea typeface="Calibri" panose="020F0502020204030204" pitchFamily="34" charset="0"/>
-                        <a:cs typeface="Times New Roman" panose="02020603050405020304" pitchFamily="18" charset="0"/>
-                      </a:rPr>
-                      <m:t>1</m:t>
-                    </m:r>
-                    <m:r>
-                      <a:rPr lang="it-IT" sz="1800" i="1">
-                        <a:effectLst/>
-                        <a:latin typeface="Cambria Math" panose="02040503050406030204" pitchFamily="18" charset="0"/>
-                        <a:ea typeface="Calibri" panose="020F0502020204030204" pitchFamily="34" charset="0"/>
-                        <a:cs typeface="Times New Roman" panose="02020603050405020304" pitchFamily="18" charset="0"/>
-                      </a:rPr>
-                      <m:t>.</m:t>
-                    </m:r>
-                    <m:r>
-                      <a:rPr lang="it-IT" sz="1800" i="1">
-                        <a:effectLst/>
-                        <a:latin typeface="Cambria Math" panose="02040503050406030204" pitchFamily="18" charset="0"/>
-                        <a:ea typeface="Calibri" panose="020F0502020204030204" pitchFamily="34" charset="0"/>
-                        <a:cs typeface="Times New Roman" panose="02020603050405020304" pitchFamily="18" charset="0"/>
-                      </a:rPr>
-                      <m:t>5</m:t>
+                      <m:t>=±1.5</m:t>
                     </m:r>
                     <m:r>
                       <a:rPr lang="it-IT" sz="1800" i="1">
@@ -12698,16 +15127,7 @@
                         <a:ea typeface="Calibri" panose="020F0502020204030204" pitchFamily="34" charset="0"/>
                         <a:cs typeface="Times New Roman" panose="02020603050405020304" pitchFamily="18" charset="0"/>
                       </a:rPr>
-                      <m:t>=</m:t>
-                    </m:r>
-                    <m:r>
-                      <a:rPr lang="it-IT" sz="1800" i="1" smtClean="0">
-                        <a:effectLst/>
-                        <a:latin typeface="Cambria Math" panose="02040503050406030204" pitchFamily="18" charset="0"/>
-                        <a:ea typeface="Calibri" panose="020F0502020204030204" pitchFamily="34" charset="0"/>
-                        <a:cs typeface="Times New Roman" panose="02020603050405020304" pitchFamily="18" charset="0"/>
-                      </a:rPr>
-                      <m:t>4</m:t>
+                      <m:t>=4</m:t>
                     </m:r>
                     <m:f>
                       <m:fPr>
@@ -12886,16 +15306,7 @@
                         <a:ea typeface="Calibri" panose="020F0502020204030204" pitchFamily="34" charset="0"/>
                         <a:cs typeface="Times New Roman" panose="02020603050405020304" pitchFamily="18" charset="0"/>
                       </a:rPr>
-                      <m:t>∗</m:t>
-                    </m:r>
-                    <m:r>
-                      <a:rPr lang="it-IT" sz="1800" i="1">
-                        <a:effectLst/>
-                        <a:latin typeface="Cambria Math" panose="02040503050406030204" pitchFamily="18" charset="0"/>
-                        <a:ea typeface="Calibri" panose="020F0502020204030204" pitchFamily="34" charset="0"/>
-                        <a:cs typeface="Times New Roman" panose="02020603050405020304" pitchFamily="18" charset="0"/>
-                      </a:rPr>
-                      <m:t>10</m:t>
+                      <m:t>∗10</m:t>
                     </m:r>
                     <m:r>
                       <a:rPr lang="it-IT" sz="1800" i="1">
@@ -12913,34 +15324,7 @@
                         <a:ea typeface="Calibri" panose="020F0502020204030204" pitchFamily="34" charset="0"/>
                         <a:cs typeface="Times New Roman" panose="02020603050405020304" pitchFamily="18" charset="0"/>
                       </a:rPr>
-                      <m:t>∗</m:t>
-                    </m:r>
-                    <m:r>
-                      <a:rPr lang="it-IT" sz="1800" i="1">
-                        <a:effectLst/>
-                        <a:latin typeface="Cambria Math" panose="02040503050406030204" pitchFamily="18" charset="0"/>
-                        <a:ea typeface="Calibri" panose="020F0502020204030204" pitchFamily="34" charset="0"/>
-                        <a:cs typeface="Times New Roman" panose="02020603050405020304" pitchFamily="18" charset="0"/>
-                      </a:rPr>
-                      <m:t>0</m:t>
-                    </m:r>
-                    <m:r>
-                      <a:rPr lang="it-IT" sz="1800" i="1">
-                        <a:effectLst/>
-                        <a:latin typeface="Cambria Math" panose="02040503050406030204" pitchFamily="18" charset="0"/>
-                        <a:ea typeface="Calibri" panose="020F0502020204030204" pitchFamily="34" charset="0"/>
-                        <a:cs typeface="Times New Roman" panose="02020603050405020304" pitchFamily="18" charset="0"/>
-                      </a:rPr>
-                      <m:t>.</m:t>
-                    </m:r>
-                    <m:r>
-                      <a:rPr lang="it-IT" sz="1800" i="1">
-                        <a:effectLst/>
-                        <a:latin typeface="Cambria Math" panose="02040503050406030204" pitchFamily="18" charset="0"/>
-                        <a:ea typeface="Calibri" panose="020F0502020204030204" pitchFamily="34" charset="0"/>
-                        <a:cs typeface="Times New Roman" panose="02020603050405020304" pitchFamily="18" charset="0"/>
-                      </a:rPr>
-                      <m:t>1</m:t>
+                      <m:t>∗0.1</m:t>
                     </m:r>
                     <m:r>
                       <a:rPr lang="it-IT" sz="1800" i="1">
@@ -12958,34 +15342,7 @@
                         <a:ea typeface="Calibri" panose="020F0502020204030204" pitchFamily="34" charset="0"/>
                         <a:cs typeface="Times New Roman" panose="02020603050405020304" pitchFamily="18" charset="0"/>
                       </a:rPr>
-                      <m:t>=</m:t>
-                    </m:r>
-                    <m:r>
-                      <a:rPr lang="it-IT" sz="1800" i="1">
-                        <a:effectLst/>
-                        <a:latin typeface="Cambria Math" panose="02040503050406030204" pitchFamily="18" charset="0"/>
-                        <a:ea typeface="Calibri" panose="020F0502020204030204" pitchFamily="34" charset="0"/>
-                        <a:cs typeface="Times New Roman" panose="02020603050405020304" pitchFamily="18" charset="0"/>
-                      </a:rPr>
-                      <m:t>2</m:t>
-                    </m:r>
-                    <m:r>
-                      <a:rPr lang="it-IT" sz="1800" i="1">
-                        <a:effectLst/>
-                        <a:latin typeface="Cambria Math" panose="02040503050406030204" pitchFamily="18" charset="0"/>
-                        <a:ea typeface="Calibri" panose="020F0502020204030204" pitchFamily="34" charset="0"/>
-                        <a:cs typeface="Times New Roman" panose="02020603050405020304" pitchFamily="18" charset="0"/>
-                      </a:rPr>
-                      <m:t>,</m:t>
-                    </m:r>
-                    <m:r>
-                      <a:rPr lang="it-IT" sz="1800" i="1">
-                        <a:effectLst/>
-                        <a:latin typeface="Cambria Math" panose="02040503050406030204" pitchFamily="18" charset="0"/>
-                        <a:ea typeface="Calibri" panose="020F0502020204030204" pitchFamily="34" charset="0"/>
-                        <a:cs typeface="Times New Roman" panose="02020603050405020304" pitchFamily="18" charset="0"/>
-                      </a:rPr>
-                      <m:t>5</m:t>
+                      <m:t>=2,5</m:t>
                     </m:r>
                     <m:r>
                       <a:rPr lang="it-IT" sz="1800" i="1">
@@ -13050,7 +15407,7 @@
             </p:txBody>
           </p:sp>
         </mc:Choice>
-        <mc:Fallback>
+        <mc:Fallback xmlns="">
           <p:sp>
             <p:nvSpPr>
               <p:cNvPr id="14" name="CasellaDiTesto 13">
@@ -13557,8 +15914,8 @@
           </a:p>
         </p:txBody>
       </p:sp>
-      <mc:AlternateContent xmlns:mc="http://schemas.openxmlformats.org/markup-compatibility/2006">
-        <mc:Choice xmlns:a14="http://schemas.microsoft.com/office/drawing/2010/main" Requires="a14">
+      <mc:AlternateContent xmlns:mc="http://schemas.openxmlformats.org/markup-compatibility/2006" xmlns:a14="http://schemas.microsoft.com/office/drawing/2010/main">
+        <mc:Choice Requires="a14">
           <p:sp>
             <p:nvSpPr>
               <p:cNvPr id="14" name="CasellaDiTesto 13">
@@ -13684,34 +16041,7 @@
                         <a:ea typeface="Calibri" panose="020F0502020204030204" pitchFamily="34" charset="0"/>
                         <a:cs typeface="Times New Roman" panose="02020603050405020304" pitchFamily="18" charset="0"/>
                       </a:rPr>
-                      <m:t>±</m:t>
-                    </m:r>
-                    <m:r>
-                      <a:rPr lang="it-IT" sz="1800" i="1">
-                        <a:effectLst/>
-                        <a:latin typeface="Cambria Math" panose="02040503050406030204" pitchFamily="18" charset="0"/>
-                        <a:ea typeface="Calibri" panose="020F0502020204030204" pitchFamily="34" charset="0"/>
-                        <a:cs typeface="Times New Roman" panose="02020603050405020304" pitchFamily="18" charset="0"/>
-                      </a:rPr>
-                      <m:t>1</m:t>
-                    </m:r>
-                    <m:r>
-                      <a:rPr lang="it-IT" sz="1800" i="1">
-                        <a:effectLst/>
-                        <a:latin typeface="Cambria Math" panose="02040503050406030204" pitchFamily="18" charset="0"/>
-                        <a:ea typeface="Calibri" panose="020F0502020204030204" pitchFamily="34" charset="0"/>
-                        <a:cs typeface="Times New Roman" panose="02020603050405020304" pitchFamily="18" charset="0"/>
-                      </a:rPr>
-                      <m:t>.</m:t>
-                    </m:r>
-                    <m:r>
-                      <a:rPr lang="it-IT" sz="1800" i="1">
-                        <a:effectLst/>
-                        <a:latin typeface="Cambria Math" panose="02040503050406030204" pitchFamily="18" charset="0"/>
-                        <a:ea typeface="Calibri" panose="020F0502020204030204" pitchFamily="34" charset="0"/>
-                        <a:cs typeface="Times New Roman" panose="02020603050405020304" pitchFamily="18" charset="0"/>
-                      </a:rPr>
-                      <m:t>5</m:t>
+                      <m:t>±1.5</m:t>
                     </m:r>
                     <m:r>
                       <a:rPr lang="it-IT" sz="1800" i="1">
@@ -13765,16 +16095,7 @@
                         <a:ea typeface="Calibri" panose="020F0502020204030204" pitchFamily="34" charset="0"/>
                         <a:cs typeface="Times New Roman" panose="02020603050405020304" pitchFamily="18" charset="0"/>
                       </a:rPr>
-                      <m:t>=</m:t>
-                    </m:r>
-                    <m:r>
-                      <a:rPr lang="it-IT" sz="1800" i="1">
-                        <a:effectLst/>
-                        <a:latin typeface="Cambria Math" panose="02040503050406030204" pitchFamily="18" charset="0"/>
-                        <a:ea typeface="Calibri" panose="020F0502020204030204" pitchFamily="34" charset="0"/>
-                        <a:cs typeface="Times New Roman" panose="02020603050405020304" pitchFamily="18" charset="0"/>
-                      </a:rPr>
-                      <m:t>250</m:t>
+                      <m:t>=250</m:t>
                     </m:r>
                     <m:r>
                       <a:rPr lang="it-IT" sz="1800" b="0" i="1" smtClean="0">
@@ -13846,7 +16167,7 @@
             </p:txBody>
           </p:sp>
         </mc:Choice>
-        <mc:Fallback>
+        <mc:Fallback xmlns="">
           <p:sp>
             <p:nvSpPr>
               <p:cNvPr id="14" name="CasellaDiTesto 13">
@@ -15058,8 +17379,8 @@
           </a:p>
         </p:txBody>
       </p:sp>
-      <mc:AlternateContent xmlns:mc="http://schemas.openxmlformats.org/markup-compatibility/2006">
-        <mc:Choice xmlns:a14="http://schemas.microsoft.com/office/drawing/2010/main" Requires="a14">
+      <mc:AlternateContent xmlns:mc="http://schemas.openxmlformats.org/markup-compatibility/2006" xmlns:a14="http://schemas.microsoft.com/office/drawing/2010/main">
+        <mc:Choice Requires="a14">
           <p:sp>
             <p:nvSpPr>
               <p:cNvPr id="14" name="CasellaDiTesto 13">
@@ -15181,34 +17502,7 @@
                         <a:ea typeface="Calibri" panose="020F0502020204030204" pitchFamily="34" charset="0"/>
                         <a:cs typeface="Times New Roman" panose="02020603050405020304" pitchFamily="18" charset="0"/>
                       </a:rPr>
-                      <m:t>±</m:t>
-                    </m:r>
-                    <m:r>
-                      <a:rPr lang="it-IT" sz="1800" i="1">
-                        <a:effectLst/>
-                        <a:latin typeface="Cambria Math" panose="02040503050406030204" pitchFamily="18" charset="0"/>
-                        <a:ea typeface="Calibri" panose="020F0502020204030204" pitchFamily="34" charset="0"/>
-                        <a:cs typeface="Times New Roman" panose="02020603050405020304" pitchFamily="18" charset="0"/>
-                      </a:rPr>
-                      <m:t>1</m:t>
-                    </m:r>
-                    <m:r>
-                      <a:rPr lang="it-IT" sz="1800" i="1">
-                        <a:effectLst/>
-                        <a:latin typeface="Cambria Math" panose="02040503050406030204" pitchFamily="18" charset="0"/>
-                        <a:ea typeface="Calibri" panose="020F0502020204030204" pitchFamily="34" charset="0"/>
-                        <a:cs typeface="Times New Roman" panose="02020603050405020304" pitchFamily="18" charset="0"/>
-                      </a:rPr>
-                      <m:t>.</m:t>
-                    </m:r>
-                    <m:r>
-                      <a:rPr lang="it-IT" sz="1800" i="1">
-                        <a:effectLst/>
-                        <a:latin typeface="Cambria Math" panose="02040503050406030204" pitchFamily="18" charset="0"/>
-                        <a:ea typeface="Calibri" panose="020F0502020204030204" pitchFamily="34" charset="0"/>
-                        <a:cs typeface="Times New Roman" panose="02020603050405020304" pitchFamily="18" charset="0"/>
-                      </a:rPr>
-                      <m:t>5</m:t>
+                      <m:t>±1.5</m:t>
                     </m:r>
                     <m:r>
                       <a:rPr lang="it-IT" sz="1800" i="1">
@@ -15258,16 +17552,7 @@
                         <a:ea typeface="Calibri" panose="020F0502020204030204" pitchFamily="34" charset="0"/>
                         <a:cs typeface="Times New Roman" panose="02020603050405020304" pitchFamily="18" charset="0"/>
                       </a:rPr>
-                      <m:t>=</m:t>
-                    </m:r>
-                    <m:r>
-                      <a:rPr lang="it-IT" sz="1800" i="1">
-                        <a:effectLst/>
-                        <a:latin typeface="Cambria Math" panose="02040503050406030204" pitchFamily="18" charset="0"/>
-                        <a:ea typeface="Calibri" panose="020F0502020204030204" pitchFamily="34" charset="0"/>
-                        <a:cs typeface="Times New Roman" panose="02020603050405020304" pitchFamily="18" charset="0"/>
-                      </a:rPr>
-                      <m:t>250</m:t>
+                      <m:t>=250</m:t>
                     </m:r>
                     <m:r>
                       <a:rPr lang="it-IT" sz="1800" b="0" i="1" smtClean="0">
@@ -15304,7 +17589,9 @@
                 <a14:m>
                   <m:oMath xmlns:m="http://schemas.openxmlformats.org/officeDocument/2006/math">
                     <m:r>
-                      <a:rPr lang="it-IT" i="1"/>
+                      <a:rPr lang="it-IT" i="1">
+                        <a:latin typeface="Cambria Math" panose="02040503050406030204" pitchFamily="18" charset="0"/>
+                      </a:rPr>
                       <m:t>𝜇</m:t>
                     </m:r>
                     <m:r>
@@ -15314,7 +17601,9 @@
                       <m:t>𝑠</m:t>
                     </m:r>
                     <m:r>
-                      <a:rPr lang="it-IT" i="1"/>
+                      <a:rPr lang="it-IT" i="1">
+                        <a:latin typeface="Cambria Math" panose="02040503050406030204" pitchFamily="18" charset="0"/>
+                      </a:rPr>
                       <m:t> </m:t>
                     </m:r>
                   </m:oMath>
@@ -15355,31 +17644,27 @@
                 <a14:m>
                   <m:oMath xmlns:m="http://schemas.openxmlformats.org/officeDocument/2006/math">
                     <m:r>
-                      <a:rPr lang="it-IT" i="1"/>
+                      <a:rPr lang="it-IT" i="1">
+                        <a:latin typeface="Cambria Math" panose="02040503050406030204" pitchFamily="18" charset="0"/>
+                      </a:rPr>
                       <m:t>𝑇</m:t>
                     </m:r>
                     <m:r>
-                      <a:rPr lang="it-IT" i="1"/>
-                      <m:t>≈</m:t>
+                      <a:rPr lang="it-IT" i="1">
+                        <a:latin typeface="Cambria Math" panose="02040503050406030204" pitchFamily="18" charset="0"/>
+                      </a:rPr>
+                      <m:t>≈0.011</m:t>
                     </m:r>
                     <m:r>
-                      <a:rPr lang="it-IT" i="1"/>
-                      <m:t>0</m:t>
-                    </m:r>
-                    <m:r>
-                      <a:rPr lang="it-IT" i="1"/>
-                      <m:t>.</m:t>
-                    </m:r>
-                    <m:r>
-                      <a:rPr lang="it-IT" i="1"/>
-                      <m:t>011</m:t>
-                    </m:r>
-                    <m:r>
-                      <a:rPr lang="it-IT" i="1"/>
+                      <a:rPr lang="it-IT" i="1">
+                        <a:latin typeface="Cambria Math" panose="02040503050406030204" pitchFamily="18" charset="0"/>
+                      </a:rPr>
                       <m:t>𝑚𝑠</m:t>
                     </m:r>
                     <m:r>
-                      <a:rPr lang="it-IT" i="1"/>
+                      <a:rPr lang="it-IT" i="1">
+                        <a:latin typeface="Cambria Math" panose="02040503050406030204" pitchFamily="18" charset="0"/>
+                      </a:rPr>
                       <m:t>→</m:t>
                     </m:r>
                     <m:r>
@@ -15392,14 +17677,12 @@
                       <a:rPr lang="it-IT" b="0" i="1" smtClean="0">
                         <a:latin typeface="Cambria Math" panose="02040503050406030204" pitchFamily="18" charset="0"/>
                       </a:rPr>
-                      <m:t>=</m:t>
+                      <m:t>=90</m:t>
                     </m:r>
                     <m:r>
-                      <a:rPr lang="it-IT" i="1"/>
-                      <m:t>90</m:t>
-                    </m:r>
-                    <m:r>
-                      <a:rPr lang="it-IT" i="1"/>
+                      <a:rPr lang="it-IT" i="1">
+                        <a:latin typeface="Cambria Math" panose="02040503050406030204" pitchFamily="18" charset="0"/>
+                      </a:rPr>
                       <m:t>𝑘𝐻𝑧</m:t>
                     </m:r>
                   </m:oMath>
@@ -15421,7 +17704,7 @@
             </p:txBody>
           </p:sp>
         </mc:Choice>
-        <mc:Fallback>
+        <mc:Fallback xmlns="">
           <p:sp>
             <p:nvSpPr>
               <p:cNvPr id="14" name="CasellaDiTesto 13">
@@ -16031,8 +18314,8 @@
           </a:p>
         </p:txBody>
       </p:sp>
-      <mc:AlternateContent xmlns:mc="http://schemas.openxmlformats.org/markup-compatibility/2006">
-        <mc:Choice xmlns:a14="http://schemas.microsoft.com/office/drawing/2010/main" Requires="a14">
+      <mc:AlternateContent xmlns:mc="http://schemas.openxmlformats.org/markup-compatibility/2006" xmlns:a14="http://schemas.microsoft.com/office/drawing/2010/main">
+        <mc:Choice Requires="a14">
           <p:sp>
             <p:nvSpPr>
               <p:cNvPr id="16" name="Segnaposto contenuto 2">
@@ -16083,16 +18366,7 @@
                         <a:ea typeface="Calibri" panose="020F0502020204030204" pitchFamily="34" charset="0"/>
                         <a:cs typeface="Times New Roman" panose="02020603050405020304" pitchFamily="18" charset="0"/>
                       </a:rPr>
-                      <m:t>≈</m:t>
-                    </m:r>
-                    <m:r>
-                      <a:rPr lang="it-IT" sz="1800" i="1" smtClean="0">
-                        <a:effectLst/>
-                        <a:latin typeface="Cambria Math" panose="02040503050406030204" pitchFamily="18" charset="0"/>
-                        <a:ea typeface="Calibri" panose="020F0502020204030204" pitchFamily="34" charset="0"/>
-                        <a:cs typeface="Times New Roman" panose="02020603050405020304" pitchFamily="18" charset="0"/>
-                      </a:rPr>
-                      <m:t>42</m:t>
+                      <m:t>≈42</m:t>
                     </m:r>
                     <m:r>
                       <a:rPr lang="it-IT" sz="1800" i="1" smtClean="0">
@@ -16136,7 +18410,7 @@
             </p:txBody>
           </p:sp>
         </mc:Choice>
-        <mc:Fallback>
+        <mc:Fallback xmlns="">
           <p:sp>
             <p:nvSpPr>
               <p:cNvPr id="16" name="Segnaposto contenuto 2">
@@ -17607,12 +19881,12 @@
 </file>
 
 <file path=customXml/item1.xml><?xml version="1.0" encoding="utf-8"?>
-<?mso-contentType ?>
-<FormTemplates xmlns="http://schemas.microsoft.com/sharepoint/v3/contenttype/forms">
-  <Display>DocumentLibraryForm</Display>
-  <Edit>DocumentLibraryForm</Edit>
-  <New>DocumentLibraryForm</New>
-</FormTemplates>
+<p:properties xmlns:p="http://schemas.microsoft.com/office/2006/metadata/properties" xmlns:xsi="http://www.w3.org/2001/XMLSchema-instance" xmlns:pc="http://schemas.microsoft.com/office/infopath/2007/PartnerControls">
+  <documentManagement>
+    <Status xmlns="71af3243-3dd4-4a8d-8c0d-dd76da1f02a5">Not started</Status>
+    <MediaServiceKeyPoints xmlns="71af3243-3dd4-4a8d-8c0d-dd76da1f02a5" xsi:nil="true"/>
+  </documentManagement>
+</p:properties>
 </file>
 
 <file path=customXml/item2.xml><?xml version="1.0" encoding="utf-8"?>
@@ -17837,18 +20111,20 @@
 </file>
 
 <file path=customXml/item3.xml><?xml version="1.0" encoding="utf-8"?>
-<p:properties xmlns:p="http://schemas.microsoft.com/office/2006/metadata/properties" xmlns:xsi="http://www.w3.org/2001/XMLSchema-instance" xmlns:pc="http://schemas.microsoft.com/office/infopath/2007/PartnerControls">
-  <documentManagement>
-    <Status xmlns="71af3243-3dd4-4a8d-8c0d-dd76da1f02a5">Not started</Status>
-    <MediaServiceKeyPoints xmlns="71af3243-3dd4-4a8d-8c0d-dd76da1f02a5" xsi:nil="true"/>
-  </documentManagement>
-</p:properties>
+<?mso-contentType ?>
+<FormTemplates xmlns="http://schemas.microsoft.com/sharepoint/v3/contenttype/forms">
+  <Display>DocumentLibraryForm</Display>
+  <Edit>DocumentLibraryForm</Edit>
+  <New>DocumentLibraryForm</New>
+</FormTemplates>
 </file>
 
 <file path=customXml/itemProps1.xml><?xml version="1.0" encoding="utf-8"?>
-<ds:datastoreItem xmlns:ds="http://schemas.openxmlformats.org/officeDocument/2006/customXml" ds:itemID="{7E0A2CB4-6869-426F-8BC4-A32C90CBE263}">
+<ds:datastoreItem xmlns:ds="http://schemas.openxmlformats.org/officeDocument/2006/customXml" ds:itemID="{A4E879E6-8FFE-4154-8F2A-F7518B89B376}">
   <ds:schemaRefs>
-    <ds:schemaRef ds:uri="http://schemas.microsoft.com/sharepoint/v3/contenttype/forms"/>
+    <ds:schemaRef ds:uri="http://schemas.microsoft.com/office/2006/metadata/properties"/>
+    <ds:schemaRef ds:uri="http://schemas.microsoft.com/office/infopath/2007/PartnerControls"/>
+    <ds:schemaRef ds:uri="71af3243-3dd4-4a8d-8c0d-dd76da1f02a5"/>
   </ds:schemaRefs>
 </ds:datastoreItem>
 </file>
@@ -17873,11 +20149,9 @@
 </file>
 
 <file path=customXml/itemProps3.xml><?xml version="1.0" encoding="utf-8"?>
-<ds:datastoreItem xmlns:ds="http://schemas.openxmlformats.org/officeDocument/2006/customXml" ds:itemID="{A4E879E6-8FFE-4154-8F2A-F7518B89B376}">
+<ds:datastoreItem xmlns:ds="http://schemas.openxmlformats.org/officeDocument/2006/customXml" ds:itemID="{7E0A2CB4-6869-426F-8BC4-A32C90CBE263}">
   <ds:schemaRefs>
-    <ds:schemaRef ds:uri="http://schemas.microsoft.com/office/2006/metadata/properties"/>
-    <ds:schemaRef ds:uri="http://schemas.microsoft.com/office/infopath/2007/PartnerControls"/>
-    <ds:schemaRef ds:uri="71af3243-3dd4-4a8d-8c0d-dd76da1f02a5"/>
+    <ds:schemaRef ds:uri="http://schemas.microsoft.com/sharepoint/v3/contenttype/forms"/>
   </ds:schemaRefs>
 </ds:datastoreItem>
 </file>
--- a/presentazione/presentazione.pptx
+++ b/presentazione/presentazione.pptx
@@ -10659,6 +10659,20 @@
             <a:r>
               <a:rPr lang="it-IT" dirty="0"/>
               <a:t> minore del 50%. </a:t>
+            </a:r>
+          </a:p>
+          <a:p>
+            <a:r>
+              <a:rPr lang="it-IT" dirty="0"/>
+              <a:t>In EAGLE, invece, abbiamo realizzato lo schema e la board della versione Low Duty </a:t>
+            </a:r>
+            <a:r>
+              <a:rPr lang="it-IT" dirty="0" err="1"/>
+              <a:t>Cycle</a:t>
+            </a:r>
+            <a:r>
+              <a:rPr lang="it-IT" dirty="0"/>
+              <a:t>.</a:t>
             </a:r>
           </a:p>
         </p:txBody>
@@ -12057,7 +12071,15 @@
               <a:p>
                 <a:r>
                   <a:rPr lang="it-IT" dirty="0"/>
-                  <a:t>Periodo T = 3.943 e frequenza f = 254Hz</a:t>
+                  <a:t>Periodo T </a:t>
+                </a:r>
+                <a:r>
+                  <a:rPr lang="it-IT"/>
+                  <a:t>= 3.943ms </a:t>
+                </a:r>
+                <a:r>
+                  <a:rPr lang="it-IT" dirty="0"/>
+                  <a:t>e frequenza f = 254Hz</a:t>
                 </a:r>
               </a:p>
               <a:p>
@@ -13923,45 +13945,6 @@
             <a:schemeClr val="lt1"/>
           </a:fontRef>
         </p:style>
-      </p:sp>
-      <p:sp>
-        <p:nvSpPr>
-          <p:cNvPr id="8" name="Segnaposto contenuto 7">
-            <a:extLst>
-              <a:ext uri="{FF2B5EF4-FFF2-40B4-BE49-F238E27FC236}">
-                <a16:creationId xmlns:a16="http://schemas.microsoft.com/office/drawing/2014/main" id="{D4305886-8ACA-4ED6-AA5B-215F6D741CF0}"/>
-              </a:ext>
-            </a:extLst>
-          </p:cNvPr>
-          <p:cNvSpPr>
-            <a:spLocks noGrp="1"/>
-          </p:cNvSpPr>
-          <p:nvPr>
-            <p:ph idx="1"/>
-          </p:nvPr>
-        </p:nvSpPr>
-        <p:spPr>
-          <a:xfrm>
-            <a:off x="1100051" y="5225240"/>
-            <a:ext cx="10058400" cy="1143000"/>
-          </a:xfrm>
-        </p:spPr>
-        <p:txBody>
-          <a:bodyPr vert="horz" lIns="91440" tIns="45720" rIns="91440" bIns="45720" rtlCol="0">
-            <a:normAutofit/>
-          </a:bodyPr>
-          <a:lstStyle/>
-          <a:p>
-            <a:pPr marL="0" indent="0" rtl="0">
-              <a:buNone/>
-            </a:pPr>
-            <a:endParaRPr lang="it-IT" sz="2400" cap="all" spc="200" dirty="0">
-              <a:solidFill>
-                <a:srgbClr val="FFFFFF"/>
-              </a:solidFill>
-            </a:endParaRPr>
-          </a:p>
-        </p:txBody>
       </p:sp>
       <p:pic>
         <p:nvPicPr>

--- a/presentazione/presentazione.pptx
+++ b/presentazione/presentazione.pptx
@@ -5,10 +5,10 @@
     <p:sldMasterId id="2147483717" r:id="rId4"/>
   </p:sldMasterIdLst>
   <p:notesMasterIdLst>
-    <p:notesMasterId r:id="rId25"/>
+    <p:notesMasterId r:id="rId29"/>
   </p:notesMasterIdLst>
   <p:handoutMasterIdLst>
-    <p:handoutMasterId r:id="rId26"/>
+    <p:handoutMasterId r:id="rId30"/>
   </p:handoutMasterIdLst>
   <p:sldIdLst>
     <p:sldId id="258" r:id="rId5"/>
@@ -30,7 +30,11 @@
     <p:sldId id="307" r:id="rId21"/>
     <p:sldId id="306" r:id="rId22"/>
     <p:sldId id="308" r:id="rId23"/>
-    <p:sldId id="290" r:id="rId24"/>
+    <p:sldId id="309" r:id="rId24"/>
+    <p:sldId id="310" r:id="rId25"/>
+    <p:sldId id="311" r:id="rId26"/>
+    <p:sldId id="312" r:id="rId27"/>
+    <p:sldId id="290" r:id="rId28"/>
   </p:sldIdLst>
   <p:sldSz cx="12192000" cy="6858000"/>
   <p:notesSz cx="6858000" cy="9144000"/>
@@ -926,7 +930,7 @@
             <a:pPr rtl="0"/>
             <a:fld id="{284ECAD9-32EE-4091-BDA5-6BD15ACC5E58}" type="slidenum">
               <a:rPr lang="it-IT" smtClean="0"/>
-              <a:t>20</a:t>
+              <a:t>24</a:t>
             </a:fld>
             <a:endParaRPr lang="it-IT" dirty="0"/>
           </a:p>
@@ -11041,8 +11045,8 @@
           </a:xfrm>
         </p:spPr>
       </p:pic>
-      <mc:AlternateContent xmlns:mc="http://schemas.openxmlformats.org/markup-compatibility/2006">
-        <mc:Choice xmlns:a14="http://schemas.microsoft.com/office/drawing/2010/main" Requires="a14">
+      <mc:AlternateContent xmlns:mc="http://schemas.openxmlformats.org/markup-compatibility/2006" xmlns:a14="http://schemas.microsoft.com/office/drawing/2010/main">
+        <mc:Choice Requires="a14">
           <p:sp>
             <p:nvSpPr>
               <p:cNvPr id="11" name="CasellaDiTesto 10">
@@ -11208,7 +11212,6 @@
                 <a:endParaRPr lang="it-IT" dirty="0"/>
               </a:p>
               <a:p>
-                <a:pPr/>
                 <a14:m>
                   <m:oMath xmlns:m="http://schemas.openxmlformats.org/officeDocument/2006/math">
                     <m:sSub>
@@ -11376,18 +11379,15 @@
                 <a:endParaRPr lang="it-IT" dirty="0"/>
               </a:p>
               <a:p>
-                <a:pPr/>
                 <a:r>
                   <a:rPr lang="it-IT" dirty="0"/>
                   <a:t>Periodo T = 7.2ms e frequenza f = 139Hz</a:t>
                 </a:r>
               </a:p>
               <a:p>
-                <a:pPr/>
                 <a:endParaRPr lang="it-IT" dirty="0"/>
               </a:p>
               <a:p>
-                <a:pPr/>
                 <a:r>
                   <a:rPr lang="it-IT" dirty="0"/>
                   <a:t>Si ha quindi un duty </a:t>
@@ -11402,7 +11402,6 @@
                 </a:r>
               </a:p>
               <a:p>
-                <a:pPr/>
                 <a:r>
                   <a:rPr lang="it-IT" dirty="0" err="1"/>
                   <a:t>DutyCyc</a:t>
@@ -11517,7 +11516,7 @@
             </p:txBody>
           </p:sp>
         </mc:Choice>
-        <mc:Fallback>
+        <mc:Fallback xmlns="">
           <p:sp>
             <p:nvSpPr>
               <p:cNvPr id="11" name="CasellaDiTesto 10">
@@ -11871,8 +11870,8 @@
           </a:xfrm>
         </p:spPr>
       </p:pic>
-      <mc:AlternateContent xmlns:mc="http://schemas.openxmlformats.org/markup-compatibility/2006">
-        <mc:Choice xmlns:a14="http://schemas.microsoft.com/office/drawing/2010/main" Requires="a14">
+      <mc:AlternateContent xmlns:mc="http://schemas.openxmlformats.org/markup-compatibility/2006" xmlns:a14="http://schemas.microsoft.com/office/drawing/2010/main">
+        <mc:Choice Requires="a14">
           <p:sp>
             <p:nvSpPr>
               <p:cNvPr id="12" name="CasellaDiTesto 11">
@@ -12212,7 +12211,6 @@
                 </a:r>
               </a:p>
               <a:p>
-                <a:pPr/>
                 <a:endParaRPr lang="it-IT" dirty="0"/>
               </a:p>
               <a:p>
@@ -12221,7 +12219,7 @@
             </p:txBody>
           </p:sp>
         </mc:Choice>
-        <mc:Fallback>
+        <mc:Fallback xmlns="">
           <p:sp>
             <p:nvSpPr>
               <p:cNvPr id="12" name="CasellaDiTesto 11">
@@ -13131,7 +13129,38 @@
             <a:pPr rtl="0"/>
             <a:r>
               <a:rPr lang="it-IT" dirty="0"/>
-              <a:t>Hartley</a:t>
+              <a:t>Hartley LC </a:t>
+            </a:r>
+            <a:r>
+              <a:rPr lang="it-IT" dirty="0" err="1"/>
+              <a:t>Oscillator</a:t>
+            </a:r>
+            <a:endParaRPr lang="it-IT" dirty="0"/>
+          </a:p>
+          <a:p>
+            <a:pPr lvl="1"/>
+            <a:r>
+              <a:rPr lang="it-IT" dirty="0"/>
+              <a:t>Schema </a:t>
+            </a:r>
+            <a:r>
+              <a:rPr lang="it-IT" dirty="0" err="1"/>
+              <a:t>LTSpice</a:t>
+            </a:r>
+            <a:endParaRPr lang="it-IT" dirty="0"/>
+          </a:p>
+          <a:p>
+            <a:pPr lvl="1"/>
+            <a:r>
+              <a:rPr lang="it-IT" dirty="0"/>
+              <a:t>Grafico</a:t>
+            </a:r>
+          </a:p>
+          <a:p>
+            <a:pPr lvl="1"/>
+            <a:r>
+              <a:rPr lang="it-IT" dirty="0"/>
+              <a:t>Schema con modifiche</a:t>
             </a:r>
           </a:p>
         </p:txBody>
@@ -13653,6 +13682,639 @@
 </file>
 
 <file path=ppt/slides/slide20.xml><?xml version="1.0" encoding="utf-8"?>
+<p:sld xmlns:a="http://schemas.openxmlformats.org/drawingml/2006/main" xmlns:r="http://schemas.openxmlformats.org/officeDocument/2006/relationships" xmlns:p="http://schemas.openxmlformats.org/presentationml/2006/main">
+  <p:cSld>
+    <p:spTree>
+      <p:nvGrpSpPr>
+        <p:cNvPr id="1" name=""/>
+        <p:cNvGrpSpPr/>
+        <p:nvPr/>
+      </p:nvGrpSpPr>
+      <p:grpSpPr>
+        <a:xfrm>
+          <a:off x="0" y="0"/>
+          <a:ext cx="0" cy="0"/>
+          <a:chOff x="0" y="0"/>
+          <a:chExt cx="0" cy="0"/>
+        </a:xfrm>
+      </p:grpSpPr>
+      <p:sp>
+        <p:nvSpPr>
+          <p:cNvPr id="2" name="Titolo 1">
+            <a:extLst>
+              <a:ext uri="{FF2B5EF4-FFF2-40B4-BE49-F238E27FC236}">
+                <a16:creationId xmlns:a16="http://schemas.microsoft.com/office/drawing/2014/main" id="{42C1BA74-6A6C-4988-08A2-8D3D0F59E5B5}"/>
+              </a:ext>
+            </a:extLst>
+          </p:cNvPr>
+          <p:cNvSpPr>
+            <a:spLocks noGrp="1"/>
+          </p:cNvSpPr>
+          <p:nvPr>
+            <p:ph type="title"/>
+          </p:nvPr>
+        </p:nvSpPr>
+        <p:spPr/>
+        <p:txBody>
+          <a:bodyPr/>
+          <a:lstStyle/>
+          <a:p>
+            <a:r>
+              <a:rPr lang="it-IT" dirty="0"/>
+              <a:t>Hartley LC </a:t>
+            </a:r>
+            <a:r>
+              <a:rPr lang="it-IT" dirty="0" err="1"/>
+              <a:t>Oscillator</a:t>
+            </a:r>
+            <a:r>
+              <a:rPr lang="it-IT" dirty="0"/>
+              <a:t> – Schema </a:t>
+            </a:r>
+            <a:r>
+              <a:rPr lang="it-IT" dirty="0" err="1"/>
+              <a:t>LTSpice</a:t>
+            </a:r>
+            <a:endParaRPr lang="it-IT" dirty="0"/>
+          </a:p>
+        </p:txBody>
+      </p:sp>
+      <p:pic>
+        <p:nvPicPr>
+          <p:cNvPr id="6" name="Segnaposto contenuto 5">
+            <a:extLst>
+              <a:ext uri="{FF2B5EF4-FFF2-40B4-BE49-F238E27FC236}">
+                <a16:creationId xmlns:a16="http://schemas.microsoft.com/office/drawing/2014/main" id="{71BA7DE6-9357-B475-182E-B92E16403F0E}"/>
+              </a:ext>
+            </a:extLst>
+          </p:cNvPr>
+          <p:cNvPicPr>
+            <a:picLocks noGrp="1" noChangeAspect="1"/>
+          </p:cNvPicPr>
+          <p:nvPr>
+            <p:ph idx="1"/>
+          </p:nvPr>
+        </p:nvPicPr>
+        <p:blipFill>
+          <a:blip r:embed="rId2"/>
+          <a:stretch>
+            <a:fillRect/>
+          </a:stretch>
+        </p:blipFill>
+        <p:spPr>
+          <a:xfrm>
+            <a:off x="3486286" y="2108200"/>
+            <a:ext cx="5517877" cy="3760788"/>
+          </a:xfrm>
+        </p:spPr>
+      </p:pic>
+      <p:sp>
+        <p:nvSpPr>
+          <p:cNvPr id="4" name="Segnaposto numero diapositiva 3">
+            <a:extLst>
+              <a:ext uri="{FF2B5EF4-FFF2-40B4-BE49-F238E27FC236}">
+                <a16:creationId xmlns:a16="http://schemas.microsoft.com/office/drawing/2014/main" id="{BE845BFA-CDB0-DB21-53DB-722993786D99}"/>
+              </a:ext>
+            </a:extLst>
+          </p:cNvPr>
+          <p:cNvSpPr>
+            <a:spLocks noGrp="1"/>
+          </p:cNvSpPr>
+          <p:nvPr>
+            <p:ph type="sldNum" sz="quarter" idx="12"/>
+          </p:nvPr>
+        </p:nvSpPr>
+        <p:spPr/>
+        <p:txBody>
+          <a:bodyPr/>
+          <a:lstStyle/>
+          <a:p>
+            <a:pPr rtl="0"/>
+            <a:fld id="{3A98EE3D-8CD1-4C3F-BD1C-C98C9596463C}" type="slidenum">
+              <a:rPr lang="it-IT" noProof="0" smtClean="0"/>
+              <a:t>20</a:t>
+            </a:fld>
+            <a:endParaRPr lang="it-IT" noProof="0" dirty="0"/>
+          </a:p>
+        </p:txBody>
+      </p:sp>
+    </p:spTree>
+    <p:extLst>
+      <p:ext uri="{BB962C8B-B14F-4D97-AF65-F5344CB8AC3E}">
+        <p14:creationId xmlns:p14="http://schemas.microsoft.com/office/powerpoint/2010/main" val="2396648524"/>
+      </p:ext>
+    </p:extLst>
+  </p:cSld>
+  <p:clrMapOvr>
+    <a:masterClrMapping/>
+  </p:clrMapOvr>
+</p:sld>
+</file>
+
+<file path=ppt/slides/slide21.xml><?xml version="1.0" encoding="utf-8"?>
+<p:sld xmlns:a="http://schemas.openxmlformats.org/drawingml/2006/main" xmlns:r="http://schemas.openxmlformats.org/officeDocument/2006/relationships" xmlns:p="http://schemas.openxmlformats.org/presentationml/2006/main">
+  <p:cSld>
+    <p:spTree>
+      <p:nvGrpSpPr>
+        <p:cNvPr id="1" name=""/>
+        <p:cNvGrpSpPr/>
+        <p:nvPr/>
+      </p:nvGrpSpPr>
+      <p:grpSpPr>
+        <a:xfrm>
+          <a:off x="0" y="0"/>
+          <a:ext cx="0" cy="0"/>
+          <a:chOff x="0" y="0"/>
+          <a:chExt cx="0" cy="0"/>
+        </a:xfrm>
+      </p:grpSpPr>
+      <p:sp>
+        <p:nvSpPr>
+          <p:cNvPr id="2" name="Titolo 1">
+            <a:extLst>
+              <a:ext uri="{FF2B5EF4-FFF2-40B4-BE49-F238E27FC236}">
+                <a16:creationId xmlns:a16="http://schemas.microsoft.com/office/drawing/2014/main" id="{47C66DC8-BCA9-0A02-4B14-C5C618527157}"/>
+              </a:ext>
+            </a:extLst>
+          </p:cNvPr>
+          <p:cNvSpPr>
+            <a:spLocks noGrp="1"/>
+          </p:cNvSpPr>
+          <p:nvPr>
+            <p:ph type="title"/>
+          </p:nvPr>
+        </p:nvSpPr>
+        <p:spPr/>
+        <p:txBody>
+          <a:bodyPr/>
+          <a:lstStyle/>
+          <a:p>
+            <a:r>
+              <a:rPr lang="it-IT" dirty="0"/>
+              <a:t>Grafico</a:t>
+            </a:r>
+          </a:p>
+        </p:txBody>
+      </p:sp>
+      <p:pic>
+        <p:nvPicPr>
+          <p:cNvPr id="6" name="Segnaposto contenuto 5">
+            <a:extLst>
+              <a:ext uri="{FF2B5EF4-FFF2-40B4-BE49-F238E27FC236}">
+                <a16:creationId xmlns:a16="http://schemas.microsoft.com/office/drawing/2014/main" id="{1E69327B-0D36-AD08-3DB3-3D7F87215815}"/>
+              </a:ext>
+            </a:extLst>
+          </p:cNvPr>
+          <p:cNvPicPr>
+            <a:picLocks noGrp="1" noChangeAspect="1"/>
+          </p:cNvPicPr>
+          <p:nvPr>
+            <p:ph idx="1"/>
+          </p:nvPr>
+        </p:nvPicPr>
+        <p:blipFill rotWithShape="1">
+          <a:blip r:embed="rId2"/>
+          <a:srcRect r="43037"/>
+          <a:stretch/>
+        </p:blipFill>
+        <p:spPr>
+          <a:xfrm>
+            <a:off x="6356464" y="1737360"/>
+            <a:ext cx="4738256" cy="3760788"/>
+          </a:xfrm>
+        </p:spPr>
+      </p:pic>
+      <p:sp>
+        <p:nvSpPr>
+          <p:cNvPr id="4" name="Segnaposto numero diapositiva 3">
+            <a:extLst>
+              <a:ext uri="{FF2B5EF4-FFF2-40B4-BE49-F238E27FC236}">
+                <a16:creationId xmlns:a16="http://schemas.microsoft.com/office/drawing/2014/main" id="{6DEAE6CD-A955-8CE4-351B-DB2CD40A1AC7}"/>
+              </a:ext>
+            </a:extLst>
+          </p:cNvPr>
+          <p:cNvSpPr>
+            <a:spLocks noGrp="1"/>
+          </p:cNvSpPr>
+          <p:nvPr>
+            <p:ph type="sldNum" sz="quarter" idx="12"/>
+          </p:nvPr>
+        </p:nvSpPr>
+        <p:spPr/>
+        <p:txBody>
+          <a:bodyPr/>
+          <a:lstStyle/>
+          <a:p>
+            <a:pPr rtl="0"/>
+            <a:fld id="{3A98EE3D-8CD1-4C3F-BD1C-C98C9596463C}" type="slidenum">
+              <a:rPr lang="it-IT" noProof="0" smtClean="0"/>
+              <a:t>21</a:t>
+            </a:fld>
+            <a:endParaRPr lang="it-IT" noProof="0" dirty="0"/>
+          </a:p>
+        </p:txBody>
+      </p:sp>
+      <p:sp>
+        <p:nvSpPr>
+          <p:cNvPr id="7" name="CasellaDiTesto 6">
+            <a:extLst>
+              <a:ext uri="{FF2B5EF4-FFF2-40B4-BE49-F238E27FC236}">
+                <a16:creationId xmlns:a16="http://schemas.microsoft.com/office/drawing/2014/main" id="{DF41DA4C-B5D9-3C21-5552-7FBED73E0740}"/>
+              </a:ext>
+            </a:extLst>
+          </p:cNvPr>
+          <p:cNvSpPr txBox="1"/>
+          <p:nvPr/>
+        </p:nvSpPr>
+        <p:spPr>
+          <a:xfrm>
+            <a:off x="434109" y="2022764"/>
+            <a:ext cx="5467927" cy="3139321"/>
+          </a:xfrm>
+          <a:prstGeom prst="rect">
+            <a:avLst/>
+          </a:prstGeom>
+          <a:noFill/>
+        </p:spPr>
+        <p:txBody>
+          <a:bodyPr wrap="square" rtlCol="0">
+            <a:spAutoFit/>
+          </a:bodyPr>
+          <a:lstStyle/>
+          <a:p>
+            <a:r>
+              <a:rPr lang="it-IT" dirty="0"/>
+              <a:t>Dalla tensione in uscita, si può notare come l’oscillatore si spenga dopo circa 1-2 decimi di secondo.</a:t>
+            </a:r>
+          </a:p>
+          <a:p>
+            <a:endParaRPr lang="it-IT" dirty="0"/>
+          </a:p>
+          <a:p>
+            <a:r>
+              <a:rPr lang="it-IT" dirty="0"/>
+              <a:t>Pensando fosse un problema di guadagno, abbiamo provato a modificare i valori delle varie resistenze, al fine di trovare quali impattassero sulla durata del segnale in output.</a:t>
+            </a:r>
+          </a:p>
+          <a:p>
+            <a:endParaRPr lang="it-IT" dirty="0"/>
+          </a:p>
+          <a:p>
+            <a:r>
+              <a:rPr lang="it-IT" dirty="0"/>
+              <a:t>Abbiamo notato che le resistenze R2 e R3 hanno un grande impatto sulla durata del segnale e siamo intervenuti riducendone il valore.</a:t>
+            </a:r>
+          </a:p>
+        </p:txBody>
+      </p:sp>
+    </p:spTree>
+    <p:extLst>
+      <p:ext uri="{BB962C8B-B14F-4D97-AF65-F5344CB8AC3E}">
+        <p14:creationId xmlns:p14="http://schemas.microsoft.com/office/powerpoint/2010/main" val="2578477401"/>
+      </p:ext>
+    </p:extLst>
+  </p:cSld>
+  <p:clrMapOvr>
+    <a:masterClrMapping/>
+  </p:clrMapOvr>
+</p:sld>
+</file>
+
+<file path=ppt/slides/slide22.xml><?xml version="1.0" encoding="utf-8"?>
+<p:sld xmlns:a="http://schemas.openxmlformats.org/drawingml/2006/main" xmlns:r="http://schemas.openxmlformats.org/officeDocument/2006/relationships" xmlns:p="http://schemas.openxmlformats.org/presentationml/2006/main">
+  <p:cSld>
+    <p:spTree>
+      <p:nvGrpSpPr>
+        <p:cNvPr id="1" name=""/>
+        <p:cNvGrpSpPr/>
+        <p:nvPr/>
+      </p:nvGrpSpPr>
+      <p:grpSpPr>
+        <a:xfrm>
+          <a:off x="0" y="0"/>
+          <a:ext cx="0" cy="0"/>
+          <a:chOff x="0" y="0"/>
+          <a:chExt cx="0" cy="0"/>
+        </a:xfrm>
+      </p:grpSpPr>
+      <p:sp>
+        <p:nvSpPr>
+          <p:cNvPr id="2" name="Titolo 1">
+            <a:extLst>
+              <a:ext uri="{FF2B5EF4-FFF2-40B4-BE49-F238E27FC236}">
+                <a16:creationId xmlns:a16="http://schemas.microsoft.com/office/drawing/2014/main" id="{CD615ACB-D437-FD59-2474-BFF9B43E5F11}"/>
+              </a:ext>
+            </a:extLst>
+          </p:cNvPr>
+          <p:cNvSpPr>
+            <a:spLocks noGrp="1"/>
+          </p:cNvSpPr>
+          <p:nvPr>
+            <p:ph type="title"/>
+          </p:nvPr>
+        </p:nvSpPr>
+        <p:spPr/>
+        <p:txBody>
+          <a:bodyPr/>
+          <a:lstStyle/>
+          <a:p>
+            <a:r>
+              <a:rPr lang="it-IT" dirty="0"/>
+              <a:t>Schema con modifiche</a:t>
+            </a:r>
+          </a:p>
+        </p:txBody>
+      </p:sp>
+      <p:pic>
+        <p:nvPicPr>
+          <p:cNvPr id="6" name="Segnaposto contenuto 5">
+            <a:extLst>
+              <a:ext uri="{FF2B5EF4-FFF2-40B4-BE49-F238E27FC236}">
+                <a16:creationId xmlns:a16="http://schemas.microsoft.com/office/drawing/2014/main" id="{9CB4A259-32FD-FCC8-C23C-991C7D3C39F6}"/>
+              </a:ext>
+            </a:extLst>
+          </p:cNvPr>
+          <p:cNvPicPr>
+            <a:picLocks noGrp="1" noChangeAspect="1"/>
+          </p:cNvPicPr>
+          <p:nvPr>
+            <p:ph idx="1"/>
+          </p:nvPr>
+        </p:nvPicPr>
+        <p:blipFill>
+          <a:blip r:embed="rId2"/>
+          <a:stretch>
+            <a:fillRect/>
+          </a:stretch>
+        </p:blipFill>
+        <p:spPr>
+          <a:xfrm>
+            <a:off x="980321" y="2080491"/>
+            <a:ext cx="5486753" cy="3760788"/>
+          </a:xfrm>
+        </p:spPr>
+      </p:pic>
+      <p:sp>
+        <p:nvSpPr>
+          <p:cNvPr id="4" name="Segnaposto numero diapositiva 3">
+            <a:extLst>
+              <a:ext uri="{FF2B5EF4-FFF2-40B4-BE49-F238E27FC236}">
+                <a16:creationId xmlns:a16="http://schemas.microsoft.com/office/drawing/2014/main" id="{9A86641E-D952-BD12-16D4-C8D0AE6CA6DE}"/>
+              </a:ext>
+            </a:extLst>
+          </p:cNvPr>
+          <p:cNvSpPr>
+            <a:spLocks noGrp="1"/>
+          </p:cNvSpPr>
+          <p:nvPr>
+            <p:ph type="sldNum" sz="quarter" idx="12"/>
+          </p:nvPr>
+        </p:nvSpPr>
+        <p:spPr/>
+        <p:txBody>
+          <a:bodyPr/>
+          <a:lstStyle/>
+          <a:p>
+            <a:pPr rtl="0"/>
+            <a:fld id="{3A98EE3D-8CD1-4C3F-BD1C-C98C9596463C}" type="slidenum">
+              <a:rPr lang="it-IT" noProof="0" smtClean="0"/>
+              <a:t>22</a:t>
+            </a:fld>
+            <a:endParaRPr lang="it-IT" noProof="0" dirty="0"/>
+          </a:p>
+        </p:txBody>
+      </p:sp>
+      <p:sp>
+        <p:nvSpPr>
+          <p:cNvPr id="7" name="CasellaDiTesto 6">
+            <a:extLst>
+              <a:ext uri="{FF2B5EF4-FFF2-40B4-BE49-F238E27FC236}">
+                <a16:creationId xmlns:a16="http://schemas.microsoft.com/office/drawing/2014/main" id="{CA61F483-5308-0D0D-C68D-4F63CF725386}"/>
+              </a:ext>
+            </a:extLst>
+          </p:cNvPr>
+          <p:cNvSpPr txBox="1"/>
+          <p:nvPr/>
+        </p:nvSpPr>
+        <p:spPr>
+          <a:xfrm>
+            <a:off x="7638473" y="2080491"/>
+            <a:ext cx="3842327" cy="1200329"/>
+          </a:xfrm>
+          <a:prstGeom prst="rect">
+            <a:avLst/>
+          </a:prstGeom>
+          <a:noFill/>
+        </p:spPr>
+        <p:txBody>
+          <a:bodyPr wrap="square" rtlCol="0">
+            <a:spAutoFit/>
+          </a:bodyPr>
+          <a:lstStyle/>
+          <a:p>
+            <a:r>
+              <a:rPr lang="it-IT" dirty="0"/>
+              <a:t>Le modifiche effettuate a R2 e R3, di cui sono state ridotti notevolmente i valori di resistenza, hanno portato a avere un segnale più duraturo.</a:t>
+            </a:r>
+          </a:p>
+        </p:txBody>
+      </p:sp>
+    </p:spTree>
+    <p:extLst>
+      <p:ext uri="{BB962C8B-B14F-4D97-AF65-F5344CB8AC3E}">
+        <p14:creationId xmlns:p14="http://schemas.microsoft.com/office/powerpoint/2010/main" val="2112064413"/>
+      </p:ext>
+    </p:extLst>
+  </p:cSld>
+  <p:clrMapOvr>
+    <a:masterClrMapping/>
+  </p:clrMapOvr>
+</p:sld>
+</file>
+
+<file path=ppt/slides/slide23.xml><?xml version="1.0" encoding="utf-8"?>
+<p:sld xmlns:a="http://schemas.openxmlformats.org/drawingml/2006/main" xmlns:r="http://schemas.openxmlformats.org/officeDocument/2006/relationships" xmlns:p="http://schemas.openxmlformats.org/presentationml/2006/main">
+  <p:cSld>
+    <p:spTree>
+      <p:nvGrpSpPr>
+        <p:cNvPr id="1" name=""/>
+        <p:cNvGrpSpPr/>
+        <p:nvPr/>
+      </p:nvGrpSpPr>
+      <p:grpSpPr>
+        <a:xfrm>
+          <a:off x="0" y="0"/>
+          <a:ext cx="0" cy="0"/>
+          <a:chOff x="0" y="0"/>
+          <a:chExt cx="0" cy="0"/>
+        </a:xfrm>
+      </p:grpSpPr>
+      <p:sp>
+        <p:nvSpPr>
+          <p:cNvPr id="2" name="Titolo 1">
+            <a:extLst>
+              <a:ext uri="{FF2B5EF4-FFF2-40B4-BE49-F238E27FC236}">
+                <a16:creationId xmlns:a16="http://schemas.microsoft.com/office/drawing/2014/main" id="{3909BAEB-B027-48DA-D74B-B9433F94CBC7}"/>
+              </a:ext>
+            </a:extLst>
+          </p:cNvPr>
+          <p:cNvSpPr>
+            <a:spLocks noGrp="1"/>
+          </p:cNvSpPr>
+          <p:nvPr>
+            <p:ph type="title"/>
+          </p:nvPr>
+        </p:nvSpPr>
+        <p:spPr/>
+        <p:txBody>
+          <a:bodyPr/>
+          <a:lstStyle/>
+          <a:p>
+            <a:r>
+              <a:rPr lang="it-IT" dirty="0"/>
+              <a:t>Grafico con modifiche</a:t>
+            </a:r>
+          </a:p>
+        </p:txBody>
+      </p:sp>
+      <p:pic>
+        <p:nvPicPr>
+          <p:cNvPr id="6" name="Segnaposto contenuto 5">
+            <a:extLst>
+              <a:ext uri="{FF2B5EF4-FFF2-40B4-BE49-F238E27FC236}">
+                <a16:creationId xmlns:a16="http://schemas.microsoft.com/office/drawing/2014/main" id="{AC98F911-B756-52E3-880B-50A1A19903F7}"/>
+              </a:ext>
+            </a:extLst>
+          </p:cNvPr>
+          <p:cNvPicPr>
+            <a:picLocks noGrp="1" noChangeAspect="1"/>
+          </p:cNvPicPr>
+          <p:nvPr>
+            <p:ph idx="1"/>
+          </p:nvPr>
+        </p:nvPicPr>
+        <p:blipFill>
+          <a:blip r:embed="rId2"/>
+          <a:stretch>
+            <a:fillRect/>
+          </a:stretch>
+        </p:blipFill>
+        <p:spPr>
+          <a:xfrm>
+            <a:off x="6022109" y="1772042"/>
+            <a:ext cx="5836023" cy="2551301"/>
+          </a:xfrm>
+        </p:spPr>
+      </p:pic>
+      <p:sp>
+        <p:nvSpPr>
+          <p:cNvPr id="4" name="Segnaposto numero diapositiva 3">
+            <a:extLst>
+              <a:ext uri="{FF2B5EF4-FFF2-40B4-BE49-F238E27FC236}">
+                <a16:creationId xmlns:a16="http://schemas.microsoft.com/office/drawing/2014/main" id="{D728BCA8-317D-41F9-189A-E57201D15DB8}"/>
+              </a:ext>
+            </a:extLst>
+          </p:cNvPr>
+          <p:cNvSpPr>
+            <a:spLocks noGrp="1"/>
+          </p:cNvSpPr>
+          <p:nvPr>
+            <p:ph type="sldNum" sz="quarter" idx="12"/>
+          </p:nvPr>
+        </p:nvSpPr>
+        <p:spPr/>
+        <p:txBody>
+          <a:bodyPr/>
+          <a:lstStyle/>
+          <a:p>
+            <a:pPr rtl="0"/>
+            <a:fld id="{3A98EE3D-8CD1-4C3F-BD1C-C98C9596463C}" type="slidenum">
+              <a:rPr lang="it-IT" noProof="0" smtClean="0"/>
+              <a:t>23</a:t>
+            </a:fld>
+            <a:endParaRPr lang="it-IT" noProof="0" dirty="0"/>
+          </a:p>
+        </p:txBody>
+      </p:sp>
+      <p:sp>
+        <p:nvSpPr>
+          <p:cNvPr id="7" name="CasellaDiTesto 6">
+            <a:extLst>
+              <a:ext uri="{FF2B5EF4-FFF2-40B4-BE49-F238E27FC236}">
+                <a16:creationId xmlns:a16="http://schemas.microsoft.com/office/drawing/2014/main" id="{A52D16E6-0A37-0A40-D6A5-667970A308A4}"/>
+              </a:ext>
+            </a:extLst>
+          </p:cNvPr>
+          <p:cNvSpPr txBox="1"/>
+          <p:nvPr/>
+        </p:nvSpPr>
+        <p:spPr>
+          <a:xfrm>
+            <a:off x="333868" y="2124363"/>
+            <a:ext cx="4562763" cy="923330"/>
+          </a:xfrm>
+          <a:prstGeom prst="rect">
+            <a:avLst/>
+          </a:prstGeom>
+          <a:noFill/>
+        </p:spPr>
+        <p:txBody>
+          <a:bodyPr wrap="square" rtlCol="0">
+            <a:spAutoFit/>
+          </a:bodyPr>
+          <a:lstStyle/>
+          <a:p>
+            <a:r>
+              <a:rPr lang="it-IT" dirty="0"/>
+              <a:t>Come si può notare, deve passare molto più tempo per spegnersi e il segnale generato ha una frequenza di circa 25kHz.</a:t>
+            </a:r>
+          </a:p>
+        </p:txBody>
+      </p:sp>
+      <p:pic>
+        <p:nvPicPr>
+          <p:cNvPr id="9" name="Immagine 8">
+            <a:extLst>
+              <a:ext uri="{FF2B5EF4-FFF2-40B4-BE49-F238E27FC236}">
+                <a16:creationId xmlns:a16="http://schemas.microsoft.com/office/drawing/2014/main" id="{D8153AEF-7BE7-581B-00BE-8AADF8A8A497}"/>
+              </a:ext>
+            </a:extLst>
+          </p:cNvPr>
+          <p:cNvPicPr>
+            <a:picLocks noChangeAspect="1"/>
+          </p:cNvPicPr>
+          <p:nvPr/>
+        </p:nvPicPr>
+        <p:blipFill>
+          <a:blip r:embed="rId3"/>
+          <a:stretch>
+            <a:fillRect/>
+          </a:stretch>
+        </p:blipFill>
+        <p:spPr>
+          <a:xfrm>
+            <a:off x="214332" y="3931553"/>
+            <a:ext cx="5731652" cy="2515285"/>
+          </a:xfrm>
+          <a:prstGeom prst="rect">
+            <a:avLst/>
+          </a:prstGeom>
+        </p:spPr>
+      </p:pic>
+    </p:spTree>
+    <p:extLst>
+      <p:ext uri="{BB962C8B-B14F-4D97-AF65-F5344CB8AC3E}">
+        <p14:creationId xmlns:p14="http://schemas.microsoft.com/office/powerpoint/2010/main" val="2245546251"/>
+      </p:ext>
+    </p:extLst>
+  </p:cSld>
+  <p:clrMapOvr>
+    <a:masterClrMapping/>
+  </p:clrMapOvr>
+</p:sld>
+</file>
+
+<file path=ppt/slides/slide24.xml><?xml version="1.0" encoding="utf-8"?>
 <p:sld xmlns:a="http://schemas.openxmlformats.org/drawingml/2006/main" xmlns:r="http://schemas.openxmlformats.org/officeDocument/2006/relationships" xmlns:p="http://schemas.openxmlformats.org/presentationml/2006/main">
   <p:cSld>
     <p:bg>
@@ -19864,15 +20526,6 @@
 </file>
 
 <file path=customXml/item1.xml><?xml version="1.0" encoding="utf-8"?>
-<p:properties xmlns:p="http://schemas.microsoft.com/office/2006/metadata/properties" xmlns:xsi="http://www.w3.org/2001/XMLSchema-instance" xmlns:pc="http://schemas.microsoft.com/office/infopath/2007/PartnerControls">
-  <documentManagement>
-    <Status xmlns="71af3243-3dd4-4a8d-8c0d-dd76da1f02a5">Not started</Status>
-    <MediaServiceKeyPoints xmlns="71af3243-3dd4-4a8d-8c0d-dd76da1f02a5" xsi:nil="true"/>
-  </documentManagement>
-</p:properties>
-</file>
-
-<file path=customXml/item2.xml><?xml version="1.0" encoding="utf-8"?>
 <ct:contentTypeSchema xmlns:ct="http://schemas.microsoft.com/office/2006/metadata/contentType" xmlns:ma="http://schemas.microsoft.com/office/2006/metadata/properties/metaAttributes" ct:_="" ma:_="" ma:contentTypeName="Document" ma:contentTypeID="0x01010079F111ED35F8CC479449609E8A0923A6" ma:contentTypeVersion="12" ma:contentTypeDescription="Create a new document." ma:contentTypeScope="" ma:versionID="fa6e671f1cd7e4d96ff9652be322dd5e">
   <xsd:schema xmlns:xsd="http://www.w3.org/2001/XMLSchema" xmlns:xs="http://www.w3.org/2001/XMLSchema" xmlns:p="http://schemas.microsoft.com/office/2006/metadata/properties" xmlns:ns2="71af3243-3dd4-4a8d-8c0d-dd76da1f02a5" xmlns:ns3="16c05727-aa75-4e4a-9b5f-8a80a1165891" targetNamespace="http://schemas.microsoft.com/office/2006/metadata/properties" ma:root="true" ma:fieldsID="4e2496f70b101db0b8013f30a071bbf7" ns2:_="" ns3:_="">
     <xsd:import namespace="71af3243-3dd4-4a8d-8c0d-dd76da1f02a5"/>
@@ -20093,6 +20746,15 @@
 </ct:contentTypeSchema>
 </file>
 
+<file path=customXml/item2.xml><?xml version="1.0" encoding="utf-8"?>
+<p:properties xmlns:p="http://schemas.microsoft.com/office/2006/metadata/properties" xmlns:xsi="http://www.w3.org/2001/XMLSchema-instance" xmlns:pc="http://schemas.microsoft.com/office/infopath/2007/PartnerControls">
+  <documentManagement>
+    <Status xmlns="71af3243-3dd4-4a8d-8c0d-dd76da1f02a5">Not started</Status>
+    <MediaServiceKeyPoints xmlns="71af3243-3dd4-4a8d-8c0d-dd76da1f02a5" xsi:nil="true"/>
+  </documentManagement>
+</p:properties>
+</file>
+
 <file path=customXml/item3.xml><?xml version="1.0" encoding="utf-8"?>
 <?mso-contentType ?>
 <FormTemplates xmlns="http://schemas.microsoft.com/sharepoint/v3/contenttype/forms">
@@ -20103,16 +20765,6 @@
 </file>
 
 <file path=customXml/itemProps1.xml><?xml version="1.0" encoding="utf-8"?>
-<ds:datastoreItem xmlns:ds="http://schemas.openxmlformats.org/officeDocument/2006/customXml" ds:itemID="{A4E879E6-8FFE-4154-8F2A-F7518B89B376}">
-  <ds:schemaRefs>
-    <ds:schemaRef ds:uri="http://schemas.microsoft.com/office/2006/metadata/properties"/>
-    <ds:schemaRef ds:uri="http://schemas.microsoft.com/office/infopath/2007/PartnerControls"/>
-    <ds:schemaRef ds:uri="71af3243-3dd4-4a8d-8c0d-dd76da1f02a5"/>
-  </ds:schemaRefs>
-</ds:datastoreItem>
-</file>
-
-<file path=customXml/itemProps2.xml><?xml version="1.0" encoding="utf-8"?>
 <ds:datastoreItem xmlns:ds="http://schemas.openxmlformats.org/officeDocument/2006/customXml" ds:itemID="{A941CA7C-A0BF-44EF-B2E5-7539C3B9B0B6}">
   <ds:schemaRefs>
     <ds:schemaRef ds:uri="http://schemas.microsoft.com/office/2006/metadata/contentType"/>
@@ -20131,6 +20783,16 @@
 </ds:datastoreItem>
 </file>
 
+<file path=customXml/itemProps2.xml><?xml version="1.0" encoding="utf-8"?>
+<ds:datastoreItem xmlns:ds="http://schemas.openxmlformats.org/officeDocument/2006/customXml" ds:itemID="{A4E879E6-8FFE-4154-8F2A-F7518B89B376}">
+  <ds:schemaRefs>
+    <ds:schemaRef ds:uri="http://schemas.microsoft.com/office/2006/metadata/properties"/>
+    <ds:schemaRef ds:uri="http://schemas.microsoft.com/office/infopath/2007/PartnerControls"/>
+    <ds:schemaRef ds:uri="71af3243-3dd4-4a8d-8c0d-dd76da1f02a5"/>
+  </ds:schemaRefs>
+</ds:datastoreItem>
+</file>
+
 <file path=customXml/itemProps3.xml><?xml version="1.0" encoding="utf-8"?>
 <ds:datastoreItem xmlns:ds="http://schemas.openxmlformats.org/officeDocument/2006/customXml" ds:itemID="{7E0A2CB4-6869-426F-8BC4-A32C90CBE263}">
   <ds:schemaRefs>

--- a/presentazione/presentazione.pptx
+++ b/presentazione/presentazione.pptx
@@ -16,11 +16,11 @@
     <p:sldId id="286" r:id="rId7"/>
     <p:sldId id="293" r:id="rId8"/>
     <p:sldId id="294" r:id="rId9"/>
-    <p:sldId id="295" r:id="rId10"/>
+    <p:sldId id="313" r:id="rId10"/>
     <p:sldId id="296" r:id="rId11"/>
-    <p:sldId id="297" r:id="rId12"/>
-    <p:sldId id="298" r:id="rId13"/>
-    <p:sldId id="299" r:id="rId14"/>
+    <p:sldId id="314" r:id="rId12"/>
+    <p:sldId id="315" r:id="rId13"/>
+    <p:sldId id="316" r:id="rId14"/>
     <p:sldId id="300" r:id="rId15"/>
     <p:sldId id="302" r:id="rId16"/>
     <p:sldId id="303" r:id="rId17"/>
@@ -833,7 +833,7 @@
             <a:spLocks noGrp="1"/>
           </p:cNvSpPr>
           <p:nvPr>
-            <p:ph type="sldNum" sz="quarter" idx="5"/>
+            <p:ph type="sldNum" sz="quarter" idx="10"/>
           </p:nvPr>
         </p:nvSpPr>
         <p:spPr/>
@@ -853,7 +853,7 @@
     </p:spTree>
     <p:extLst>
       <p:ext uri="{BB962C8B-B14F-4D97-AF65-F5344CB8AC3E}">
-        <p14:creationId xmlns:p14="http://schemas.microsoft.com/office/powerpoint/2010/main" val="122667747"/>
+        <p14:creationId xmlns:p14="http://schemas.microsoft.com/office/powerpoint/2010/main" val="3059501296"/>
       </p:ext>
     </p:extLst>
   </p:cSld>
@@ -1349,7 +1349,7 @@
             <a:spLocks noGrp="1"/>
           </p:cNvSpPr>
           <p:nvPr>
-            <p:ph type="sldNum" sz="quarter" idx="5"/>
+            <p:ph type="sldNum" sz="quarter" idx="10"/>
           </p:nvPr>
         </p:nvSpPr>
         <p:spPr/>
@@ -1369,7 +1369,7 @@
     </p:spTree>
     <p:extLst>
       <p:ext uri="{BB962C8B-B14F-4D97-AF65-F5344CB8AC3E}">
-        <p14:creationId xmlns:p14="http://schemas.microsoft.com/office/powerpoint/2010/main" val="3162151790"/>
+        <p14:creationId xmlns:p14="http://schemas.microsoft.com/office/powerpoint/2010/main" val="144450931"/>
       </p:ext>
     </p:extLst>
   </p:cSld>
@@ -1521,7 +1521,7 @@
             <a:spLocks noGrp="1"/>
           </p:cNvSpPr>
           <p:nvPr>
-            <p:ph type="sldNum" sz="quarter" idx="5"/>
+            <p:ph type="sldNum" sz="quarter" idx="10"/>
           </p:nvPr>
         </p:nvSpPr>
         <p:spPr/>
@@ -1541,7 +1541,7 @@
     </p:spTree>
     <p:extLst>
       <p:ext uri="{BB962C8B-B14F-4D97-AF65-F5344CB8AC3E}">
-        <p14:creationId xmlns:p14="http://schemas.microsoft.com/office/powerpoint/2010/main" val="2807057832"/>
+        <p14:creationId xmlns:p14="http://schemas.microsoft.com/office/powerpoint/2010/main" val="1613095615"/>
       </p:ext>
     </p:extLst>
   </p:cSld>
@@ -1607,7 +1607,7 @@
             <a:spLocks noGrp="1"/>
           </p:cNvSpPr>
           <p:nvPr>
-            <p:ph type="sldNum" sz="quarter" idx="5"/>
+            <p:ph type="sldNum" sz="quarter" idx="10"/>
           </p:nvPr>
         </p:nvSpPr>
         <p:spPr/>
@@ -1627,7 +1627,7 @@
     </p:spTree>
     <p:extLst>
       <p:ext uri="{BB962C8B-B14F-4D97-AF65-F5344CB8AC3E}">
-        <p14:creationId xmlns:p14="http://schemas.microsoft.com/office/powerpoint/2010/main" val="2568549705"/>
+        <p14:creationId xmlns:p14="http://schemas.microsoft.com/office/powerpoint/2010/main" val="1286527742"/>
       </p:ext>
     </p:extLst>
   </p:cSld>
@@ -9853,7 +9853,7 @@
         </p:nvSpPr>
         <p:spPr>
           <a:xfrm>
-            <a:off x="6758710" y="3047998"/>
+            <a:off x="6967944" y="3029525"/>
             <a:ext cx="4526280" cy="2743201"/>
           </a:xfrm>
         </p:spPr>
@@ -9954,6 +9954,14 @@
 <file path=ppt/slides/slide10.xml><?xml version="1.0" encoding="utf-8"?>
 <p:sld xmlns:a="http://schemas.openxmlformats.org/drawingml/2006/main" xmlns:r="http://schemas.openxmlformats.org/officeDocument/2006/relationships" xmlns:p="http://schemas.openxmlformats.org/presentationml/2006/main">
   <p:cSld>
+    <p:bg>
+      <p:bgPr>
+        <a:solidFill>
+          <a:schemeClr val="bg1"/>
+        </a:solidFill>
+        <a:effectLst/>
+      </p:bgPr>
+    </p:bg>
     <p:spTree>
       <p:nvGrpSpPr>
         <p:cNvPr id="1" name=""/>
@@ -9970,32 +9978,122 @@
       </p:grpSpPr>
       <p:sp>
         <p:nvSpPr>
-          <p:cNvPr id="4" name="Rettangolo 3">
-            <a:extLst>
-              <a:ext uri="{FF2B5EF4-FFF2-40B4-BE49-F238E27FC236}">
-                <a16:creationId xmlns:a16="http://schemas.microsoft.com/office/drawing/2014/main" id="{D22E5227-66DC-4545-A93A-3BAE57987144}"/>
-              </a:ext>
-            </a:extLst>
-          </p:cNvPr>
-          <p:cNvSpPr/>
+          <p:cNvPr id="6" name="Titolo 5">
+            <a:extLst>
+              <a:ext uri="{FF2B5EF4-FFF2-40B4-BE49-F238E27FC236}">
+                <a16:creationId xmlns:a16="http://schemas.microsoft.com/office/drawing/2014/main" id="{CE09A200-4838-4284-BD1E-19701CABB5FE}"/>
+              </a:ext>
+            </a:extLst>
+          </p:cNvPr>
+          <p:cNvSpPr>
+            <a:spLocks noGrp="1"/>
+          </p:cNvSpPr>
+          <p:nvPr>
+            <p:ph type="title"/>
+          </p:nvPr>
+        </p:nvSpPr>
+        <p:spPr>
+          <a:xfrm>
+            <a:off x="1097280" y="286603"/>
+            <a:ext cx="10058400" cy="1450757"/>
+          </a:xfrm>
+        </p:spPr>
+        <p:txBody>
+          <a:bodyPr rtlCol="0">
+            <a:normAutofit/>
+          </a:bodyPr>
+          <a:lstStyle/>
+          <a:p>
+            <a:pPr rtl="0"/>
+            <a:r>
+              <a:rPr lang="it-IT" sz="4800" dirty="0">
+                <a:solidFill>
+                  <a:schemeClr val="tx1">
+                    <a:lumMod val="75000"/>
+                    <a:lumOff val="25000"/>
+                  </a:schemeClr>
+                </a:solidFill>
+              </a:rPr>
+              <a:t>EAGLE: </a:t>
+            </a:r>
+            <a:r>
+              <a:rPr lang="it-IT" dirty="0"/>
+              <a:t>B</a:t>
+            </a:r>
+            <a:r>
+              <a:rPr lang="it-IT" sz="4800" dirty="0">
+                <a:solidFill>
+                  <a:schemeClr val="tx1">
+                    <a:lumMod val="75000"/>
+                    <a:lumOff val="25000"/>
+                  </a:schemeClr>
+                </a:solidFill>
+              </a:rPr>
+              <a:t>oard</a:t>
+            </a:r>
+            <a:endParaRPr lang="it-IT" dirty="0"/>
+          </a:p>
+        </p:txBody>
+      </p:sp>
+      <p:pic>
+        <p:nvPicPr>
+          <p:cNvPr id="4" name="Elemento grafico 3">
+            <a:extLst>
+              <a:ext uri="{FF2B5EF4-FFF2-40B4-BE49-F238E27FC236}">
+                <a16:creationId xmlns:a16="http://schemas.microsoft.com/office/drawing/2014/main" id="{ED0A95A1-BC85-4809-B935-6A9B3C054422}"/>
+              </a:ext>
+            </a:extLst>
+          </p:cNvPr>
+          <p:cNvPicPr>
+            <a:picLocks noChangeAspect="1"/>
+          </p:cNvPicPr>
           <p:nvPr/>
-        </p:nvSpPr>
-        <p:spPr>
-          <a:xfrm>
-            <a:off x="590927" y="2477070"/>
-            <a:ext cx="2955837" cy="457195"/>
+        </p:nvPicPr>
+        <p:blipFill>
+          <a:blip r:embed="rId3" cstate="print">
+            <a:extLst>
+              <a:ext uri="{28A0092B-C50C-407E-A947-70E740481C1C}">
+                <a14:useLocalDpi xmlns:a14="http://schemas.microsoft.com/office/drawing/2010/main" val="0"/>
+              </a:ext>
+              <a:ext uri="{96DAC541-7B7A-43D3-8B79-37D633B846F1}">
+                <asvg:svgBlip xmlns:asvg="http://schemas.microsoft.com/office/drawing/2016/SVG/main" r:embed="rId4"/>
+              </a:ext>
+            </a:extLst>
+          </a:blip>
+          <a:stretch>
+            <a:fillRect/>
+          </a:stretch>
+        </p:blipFill>
+        <p:spPr>
+          <a:xfrm>
+            <a:off x="207095" y="6043750"/>
+            <a:ext cx="1770209" cy="700341"/>
           </a:xfrm>
           <a:prstGeom prst="rect">
             <a:avLst/>
           </a:prstGeom>
-          <a:solidFill>
-            <a:schemeClr val="bg1"/>
-          </a:solidFill>
-          <a:ln>
-            <a:solidFill>
-              <a:schemeClr val="bg1"/>
-            </a:solidFill>
-          </a:ln>
+        </p:spPr>
+      </p:pic>
+      <p:sp>
+        <p:nvSpPr>
+          <p:cNvPr id="10" name="Connettore 9">
+            <a:extLst>
+              <a:ext uri="{FF2B5EF4-FFF2-40B4-BE49-F238E27FC236}">
+                <a16:creationId xmlns:a16="http://schemas.microsoft.com/office/drawing/2014/main" id="{7DA3C5E2-1B7C-406E-9A80-B7F344044586}"/>
+              </a:ext>
+            </a:extLst>
+          </p:cNvPr>
+          <p:cNvSpPr/>
+          <p:nvPr/>
+        </p:nvSpPr>
+        <p:spPr>
+          <a:xfrm>
+            <a:off x="11455401" y="6273800"/>
+            <a:ext cx="512910" cy="470291"/>
+          </a:xfrm>
+          <a:prstGeom prst="flowChartConnector">
+            <a:avLst/>
+          </a:prstGeom>
         </p:spPr>
         <p:style>
           <a:lnRef idx="2">
@@ -10018,91 +10116,6 @@
           <a:lstStyle/>
           <a:p>
             <a:pPr algn="ctr"/>
-            <a:endParaRPr lang="it-IT"/>
-          </a:p>
-        </p:txBody>
-      </p:sp>
-      <p:pic>
-        <p:nvPicPr>
-          <p:cNvPr id="10" name="Elemento grafico 9">
-            <a:extLst>
-              <a:ext uri="{FF2B5EF4-FFF2-40B4-BE49-F238E27FC236}">
-                <a16:creationId xmlns:a16="http://schemas.microsoft.com/office/drawing/2014/main" id="{54A47743-7725-4A33-93CA-EFB89C10D1EC}"/>
-              </a:ext>
-            </a:extLst>
-          </p:cNvPr>
-          <p:cNvPicPr>
-            <a:picLocks noChangeAspect="1"/>
-          </p:cNvPicPr>
-          <p:nvPr/>
-        </p:nvPicPr>
-        <p:blipFill>
-          <a:blip r:embed="rId3" cstate="print">
-            <a:extLst>
-              <a:ext uri="{28A0092B-C50C-407E-A947-70E740481C1C}">
-                <a14:useLocalDpi xmlns:a14="http://schemas.microsoft.com/office/drawing/2010/main" val="0"/>
-              </a:ext>
-              <a:ext uri="{96DAC541-7B7A-43D3-8B79-37D633B846F1}">
-                <asvg:svgBlip xmlns:asvg="http://schemas.microsoft.com/office/drawing/2016/SVG/main" r:embed="rId4"/>
-              </a:ext>
-            </a:extLst>
-          </a:blip>
-          <a:stretch>
-            <a:fillRect/>
-          </a:stretch>
-        </p:blipFill>
-        <p:spPr>
-          <a:xfrm>
-            <a:off x="207095" y="6043750"/>
-            <a:ext cx="1770209" cy="700341"/>
-          </a:xfrm>
-          <a:prstGeom prst="rect">
-            <a:avLst/>
-          </a:prstGeom>
-        </p:spPr>
-      </p:pic>
-      <p:sp>
-        <p:nvSpPr>
-          <p:cNvPr id="12" name="Connettore 11">
-            <a:extLst>
-              <a:ext uri="{FF2B5EF4-FFF2-40B4-BE49-F238E27FC236}">
-                <a16:creationId xmlns:a16="http://schemas.microsoft.com/office/drawing/2014/main" id="{92095D8C-8CCA-4CC6-B2D2-E1BC4732F321}"/>
-              </a:ext>
-            </a:extLst>
-          </p:cNvPr>
-          <p:cNvSpPr/>
-          <p:nvPr/>
-        </p:nvSpPr>
-        <p:spPr>
-          <a:xfrm>
-            <a:off x="11455401" y="6273800"/>
-            <a:ext cx="512910" cy="470291"/>
-          </a:xfrm>
-          <a:prstGeom prst="flowChartConnector">
-            <a:avLst/>
-          </a:prstGeom>
-        </p:spPr>
-        <p:style>
-          <a:lnRef idx="2">
-            <a:schemeClr val="accent1">
-              <a:shade val="50000"/>
-            </a:schemeClr>
-          </a:lnRef>
-          <a:fillRef idx="1">
-            <a:schemeClr val="accent1"/>
-          </a:fillRef>
-          <a:effectRef idx="0">
-            <a:schemeClr val="accent1"/>
-          </a:effectRef>
-          <a:fontRef idx="minor">
-            <a:schemeClr val="lt1"/>
-          </a:fontRef>
-        </p:style>
-        <p:txBody>
-          <a:bodyPr rtlCol="0" anchor="ctr"/>
-          <a:lstStyle/>
-          <a:p>
-            <a:pPr algn="ctr"/>
             <a:fld id="{3A98EE3D-8CD1-4C3F-BD1C-C98C9596463C}" type="slidenum">
               <a:rPr lang="it-IT" sz="1200" b="1"/>
               <a:pPr algn="ctr"/>
@@ -10112,343 +10125,12 @@
           </a:p>
         </p:txBody>
       </p:sp>
-      <p:sp>
-        <p:nvSpPr>
-          <p:cNvPr id="13" name="Segnaposto contenuto 5">
-            <a:extLst>
-              <a:ext uri="{FF2B5EF4-FFF2-40B4-BE49-F238E27FC236}">
-                <a16:creationId xmlns:a16="http://schemas.microsoft.com/office/drawing/2014/main" id="{B17E8C38-DDF5-41B9-B467-914D34FF3AAB}"/>
-              </a:ext>
-            </a:extLst>
-          </p:cNvPr>
-          <p:cNvSpPr txBox="1">
-            <a:spLocks/>
-          </p:cNvSpPr>
-          <p:nvPr/>
-        </p:nvSpPr>
-        <p:spPr>
-          <a:xfrm>
-            <a:off x="6620787" y="1452869"/>
-            <a:ext cx="4542547" cy="4590875"/>
-          </a:xfrm>
-          <a:prstGeom prst="rect">
-            <a:avLst/>
-          </a:prstGeom>
-        </p:spPr>
-        <p:txBody>
-          <a:bodyPr vert="horz" lIns="0" tIns="45720" rIns="0" bIns="45720" rtlCol="0" anchor="t">
-            <a:normAutofit/>
-          </a:bodyPr>
-          <a:lstStyle>
-            <a:lvl1pPr marL="266700" indent="-266700" algn="l" defTabSz="914400" rtl="0" eaLnBrk="1" latinLnBrk="0" hangingPunct="1">
-              <a:lnSpc>
-                <a:spcPct val="100000"/>
-              </a:lnSpc>
-              <a:spcBef>
-                <a:spcPts val="1200"/>
-              </a:spcBef>
-              <a:spcAft>
-                <a:spcPts val="200"/>
-              </a:spcAft>
-              <a:buClr>
-                <a:schemeClr val="accent1"/>
-              </a:buClr>
-              <a:buSzPct val="100000"/>
-              <a:buFont typeface="Wingdings" panose="05000000000000000000" pitchFamily="2" charset="2"/>
-              <a:buChar char="§"/>
-              <a:defRPr sz="2400" kern="1200">
-                <a:solidFill>
-                  <a:schemeClr val="tx1">
-                    <a:lumMod val="75000"/>
-                    <a:lumOff val="25000"/>
-                  </a:schemeClr>
-                </a:solidFill>
-                <a:latin typeface="+mn-lt"/>
-                <a:ea typeface="+mn-ea"/>
-                <a:cs typeface="+mn-cs"/>
-              </a:defRPr>
-            </a:lvl1pPr>
-            <a:lvl2pPr marL="384048" indent="-182880" algn="l" defTabSz="914400" rtl="0" eaLnBrk="1" latinLnBrk="0" hangingPunct="1">
-              <a:lnSpc>
-                <a:spcPct val="100000"/>
-              </a:lnSpc>
-              <a:spcBef>
-                <a:spcPts val="200"/>
-              </a:spcBef>
-              <a:spcAft>
-                <a:spcPts val="400"/>
-              </a:spcAft>
-              <a:buClr>
-                <a:schemeClr val="accent1"/>
-              </a:buClr>
-              <a:buFont typeface="Wingdings" panose="05000000000000000000" pitchFamily="2" charset="2"/>
-              <a:buChar char="§"/>
-              <a:defRPr sz="2000" kern="1200">
-                <a:solidFill>
-                  <a:schemeClr val="tx1">
-                    <a:lumMod val="75000"/>
-                    <a:lumOff val="25000"/>
-                  </a:schemeClr>
-                </a:solidFill>
-                <a:latin typeface="+mn-lt"/>
-                <a:ea typeface="+mn-ea"/>
-                <a:cs typeface="+mn-cs"/>
-              </a:defRPr>
-            </a:lvl2pPr>
-            <a:lvl3pPr marL="566928" indent="-182880" algn="l" defTabSz="914400" rtl="0" eaLnBrk="1" latinLnBrk="0" hangingPunct="1">
-              <a:lnSpc>
-                <a:spcPct val="100000"/>
-              </a:lnSpc>
-              <a:spcBef>
-                <a:spcPts val="200"/>
-              </a:spcBef>
-              <a:spcAft>
-                <a:spcPts val="400"/>
-              </a:spcAft>
-              <a:buClr>
-                <a:schemeClr val="accent1"/>
-              </a:buClr>
-              <a:buFont typeface="Wingdings" panose="05000000000000000000" pitchFamily="2" charset="2"/>
-              <a:buChar char="§"/>
-              <a:defRPr sz="1600" kern="1200">
-                <a:solidFill>
-                  <a:schemeClr val="tx1">
-                    <a:lumMod val="75000"/>
-                    <a:lumOff val="25000"/>
-                  </a:schemeClr>
-                </a:solidFill>
-                <a:latin typeface="+mn-lt"/>
-                <a:ea typeface="+mn-ea"/>
-                <a:cs typeface="+mn-cs"/>
-              </a:defRPr>
-            </a:lvl3pPr>
-            <a:lvl4pPr marL="749808" indent="-182880" algn="l" defTabSz="914400" rtl="0" eaLnBrk="1" latinLnBrk="0" hangingPunct="1">
-              <a:lnSpc>
-                <a:spcPct val="100000"/>
-              </a:lnSpc>
-              <a:spcBef>
-                <a:spcPts val="200"/>
-              </a:spcBef>
-              <a:spcAft>
-                <a:spcPts val="400"/>
-              </a:spcAft>
-              <a:buClr>
-                <a:schemeClr val="accent1"/>
-              </a:buClr>
-              <a:buFont typeface="Wingdings" panose="05000000000000000000" pitchFamily="2" charset="2"/>
-              <a:buChar char="§"/>
-              <a:defRPr sz="1600" kern="1200">
-                <a:solidFill>
-                  <a:schemeClr val="tx1">
-                    <a:lumMod val="75000"/>
-                    <a:lumOff val="25000"/>
-                  </a:schemeClr>
-                </a:solidFill>
-                <a:latin typeface="+mn-lt"/>
-                <a:ea typeface="+mn-ea"/>
-                <a:cs typeface="+mn-cs"/>
-              </a:defRPr>
-            </a:lvl4pPr>
-            <a:lvl5pPr marL="932688" indent="-182880" algn="l" defTabSz="914400" rtl="0" eaLnBrk="1" latinLnBrk="0" hangingPunct="1">
-              <a:lnSpc>
-                <a:spcPct val="100000"/>
-              </a:lnSpc>
-              <a:spcBef>
-                <a:spcPts val="200"/>
-              </a:spcBef>
-              <a:spcAft>
-                <a:spcPts val="400"/>
-              </a:spcAft>
-              <a:buClr>
-                <a:schemeClr val="accent1"/>
-              </a:buClr>
-              <a:buFont typeface="Wingdings" panose="05000000000000000000" pitchFamily="2" charset="2"/>
-              <a:buChar char="§"/>
-              <a:defRPr sz="1600" kern="1200">
-                <a:solidFill>
-                  <a:schemeClr val="tx1">
-                    <a:lumMod val="75000"/>
-                    <a:lumOff val="25000"/>
-                  </a:schemeClr>
-                </a:solidFill>
-                <a:latin typeface="+mn-lt"/>
-                <a:ea typeface="+mn-ea"/>
-                <a:cs typeface="+mn-cs"/>
-              </a:defRPr>
-            </a:lvl5pPr>
-            <a:lvl6pPr marL="1100000" indent="-228600" algn="l" defTabSz="914400" rtl="0" eaLnBrk="1" latinLnBrk="0" hangingPunct="1">
-              <a:lnSpc>
-                <a:spcPct val="90000"/>
-              </a:lnSpc>
-              <a:spcBef>
-                <a:spcPts val="200"/>
-              </a:spcBef>
-              <a:spcAft>
-                <a:spcPts val="400"/>
-              </a:spcAft>
-              <a:buClr>
-                <a:schemeClr val="accent1"/>
-              </a:buClr>
-              <a:buFont typeface="Calibri" pitchFamily="34" charset="0"/>
-              <a:buChar char="◦"/>
-              <a:defRPr sz="1400" kern="1200">
-                <a:solidFill>
-                  <a:schemeClr val="tx1">
-                    <a:lumMod val="75000"/>
-                    <a:lumOff val="25000"/>
-                  </a:schemeClr>
-                </a:solidFill>
-                <a:latin typeface="+mn-lt"/>
-                <a:ea typeface="+mn-ea"/>
-                <a:cs typeface="+mn-cs"/>
-              </a:defRPr>
-            </a:lvl6pPr>
-            <a:lvl7pPr marL="1300000" indent="-228600" algn="l" defTabSz="914400" rtl="0" eaLnBrk="1" latinLnBrk="0" hangingPunct="1">
-              <a:lnSpc>
-                <a:spcPct val="90000"/>
-              </a:lnSpc>
-              <a:spcBef>
-                <a:spcPts val="200"/>
-              </a:spcBef>
-              <a:spcAft>
-                <a:spcPts val="400"/>
-              </a:spcAft>
-              <a:buClr>
-                <a:schemeClr val="accent1"/>
-              </a:buClr>
-              <a:buFont typeface="Calibri" pitchFamily="34" charset="0"/>
-              <a:buChar char="◦"/>
-              <a:defRPr sz="1400" kern="1200">
-                <a:solidFill>
-                  <a:schemeClr val="tx1">
-                    <a:lumMod val="75000"/>
-                    <a:lumOff val="25000"/>
-                  </a:schemeClr>
-                </a:solidFill>
-                <a:latin typeface="+mn-lt"/>
-                <a:ea typeface="+mn-ea"/>
-                <a:cs typeface="+mn-cs"/>
-              </a:defRPr>
-            </a:lvl7pPr>
-            <a:lvl8pPr marL="1500000" indent="-228600" algn="l" defTabSz="914400" rtl="0" eaLnBrk="1" latinLnBrk="0" hangingPunct="1">
-              <a:lnSpc>
-                <a:spcPct val="90000"/>
-              </a:lnSpc>
-              <a:spcBef>
-                <a:spcPts val="200"/>
-              </a:spcBef>
-              <a:spcAft>
-                <a:spcPts val="400"/>
-              </a:spcAft>
-              <a:buClr>
-                <a:schemeClr val="accent1"/>
-              </a:buClr>
-              <a:buFont typeface="Calibri" pitchFamily="34" charset="0"/>
-              <a:buChar char="◦"/>
-              <a:defRPr sz="1400" kern="1200">
-                <a:solidFill>
-                  <a:schemeClr val="tx1">
-                    <a:lumMod val="75000"/>
-                    <a:lumOff val="25000"/>
-                  </a:schemeClr>
-                </a:solidFill>
-                <a:latin typeface="+mn-lt"/>
-                <a:ea typeface="+mn-ea"/>
-                <a:cs typeface="+mn-cs"/>
-              </a:defRPr>
-            </a:lvl8pPr>
-            <a:lvl9pPr marL="1700000" indent="-228600" algn="l" defTabSz="914400" rtl="0" eaLnBrk="1" latinLnBrk="0" hangingPunct="1">
-              <a:lnSpc>
-                <a:spcPct val="90000"/>
-              </a:lnSpc>
-              <a:spcBef>
-                <a:spcPts val="200"/>
-              </a:spcBef>
-              <a:spcAft>
-                <a:spcPts val="400"/>
-              </a:spcAft>
-              <a:buClr>
-                <a:schemeClr val="accent1"/>
-              </a:buClr>
-              <a:buFont typeface="Calibri" pitchFamily="34" charset="0"/>
-              <a:buChar char="◦"/>
-              <a:defRPr sz="1400" kern="1200">
-                <a:solidFill>
-                  <a:schemeClr val="tx1">
-                    <a:lumMod val="75000"/>
-                    <a:lumOff val="25000"/>
-                  </a:schemeClr>
-                </a:solidFill>
-                <a:latin typeface="+mn-lt"/>
-                <a:ea typeface="+mn-ea"/>
-                <a:cs typeface="+mn-cs"/>
-              </a:defRPr>
-            </a:lvl9pPr>
-          </a:lstStyle>
-          <a:p>
-            <a:endParaRPr lang="it-IT" dirty="0">
-              <a:latin typeface="+mj-lt"/>
-            </a:endParaRPr>
-          </a:p>
-          <a:p>
-            <a:pPr marL="0" indent="0">
-              <a:buNone/>
-            </a:pPr>
-            <a:endParaRPr lang="it-IT" dirty="0">
-              <a:latin typeface="+mj-lt"/>
-            </a:endParaRPr>
-          </a:p>
-        </p:txBody>
-      </p:sp>
-      <p:sp>
-        <p:nvSpPr>
-          <p:cNvPr id="15" name="Titolo 4">
-            <a:extLst>
-              <a:ext uri="{FF2B5EF4-FFF2-40B4-BE49-F238E27FC236}">
-                <a16:creationId xmlns:a16="http://schemas.microsoft.com/office/drawing/2014/main" id="{EFBB75AF-4B31-098D-32F9-BC061358964E}"/>
-              </a:ext>
-            </a:extLst>
-          </p:cNvPr>
-          <p:cNvSpPr>
-            <a:spLocks noGrp="1"/>
-          </p:cNvSpPr>
-          <p:nvPr>
-            <p:ph type="title"/>
-          </p:nvPr>
-        </p:nvSpPr>
-        <p:spPr>
-          <a:xfrm>
-            <a:off x="590927" y="535936"/>
-            <a:ext cx="5505073" cy="700340"/>
-          </a:xfrm>
-        </p:spPr>
-        <p:txBody>
-          <a:bodyPr vert="horz" lIns="91440" tIns="45720" rIns="91440" bIns="45720" rtlCol="0" anchor="b">
-            <a:noAutofit/>
-          </a:bodyPr>
-          <a:lstStyle/>
-          <a:p>
-            <a:pPr rtl="0"/>
-            <a:r>
-              <a:rPr lang="it-IT" sz="4400" dirty="0">
-                <a:solidFill>
-                  <a:schemeClr val="tx1">
-                    <a:lumMod val="75000"/>
-                    <a:lumOff val="25000"/>
-                  </a:schemeClr>
-                </a:solidFill>
-              </a:rPr>
-              <a:t>Progettazione EAGLE</a:t>
-            </a:r>
-          </a:p>
-        </p:txBody>
-      </p:sp>
       <p:pic>
         <p:nvPicPr>
-          <p:cNvPr id="7" name="Immagine 6">
-            <a:extLst>
-              <a:ext uri="{FF2B5EF4-FFF2-40B4-BE49-F238E27FC236}">
-                <a16:creationId xmlns:a16="http://schemas.microsoft.com/office/drawing/2014/main" id="{09C4DB81-791B-F38E-49DB-4F7BC10DFC50}"/>
+          <p:cNvPr id="8" name="Immagine 7">
+            <a:extLst>
+              <a:ext uri="{FF2B5EF4-FFF2-40B4-BE49-F238E27FC236}">
+                <a16:creationId xmlns:a16="http://schemas.microsoft.com/office/drawing/2014/main" id="{E2EF6079-7084-0F49-C40F-EF9131ABA87F}"/>
               </a:ext>
             </a:extLst>
           </p:cNvPr>
@@ -10465,8 +10147,8 @@
         </p:blipFill>
         <p:spPr>
           <a:xfrm>
-            <a:off x="6620787" y="535936"/>
-            <a:ext cx="2931607" cy="3189016"/>
+            <a:off x="489327" y="1853937"/>
+            <a:ext cx="4908047" cy="3964972"/>
           </a:xfrm>
           <a:prstGeom prst="rect">
             <a:avLst/>
@@ -10478,7 +10160,7 @@
           <p:cNvPr id="9" name="Immagine 8">
             <a:extLst>
               <a:ext uri="{FF2B5EF4-FFF2-40B4-BE49-F238E27FC236}">
-                <a16:creationId xmlns:a16="http://schemas.microsoft.com/office/drawing/2014/main" id="{05E6C10F-2256-866E-B308-DCB5E2B4D8C0}"/>
+                <a16:creationId xmlns:a16="http://schemas.microsoft.com/office/drawing/2014/main" id="{9B0D2B96-4B08-4E18-9547-B5D89ABF202E}"/>
               </a:ext>
             </a:extLst>
           </p:cNvPr>
@@ -10495,12 +10177,17 @@
         </p:blipFill>
         <p:spPr>
           <a:xfrm>
-            <a:off x="590927" y="1346200"/>
-            <a:ext cx="5156395" cy="4165600"/>
+            <a:off x="7267333" y="1147356"/>
+            <a:ext cx="2931607" cy="3189016"/>
           </a:xfrm>
           <a:prstGeom prst="rect">
             <a:avLst/>
           </a:prstGeom>
+          <a:ln>
+            <a:solidFill>
+              <a:schemeClr val="tx1"/>
+            </a:solidFill>
+          </a:ln>
         </p:spPr>
       </p:pic>
       <p:sp>
@@ -10508,7 +10195,7 @@
           <p:cNvPr id="11" name="CasellaDiTesto 10">
             <a:extLst>
               <a:ext uri="{FF2B5EF4-FFF2-40B4-BE49-F238E27FC236}">
-                <a16:creationId xmlns:a16="http://schemas.microsoft.com/office/drawing/2014/main" id="{075B6128-6BF1-5C19-69FD-986FDD0E1EAF}"/>
+                <a16:creationId xmlns:a16="http://schemas.microsoft.com/office/drawing/2014/main" id="{5BB59F2E-F4BD-2822-8A62-64DE4C0BD049}"/>
               </a:ext>
             </a:extLst>
           </p:cNvPr>
@@ -10517,8 +10204,8 @@
         </p:nvSpPr>
         <p:spPr>
           <a:xfrm>
-            <a:off x="6377862" y="4193308"/>
-            <a:ext cx="5156395" cy="1754326"/>
+            <a:off x="5888905" y="4566422"/>
+            <a:ext cx="6096000" cy="1477328"/>
           </a:xfrm>
           <a:prstGeom prst="rect">
             <a:avLst/>
@@ -10526,7 +10213,7 @@
           <a:noFill/>
         </p:spPr>
         <p:txBody>
-          <a:bodyPr wrap="square" rtlCol="0">
+          <a:bodyPr wrap="square">
             <a:spAutoFit/>
           </a:bodyPr>
           <a:lstStyle/>
@@ -10549,7 +10236,7 @@
     </p:spTree>
     <p:extLst>
       <p:ext uri="{BB962C8B-B14F-4D97-AF65-F5344CB8AC3E}">
-        <p14:creationId xmlns:p14="http://schemas.microsoft.com/office/powerpoint/2010/main" val="3707205360"/>
+        <p14:creationId xmlns:p14="http://schemas.microsoft.com/office/powerpoint/2010/main" val="4178493264"/>
       </p:ext>
     </p:extLst>
   </p:cSld>
@@ -10683,31 +10370,52 @@
       </p:sp>
       <p:sp>
         <p:nvSpPr>
-          <p:cNvPr id="4" name="Segnaposto numero diapositiva 3">
-            <a:extLst>
-              <a:ext uri="{FF2B5EF4-FFF2-40B4-BE49-F238E27FC236}">
-                <a16:creationId xmlns:a16="http://schemas.microsoft.com/office/drawing/2014/main" id="{D6836A4F-B154-B895-BFEC-B25B907FB131}"/>
-              </a:ext>
-            </a:extLst>
-          </p:cNvPr>
-          <p:cNvSpPr>
-            <a:spLocks noGrp="1"/>
-          </p:cNvSpPr>
-          <p:nvPr>
-            <p:ph type="sldNum" sz="quarter" idx="12"/>
-          </p:nvPr>
-        </p:nvSpPr>
-        <p:spPr/>
-        <p:txBody>
-          <a:bodyPr/>
+          <p:cNvPr id="5" name="Connettore 4">
+            <a:extLst>
+              <a:ext uri="{FF2B5EF4-FFF2-40B4-BE49-F238E27FC236}">
+                <a16:creationId xmlns:a16="http://schemas.microsoft.com/office/drawing/2014/main" id="{E7CA83B9-4BE2-3B1E-FE9A-049AF54AB3D3}"/>
+              </a:ext>
+            </a:extLst>
+          </p:cNvPr>
+          <p:cNvSpPr/>
+          <p:nvPr/>
+        </p:nvSpPr>
+        <p:spPr>
+          <a:xfrm>
+            <a:off x="11455401" y="6273800"/>
+            <a:ext cx="512910" cy="470291"/>
+          </a:xfrm>
+          <a:prstGeom prst="flowChartConnector">
+            <a:avLst/>
+          </a:prstGeom>
+        </p:spPr>
+        <p:style>
+          <a:lnRef idx="2">
+            <a:schemeClr val="accent1">
+              <a:shade val="50000"/>
+            </a:schemeClr>
+          </a:lnRef>
+          <a:fillRef idx="1">
+            <a:schemeClr val="accent1"/>
+          </a:fillRef>
+          <a:effectRef idx="0">
+            <a:schemeClr val="accent1"/>
+          </a:effectRef>
+          <a:fontRef idx="minor">
+            <a:schemeClr val="lt1"/>
+          </a:fontRef>
+        </p:style>
+        <p:txBody>
+          <a:bodyPr rtlCol="0" anchor="ctr"/>
           <a:lstStyle/>
           <a:p>
-            <a:pPr rtl="0"/>
+            <a:pPr algn="ctr"/>
             <a:fld id="{3A98EE3D-8CD1-4C3F-BD1C-C98C9596463C}" type="slidenum">
-              <a:rPr lang="it-IT" noProof="0" smtClean="0"/>
+              <a:rPr lang="it-IT" sz="1200" b="1"/>
+              <a:pPr algn="ctr"/>
               <a:t>11</a:t>
             </a:fld>
-            <a:endParaRPr lang="it-IT" noProof="0" dirty="0"/>
+            <a:endParaRPr lang="it-IT" b="1" dirty="0"/>
           </a:p>
         </p:txBody>
       </p:sp>
@@ -10824,36 +10532,6 @@
       </p:pic>
       <p:sp>
         <p:nvSpPr>
-          <p:cNvPr id="4" name="Segnaposto numero diapositiva 3">
-            <a:extLst>
-              <a:ext uri="{FF2B5EF4-FFF2-40B4-BE49-F238E27FC236}">
-                <a16:creationId xmlns:a16="http://schemas.microsoft.com/office/drawing/2014/main" id="{67220717-04B8-32FF-3143-EDED0A47A177}"/>
-              </a:ext>
-            </a:extLst>
-          </p:cNvPr>
-          <p:cNvSpPr>
-            <a:spLocks noGrp="1"/>
-          </p:cNvSpPr>
-          <p:nvPr>
-            <p:ph type="sldNum" sz="quarter" idx="12"/>
-          </p:nvPr>
-        </p:nvSpPr>
-        <p:spPr/>
-        <p:txBody>
-          <a:bodyPr/>
-          <a:lstStyle/>
-          <a:p>
-            <a:pPr rtl="0"/>
-            <a:fld id="{3A98EE3D-8CD1-4C3F-BD1C-C98C9596463C}" type="slidenum">
-              <a:rPr lang="it-IT" noProof="0" smtClean="0"/>
-              <a:t>12</a:t>
-            </a:fld>
-            <a:endParaRPr lang="it-IT" noProof="0" dirty="0"/>
-          </a:p>
-        </p:txBody>
-      </p:sp>
-      <p:sp>
-        <p:nvSpPr>
           <p:cNvPr id="7" name="CasellaDiTesto 6">
             <a:extLst>
               <a:ext uri="{FF2B5EF4-FFF2-40B4-BE49-F238E27FC236}">
@@ -10909,6 +10587,57 @@
               <a:rPr lang="it-IT" dirty="0"/>
               <a:t>Abbiamo quindi aggiunto la tensione di alimentazione, il circuito di carica/scarica formato da R1 e R2, il condensatore di carica/scarica e il condensatore di controllo.</a:t>
             </a:r>
+          </a:p>
+        </p:txBody>
+      </p:sp>
+      <p:sp>
+        <p:nvSpPr>
+          <p:cNvPr id="8" name="Connettore 7">
+            <a:extLst>
+              <a:ext uri="{FF2B5EF4-FFF2-40B4-BE49-F238E27FC236}">
+                <a16:creationId xmlns:a16="http://schemas.microsoft.com/office/drawing/2014/main" id="{5DE75735-04F6-CCEA-7226-87D7EC9E27B8}"/>
+              </a:ext>
+            </a:extLst>
+          </p:cNvPr>
+          <p:cNvSpPr/>
+          <p:nvPr/>
+        </p:nvSpPr>
+        <p:spPr>
+          <a:xfrm>
+            <a:off x="11455401" y="6273800"/>
+            <a:ext cx="512910" cy="470291"/>
+          </a:xfrm>
+          <a:prstGeom prst="flowChartConnector">
+            <a:avLst/>
+          </a:prstGeom>
+        </p:spPr>
+        <p:style>
+          <a:lnRef idx="2">
+            <a:schemeClr val="accent1">
+              <a:shade val="50000"/>
+            </a:schemeClr>
+          </a:lnRef>
+          <a:fillRef idx="1">
+            <a:schemeClr val="accent1"/>
+          </a:fillRef>
+          <a:effectRef idx="0">
+            <a:schemeClr val="accent1"/>
+          </a:effectRef>
+          <a:fontRef idx="minor">
+            <a:schemeClr val="lt1"/>
+          </a:fontRef>
+        </p:style>
+        <p:txBody>
+          <a:bodyPr rtlCol="0" anchor="ctr"/>
+          <a:lstStyle/>
+          <a:p>
+            <a:pPr algn="ctr"/>
+            <a:fld id="{3A98EE3D-8CD1-4C3F-BD1C-C98C9596463C}" type="slidenum">
+              <a:rPr lang="it-IT" sz="1200" b="1"/>
+              <a:pPr algn="ctr"/>
+              <a:t>12</a:t>
+            </a:fld>
+            <a:endParaRPr lang="it-IT" b="1" dirty="0"/>
           </a:p>
         </p:txBody>
       </p:sp>
@@ -10983,36 +10712,6 @@
               <a:rPr lang="it-IT" dirty="0"/>
               <a:t>)</a:t>
             </a:r>
-          </a:p>
-        </p:txBody>
-      </p:sp>
-      <p:sp>
-        <p:nvSpPr>
-          <p:cNvPr id="4" name="Segnaposto numero diapositiva 3">
-            <a:extLst>
-              <a:ext uri="{FF2B5EF4-FFF2-40B4-BE49-F238E27FC236}">
-                <a16:creationId xmlns:a16="http://schemas.microsoft.com/office/drawing/2014/main" id="{FFE0FC92-F5FC-512E-D9E2-67DE2381E55B}"/>
-              </a:ext>
-            </a:extLst>
-          </p:cNvPr>
-          <p:cNvSpPr>
-            <a:spLocks noGrp="1"/>
-          </p:cNvSpPr>
-          <p:nvPr>
-            <p:ph type="sldNum" sz="quarter" idx="12"/>
-          </p:nvPr>
-        </p:nvSpPr>
-        <p:spPr/>
-        <p:txBody>
-          <a:bodyPr/>
-          <a:lstStyle/>
-          <a:p>
-            <a:pPr rtl="0"/>
-            <a:fld id="{3A98EE3D-8CD1-4C3F-BD1C-C98C9596463C}" type="slidenum">
-              <a:rPr lang="it-IT" noProof="0" smtClean="0"/>
-              <a:t>13</a:t>
-            </a:fld>
-            <a:endParaRPr lang="it-IT" noProof="0" dirty="0"/>
           </a:p>
         </p:txBody>
       </p:sp>
@@ -11561,6 +11260,57 @@
           </p:sp>
         </mc:Fallback>
       </mc:AlternateContent>
+      <p:sp>
+        <p:nvSpPr>
+          <p:cNvPr id="6" name="Connettore 5">
+            <a:extLst>
+              <a:ext uri="{FF2B5EF4-FFF2-40B4-BE49-F238E27FC236}">
+                <a16:creationId xmlns:a16="http://schemas.microsoft.com/office/drawing/2014/main" id="{E5012CF4-96D8-8F66-5BF0-722B03049630}"/>
+              </a:ext>
+            </a:extLst>
+          </p:cNvPr>
+          <p:cNvSpPr/>
+          <p:nvPr/>
+        </p:nvSpPr>
+        <p:spPr>
+          <a:xfrm>
+            <a:off x="11455401" y="6273800"/>
+            <a:ext cx="512910" cy="470291"/>
+          </a:xfrm>
+          <a:prstGeom prst="flowChartConnector">
+            <a:avLst/>
+          </a:prstGeom>
+        </p:spPr>
+        <p:style>
+          <a:lnRef idx="2">
+            <a:schemeClr val="accent1">
+              <a:shade val="50000"/>
+            </a:schemeClr>
+          </a:lnRef>
+          <a:fillRef idx="1">
+            <a:schemeClr val="accent1"/>
+          </a:fillRef>
+          <a:effectRef idx="0">
+            <a:schemeClr val="accent1"/>
+          </a:effectRef>
+          <a:fontRef idx="minor">
+            <a:schemeClr val="lt1"/>
+          </a:fontRef>
+        </p:style>
+        <p:txBody>
+          <a:bodyPr rtlCol="0" anchor="ctr"/>
+          <a:lstStyle/>
+          <a:p>
+            <a:pPr algn="ctr"/>
+            <a:fld id="{3A98EE3D-8CD1-4C3F-BD1C-C98C9596463C}" type="slidenum">
+              <a:rPr lang="it-IT" sz="1200" b="1"/>
+              <a:pPr algn="ctr"/>
+              <a:t>13</a:t>
+            </a:fld>
+            <a:endParaRPr lang="it-IT" b="1" dirty="0"/>
+          </a:p>
+        </p:txBody>
+      </p:sp>
     </p:spTree>
     <p:extLst>
       <p:ext uri="{BB962C8B-B14F-4D97-AF65-F5344CB8AC3E}">
@@ -11666,36 +11416,6 @@
       </p:pic>
       <p:sp>
         <p:nvSpPr>
-          <p:cNvPr id="4" name="Segnaposto numero diapositiva 3">
-            <a:extLst>
-              <a:ext uri="{FF2B5EF4-FFF2-40B4-BE49-F238E27FC236}">
-                <a16:creationId xmlns:a16="http://schemas.microsoft.com/office/drawing/2014/main" id="{5E79F8BD-FD9C-39CA-4949-0A6369B9039D}"/>
-              </a:ext>
-            </a:extLst>
-          </p:cNvPr>
-          <p:cNvSpPr>
-            <a:spLocks noGrp="1"/>
-          </p:cNvSpPr>
-          <p:nvPr>
-            <p:ph type="sldNum" sz="quarter" idx="12"/>
-          </p:nvPr>
-        </p:nvSpPr>
-        <p:spPr/>
-        <p:txBody>
-          <a:bodyPr/>
-          <a:lstStyle/>
-          <a:p>
-            <a:pPr rtl="0"/>
-            <a:fld id="{3A98EE3D-8CD1-4C3F-BD1C-C98C9596463C}" type="slidenum">
-              <a:rPr lang="it-IT" noProof="0" smtClean="0"/>
-              <a:t>14</a:t>
-            </a:fld>
-            <a:endParaRPr lang="it-IT" noProof="0" dirty="0"/>
-          </a:p>
-        </p:txBody>
-      </p:sp>
-      <p:sp>
-        <p:nvSpPr>
           <p:cNvPr id="9" name="CasellaDiTesto 8">
             <a:extLst>
               <a:ext uri="{FF2B5EF4-FFF2-40B4-BE49-F238E27FC236}">
@@ -11742,6 +11462,57 @@
               <a:rPr lang="it-IT" dirty="0"/>
               <a:t> minore del 50%, perché la costante di tempo di carica del condensatore non è più (R1+R2)*C, ma diventa R1 * C. Invece la costante di tempo di scarica del condensatore resta invariata.</a:t>
             </a:r>
+          </a:p>
+        </p:txBody>
+      </p:sp>
+      <p:sp>
+        <p:nvSpPr>
+          <p:cNvPr id="7" name="Connettore 6">
+            <a:extLst>
+              <a:ext uri="{FF2B5EF4-FFF2-40B4-BE49-F238E27FC236}">
+                <a16:creationId xmlns:a16="http://schemas.microsoft.com/office/drawing/2014/main" id="{A92CB217-233E-18AD-6332-24B14F23E417}"/>
+              </a:ext>
+            </a:extLst>
+          </p:cNvPr>
+          <p:cNvSpPr/>
+          <p:nvPr/>
+        </p:nvSpPr>
+        <p:spPr>
+          <a:xfrm>
+            <a:off x="11455401" y="6273800"/>
+            <a:ext cx="512910" cy="470291"/>
+          </a:xfrm>
+          <a:prstGeom prst="flowChartConnector">
+            <a:avLst/>
+          </a:prstGeom>
+        </p:spPr>
+        <p:style>
+          <a:lnRef idx="2">
+            <a:schemeClr val="accent1">
+              <a:shade val="50000"/>
+            </a:schemeClr>
+          </a:lnRef>
+          <a:fillRef idx="1">
+            <a:schemeClr val="accent1"/>
+          </a:fillRef>
+          <a:effectRef idx="0">
+            <a:schemeClr val="accent1"/>
+          </a:effectRef>
+          <a:fontRef idx="minor">
+            <a:schemeClr val="lt1"/>
+          </a:fontRef>
+        </p:style>
+        <p:txBody>
+          <a:bodyPr rtlCol="0" anchor="ctr"/>
+          <a:lstStyle/>
+          <a:p>
+            <a:pPr algn="ctr"/>
+            <a:fld id="{3A98EE3D-8CD1-4C3F-BD1C-C98C9596463C}" type="slidenum">
+              <a:rPr lang="it-IT" sz="1200" b="1"/>
+              <a:pPr algn="ctr"/>
+              <a:t>14</a:t>
+            </a:fld>
+            <a:endParaRPr lang="it-IT" b="1" dirty="0"/>
           </a:p>
         </p:txBody>
       </p:sp>
@@ -11808,36 +11579,6 @@
               <a:rPr lang="it-IT" dirty="0"/>
               <a:t>)</a:t>
             </a:r>
-          </a:p>
-        </p:txBody>
-      </p:sp>
-      <p:sp>
-        <p:nvSpPr>
-          <p:cNvPr id="4" name="Segnaposto numero diapositiva 3">
-            <a:extLst>
-              <a:ext uri="{FF2B5EF4-FFF2-40B4-BE49-F238E27FC236}">
-                <a16:creationId xmlns:a16="http://schemas.microsoft.com/office/drawing/2014/main" id="{7C941C42-2AC4-D829-B1ED-AA79EB251F7E}"/>
-              </a:ext>
-            </a:extLst>
-          </p:cNvPr>
-          <p:cNvSpPr>
-            <a:spLocks noGrp="1"/>
-          </p:cNvSpPr>
-          <p:nvPr>
-            <p:ph type="sldNum" sz="quarter" idx="12"/>
-          </p:nvPr>
-        </p:nvSpPr>
-        <p:spPr/>
-        <p:txBody>
-          <a:bodyPr/>
-          <a:lstStyle/>
-          <a:p>
-            <a:pPr rtl="0"/>
-            <a:fld id="{3A98EE3D-8CD1-4C3F-BD1C-C98C9596463C}" type="slidenum">
-              <a:rPr lang="it-IT" noProof="0" smtClean="0"/>
-              <a:t>15</a:t>
-            </a:fld>
-            <a:endParaRPr lang="it-IT" noProof="0" dirty="0"/>
           </a:p>
         </p:txBody>
       </p:sp>
@@ -12264,6 +12005,57 @@
           </p:sp>
         </mc:Fallback>
       </mc:AlternateContent>
+      <p:sp>
+        <p:nvSpPr>
+          <p:cNvPr id="6" name="Connettore 5">
+            <a:extLst>
+              <a:ext uri="{FF2B5EF4-FFF2-40B4-BE49-F238E27FC236}">
+                <a16:creationId xmlns:a16="http://schemas.microsoft.com/office/drawing/2014/main" id="{0CC57EF4-5703-6407-B9B4-1AC943CCFB73}"/>
+              </a:ext>
+            </a:extLst>
+          </p:cNvPr>
+          <p:cNvSpPr/>
+          <p:nvPr/>
+        </p:nvSpPr>
+        <p:spPr>
+          <a:xfrm>
+            <a:off x="11455401" y="6273800"/>
+            <a:ext cx="512910" cy="470291"/>
+          </a:xfrm>
+          <a:prstGeom prst="flowChartConnector">
+            <a:avLst/>
+          </a:prstGeom>
+        </p:spPr>
+        <p:style>
+          <a:lnRef idx="2">
+            <a:schemeClr val="accent1">
+              <a:shade val="50000"/>
+            </a:schemeClr>
+          </a:lnRef>
+          <a:fillRef idx="1">
+            <a:schemeClr val="accent1"/>
+          </a:fillRef>
+          <a:effectRef idx="0">
+            <a:schemeClr val="accent1"/>
+          </a:effectRef>
+          <a:fontRef idx="minor">
+            <a:schemeClr val="lt1"/>
+          </a:fontRef>
+        </p:style>
+        <p:txBody>
+          <a:bodyPr rtlCol="0" anchor="ctr"/>
+          <a:lstStyle/>
+          <a:p>
+            <a:pPr algn="ctr"/>
+            <a:fld id="{3A98EE3D-8CD1-4C3F-BD1C-C98C9596463C}" type="slidenum">
+              <a:rPr lang="it-IT" sz="1200" b="1"/>
+              <a:pPr algn="ctr"/>
+              <a:t>15</a:t>
+            </a:fld>
+            <a:endParaRPr lang="it-IT" b="1" dirty="0"/>
+          </a:p>
+        </p:txBody>
+      </p:sp>
     </p:spTree>
     <p:extLst>
       <p:ext uri="{BB962C8B-B14F-4D97-AF65-F5344CB8AC3E}">
@@ -12330,36 +12122,6 @@
           </a:p>
         </p:txBody>
       </p:sp>
-      <p:sp>
-        <p:nvSpPr>
-          <p:cNvPr id="4" name="Segnaposto numero diapositiva 3">
-            <a:extLst>
-              <a:ext uri="{FF2B5EF4-FFF2-40B4-BE49-F238E27FC236}">
-                <a16:creationId xmlns:a16="http://schemas.microsoft.com/office/drawing/2014/main" id="{CD797D4C-2717-EA5F-818B-33A373550D8C}"/>
-              </a:ext>
-            </a:extLst>
-          </p:cNvPr>
-          <p:cNvSpPr>
-            <a:spLocks noGrp="1"/>
-          </p:cNvSpPr>
-          <p:nvPr>
-            <p:ph type="sldNum" sz="quarter" idx="12"/>
-          </p:nvPr>
-        </p:nvSpPr>
-        <p:spPr/>
-        <p:txBody>
-          <a:bodyPr/>
-          <a:lstStyle/>
-          <a:p>
-            <a:pPr rtl="0"/>
-            <a:fld id="{3A98EE3D-8CD1-4C3F-BD1C-C98C9596463C}" type="slidenum">
-              <a:rPr lang="it-IT" noProof="0" smtClean="0"/>
-              <a:t>16</a:t>
-            </a:fld>
-            <a:endParaRPr lang="it-IT" noProof="0" dirty="0"/>
-          </a:p>
-        </p:txBody>
-      </p:sp>
       <p:pic>
         <p:nvPicPr>
           <p:cNvPr id="12" name="Segnaposto contenuto 11">
@@ -12387,8 +12149,64 @@
             <a:off x="3054772" y="1872218"/>
             <a:ext cx="6082455" cy="4574620"/>
           </a:xfrm>
+          <a:ln>
+            <a:solidFill>
+              <a:schemeClr val="tx1"/>
+            </a:solidFill>
+          </a:ln>
         </p:spPr>
       </p:pic>
+      <p:sp>
+        <p:nvSpPr>
+          <p:cNvPr id="5" name="Connettore 4">
+            <a:extLst>
+              <a:ext uri="{FF2B5EF4-FFF2-40B4-BE49-F238E27FC236}">
+                <a16:creationId xmlns:a16="http://schemas.microsoft.com/office/drawing/2014/main" id="{B94B3D59-3B2A-0B13-AFA2-D3EB5835ADFA}"/>
+              </a:ext>
+            </a:extLst>
+          </p:cNvPr>
+          <p:cNvSpPr/>
+          <p:nvPr/>
+        </p:nvSpPr>
+        <p:spPr>
+          <a:xfrm>
+            <a:off x="11455401" y="6273800"/>
+            <a:ext cx="512910" cy="470291"/>
+          </a:xfrm>
+          <a:prstGeom prst="flowChartConnector">
+            <a:avLst/>
+          </a:prstGeom>
+        </p:spPr>
+        <p:style>
+          <a:lnRef idx="2">
+            <a:schemeClr val="accent1">
+              <a:shade val="50000"/>
+            </a:schemeClr>
+          </a:lnRef>
+          <a:fillRef idx="1">
+            <a:schemeClr val="accent1"/>
+          </a:fillRef>
+          <a:effectRef idx="0">
+            <a:schemeClr val="accent1"/>
+          </a:effectRef>
+          <a:fontRef idx="minor">
+            <a:schemeClr val="lt1"/>
+          </a:fontRef>
+        </p:style>
+        <p:txBody>
+          <a:bodyPr rtlCol="0" anchor="ctr"/>
+          <a:lstStyle/>
+          <a:p>
+            <a:pPr algn="ctr"/>
+            <a:fld id="{3A98EE3D-8CD1-4C3F-BD1C-C98C9596463C}" type="slidenum">
+              <a:rPr lang="it-IT" sz="1200" b="1"/>
+              <a:pPr algn="ctr"/>
+              <a:t>16</a:t>
+            </a:fld>
+            <a:endParaRPr lang="it-IT" b="1" dirty="0"/>
+          </a:p>
+        </p:txBody>
+      </p:sp>
     </p:spTree>
     <p:extLst>
       <p:ext uri="{BB962C8B-B14F-4D97-AF65-F5344CB8AC3E}">
@@ -12486,36 +12304,6 @@
       </p:pic>
       <p:sp>
         <p:nvSpPr>
-          <p:cNvPr id="4" name="Segnaposto numero diapositiva 3">
-            <a:extLst>
-              <a:ext uri="{FF2B5EF4-FFF2-40B4-BE49-F238E27FC236}">
-                <a16:creationId xmlns:a16="http://schemas.microsoft.com/office/drawing/2014/main" id="{7A733696-EF38-010D-2794-209C7D8D1B7F}"/>
-              </a:ext>
-            </a:extLst>
-          </p:cNvPr>
-          <p:cNvSpPr>
-            <a:spLocks noGrp="1"/>
-          </p:cNvSpPr>
-          <p:nvPr>
-            <p:ph type="sldNum" sz="quarter" idx="12"/>
-          </p:nvPr>
-        </p:nvSpPr>
-        <p:spPr/>
-        <p:txBody>
-          <a:bodyPr/>
-          <a:lstStyle/>
-          <a:p>
-            <a:pPr rtl="0"/>
-            <a:fld id="{3A98EE3D-8CD1-4C3F-BD1C-C98C9596463C}" type="slidenum">
-              <a:rPr lang="it-IT" noProof="0" smtClean="0"/>
-              <a:t>17</a:t>
-            </a:fld>
-            <a:endParaRPr lang="it-IT" noProof="0" dirty="0"/>
-          </a:p>
-        </p:txBody>
-      </p:sp>
-      <p:sp>
-        <p:nvSpPr>
           <p:cNvPr id="7" name="CasellaDiTesto 6">
             <a:extLst>
               <a:ext uri="{FF2B5EF4-FFF2-40B4-BE49-F238E27FC236}">
@@ -12550,6 +12338,57 @@
               <a:rPr lang="it-IT" dirty="0"/>
               <a:t>Senza piano di massa</a:t>
             </a:r>
+          </a:p>
+        </p:txBody>
+      </p:sp>
+      <p:sp>
+        <p:nvSpPr>
+          <p:cNvPr id="8" name="Connettore 7">
+            <a:extLst>
+              <a:ext uri="{FF2B5EF4-FFF2-40B4-BE49-F238E27FC236}">
+                <a16:creationId xmlns:a16="http://schemas.microsoft.com/office/drawing/2014/main" id="{8DBD4D91-F076-C641-048C-65DACE982D32}"/>
+              </a:ext>
+            </a:extLst>
+          </p:cNvPr>
+          <p:cNvSpPr/>
+          <p:nvPr/>
+        </p:nvSpPr>
+        <p:spPr>
+          <a:xfrm>
+            <a:off x="11455401" y="6273800"/>
+            <a:ext cx="512910" cy="470291"/>
+          </a:xfrm>
+          <a:prstGeom prst="flowChartConnector">
+            <a:avLst/>
+          </a:prstGeom>
+        </p:spPr>
+        <p:style>
+          <a:lnRef idx="2">
+            <a:schemeClr val="accent1">
+              <a:shade val="50000"/>
+            </a:schemeClr>
+          </a:lnRef>
+          <a:fillRef idx="1">
+            <a:schemeClr val="accent1"/>
+          </a:fillRef>
+          <a:effectRef idx="0">
+            <a:schemeClr val="accent1"/>
+          </a:effectRef>
+          <a:fontRef idx="minor">
+            <a:schemeClr val="lt1"/>
+          </a:fontRef>
+        </p:style>
+        <p:txBody>
+          <a:bodyPr rtlCol="0" anchor="ctr"/>
+          <a:lstStyle/>
+          <a:p>
+            <a:pPr algn="ctr"/>
+            <a:fld id="{3A98EE3D-8CD1-4C3F-BD1C-C98C9596463C}" type="slidenum">
+              <a:rPr lang="it-IT" sz="1200" b="1"/>
+              <a:pPr algn="ctr"/>
+              <a:t>17</a:t>
+            </a:fld>
+            <a:endParaRPr lang="it-IT" b="1" dirty="0"/>
           </a:p>
         </p:txBody>
       </p:sp>
@@ -12650,36 +12489,6 @@
       </p:pic>
       <p:sp>
         <p:nvSpPr>
-          <p:cNvPr id="4" name="Segnaposto numero diapositiva 3">
-            <a:extLst>
-              <a:ext uri="{FF2B5EF4-FFF2-40B4-BE49-F238E27FC236}">
-                <a16:creationId xmlns:a16="http://schemas.microsoft.com/office/drawing/2014/main" id="{5D221D54-C958-49AE-2803-8BA88E9B78C5}"/>
-              </a:ext>
-            </a:extLst>
-          </p:cNvPr>
-          <p:cNvSpPr>
-            <a:spLocks noGrp="1"/>
-          </p:cNvSpPr>
-          <p:nvPr>
-            <p:ph type="sldNum" sz="quarter" idx="12"/>
-          </p:nvPr>
-        </p:nvSpPr>
-        <p:spPr/>
-        <p:txBody>
-          <a:bodyPr/>
-          <a:lstStyle/>
-          <a:p>
-            <a:pPr rtl="0"/>
-            <a:fld id="{3A98EE3D-8CD1-4C3F-BD1C-C98C9596463C}" type="slidenum">
-              <a:rPr lang="it-IT" noProof="0" smtClean="0"/>
-              <a:t>18</a:t>
-            </a:fld>
-            <a:endParaRPr lang="it-IT" noProof="0" dirty="0"/>
-          </a:p>
-        </p:txBody>
-      </p:sp>
-      <p:sp>
-        <p:nvSpPr>
           <p:cNvPr id="7" name="CasellaDiTesto 6">
             <a:extLst>
               <a:ext uri="{FF2B5EF4-FFF2-40B4-BE49-F238E27FC236}">
@@ -12722,6 +12531,57 @@
               <a:rPr lang="it-IT" dirty="0"/>
               <a:t> 1</a:t>
             </a:r>
+          </a:p>
+        </p:txBody>
+      </p:sp>
+      <p:sp>
+        <p:nvSpPr>
+          <p:cNvPr id="8" name="Connettore 7">
+            <a:extLst>
+              <a:ext uri="{FF2B5EF4-FFF2-40B4-BE49-F238E27FC236}">
+                <a16:creationId xmlns:a16="http://schemas.microsoft.com/office/drawing/2014/main" id="{35D745B8-A438-4183-7319-2F2A9589F7BD}"/>
+              </a:ext>
+            </a:extLst>
+          </p:cNvPr>
+          <p:cNvSpPr/>
+          <p:nvPr/>
+        </p:nvSpPr>
+        <p:spPr>
+          <a:xfrm>
+            <a:off x="11455401" y="6273800"/>
+            <a:ext cx="512910" cy="470291"/>
+          </a:xfrm>
+          <a:prstGeom prst="flowChartConnector">
+            <a:avLst/>
+          </a:prstGeom>
+        </p:spPr>
+        <p:style>
+          <a:lnRef idx="2">
+            <a:schemeClr val="accent1">
+              <a:shade val="50000"/>
+            </a:schemeClr>
+          </a:lnRef>
+          <a:fillRef idx="1">
+            <a:schemeClr val="accent1"/>
+          </a:fillRef>
+          <a:effectRef idx="0">
+            <a:schemeClr val="accent1"/>
+          </a:effectRef>
+          <a:fontRef idx="minor">
+            <a:schemeClr val="lt1"/>
+          </a:fontRef>
+        </p:style>
+        <p:txBody>
+          <a:bodyPr rtlCol="0" anchor="ctr"/>
+          <a:lstStyle/>
+          <a:p>
+            <a:pPr algn="ctr"/>
+            <a:fld id="{3A98EE3D-8CD1-4C3F-BD1C-C98C9596463C}" type="slidenum">
+              <a:rPr lang="it-IT" sz="1200" b="1"/>
+              <a:pPr algn="ctr"/>
+              <a:t>18</a:t>
+            </a:fld>
+            <a:endParaRPr lang="it-IT" b="1" dirty="0"/>
           </a:p>
         </p:txBody>
       </p:sp>
@@ -12822,36 +12682,6 @@
       </p:pic>
       <p:sp>
         <p:nvSpPr>
-          <p:cNvPr id="4" name="Segnaposto numero diapositiva 3">
-            <a:extLst>
-              <a:ext uri="{FF2B5EF4-FFF2-40B4-BE49-F238E27FC236}">
-                <a16:creationId xmlns:a16="http://schemas.microsoft.com/office/drawing/2014/main" id="{9D6E2B31-9461-C7F0-8634-62EB075256AB}"/>
-              </a:ext>
-            </a:extLst>
-          </p:cNvPr>
-          <p:cNvSpPr>
-            <a:spLocks noGrp="1"/>
-          </p:cNvSpPr>
-          <p:nvPr>
-            <p:ph type="sldNum" sz="quarter" idx="12"/>
-          </p:nvPr>
-        </p:nvSpPr>
-        <p:spPr/>
-        <p:txBody>
-          <a:bodyPr/>
-          <a:lstStyle/>
-          <a:p>
-            <a:pPr rtl="0"/>
-            <a:fld id="{3A98EE3D-8CD1-4C3F-BD1C-C98C9596463C}" type="slidenum">
-              <a:rPr lang="it-IT" noProof="0" smtClean="0"/>
-              <a:t>19</a:t>
-            </a:fld>
-            <a:endParaRPr lang="it-IT" noProof="0" dirty="0"/>
-          </a:p>
-        </p:txBody>
-      </p:sp>
-      <p:sp>
-        <p:nvSpPr>
           <p:cNvPr id="7" name="CasellaDiTesto 6">
             <a:extLst>
               <a:ext uri="{FF2B5EF4-FFF2-40B4-BE49-F238E27FC236}">
@@ -12894,6 +12724,57 @@
               <a:rPr lang="it-IT" dirty="0"/>
               <a:t> 16</a:t>
             </a:r>
+          </a:p>
+        </p:txBody>
+      </p:sp>
+      <p:sp>
+        <p:nvSpPr>
+          <p:cNvPr id="8" name="Connettore 7">
+            <a:extLst>
+              <a:ext uri="{FF2B5EF4-FFF2-40B4-BE49-F238E27FC236}">
+                <a16:creationId xmlns:a16="http://schemas.microsoft.com/office/drawing/2014/main" id="{22ADBDE1-A2B3-48E6-C664-0431A847B813}"/>
+              </a:ext>
+            </a:extLst>
+          </p:cNvPr>
+          <p:cNvSpPr/>
+          <p:nvPr/>
+        </p:nvSpPr>
+        <p:spPr>
+          <a:xfrm>
+            <a:off x="11455401" y="6273800"/>
+            <a:ext cx="512910" cy="470291"/>
+          </a:xfrm>
+          <a:prstGeom prst="flowChartConnector">
+            <a:avLst/>
+          </a:prstGeom>
+        </p:spPr>
+        <p:style>
+          <a:lnRef idx="2">
+            <a:schemeClr val="accent1">
+              <a:shade val="50000"/>
+            </a:schemeClr>
+          </a:lnRef>
+          <a:fillRef idx="1">
+            <a:schemeClr val="accent1"/>
+          </a:fillRef>
+          <a:effectRef idx="0">
+            <a:schemeClr val="accent1"/>
+          </a:effectRef>
+          <a:fontRef idx="minor">
+            <a:schemeClr val="lt1"/>
+          </a:fontRef>
+        </p:style>
+        <p:txBody>
+          <a:bodyPr rtlCol="0" anchor="ctr"/>
+          <a:lstStyle/>
+          <a:p>
+            <a:pPr algn="ctr"/>
+            <a:fld id="{3A98EE3D-8CD1-4C3F-BD1C-C98C9596463C}" type="slidenum">
+              <a:rPr lang="it-IT" sz="1200" b="1"/>
+              <a:pPr algn="ctr"/>
+              <a:t>19</a:t>
+            </a:fld>
+            <a:endParaRPr lang="it-IT" b="1" dirty="0"/>
           </a:p>
         </p:txBody>
       </p:sp>
@@ -12975,103 +12856,35 @@
         <p:spPr>
           <a:xfrm>
             <a:off x="6518529" y="46037"/>
-            <a:ext cx="4654296" cy="6227763"/>
+            <a:ext cx="5294780" cy="6227763"/>
           </a:xfrm>
         </p:spPr>
         <p:txBody>
           <a:bodyPr rtlCol="0">
-            <a:normAutofit/>
+            <a:normAutofit lnSpcReduction="10000"/>
           </a:bodyPr>
           <a:lstStyle/>
           <a:p>
             <a:pPr rtl="0"/>
             <a:r>
-              <a:rPr lang="it-IT" dirty="0"/>
+              <a:rPr lang="it-IT" dirty="0">
+                <a:hlinkClick r:id="rId3" action="ppaction://hlinksldjump"/>
+              </a:rPr>
               <a:t>RC </a:t>
             </a:r>
             <a:r>
-              <a:rPr lang="it-IT" dirty="0" err="1"/>
+              <a:rPr lang="it-IT" dirty="0" err="1">
+                <a:hlinkClick r:id="rId3" action="ppaction://hlinksldjump"/>
+              </a:rPr>
               <a:t>oscillator</a:t>
             </a:r>
+            <a:r>
+              <a:rPr lang="it-IT" dirty="0">
+                <a:hlinkClick r:id="rId3" action="ppaction://hlinksldjump"/>
+              </a:rPr>
+              <a:t> and integrator (LP filter)</a:t>
+            </a:r>
             <a:endParaRPr lang="it-IT" dirty="0"/>
-          </a:p>
-          <a:p>
-            <a:pPr rtl="0"/>
-            <a:r>
-              <a:rPr lang="it-IT" dirty="0"/>
-              <a:t>RC </a:t>
-            </a:r>
-            <a:r>
-              <a:rPr lang="it-IT" dirty="0" err="1"/>
-              <a:t>oscillator</a:t>
-            </a:r>
-            <a:r>
-              <a:rPr lang="it-IT" dirty="0"/>
-              <a:t> with integrator</a:t>
-            </a:r>
-          </a:p>
-          <a:p>
-            <a:pPr rtl="0"/>
-            <a:r>
-              <a:rPr lang="it-IT" dirty="0"/>
-              <a:t>555 </a:t>
-            </a:r>
-            <a:r>
-              <a:rPr lang="it-IT" dirty="0" err="1"/>
-              <a:t>Astable</a:t>
-            </a:r>
-            <a:r>
-              <a:rPr lang="it-IT" dirty="0"/>
-              <a:t> mode low duty </a:t>
-            </a:r>
-            <a:r>
-              <a:rPr lang="it-IT" dirty="0" err="1"/>
-              <a:t>cicle</a:t>
-            </a:r>
-            <a:endParaRPr lang="it-IT" dirty="0"/>
-          </a:p>
-          <a:p>
-            <a:pPr rtl="0"/>
-            <a:r>
-              <a:rPr lang="it-IT" dirty="0"/>
-              <a:t>Timer 555 </a:t>
-            </a:r>
-            <a:r>
-              <a:rPr lang="it-IT" dirty="0" err="1"/>
-              <a:t>Astable</a:t>
-            </a:r>
-            <a:endParaRPr lang="it-IT" dirty="0"/>
-          </a:p>
-          <a:p>
-            <a:pPr lvl="1"/>
-            <a:r>
-              <a:rPr lang="it-IT" dirty="0"/>
-              <a:t>Schema </a:t>
-            </a:r>
-            <a:r>
-              <a:rPr lang="it-IT" dirty="0" err="1"/>
-              <a:t>LTSpice</a:t>
-            </a:r>
-            <a:r>
-              <a:rPr lang="it-IT" dirty="0"/>
-              <a:t> (</a:t>
-            </a:r>
-            <a:r>
-              <a:rPr lang="it-IT" dirty="0" err="1"/>
-              <a:t>Normal</a:t>
-            </a:r>
-            <a:r>
-              <a:rPr lang="it-IT" dirty="0"/>
-              <a:t> Duty </a:t>
-            </a:r>
-            <a:r>
-              <a:rPr lang="it-IT" dirty="0" err="1"/>
-              <a:t>Cycle</a:t>
-            </a:r>
-            <a:r>
-              <a:rPr lang="it-IT" dirty="0"/>
-              <a:t>)</a:t>
-            </a:r>
           </a:p>
           <a:p>
             <a:pPr lvl="1"/>
@@ -13083,25 +12896,24 @@
           <a:p>
             <a:pPr lvl="1"/>
             <a:r>
-              <a:rPr lang="it-IT" dirty="0"/>
-              <a:t>Schema </a:t>
-            </a:r>
-            <a:r>
-              <a:rPr lang="it-IT" dirty="0" err="1"/>
-              <a:t>LTSpice</a:t>
-            </a:r>
-            <a:r>
-              <a:rPr lang="it-IT" dirty="0"/>
-              <a:t> (Low Duty </a:t>
-            </a:r>
-            <a:r>
-              <a:rPr lang="it-IT" dirty="0" err="1"/>
-              <a:t>Cycle</a:t>
-            </a:r>
-            <a:r>
-              <a:rPr lang="it-IT" dirty="0"/>
-              <a:t>)</a:t>
-            </a:r>
+              <a:rPr lang="it-IT" dirty="0">
+                <a:hlinkClick r:id="rId4" action="ppaction://hlinksldjump"/>
+              </a:rPr>
+              <a:t>RC </a:t>
+            </a:r>
+            <a:r>
+              <a:rPr lang="it-IT" dirty="0" err="1">
+                <a:hlinkClick r:id="rId4" action="ppaction://hlinksldjump"/>
+              </a:rPr>
+              <a:t>oscillator</a:t>
+            </a:r>
+            <a:r>
+              <a:rPr lang="it-IT" dirty="0">
+                <a:hlinkClick r:id="rId4" action="ppaction://hlinksldjump"/>
+              </a:rPr>
+              <a:t> with AD8627</a:t>
+            </a:r>
+            <a:endParaRPr lang="it-IT" dirty="0"/>
           </a:p>
           <a:p>
             <a:pPr lvl="1"/>
@@ -13113,39 +12925,168 @@
           <a:p>
             <a:pPr lvl="1"/>
             <a:r>
+              <a:rPr lang="it-IT" dirty="0">
+                <a:hlinkClick r:id="rId5" action="ppaction://hlinksldjump"/>
+              </a:rPr>
+              <a:t>Considerazioni finali</a:t>
+            </a:r>
+            <a:endParaRPr lang="it-IT" dirty="0"/>
+          </a:p>
+          <a:p>
+            <a:pPr lvl="1"/>
+            <a:r>
+              <a:rPr lang="it-IT" dirty="0">
+                <a:hlinkClick r:id="rId6" action="ppaction://hlinksldjump"/>
+              </a:rPr>
+              <a:t>EAGLE: schema e board</a:t>
+            </a:r>
+            <a:endParaRPr lang="it-IT" dirty="0"/>
+          </a:p>
+          <a:p>
+            <a:pPr rtl="0"/>
+            <a:r>
+              <a:rPr lang="it-IT" dirty="0">
+                <a:hlinkClick r:id="rId7" action="ppaction://hlinksldjump"/>
+              </a:rPr>
+              <a:t>Timer 555 </a:t>
+            </a:r>
+            <a:r>
+              <a:rPr lang="it-IT" dirty="0" err="1">
+                <a:hlinkClick r:id="rId7" action="ppaction://hlinksldjump"/>
+              </a:rPr>
+              <a:t>Astable</a:t>
+            </a:r>
+            <a:endParaRPr lang="it-IT" dirty="0"/>
+          </a:p>
+          <a:p>
+            <a:pPr lvl="1"/>
+            <a:r>
+              <a:rPr lang="it-IT" dirty="0">
+                <a:hlinkClick r:id="rId8" action="ppaction://hlinksldjump"/>
+              </a:rPr>
+              <a:t>Schema </a:t>
+            </a:r>
+            <a:r>
+              <a:rPr lang="it-IT" dirty="0" err="1">
+                <a:hlinkClick r:id="rId8" action="ppaction://hlinksldjump"/>
+              </a:rPr>
+              <a:t>LTSpice</a:t>
+            </a:r>
+            <a:r>
+              <a:rPr lang="it-IT" dirty="0">
+                <a:hlinkClick r:id="rId8" action="ppaction://hlinksldjump"/>
+              </a:rPr>
+              <a:t> (</a:t>
+            </a:r>
+            <a:r>
+              <a:rPr lang="it-IT" dirty="0" err="1">
+                <a:hlinkClick r:id="rId8" action="ppaction://hlinksldjump"/>
+              </a:rPr>
+              <a:t>Normal</a:t>
+            </a:r>
+            <a:r>
+              <a:rPr lang="it-IT" dirty="0">
+                <a:hlinkClick r:id="rId8" action="ppaction://hlinksldjump"/>
+              </a:rPr>
+              <a:t> Duty </a:t>
+            </a:r>
+            <a:r>
+              <a:rPr lang="it-IT" dirty="0" err="1">
+                <a:hlinkClick r:id="rId8" action="ppaction://hlinksldjump"/>
+              </a:rPr>
+              <a:t>Cycle</a:t>
+            </a:r>
+            <a:r>
+              <a:rPr lang="it-IT" dirty="0">
+                <a:hlinkClick r:id="rId8" action="ppaction://hlinksldjump"/>
+              </a:rPr>
+              <a:t>)</a:t>
+            </a:r>
+            <a:endParaRPr lang="it-IT" dirty="0"/>
+          </a:p>
+          <a:p>
+            <a:pPr lvl="1"/>
+            <a:r>
               <a:rPr lang="it-IT" dirty="0"/>
+              <a:t>Grafici e risultati</a:t>
+            </a:r>
+          </a:p>
+          <a:p>
+            <a:pPr lvl="1"/>
+            <a:r>
+              <a:rPr lang="it-IT" dirty="0">
+                <a:hlinkClick r:id="rId9" action="ppaction://hlinksldjump"/>
+              </a:rPr>
+              <a:t>Schema </a:t>
+            </a:r>
+            <a:r>
+              <a:rPr lang="it-IT" dirty="0" err="1">
+                <a:hlinkClick r:id="rId9" action="ppaction://hlinksldjump"/>
+              </a:rPr>
+              <a:t>LTSpice</a:t>
+            </a:r>
+            <a:r>
+              <a:rPr lang="it-IT" dirty="0">
+                <a:hlinkClick r:id="rId9" action="ppaction://hlinksldjump"/>
+              </a:rPr>
+              <a:t> (Low Duty </a:t>
+            </a:r>
+            <a:r>
+              <a:rPr lang="it-IT" dirty="0" err="1">
+                <a:hlinkClick r:id="rId9" action="ppaction://hlinksldjump"/>
+              </a:rPr>
+              <a:t>Cycle</a:t>
+            </a:r>
+            <a:r>
+              <a:rPr lang="it-IT" dirty="0">
+                <a:hlinkClick r:id="rId9" action="ppaction://hlinksldjump"/>
+              </a:rPr>
+              <a:t>)</a:t>
+            </a:r>
+            <a:endParaRPr lang="it-IT" dirty="0"/>
+          </a:p>
+          <a:p>
+            <a:pPr lvl="1"/>
+            <a:r>
+              <a:rPr lang="it-IT" dirty="0"/>
+              <a:t>Grafici e risultati</a:t>
+            </a:r>
+          </a:p>
+          <a:p>
+            <a:pPr lvl="1"/>
+            <a:r>
+              <a:rPr lang="it-IT" dirty="0">
+                <a:hlinkClick r:id="rId10" action="ppaction://hlinksldjump"/>
+              </a:rPr>
               <a:t>EAGLE: schema e board (Low Duty </a:t>
             </a:r>
             <a:r>
-              <a:rPr lang="it-IT" dirty="0" err="1"/>
+              <a:rPr lang="it-IT" dirty="0" err="1">
+                <a:hlinkClick r:id="rId10" action="ppaction://hlinksldjump"/>
+              </a:rPr>
               <a:t>Cycle</a:t>
             </a:r>
             <a:r>
-              <a:rPr lang="it-IT" dirty="0"/>
+              <a:rPr lang="it-IT" dirty="0">
+                <a:hlinkClick r:id="rId10" action="ppaction://hlinksldjump"/>
+              </a:rPr>
               <a:t>)</a:t>
             </a:r>
+            <a:endParaRPr lang="it-IT" dirty="0"/>
           </a:p>
           <a:p>
             <a:pPr rtl="0"/>
             <a:r>
-              <a:rPr lang="it-IT" dirty="0"/>
+              <a:rPr lang="it-IT" dirty="0">
+                <a:hlinkClick r:id="rId11" action="ppaction://hlinksldjump"/>
+              </a:rPr>
               <a:t>Hartley LC </a:t>
             </a:r>
             <a:r>
-              <a:rPr lang="it-IT" dirty="0" err="1"/>
+              <a:rPr lang="it-IT" dirty="0" err="1">
+                <a:hlinkClick r:id="rId11" action="ppaction://hlinksldjump"/>
+              </a:rPr>
               <a:t>Oscillator</a:t>
-            </a:r>
-            <a:endParaRPr lang="it-IT" dirty="0"/>
-          </a:p>
-          <a:p>
-            <a:pPr lvl="1"/>
-            <a:r>
-              <a:rPr lang="it-IT" dirty="0"/>
-              <a:t>Schema </a:t>
-            </a:r>
-            <a:r>
-              <a:rPr lang="it-IT" dirty="0" err="1"/>
-              <a:t>LTSpice</a:t>
             </a:r>
             <a:endParaRPr lang="it-IT" dirty="0"/>
           </a:p>
@@ -13159,8 +13100,18 @@
           <a:p>
             <a:pPr lvl="1"/>
             <a:r>
+              <a:rPr lang="it-IT" dirty="0">
+                <a:hlinkClick r:id="rId12" action="ppaction://hlinksldjump"/>
+              </a:rPr>
+              <a:t>Schema con modifiche</a:t>
+            </a:r>
+            <a:endParaRPr lang="it-IT" dirty="0"/>
+          </a:p>
+          <a:p>
+            <a:pPr lvl="1"/>
+            <a:r>
               <a:rPr lang="it-IT" dirty="0"/>
-              <a:t>Schema con modifiche</a:t>
+              <a:t>Grafico</a:t>
             </a:r>
           </a:p>
         </p:txBody>
@@ -13554,13 +13505,13 @@
           <p:nvPr/>
         </p:nvPicPr>
         <p:blipFill>
-          <a:blip r:embed="rId3" cstate="print">
+          <a:blip r:embed="rId13" cstate="print">
             <a:extLst>
               <a:ext uri="{28A0092B-C50C-407E-A947-70E740481C1C}">
                 <a14:useLocalDpi xmlns:a14="http://schemas.microsoft.com/office/drawing/2010/main" val="0"/>
               </a:ext>
               <a:ext uri="{96DAC541-7B7A-43D3-8B79-37D633B846F1}">
-                <asvg:svgBlip xmlns:asvg="http://schemas.microsoft.com/office/drawing/2016/SVG/main" r:embed="rId4"/>
+                <asvg:svgBlip xmlns:asvg="http://schemas.microsoft.com/office/drawing/2016/SVG/main" r:embed="rId14"/>
               </a:ext>
             </a:extLst>
           </a:blip>
@@ -13770,31 +13721,52 @@
       </p:pic>
       <p:sp>
         <p:nvSpPr>
-          <p:cNvPr id="4" name="Segnaposto numero diapositiva 3">
-            <a:extLst>
-              <a:ext uri="{FF2B5EF4-FFF2-40B4-BE49-F238E27FC236}">
-                <a16:creationId xmlns:a16="http://schemas.microsoft.com/office/drawing/2014/main" id="{BE845BFA-CDB0-DB21-53DB-722993786D99}"/>
-              </a:ext>
-            </a:extLst>
-          </p:cNvPr>
-          <p:cNvSpPr>
-            <a:spLocks noGrp="1"/>
-          </p:cNvSpPr>
-          <p:nvPr>
-            <p:ph type="sldNum" sz="quarter" idx="12"/>
-          </p:nvPr>
-        </p:nvSpPr>
-        <p:spPr/>
-        <p:txBody>
-          <a:bodyPr/>
+          <p:cNvPr id="5" name="Connettore 4">
+            <a:extLst>
+              <a:ext uri="{FF2B5EF4-FFF2-40B4-BE49-F238E27FC236}">
+                <a16:creationId xmlns:a16="http://schemas.microsoft.com/office/drawing/2014/main" id="{0E6902AD-9CB8-1628-83BB-2359CE316610}"/>
+              </a:ext>
+            </a:extLst>
+          </p:cNvPr>
+          <p:cNvSpPr/>
+          <p:nvPr/>
+        </p:nvSpPr>
+        <p:spPr>
+          <a:xfrm>
+            <a:off x="11455401" y="6273800"/>
+            <a:ext cx="512910" cy="470291"/>
+          </a:xfrm>
+          <a:prstGeom prst="flowChartConnector">
+            <a:avLst/>
+          </a:prstGeom>
+        </p:spPr>
+        <p:style>
+          <a:lnRef idx="2">
+            <a:schemeClr val="accent1">
+              <a:shade val="50000"/>
+            </a:schemeClr>
+          </a:lnRef>
+          <a:fillRef idx="1">
+            <a:schemeClr val="accent1"/>
+          </a:fillRef>
+          <a:effectRef idx="0">
+            <a:schemeClr val="accent1"/>
+          </a:effectRef>
+          <a:fontRef idx="minor">
+            <a:schemeClr val="lt1"/>
+          </a:fontRef>
+        </p:style>
+        <p:txBody>
+          <a:bodyPr rtlCol="0" anchor="ctr"/>
           <a:lstStyle/>
           <a:p>
-            <a:pPr rtl="0"/>
+            <a:pPr algn="ctr"/>
             <a:fld id="{3A98EE3D-8CD1-4C3F-BD1C-C98C9596463C}" type="slidenum">
-              <a:rPr lang="it-IT" noProof="0" smtClean="0"/>
+              <a:rPr lang="it-IT" sz="1200" b="1"/>
+              <a:pPr algn="ctr"/>
               <a:t>20</a:t>
             </a:fld>
-            <a:endParaRPr lang="it-IT" noProof="0" dirty="0"/>
+            <a:endParaRPr lang="it-IT" b="1" dirty="0"/>
           </a:p>
         </p:txBody>
       </p:sp>
@@ -13886,36 +13858,6 @@
       </p:pic>
       <p:sp>
         <p:nvSpPr>
-          <p:cNvPr id="4" name="Segnaposto numero diapositiva 3">
-            <a:extLst>
-              <a:ext uri="{FF2B5EF4-FFF2-40B4-BE49-F238E27FC236}">
-                <a16:creationId xmlns:a16="http://schemas.microsoft.com/office/drawing/2014/main" id="{6DEAE6CD-A955-8CE4-351B-DB2CD40A1AC7}"/>
-              </a:ext>
-            </a:extLst>
-          </p:cNvPr>
-          <p:cNvSpPr>
-            <a:spLocks noGrp="1"/>
-          </p:cNvSpPr>
-          <p:nvPr>
-            <p:ph type="sldNum" sz="quarter" idx="12"/>
-          </p:nvPr>
-        </p:nvSpPr>
-        <p:spPr/>
-        <p:txBody>
-          <a:bodyPr/>
-          <a:lstStyle/>
-          <a:p>
-            <a:pPr rtl="0"/>
-            <a:fld id="{3A98EE3D-8CD1-4C3F-BD1C-C98C9596463C}" type="slidenum">
-              <a:rPr lang="it-IT" noProof="0" smtClean="0"/>
-              <a:t>21</a:t>
-            </a:fld>
-            <a:endParaRPr lang="it-IT" noProof="0" dirty="0"/>
-          </a:p>
-        </p:txBody>
-      </p:sp>
-      <p:sp>
-        <p:nvSpPr>
           <p:cNvPr id="7" name="CasellaDiTesto 6">
             <a:extLst>
               <a:ext uri="{FF2B5EF4-FFF2-40B4-BE49-F238E27FC236}">
@@ -13964,6 +13906,57 @@
               <a:rPr lang="it-IT" dirty="0"/>
               <a:t>Abbiamo notato che le resistenze R2 e R3 hanno un grande impatto sulla durata del segnale e siamo intervenuti riducendone il valore.</a:t>
             </a:r>
+          </a:p>
+        </p:txBody>
+      </p:sp>
+      <p:sp>
+        <p:nvSpPr>
+          <p:cNvPr id="8" name="Connettore 7">
+            <a:extLst>
+              <a:ext uri="{FF2B5EF4-FFF2-40B4-BE49-F238E27FC236}">
+                <a16:creationId xmlns:a16="http://schemas.microsoft.com/office/drawing/2014/main" id="{2CCEAFB5-E9A0-9550-02CD-F47CF0914A80}"/>
+              </a:ext>
+            </a:extLst>
+          </p:cNvPr>
+          <p:cNvSpPr/>
+          <p:nvPr/>
+        </p:nvSpPr>
+        <p:spPr>
+          <a:xfrm>
+            <a:off x="11455401" y="6273800"/>
+            <a:ext cx="512910" cy="470291"/>
+          </a:xfrm>
+          <a:prstGeom prst="flowChartConnector">
+            <a:avLst/>
+          </a:prstGeom>
+        </p:spPr>
+        <p:style>
+          <a:lnRef idx="2">
+            <a:schemeClr val="accent1">
+              <a:shade val="50000"/>
+            </a:schemeClr>
+          </a:lnRef>
+          <a:fillRef idx="1">
+            <a:schemeClr val="accent1"/>
+          </a:fillRef>
+          <a:effectRef idx="0">
+            <a:schemeClr val="accent1"/>
+          </a:effectRef>
+          <a:fontRef idx="minor">
+            <a:schemeClr val="lt1"/>
+          </a:fontRef>
+        </p:style>
+        <p:txBody>
+          <a:bodyPr rtlCol="0" anchor="ctr"/>
+          <a:lstStyle/>
+          <a:p>
+            <a:pPr algn="ctr"/>
+            <a:fld id="{3A98EE3D-8CD1-4C3F-BD1C-C98C9596463C}" type="slidenum">
+              <a:rPr lang="it-IT" sz="1200" b="1"/>
+              <a:pPr algn="ctr"/>
+              <a:t>21</a:t>
+            </a:fld>
+            <a:endParaRPr lang="it-IT" b="1" dirty="0"/>
           </a:p>
         </p:txBody>
       </p:sp>
@@ -14056,36 +14049,6 @@
       </p:pic>
       <p:sp>
         <p:nvSpPr>
-          <p:cNvPr id="4" name="Segnaposto numero diapositiva 3">
-            <a:extLst>
-              <a:ext uri="{FF2B5EF4-FFF2-40B4-BE49-F238E27FC236}">
-                <a16:creationId xmlns:a16="http://schemas.microsoft.com/office/drawing/2014/main" id="{9A86641E-D952-BD12-16D4-C8D0AE6CA6DE}"/>
-              </a:ext>
-            </a:extLst>
-          </p:cNvPr>
-          <p:cNvSpPr>
-            <a:spLocks noGrp="1"/>
-          </p:cNvSpPr>
-          <p:nvPr>
-            <p:ph type="sldNum" sz="quarter" idx="12"/>
-          </p:nvPr>
-        </p:nvSpPr>
-        <p:spPr/>
-        <p:txBody>
-          <a:bodyPr/>
-          <a:lstStyle/>
-          <a:p>
-            <a:pPr rtl="0"/>
-            <a:fld id="{3A98EE3D-8CD1-4C3F-BD1C-C98C9596463C}" type="slidenum">
-              <a:rPr lang="it-IT" noProof="0" smtClean="0"/>
-              <a:t>22</a:t>
-            </a:fld>
-            <a:endParaRPr lang="it-IT" noProof="0" dirty="0"/>
-          </a:p>
-        </p:txBody>
-      </p:sp>
-      <p:sp>
-        <p:nvSpPr>
           <p:cNvPr id="7" name="CasellaDiTesto 6">
             <a:extLst>
               <a:ext uri="{FF2B5EF4-FFF2-40B4-BE49-F238E27FC236}">
@@ -14116,6 +14079,57 @@
               <a:rPr lang="it-IT" dirty="0"/>
               <a:t>Le modifiche effettuate a R2 e R3, di cui sono state ridotti notevolmente i valori di resistenza, hanno portato a avere un segnale più duraturo.</a:t>
             </a:r>
+          </a:p>
+        </p:txBody>
+      </p:sp>
+      <p:sp>
+        <p:nvSpPr>
+          <p:cNvPr id="8" name="Connettore 7">
+            <a:extLst>
+              <a:ext uri="{FF2B5EF4-FFF2-40B4-BE49-F238E27FC236}">
+                <a16:creationId xmlns:a16="http://schemas.microsoft.com/office/drawing/2014/main" id="{C2D551AA-2861-8104-25F1-804D1D69922D}"/>
+              </a:ext>
+            </a:extLst>
+          </p:cNvPr>
+          <p:cNvSpPr/>
+          <p:nvPr/>
+        </p:nvSpPr>
+        <p:spPr>
+          <a:xfrm>
+            <a:off x="11455401" y="6273800"/>
+            <a:ext cx="512910" cy="470291"/>
+          </a:xfrm>
+          <a:prstGeom prst="flowChartConnector">
+            <a:avLst/>
+          </a:prstGeom>
+        </p:spPr>
+        <p:style>
+          <a:lnRef idx="2">
+            <a:schemeClr val="accent1">
+              <a:shade val="50000"/>
+            </a:schemeClr>
+          </a:lnRef>
+          <a:fillRef idx="1">
+            <a:schemeClr val="accent1"/>
+          </a:fillRef>
+          <a:effectRef idx="0">
+            <a:schemeClr val="accent1"/>
+          </a:effectRef>
+          <a:fontRef idx="minor">
+            <a:schemeClr val="lt1"/>
+          </a:fontRef>
+        </p:style>
+        <p:txBody>
+          <a:bodyPr rtlCol="0" anchor="ctr"/>
+          <a:lstStyle/>
+          <a:p>
+            <a:pPr algn="ctr"/>
+            <a:fld id="{3A98EE3D-8CD1-4C3F-BD1C-C98C9596463C}" type="slidenum">
+              <a:rPr lang="it-IT" sz="1200" b="1"/>
+              <a:pPr algn="ctr"/>
+              <a:t>22</a:t>
+            </a:fld>
+            <a:endParaRPr lang="it-IT" b="1" dirty="0"/>
           </a:p>
         </p:txBody>
       </p:sp>
@@ -14201,41 +14215,11 @@
         </p:blipFill>
         <p:spPr>
           <a:xfrm>
-            <a:off x="6022109" y="1772042"/>
+            <a:off x="6274263" y="3618445"/>
             <a:ext cx="5836023" cy="2551301"/>
           </a:xfrm>
         </p:spPr>
       </p:pic>
-      <p:sp>
-        <p:nvSpPr>
-          <p:cNvPr id="4" name="Segnaposto numero diapositiva 3">
-            <a:extLst>
-              <a:ext uri="{FF2B5EF4-FFF2-40B4-BE49-F238E27FC236}">
-                <a16:creationId xmlns:a16="http://schemas.microsoft.com/office/drawing/2014/main" id="{D728BCA8-317D-41F9-189A-E57201D15DB8}"/>
-              </a:ext>
-            </a:extLst>
-          </p:cNvPr>
-          <p:cNvSpPr>
-            <a:spLocks noGrp="1"/>
-          </p:cNvSpPr>
-          <p:nvPr>
-            <p:ph type="sldNum" sz="quarter" idx="12"/>
-          </p:nvPr>
-        </p:nvSpPr>
-        <p:spPr/>
-        <p:txBody>
-          <a:bodyPr/>
-          <a:lstStyle/>
-          <a:p>
-            <a:pPr rtl="0"/>
-            <a:fld id="{3A98EE3D-8CD1-4C3F-BD1C-C98C9596463C}" type="slidenum">
-              <a:rPr lang="it-IT" noProof="0" smtClean="0"/>
-              <a:t>23</a:t>
-            </a:fld>
-            <a:endParaRPr lang="it-IT" noProof="0" dirty="0"/>
-          </a:p>
-        </p:txBody>
-      </p:sp>
       <p:sp>
         <p:nvSpPr>
           <p:cNvPr id="7" name="CasellaDiTesto 6">
@@ -14250,8 +14234,8 @@
         </p:nvSpPr>
         <p:spPr>
           <a:xfrm>
-            <a:off x="333868" y="2124363"/>
-            <a:ext cx="4562763" cy="923330"/>
+            <a:off x="1379450" y="2354737"/>
+            <a:ext cx="9433099" cy="646331"/>
           </a:xfrm>
           <a:prstGeom prst="rect">
             <a:avLst/>
@@ -14293,7 +14277,7 @@
         </p:blipFill>
         <p:spPr>
           <a:xfrm>
-            <a:off x="214332" y="3931553"/>
+            <a:off x="259976" y="3618445"/>
             <a:ext cx="5731652" cy="2515285"/>
           </a:xfrm>
           <a:prstGeom prst="rect">
@@ -14301,6 +14285,57 @@
           </a:prstGeom>
         </p:spPr>
       </p:pic>
+      <p:sp>
+        <p:nvSpPr>
+          <p:cNvPr id="8" name="Connettore 7">
+            <a:extLst>
+              <a:ext uri="{FF2B5EF4-FFF2-40B4-BE49-F238E27FC236}">
+                <a16:creationId xmlns:a16="http://schemas.microsoft.com/office/drawing/2014/main" id="{AE8FEBF9-BC61-D258-EE78-9018A9D17724}"/>
+              </a:ext>
+            </a:extLst>
+          </p:cNvPr>
+          <p:cNvSpPr/>
+          <p:nvPr/>
+        </p:nvSpPr>
+        <p:spPr>
+          <a:xfrm>
+            <a:off x="11455401" y="6273800"/>
+            <a:ext cx="512910" cy="470291"/>
+          </a:xfrm>
+          <a:prstGeom prst="flowChartConnector">
+            <a:avLst/>
+          </a:prstGeom>
+        </p:spPr>
+        <p:style>
+          <a:lnRef idx="2">
+            <a:schemeClr val="accent1">
+              <a:shade val="50000"/>
+            </a:schemeClr>
+          </a:lnRef>
+          <a:fillRef idx="1">
+            <a:schemeClr val="accent1"/>
+          </a:fillRef>
+          <a:effectRef idx="0">
+            <a:schemeClr val="accent1"/>
+          </a:effectRef>
+          <a:fontRef idx="minor">
+            <a:schemeClr val="lt1"/>
+          </a:fontRef>
+        </p:style>
+        <p:txBody>
+          <a:bodyPr rtlCol="0" anchor="ctr"/>
+          <a:lstStyle/>
+          <a:p>
+            <a:pPr algn="ctr"/>
+            <a:fld id="{3A98EE3D-8CD1-4C3F-BD1C-C98C9596463C}" type="slidenum">
+              <a:rPr lang="it-IT" sz="1200" b="1"/>
+              <a:pPr algn="ctr"/>
+              <a:t>23</a:t>
+            </a:fld>
+            <a:endParaRPr lang="it-IT" b="1" dirty="0"/>
+          </a:p>
+        </p:txBody>
+      </p:sp>
     </p:spTree>
     <p:extLst>
       <p:ext uri="{BB962C8B-B14F-4D97-AF65-F5344CB8AC3E}">
@@ -14722,7 +14757,10 @@
               <a:rPr lang="it-IT" dirty="0" err="1"/>
               <a:t>oscillator</a:t>
             </a:r>
-            <a:endParaRPr lang="it-IT" dirty="0"/>
+            <a:r>
+              <a:rPr lang="it-IT" dirty="0"/>
+              <a:t> with LP filter</a:t>
+            </a:r>
           </a:p>
         </p:txBody>
       </p:sp>
@@ -14849,7 +14887,7 @@
             </a:pPr>
             <a:r>
               <a:rPr lang="it-IT" dirty="0"/>
-              <a:t>Partendo dallo schema presente nelle slide abbiamo progettato in oscillatore RC aggiungendo un integratore per ottenere un’uscita con un onda sinusoidale. Abbiamo utilizzato inizialmente un amplificatore LTC6244HV che però presentava dei problemi oltre una certa frequenza come mostrato nelle slide successiva.</a:t>
+              <a:t>Partendo dallo schema presente nelle slide abbiamo progettato in oscillatore RC aggiungendo un integratore per ottenere un’uscita con un onda sinusoidale. Abbiamo utilizzato inizialmente un amplificatore LTC6244HV che però presentava dei problemi oltre una certa frequenza come mostrato nelle slide successive</a:t>
             </a:r>
           </a:p>
         </p:txBody>
@@ -15405,8 +15443,8 @@
           </a:prstGeom>
         </p:spPr>
       </p:pic>
-      <mc:AlternateContent xmlns:mc="http://schemas.openxmlformats.org/markup-compatibility/2006" xmlns:a14="http://schemas.microsoft.com/office/drawing/2010/main">
-        <mc:Choice Requires="a14">
+      <mc:AlternateContent xmlns:mc="http://schemas.openxmlformats.org/markup-compatibility/2006">
+        <mc:Choice xmlns:a14="http://schemas.microsoft.com/office/drawing/2010/main" Requires="a14">
           <p:sp>
             <p:nvSpPr>
               <p:cNvPr id="14" name="CasellaDiTesto 13">
@@ -15422,7 +15460,7 @@
             <p:spPr>
               <a:xfrm>
                 <a:off x="8432800" y="572655"/>
-                <a:ext cx="3168273" cy="5102166"/>
+                <a:ext cx="3327311" cy="5379165"/>
               </a:xfrm>
               <a:prstGeom prst="rect">
                 <a:avLst/>
@@ -15505,6 +15543,12 @@
                   <a:rPr lang="it-IT" dirty="0" err="1"/>
                   <a:t>opamp</a:t>
                 </a:r>
+                <a:endParaRPr lang="it-IT" dirty="0"/>
+              </a:p>
+              <a:p>
+                <a:endParaRPr lang="it-IT" dirty="0"/>
+              </a:p>
+              <a:p>
                 <a:endParaRPr lang="it-IT" dirty="0"/>
               </a:p>
               <a:p>
@@ -15663,38 +15707,22 @@
                       </a:rPr>
                       <m:t>∗</m:t>
                     </m:r>
-                    <m:d>
-                      <m:dPr>
-                        <m:ctrlPr>
-                          <a:rPr lang="it-IT" sz="1800" i="1">
-                            <a:effectLst/>
-                            <a:latin typeface="Cambria Math" panose="02040503050406030204" pitchFamily="18" charset="0"/>
-                            <a:ea typeface="Calibri" panose="020F0502020204030204" pitchFamily="34" charset="0"/>
-                            <a:cs typeface="Times New Roman" panose="02020603050405020304" pitchFamily="18" charset="0"/>
-                          </a:rPr>
-                        </m:ctrlPr>
-                      </m:dPr>
-                      <m:e>
-                        <m:r>
-                          <a:rPr lang="it-IT" sz="1800" i="1">
-                            <a:effectLst/>
-                            <a:latin typeface="Cambria Math" panose="02040503050406030204" pitchFamily="18" charset="0"/>
-                            <a:ea typeface="Calibri" panose="020F0502020204030204" pitchFamily="34" charset="0"/>
-                            <a:cs typeface="Times New Roman" panose="02020603050405020304" pitchFamily="18" charset="0"/>
-                          </a:rPr>
-                          <m:t>±15</m:t>
-                        </m:r>
-                        <m:r>
-                          <a:rPr lang="it-IT" sz="1800" i="1">
-                            <a:effectLst/>
-                            <a:latin typeface="Cambria Math" panose="02040503050406030204" pitchFamily="18" charset="0"/>
-                            <a:ea typeface="Calibri" panose="020F0502020204030204" pitchFamily="34" charset="0"/>
-                            <a:cs typeface="Times New Roman" panose="02020603050405020304" pitchFamily="18" charset="0"/>
-                          </a:rPr>
-                          <m:t>𝑉</m:t>
-                        </m:r>
-                      </m:e>
-                    </m:d>
+                    <m:r>
+                      <a:rPr lang="it-IT" i="1">
+                        <a:latin typeface="Cambria Math" panose="02040503050406030204" pitchFamily="18" charset="0"/>
+                        <a:ea typeface="Calibri" panose="020F0502020204030204" pitchFamily="34" charset="0"/>
+                        <a:cs typeface="Times New Roman" panose="02020603050405020304" pitchFamily="18" charset="0"/>
+                      </a:rPr>
+                      <m:t>±15</m:t>
+                    </m:r>
+                    <m:r>
+                      <a:rPr lang="it-IT" b="0" i="1" smtClean="0">
+                        <a:latin typeface="Cambria Math" panose="02040503050406030204" pitchFamily="18" charset="0"/>
+                        <a:ea typeface="Calibri" panose="020F0502020204030204" pitchFamily="34" charset="0"/>
+                        <a:cs typeface="Times New Roman" panose="02020603050405020304" pitchFamily="18" charset="0"/>
+                      </a:rPr>
+                      <m:t>𝑉</m:t>
+                    </m:r>
                     <m:r>
                       <a:rPr lang="it-IT" sz="1800" i="1">
                         <a:effectLst/>
@@ -15712,6 +15740,15 @@
                         <a:cs typeface="Times New Roman" panose="02020603050405020304" pitchFamily="18" charset="0"/>
                       </a:rPr>
                       <m:t>𝑉</m:t>
+                    </m:r>
+                    <m:r>
+                      <a:rPr lang="it-IT" sz="1800" b="0" i="1" smtClean="0">
+                        <a:effectLst/>
+                        <a:latin typeface="Cambria Math" panose="02040503050406030204" pitchFamily="18" charset="0"/>
+                        <a:ea typeface="Calibri" panose="020F0502020204030204" pitchFamily="34" charset="0"/>
+                        <a:cs typeface="Times New Roman" panose="02020603050405020304" pitchFamily="18" charset="0"/>
+                      </a:rPr>
+                      <m:t>.</m:t>
                     </m:r>
                     <m:r>
                       <a:rPr lang="it-IT" sz="1800" b="0" i="1" smtClean="0">
@@ -15981,7 +16018,25 @@
                       <m:t>𝑢</m:t>
                     </m:r>
                     <m:r>
-                      <a:rPr lang="it-IT" sz="1800" i="1">
+                      <a:rPr lang="it-IT" sz="1800" b="0" i="1" smtClean="0">
+                        <a:effectLst/>
+                        <a:latin typeface="Cambria Math" panose="02040503050406030204" pitchFamily="18" charset="0"/>
+                        <a:ea typeface="Calibri" panose="020F0502020204030204" pitchFamily="34" charset="0"/>
+                        <a:cs typeface="Times New Roman" panose="02020603050405020304" pitchFamily="18" charset="0"/>
+                      </a:rPr>
+                      <m:t>.   </m:t>
+                    </m:r>
+                    <m:r>
+                      <a:rPr lang="it-IT" sz="1800" b="0" i="1" smtClean="0">
+                        <a:effectLst/>
+                        <a:latin typeface="Cambria Math" panose="02040503050406030204" pitchFamily="18" charset="0"/>
+                        <a:ea typeface="Calibri" panose="020F0502020204030204" pitchFamily="34" charset="0"/>
+                        <a:cs typeface="Times New Roman" panose="02020603050405020304" pitchFamily="18" charset="0"/>
+                      </a:rPr>
+                      <m:t>𝑓</m:t>
+                    </m:r>
+                    <m:r>
+                      <a:rPr lang="it-IT" sz="1800" b="0" i="1" smtClean="0">
                         <a:effectLst/>
                         <a:latin typeface="Cambria Math" panose="02040503050406030204" pitchFamily="18" charset="0"/>
                         <a:ea typeface="Calibri" panose="020F0502020204030204" pitchFamily="34" charset="0"/>
@@ -16052,7 +16107,7 @@
             </p:txBody>
           </p:sp>
         </mc:Choice>
-        <mc:Fallback xmlns="">
+        <mc:Fallback>
           <p:sp>
             <p:nvSpPr>
               <p:cNvPr id="14" name="CasellaDiTesto 13">
@@ -16070,7 +16125,7 @@
             <p:spPr>
               <a:xfrm>
                 <a:off x="8432800" y="572655"/>
-                <a:ext cx="3168273" cy="5102166"/>
+                <a:ext cx="3327311" cy="5379165"/>
               </a:xfrm>
               <a:prstGeom prst="rect">
                 <a:avLst/>
@@ -16078,7 +16133,7 @@
               <a:blipFill>
                 <a:blip r:embed="rId7"/>
                 <a:stretch>
-                  <a:fillRect l="-1538" t="-717" r="-1346"/>
+                  <a:fillRect l="-1465" t="-680" r="-733"/>
                 </a:stretch>
               </a:blipFill>
             </p:spPr>
@@ -16559,8 +16614,8 @@
           </a:p>
         </p:txBody>
       </p:sp>
-      <mc:AlternateContent xmlns:mc="http://schemas.openxmlformats.org/markup-compatibility/2006" xmlns:a14="http://schemas.microsoft.com/office/drawing/2010/main">
-        <mc:Choice Requires="a14">
+      <mc:AlternateContent xmlns:mc="http://schemas.openxmlformats.org/markup-compatibility/2006">
+        <mc:Choice xmlns:a14="http://schemas.microsoft.com/office/drawing/2010/main" Requires="a14">
           <p:sp>
             <p:nvSpPr>
               <p:cNvPr id="14" name="CasellaDiTesto 13">
@@ -16576,7 +16631,7 @@
             <p:spPr>
               <a:xfrm>
                 <a:off x="8432800" y="572655"/>
-                <a:ext cx="3168273" cy="6463308"/>
+                <a:ext cx="3327311" cy="6186309"/>
               </a:xfrm>
               <a:prstGeom prst="rect">
                 <a:avLst/>
@@ -16617,14 +16672,13 @@
                 <a:endParaRPr lang="it-IT" dirty="0"/>
               </a:p>
               <a:p>
+                <a:endParaRPr lang="it-IT" dirty="0"/>
+              </a:p>
+              <a:p>
                 <a:pPr marL="285750" indent="-285750">
                   <a:buFont typeface="Arial" panose="020B0604020202020204" pitchFamily="34" charset="0"/>
                   <a:buChar char="•"/>
                 </a:pPr>
-                <a:r>
-                  <a:rPr lang="it-IT" dirty="0"/>
-                  <a:t>Siccome </a:t>
-                </a:r>
                 <a14:m>
                   <m:oMath xmlns:m="http://schemas.openxmlformats.org/officeDocument/2006/math">
                     <m:r>
@@ -16714,59 +16768,45 @@
                     <a:ea typeface="Calibri" panose="020F0502020204030204" pitchFamily="34" charset="0"/>
                     <a:cs typeface="Times New Roman" panose="02020603050405020304" pitchFamily="18" charset="0"/>
                   </a:rPr>
-                  <a:t>che non è più quello che ci aspettiamo</a:t>
+                  <a:t>che non è più quello che ci aspettiamo. </a:t>
                 </a:r>
-              </a:p>
-              <a:p>
-                <a:pPr marL="285750" indent="-285750">
-                  <a:buFont typeface="Arial" panose="020B0604020202020204" pitchFamily="34" charset="0"/>
-                  <a:buChar char="•"/>
-                </a:pPr>
+                <a:r>
+                  <a:rPr lang="it-IT" sz="1800" dirty="0">
+                    <a:effectLst/>
+                    <a:ea typeface="Calibri" panose="020F0502020204030204" pitchFamily="34" charset="0"/>
+                    <a:cs typeface="Times New Roman" panose="02020603050405020304" pitchFamily="18" charset="0"/>
+                  </a:rPr>
+                  <a:t>Ci aspetteremmo inoltre</a:t>
+                </a:r>
                 <a14:m>
                   <m:oMath xmlns:m="http://schemas.openxmlformats.org/officeDocument/2006/math">
                     <m:r>
-                      <a:rPr lang="it-IT" sz="1800" i="1" smtClean="0">
-                        <a:effectLst/>
+                      <a:rPr lang="it-IT" b="0" i="0" smtClean="0">
                         <a:latin typeface="Cambria Math" panose="02040503050406030204" pitchFamily="18" charset="0"/>
-                        <a:ea typeface="Calibri" panose="020F0502020204030204" pitchFamily="34" charset="0"/>
-                        <a:cs typeface="Times New Roman" panose="02020603050405020304" pitchFamily="18" charset="0"/>
                       </a:rPr>
-                      <m:t>𝑇</m:t>
+                      <m:t> </m:t>
                     </m:r>
                     <m:r>
-                      <a:rPr lang="it-IT" sz="1800" i="1">
-                        <a:effectLst/>
-                        <a:latin typeface="Cambria Math" panose="02040503050406030204" pitchFamily="18" charset="0"/>
-                        <a:ea typeface="Calibri" panose="020F0502020204030204" pitchFamily="34" charset="0"/>
-                        <a:cs typeface="Times New Roman" panose="02020603050405020304" pitchFamily="18" charset="0"/>
-                      </a:rPr>
-                      <m:t>=250</m:t>
+                      <a:rPr lang="it-IT" i="1"/>
+                      <m:t>𝑓</m:t>
                     </m:r>
                     <m:r>
-                      <a:rPr lang="it-IT" sz="1800" b="0" i="1" smtClean="0">
-                        <a:effectLst/>
-                        <a:latin typeface="Cambria Math" panose="02040503050406030204" pitchFamily="18" charset="0"/>
-                        <a:ea typeface="Calibri" panose="020F0502020204030204" pitchFamily="34" charset="0"/>
-                        <a:cs typeface="Times New Roman" panose="02020603050405020304" pitchFamily="18" charset="0"/>
-                      </a:rPr>
-                      <m:t>0</m:t>
+                      <a:rPr lang="it-IT" i="1"/>
+                      <m:t>=25</m:t>
                     </m:r>
                     <m:r>
-                      <a:rPr lang="it-IT" sz="1800" i="1">
-                        <a:effectLst/>
+                      <a:rPr lang="it-IT" b="0" i="1" smtClean="0">
                         <a:latin typeface="Cambria Math" panose="02040503050406030204" pitchFamily="18" charset="0"/>
-                        <a:ea typeface="Calibri" panose="020F0502020204030204" pitchFamily="34" charset="0"/>
-                        <a:cs typeface="Times New Roman" panose="02020603050405020304" pitchFamily="18" charset="0"/>
                       </a:rPr>
-                      <m:t>𝑘𝐻𝑍</m:t>
+                      <m:t>00 </m:t>
+                    </m:r>
+                    <m:r>
+                      <a:rPr lang="it-IT" i="1"/>
+                      <m:t>𝑘𝐻𝑧</m:t>
                     </m:r>
                   </m:oMath>
                 </a14:m>
-                <a:endParaRPr lang="it-IT" dirty="0">
-                  <a:latin typeface="Calibri" panose="020F0502020204030204" pitchFamily="34" charset="0"/>
-                  <a:ea typeface="Calibri" panose="020F0502020204030204" pitchFamily="34" charset="0"/>
-                  <a:cs typeface="Times New Roman" panose="02020603050405020304" pitchFamily="18" charset="0"/>
-                </a:endParaRPr>
+                <a:endParaRPr lang="it-IT" dirty="0"/>
               </a:p>
               <a:p>
                 <a:pPr marL="285750" indent="-285750">
@@ -16812,7 +16852,7 @@
             </p:txBody>
           </p:sp>
         </mc:Choice>
-        <mc:Fallback xmlns="">
+        <mc:Fallback>
           <p:sp>
             <p:nvSpPr>
               <p:cNvPr id="14" name="CasellaDiTesto 13">
@@ -16830,7 +16870,7 @@
             <p:spPr>
               <a:xfrm>
                 <a:off x="8432800" y="572655"/>
-                <a:ext cx="3168273" cy="6463308"/>
+                <a:ext cx="3327311" cy="6186309"/>
               </a:xfrm>
               <a:prstGeom prst="rect">
                 <a:avLst/>
@@ -16838,7 +16878,7 @@
               <a:blipFill>
                 <a:blip r:embed="rId5"/>
                 <a:stretch>
-                  <a:fillRect l="-1538" t="-566" r="-1538"/>
+                  <a:fillRect l="-1465" t="-591" r="-2015"/>
                 </a:stretch>
               </a:blipFill>
             </p:spPr>
@@ -16933,6 +16973,14 @@
 <file path=ppt/slides/slide6.xml><?xml version="1.0" encoding="utf-8"?>
 <p:sld xmlns:a="http://schemas.openxmlformats.org/drawingml/2006/main" xmlns:r="http://schemas.openxmlformats.org/officeDocument/2006/relationships" xmlns:p="http://schemas.openxmlformats.org/presentationml/2006/main">
   <p:cSld>
+    <p:bg>
+      <p:bgPr>
+        <a:solidFill>
+          <a:schemeClr val="bg1"/>
+        </a:solidFill>
+        <a:effectLst/>
+      </p:bgPr>
+    </p:bg>
     <p:spTree>
       <p:nvGrpSpPr>
         <p:cNvPr id="1" name=""/>
@@ -16949,32 +16997,119 @@
       </p:grpSpPr>
       <p:sp>
         <p:nvSpPr>
-          <p:cNvPr id="4" name="Rettangolo 3">
-            <a:extLst>
-              <a:ext uri="{FF2B5EF4-FFF2-40B4-BE49-F238E27FC236}">
-                <a16:creationId xmlns:a16="http://schemas.microsoft.com/office/drawing/2014/main" id="{D22E5227-66DC-4545-A93A-3BAE57987144}"/>
-              </a:ext>
-            </a:extLst>
-          </p:cNvPr>
-          <p:cNvSpPr/>
+          <p:cNvPr id="6" name="Titolo 5">
+            <a:extLst>
+              <a:ext uri="{FF2B5EF4-FFF2-40B4-BE49-F238E27FC236}">
+                <a16:creationId xmlns:a16="http://schemas.microsoft.com/office/drawing/2014/main" id="{CE09A200-4838-4284-BD1E-19701CABB5FE}"/>
+              </a:ext>
+            </a:extLst>
+          </p:cNvPr>
+          <p:cNvSpPr>
+            <a:spLocks noGrp="1"/>
+          </p:cNvSpPr>
+          <p:nvPr>
+            <p:ph type="title"/>
+          </p:nvPr>
+        </p:nvSpPr>
+        <p:spPr>
+          <a:xfrm>
+            <a:off x="1097280" y="286603"/>
+            <a:ext cx="10058400" cy="1450757"/>
+          </a:xfrm>
+        </p:spPr>
+        <p:txBody>
+          <a:bodyPr rtlCol="0">
+            <a:normAutofit/>
+          </a:bodyPr>
+          <a:lstStyle/>
+          <a:p>
+            <a:pPr rtl="0"/>
+            <a:r>
+              <a:rPr lang="it-IT" dirty="0"/>
+              <a:t>RC </a:t>
+            </a:r>
+            <a:r>
+              <a:rPr lang="it-IT" dirty="0" err="1"/>
+              <a:t>oscillator</a:t>
+            </a:r>
+            <a:r>
+              <a:rPr lang="it-IT" dirty="0"/>
+              <a:t> </a:t>
+            </a:r>
+            <a:r>
+              <a:rPr lang="it-IT" sz="4800" dirty="0">
+                <a:solidFill>
+                  <a:schemeClr val="tx1">
+                    <a:lumMod val="75000"/>
+                    <a:lumOff val="25000"/>
+                  </a:schemeClr>
+                </a:solidFill>
+              </a:rPr>
+              <a:t>with AD8627</a:t>
+            </a:r>
+            <a:endParaRPr lang="it-IT" dirty="0"/>
+          </a:p>
+        </p:txBody>
+      </p:sp>
+      <p:pic>
+        <p:nvPicPr>
+          <p:cNvPr id="4" name="Elemento grafico 3">
+            <a:extLst>
+              <a:ext uri="{FF2B5EF4-FFF2-40B4-BE49-F238E27FC236}">
+                <a16:creationId xmlns:a16="http://schemas.microsoft.com/office/drawing/2014/main" id="{ED0A95A1-BC85-4809-B935-6A9B3C054422}"/>
+              </a:ext>
+            </a:extLst>
+          </p:cNvPr>
+          <p:cNvPicPr>
+            <a:picLocks noChangeAspect="1"/>
+          </p:cNvPicPr>
           <p:nvPr/>
-        </p:nvSpPr>
-        <p:spPr>
-          <a:xfrm>
-            <a:off x="590927" y="2477070"/>
-            <a:ext cx="2955837" cy="457195"/>
+        </p:nvPicPr>
+        <p:blipFill>
+          <a:blip r:embed="rId3" cstate="print">
+            <a:extLst>
+              <a:ext uri="{28A0092B-C50C-407E-A947-70E740481C1C}">
+                <a14:useLocalDpi xmlns:a14="http://schemas.microsoft.com/office/drawing/2010/main" val="0"/>
+              </a:ext>
+              <a:ext uri="{96DAC541-7B7A-43D3-8B79-37D633B846F1}">
+                <asvg:svgBlip xmlns:asvg="http://schemas.microsoft.com/office/drawing/2016/SVG/main" r:embed="rId4"/>
+              </a:ext>
+            </a:extLst>
+          </a:blip>
+          <a:stretch>
+            <a:fillRect/>
+          </a:stretch>
+        </p:blipFill>
+        <p:spPr>
+          <a:xfrm>
+            <a:off x="207095" y="6043750"/>
+            <a:ext cx="1770209" cy="700341"/>
           </a:xfrm>
           <a:prstGeom prst="rect">
             <a:avLst/>
           </a:prstGeom>
-          <a:solidFill>
-            <a:schemeClr val="bg1"/>
-          </a:solidFill>
-          <a:ln>
-            <a:solidFill>
-              <a:schemeClr val="bg1"/>
-            </a:solidFill>
-          </a:ln>
+        </p:spPr>
+      </p:pic>
+      <p:sp>
+        <p:nvSpPr>
+          <p:cNvPr id="10" name="Connettore 9">
+            <a:extLst>
+              <a:ext uri="{FF2B5EF4-FFF2-40B4-BE49-F238E27FC236}">
+                <a16:creationId xmlns:a16="http://schemas.microsoft.com/office/drawing/2014/main" id="{7DA3C5E2-1B7C-406E-9A80-B7F344044586}"/>
+              </a:ext>
+            </a:extLst>
+          </p:cNvPr>
+          <p:cNvSpPr/>
+          <p:nvPr/>
+        </p:nvSpPr>
+        <p:spPr>
+          <a:xfrm>
+            <a:off x="11455401" y="6273800"/>
+            <a:ext cx="512910" cy="470291"/>
+          </a:xfrm>
+          <a:prstGeom prst="flowChartConnector">
+            <a:avLst/>
+          </a:prstGeom>
         </p:spPr>
         <p:style>
           <a:lnRef idx="2">
@@ -16997,16 +17132,109 @@
           <a:lstStyle/>
           <a:p>
             <a:pPr algn="ctr"/>
-            <a:endParaRPr lang="it-IT"/>
+            <a:fld id="{3A98EE3D-8CD1-4C3F-BD1C-C98C9596463C}" type="slidenum">
+              <a:rPr lang="it-IT" sz="1200" b="1"/>
+              <a:pPr algn="ctr"/>
+              <a:t>6</a:t>
+            </a:fld>
+            <a:endParaRPr lang="it-IT" b="1" dirty="0"/>
+          </a:p>
+        </p:txBody>
+      </p:sp>
+      <p:sp>
+        <p:nvSpPr>
+          <p:cNvPr id="3" name="Segnaposto contenuto 2">
+            <a:extLst>
+              <a:ext uri="{FF2B5EF4-FFF2-40B4-BE49-F238E27FC236}">
+                <a16:creationId xmlns:a16="http://schemas.microsoft.com/office/drawing/2014/main" id="{6D7CDB3C-6D9E-E037-D3E4-1736AE201560}"/>
+              </a:ext>
+            </a:extLst>
+          </p:cNvPr>
+          <p:cNvSpPr>
+            <a:spLocks noGrp="1"/>
+          </p:cNvSpPr>
+          <p:nvPr>
+            <p:ph idx="1"/>
+          </p:nvPr>
+        </p:nvSpPr>
+        <p:spPr>
+          <a:xfrm>
+            <a:off x="758378" y="1929343"/>
+            <a:ext cx="3185549" cy="4114406"/>
+          </a:xfrm>
+        </p:spPr>
+        <p:txBody>
+          <a:bodyPr>
+            <a:normAutofit/>
+          </a:bodyPr>
+          <a:lstStyle/>
+          <a:p>
+            <a:pPr marL="0" indent="0">
+              <a:buNone/>
+            </a:pPr>
+            <a:r>
+              <a:rPr lang="it-IT" dirty="0"/>
+              <a:t>Abbiamo quindi sostituito gli </a:t>
+            </a:r>
+            <a:r>
+              <a:rPr lang="it-IT" dirty="0" err="1"/>
+              <a:t>opamp</a:t>
+            </a:r>
+            <a:r>
+              <a:rPr lang="it-IT" dirty="0"/>
+              <a:t> del primo modello con gli </a:t>
+            </a:r>
+            <a:r>
+              <a:rPr lang="it-IT" dirty="0" err="1"/>
+              <a:t>opamp</a:t>
+            </a:r>
+            <a:r>
+              <a:rPr lang="it-IT" dirty="0"/>
+              <a:t> AD8627. questo </a:t>
+            </a:r>
+            <a:r>
+              <a:rPr lang="it-IT" dirty="0" err="1"/>
+              <a:t>opamp</a:t>
+            </a:r>
+            <a:r>
+              <a:rPr lang="it-IT" dirty="0"/>
+              <a:t> non è disponibile direttamente nelle librerie di </a:t>
+            </a:r>
+            <a:r>
+              <a:rPr lang="it-IT" dirty="0" err="1"/>
+              <a:t>ltspice</a:t>
+            </a:r>
+            <a:r>
+              <a:rPr lang="it-IT" dirty="0"/>
+              <a:t>, ma può essere aggiunto scaricando il suo </a:t>
+            </a:r>
+            <a:r>
+              <a:rPr lang="it-IT" dirty="0" err="1"/>
+              <a:t>schematics</a:t>
+            </a:r>
+            <a:r>
+              <a:rPr lang="it-IT" dirty="0"/>
+              <a:t> da </a:t>
+            </a:r>
+            <a:r>
+              <a:rPr lang="it-IT" dirty="0">
+                <a:hlinkClick r:id="rId5"/>
+              </a:rPr>
+              <a:t>https://www.analog.com/en/products/ad8627.html</a:t>
+            </a:r>
+            <a:r>
+              <a:rPr lang="it-IT" dirty="0"/>
+              <a:t> </a:t>
+            </a:r>
           </a:p>
         </p:txBody>
       </p:sp>
       <p:pic>
         <p:nvPicPr>
-          <p:cNvPr id="10" name="Elemento grafico 9">
-            <a:extLst>
-              <a:ext uri="{FF2B5EF4-FFF2-40B4-BE49-F238E27FC236}">
-                <a16:creationId xmlns:a16="http://schemas.microsoft.com/office/drawing/2014/main" id="{54A47743-7725-4A33-93CA-EFB89C10D1EC}"/>
+          <p:cNvPr id="8" name="Immagine 7">
+            <a:extLst>
+              <a:ext uri="{FF2B5EF4-FFF2-40B4-BE49-F238E27FC236}">
+                <a16:creationId xmlns:a16="http://schemas.microsoft.com/office/drawing/2014/main" id="{CBF1F8F8-71CF-DA59-BF77-A4E9A051C12C}"/>
               </a:ext>
             </a:extLst>
           </p:cNvPr>
@@ -17016,36 +17244,57 @@
           <p:nvPr/>
         </p:nvPicPr>
         <p:blipFill>
-          <a:blip r:embed="rId3" cstate="print">
-            <a:extLst>
-              <a:ext uri="{28A0092B-C50C-407E-A947-70E740481C1C}">
-                <a14:useLocalDpi xmlns:a14="http://schemas.microsoft.com/office/drawing/2010/main" val="0"/>
-              </a:ext>
-              <a:ext uri="{96DAC541-7B7A-43D3-8B79-37D633B846F1}">
-                <asvg:svgBlip xmlns:asvg="http://schemas.microsoft.com/office/drawing/2016/SVG/main" r:embed="rId4"/>
-              </a:ext>
-            </a:extLst>
-          </a:blip>
+          <a:blip r:embed="rId6"/>
           <a:stretch>
             <a:fillRect/>
           </a:stretch>
         </p:blipFill>
         <p:spPr>
           <a:xfrm>
-            <a:off x="207095" y="6043750"/>
-            <a:ext cx="1770209" cy="700341"/>
+            <a:off x="4495210" y="1929343"/>
+            <a:ext cx="7390392" cy="3887585"/>
           </a:xfrm>
           <a:prstGeom prst="rect">
             <a:avLst/>
           </a:prstGeom>
         </p:spPr>
       </p:pic>
-      <p:sp>
-        <p:nvSpPr>
-          <p:cNvPr id="12" name="Connettore 11">
-            <a:extLst>
-              <a:ext uri="{FF2B5EF4-FFF2-40B4-BE49-F238E27FC236}">
-                <a16:creationId xmlns:a16="http://schemas.microsoft.com/office/drawing/2014/main" id="{92095D8C-8CCA-4CC6-B2D2-E1BC4732F321}"/>
+    </p:spTree>
+    <p:extLst>
+      <p:ext uri="{BB962C8B-B14F-4D97-AF65-F5344CB8AC3E}">
+        <p14:creationId xmlns:p14="http://schemas.microsoft.com/office/powerpoint/2010/main" val="450908157"/>
+      </p:ext>
+    </p:extLst>
+  </p:cSld>
+  <p:clrMapOvr>
+    <a:masterClrMapping/>
+  </p:clrMapOvr>
+</p:sld>
+</file>
+
+<file path=ppt/slides/slide7.xml><?xml version="1.0" encoding="utf-8"?>
+<p:sld xmlns:a="http://schemas.openxmlformats.org/drawingml/2006/main" xmlns:r="http://schemas.openxmlformats.org/officeDocument/2006/relationships" xmlns:p="http://schemas.openxmlformats.org/presentationml/2006/main">
+  <p:cSld>
+    <p:spTree>
+      <p:nvGrpSpPr>
+        <p:cNvPr id="1" name=""/>
+        <p:cNvGrpSpPr/>
+        <p:nvPr/>
+      </p:nvGrpSpPr>
+      <p:grpSpPr>
+        <a:xfrm>
+          <a:off x="0" y="0"/>
+          <a:ext cx="0" cy="0"/>
+          <a:chOff x="0" y="0"/>
+          <a:chExt cx="0" cy="0"/>
+        </a:xfrm>
+      </p:grpSpPr>
+      <p:sp>
+        <p:nvSpPr>
+          <p:cNvPr id="4" name="Rettangolo 3">
+            <a:extLst>
+              <a:ext uri="{FF2B5EF4-FFF2-40B4-BE49-F238E27FC236}">
+                <a16:creationId xmlns:a16="http://schemas.microsoft.com/office/drawing/2014/main" id="{D22E5227-66DC-4545-A93A-3BAE57987144}"/>
               </a:ext>
             </a:extLst>
           </p:cNvPr>
@@ -17054,12 +17303,20 @@
         </p:nvSpPr>
         <p:spPr>
           <a:xfrm>
-            <a:off x="11455401" y="6273800"/>
-            <a:ext cx="512910" cy="470291"/>
-          </a:xfrm>
-          <a:prstGeom prst="flowChartConnector">
+            <a:off x="590927" y="2477070"/>
+            <a:ext cx="2955837" cy="457195"/>
+          </a:xfrm>
+          <a:prstGeom prst="rect">
             <a:avLst/>
           </a:prstGeom>
+          <a:solidFill>
+            <a:schemeClr val="bg1"/>
+          </a:solidFill>
+          <a:ln>
+            <a:solidFill>
+              <a:schemeClr val="bg1"/>
+            </a:solidFill>
+          </a:ln>
         </p:spPr>
         <p:style>
           <a:lnRef idx="2">
@@ -17082,10 +17339,95 @@
           <a:lstStyle/>
           <a:p>
             <a:pPr algn="ctr"/>
+            <a:endParaRPr lang="it-IT"/>
+          </a:p>
+        </p:txBody>
+      </p:sp>
+      <p:pic>
+        <p:nvPicPr>
+          <p:cNvPr id="10" name="Elemento grafico 9">
+            <a:extLst>
+              <a:ext uri="{FF2B5EF4-FFF2-40B4-BE49-F238E27FC236}">
+                <a16:creationId xmlns:a16="http://schemas.microsoft.com/office/drawing/2014/main" id="{54A47743-7725-4A33-93CA-EFB89C10D1EC}"/>
+              </a:ext>
+            </a:extLst>
+          </p:cNvPr>
+          <p:cNvPicPr>
+            <a:picLocks noChangeAspect="1"/>
+          </p:cNvPicPr>
+          <p:nvPr/>
+        </p:nvPicPr>
+        <p:blipFill>
+          <a:blip r:embed="rId3" cstate="print">
+            <a:extLst>
+              <a:ext uri="{28A0092B-C50C-407E-A947-70E740481C1C}">
+                <a14:useLocalDpi xmlns:a14="http://schemas.microsoft.com/office/drawing/2010/main" val="0"/>
+              </a:ext>
+              <a:ext uri="{96DAC541-7B7A-43D3-8B79-37D633B846F1}">
+                <asvg:svgBlip xmlns:asvg="http://schemas.microsoft.com/office/drawing/2016/SVG/main" r:embed="rId4"/>
+              </a:ext>
+            </a:extLst>
+          </a:blip>
+          <a:stretch>
+            <a:fillRect/>
+          </a:stretch>
+        </p:blipFill>
+        <p:spPr>
+          <a:xfrm>
+            <a:off x="207095" y="6043750"/>
+            <a:ext cx="1770209" cy="700341"/>
+          </a:xfrm>
+          <a:prstGeom prst="rect">
+            <a:avLst/>
+          </a:prstGeom>
+        </p:spPr>
+      </p:pic>
+      <p:sp>
+        <p:nvSpPr>
+          <p:cNvPr id="12" name="Connettore 11">
+            <a:extLst>
+              <a:ext uri="{FF2B5EF4-FFF2-40B4-BE49-F238E27FC236}">
+                <a16:creationId xmlns:a16="http://schemas.microsoft.com/office/drawing/2014/main" id="{92095D8C-8CCA-4CC6-B2D2-E1BC4732F321}"/>
+              </a:ext>
+            </a:extLst>
+          </p:cNvPr>
+          <p:cNvSpPr/>
+          <p:nvPr/>
+        </p:nvSpPr>
+        <p:spPr>
+          <a:xfrm>
+            <a:off x="11455401" y="6273800"/>
+            <a:ext cx="512910" cy="470291"/>
+          </a:xfrm>
+          <a:prstGeom prst="flowChartConnector">
+            <a:avLst/>
+          </a:prstGeom>
+        </p:spPr>
+        <p:style>
+          <a:lnRef idx="2">
+            <a:schemeClr val="accent1">
+              <a:shade val="50000"/>
+            </a:schemeClr>
+          </a:lnRef>
+          <a:fillRef idx="1">
+            <a:schemeClr val="accent1"/>
+          </a:fillRef>
+          <a:effectRef idx="0">
+            <a:schemeClr val="accent1"/>
+          </a:effectRef>
+          <a:fontRef idx="minor">
+            <a:schemeClr val="lt1"/>
+          </a:fontRef>
+        </p:style>
+        <p:txBody>
+          <a:bodyPr rtlCol="0" anchor="ctr"/>
+          <a:lstStyle/>
+          <a:p>
+            <a:pPr algn="ctr"/>
             <a:fld id="{3A98EE3D-8CD1-4C3F-BD1C-C98C9596463C}" type="slidenum">
               <a:rPr lang="it-IT" sz="1200" b="1"/>
               <a:pPr algn="ctr"/>
-              <a:t>6</a:t>
+              <a:t>7</a:t>
             </a:fld>
             <a:endParaRPr lang="it-IT" b="1" dirty="0"/>
           </a:p>
@@ -17379,653 +17721,8 @@
           </a:p>
         </p:txBody>
       </p:sp>
-      <p:sp>
-        <p:nvSpPr>
-          <p:cNvPr id="15" name="Titolo 4">
-            <a:extLst>
-              <a:ext uri="{FF2B5EF4-FFF2-40B4-BE49-F238E27FC236}">
-                <a16:creationId xmlns:a16="http://schemas.microsoft.com/office/drawing/2014/main" id="{EFBB75AF-4B31-098D-32F9-BC061358964E}"/>
-              </a:ext>
-            </a:extLst>
-          </p:cNvPr>
-          <p:cNvSpPr>
-            <a:spLocks noGrp="1"/>
-          </p:cNvSpPr>
-          <p:nvPr>
-            <p:ph type="title"/>
-          </p:nvPr>
-        </p:nvSpPr>
-        <p:spPr>
-          <a:xfrm>
-            <a:off x="590927" y="535936"/>
-            <a:ext cx="9439764" cy="700340"/>
-          </a:xfrm>
-        </p:spPr>
-        <p:txBody>
-          <a:bodyPr vert="horz" lIns="91440" tIns="45720" rIns="91440" bIns="45720" rtlCol="0" anchor="b">
-            <a:noAutofit/>
-          </a:bodyPr>
-          <a:lstStyle/>
-          <a:p>
-            <a:pPr rtl="0"/>
-            <a:r>
-              <a:rPr lang="it-IT" sz="4400" dirty="0">
-                <a:solidFill>
-                  <a:schemeClr val="tx1">
-                    <a:lumMod val="75000"/>
-                    <a:lumOff val="25000"/>
-                  </a:schemeClr>
-                </a:solidFill>
-              </a:rPr>
-              <a:t>RC </a:t>
-            </a:r>
-            <a:r>
-              <a:rPr lang="it-IT" sz="4400" dirty="0" err="1">
-                <a:solidFill>
-                  <a:schemeClr val="tx1">
-                    <a:lumMod val="75000"/>
-                    <a:lumOff val="25000"/>
-                  </a:schemeClr>
-                </a:solidFill>
-              </a:rPr>
-              <a:t>oscillator</a:t>
-            </a:r>
-            <a:r>
-              <a:rPr lang="it-IT" sz="4400" dirty="0">
-                <a:solidFill>
-                  <a:schemeClr val="tx1">
-                    <a:lumMod val="75000"/>
-                    <a:lumOff val="25000"/>
-                  </a:schemeClr>
-                </a:solidFill>
-              </a:rPr>
-              <a:t> with AD8627</a:t>
-            </a:r>
-          </a:p>
-        </p:txBody>
-      </p:sp>
-      <p:sp>
-        <p:nvSpPr>
-          <p:cNvPr id="16" name="Segnaposto contenuto 2">
-            <a:extLst>
-              <a:ext uri="{FF2B5EF4-FFF2-40B4-BE49-F238E27FC236}">
-                <a16:creationId xmlns:a16="http://schemas.microsoft.com/office/drawing/2014/main" id="{2D28C155-A62A-94C1-AF5F-EA612997C9CC}"/>
-              </a:ext>
-            </a:extLst>
-          </p:cNvPr>
-          <p:cNvSpPr>
-            <a:spLocks noGrp="1"/>
-          </p:cNvSpPr>
-          <p:nvPr>
-            <p:ph idx="1"/>
-          </p:nvPr>
-        </p:nvSpPr>
-        <p:spPr>
-          <a:xfrm>
-            <a:off x="758377" y="1452869"/>
-            <a:ext cx="10842695" cy="1253386"/>
-          </a:xfrm>
-        </p:spPr>
-        <p:txBody>
-          <a:bodyPr>
-            <a:normAutofit/>
-          </a:bodyPr>
-          <a:lstStyle/>
-          <a:p>
-            <a:pPr marL="0" indent="0">
-              <a:buNone/>
-            </a:pPr>
-            <a:r>
-              <a:rPr lang="it-IT" dirty="0"/>
-              <a:t>Abbiamo quindi sostituito gli </a:t>
-            </a:r>
-            <a:r>
-              <a:rPr lang="it-IT" dirty="0" err="1"/>
-              <a:t>opamp</a:t>
-            </a:r>
-            <a:r>
-              <a:rPr lang="it-IT" dirty="0"/>
-              <a:t> del primo modello con gli </a:t>
-            </a:r>
-            <a:r>
-              <a:rPr lang="it-IT" dirty="0" err="1"/>
-              <a:t>opamp</a:t>
-            </a:r>
-            <a:r>
-              <a:rPr lang="it-IT" dirty="0"/>
-              <a:t> AD8627. questo </a:t>
-            </a:r>
-            <a:r>
-              <a:rPr lang="it-IT" dirty="0" err="1"/>
-              <a:t>opamp</a:t>
-            </a:r>
-            <a:r>
-              <a:rPr lang="it-IT" dirty="0"/>
-              <a:t> non è disponibile direttamente nelle librerie di </a:t>
-            </a:r>
-            <a:r>
-              <a:rPr lang="it-IT" dirty="0" err="1"/>
-              <a:t>ltspice</a:t>
-            </a:r>
-            <a:r>
-              <a:rPr lang="it-IT" dirty="0"/>
-              <a:t>, ma può essere aggiunto scaricando il suo </a:t>
-            </a:r>
-            <a:r>
-              <a:rPr lang="it-IT" dirty="0" err="1"/>
-              <a:t>schematics</a:t>
-            </a:r>
-            <a:r>
-              <a:rPr lang="it-IT" dirty="0"/>
-              <a:t> da </a:t>
-            </a:r>
-            <a:r>
-              <a:rPr lang="it-IT" dirty="0">
-                <a:hlinkClick r:id="rId5"/>
-              </a:rPr>
-              <a:t>https://www.analog.com/en/products/ad8627.html</a:t>
-            </a:r>
-            <a:r>
-              <a:rPr lang="it-IT" dirty="0"/>
-              <a:t> </a:t>
-            </a:r>
-          </a:p>
-        </p:txBody>
-      </p:sp>
-      <p:pic>
-        <p:nvPicPr>
-          <p:cNvPr id="5" name="Immagine 4">
-            <a:extLst>
-              <a:ext uri="{FF2B5EF4-FFF2-40B4-BE49-F238E27FC236}">
-                <a16:creationId xmlns:a16="http://schemas.microsoft.com/office/drawing/2014/main" id="{81F1E06D-DB56-5146-4605-98EE3ECC10B5}"/>
-              </a:ext>
-            </a:extLst>
-          </p:cNvPr>
-          <p:cNvPicPr>
-            <a:picLocks noChangeAspect="1"/>
-          </p:cNvPicPr>
-          <p:nvPr/>
-        </p:nvPicPr>
-        <p:blipFill>
-          <a:blip r:embed="rId6"/>
-          <a:stretch>
-            <a:fillRect/>
-          </a:stretch>
-        </p:blipFill>
-        <p:spPr>
-          <a:xfrm>
-            <a:off x="2480829" y="2802445"/>
-            <a:ext cx="6690880" cy="3519619"/>
-          </a:xfrm>
-          <a:prstGeom prst="rect">
-            <a:avLst/>
-          </a:prstGeom>
-        </p:spPr>
-      </p:pic>
-    </p:spTree>
-    <p:extLst>
-      <p:ext uri="{BB962C8B-B14F-4D97-AF65-F5344CB8AC3E}">
-        <p14:creationId xmlns:p14="http://schemas.microsoft.com/office/powerpoint/2010/main" val="246065438"/>
-      </p:ext>
-    </p:extLst>
-  </p:cSld>
-  <p:clrMapOvr>
-    <a:masterClrMapping/>
-  </p:clrMapOvr>
-</p:sld>
-</file>
-
-<file path=ppt/slides/slide7.xml><?xml version="1.0" encoding="utf-8"?>
-<p:sld xmlns:a="http://schemas.openxmlformats.org/drawingml/2006/main" xmlns:r="http://schemas.openxmlformats.org/officeDocument/2006/relationships" xmlns:p="http://schemas.openxmlformats.org/presentationml/2006/main">
-  <p:cSld>
-    <p:spTree>
-      <p:nvGrpSpPr>
-        <p:cNvPr id="1" name=""/>
-        <p:cNvGrpSpPr/>
-        <p:nvPr/>
-      </p:nvGrpSpPr>
-      <p:grpSpPr>
-        <a:xfrm>
-          <a:off x="0" y="0"/>
-          <a:ext cx="0" cy="0"/>
-          <a:chOff x="0" y="0"/>
-          <a:chExt cx="0" cy="0"/>
-        </a:xfrm>
-      </p:grpSpPr>
-      <p:sp>
-        <p:nvSpPr>
-          <p:cNvPr id="4" name="Rettangolo 3">
-            <a:extLst>
-              <a:ext uri="{FF2B5EF4-FFF2-40B4-BE49-F238E27FC236}">
-                <a16:creationId xmlns:a16="http://schemas.microsoft.com/office/drawing/2014/main" id="{D22E5227-66DC-4545-A93A-3BAE57987144}"/>
-              </a:ext>
-            </a:extLst>
-          </p:cNvPr>
-          <p:cNvSpPr/>
-          <p:nvPr/>
-        </p:nvSpPr>
-        <p:spPr>
-          <a:xfrm>
-            <a:off x="590927" y="2477070"/>
-            <a:ext cx="2955837" cy="457195"/>
-          </a:xfrm>
-          <a:prstGeom prst="rect">
-            <a:avLst/>
-          </a:prstGeom>
-          <a:solidFill>
-            <a:schemeClr val="bg1"/>
-          </a:solidFill>
-          <a:ln>
-            <a:solidFill>
-              <a:schemeClr val="bg1"/>
-            </a:solidFill>
-          </a:ln>
-        </p:spPr>
-        <p:style>
-          <a:lnRef idx="2">
-            <a:schemeClr val="accent1">
-              <a:shade val="50000"/>
-            </a:schemeClr>
-          </a:lnRef>
-          <a:fillRef idx="1">
-            <a:schemeClr val="accent1"/>
-          </a:fillRef>
-          <a:effectRef idx="0">
-            <a:schemeClr val="accent1"/>
-          </a:effectRef>
-          <a:fontRef idx="minor">
-            <a:schemeClr val="lt1"/>
-          </a:fontRef>
-        </p:style>
-        <p:txBody>
-          <a:bodyPr rtlCol="0" anchor="ctr"/>
-          <a:lstStyle/>
-          <a:p>
-            <a:pPr algn="ctr"/>
-            <a:endParaRPr lang="it-IT"/>
-          </a:p>
-        </p:txBody>
-      </p:sp>
-      <p:pic>
-        <p:nvPicPr>
-          <p:cNvPr id="10" name="Elemento grafico 9">
-            <a:extLst>
-              <a:ext uri="{FF2B5EF4-FFF2-40B4-BE49-F238E27FC236}">
-                <a16:creationId xmlns:a16="http://schemas.microsoft.com/office/drawing/2014/main" id="{54A47743-7725-4A33-93CA-EFB89C10D1EC}"/>
-              </a:ext>
-            </a:extLst>
-          </p:cNvPr>
-          <p:cNvPicPr>
-            <a:picLocks noChangeAspect="1"/>
-          </p:cNvPicPr>
-          <p:nvPr/>
-        </p:nvPicPr>
-        <p:blipFill>
-          <a:blip r:embed="rId3" cstate="print">
-            <a:extLst>
-              <a:ext uri="{28A0092B-C50C-407E-A947-70E740481C1C}">
-                <a14:useLocalDpi xmlns:a14="http://schemas.microsoft.com/office/drawing/2010/main" val="0"/>
-              </a:ext>
-              <a:ext uri="{96DAC541-7B7A-43D3-8B79-37D633B846F1}">
-                <asvg:svgBlip xmlns:asvg="http://schemas.microsoft.com/office/drawing/2016/SVG/main" r:embed="rId4"/>
-              </a:ext>
-            </a:extLst>
-          </a:blip>
-          <a:stretch>
-            <a:fillRect/>
-          </a:stretch>
-        </p:blipFill>
-        <p:spPr>
-          <a:xfrm>
-            <a:off x="207095" y="6043750"/>
-            <a:ext cx="1770209" cy="700341"/>
-          </a:xfrm>
-          <a:prstGeom prst="rect">
-            <a:avLst/>
-          </a:prstGeom>
-        </p:spPr>
-      </p:pic>
-      <p:sp>
-        <p:nvSpPr>
-          <p:cNvPr id="12" name="Connettore 11">
-            <a:extLst>
-              <a:ext uri="{FF2B5EF4-FFF2-40B4-BE49-F238E27FC236}">
-                <a16:creationId xmlns:a16="http://schemas.microsoft.com/office/drawing/2014/main" id="{92095D8C-8CCA-4CC6-B2D2-E1BC4732F321}"/>
-              </a:ext>
-            </a:extLst>
-          </p:cNvPr>
-          <p:cNvSpPr/>
-          <p:nvPr/>
-        </p:nvSpPr>
-        <p:spPr>
-          <a:xfrm>
-            <a:off x="11455401" y="6273800"/>
-            <a:ext cx="512910" cy="470291"/>
-          </a:xfrm>
-          <a:prstGeom prst="flowChartConnector">
-            <a:avLst/>
-          </a:prstGeom>
-        </p:spPr>
-        <p:style>
-          <a:lnRef idx="2">
-            <a:schemeClr val="accent1">
-              <a:shade val="50000"/>
-            </a:schemeClr>
-          </a:lnRef>
-          <a:fillRef idx="1">
-            <a:schemeClr val="accent1"/>
-          </a:fillRef>
-          <a:effectRef idx="0">
-            <a:schemeClr val="accent1"/>
-          </a:effectRef>
-          <a:fontRef idx="minor">
-            <a:schemeClr val="lt1"/>
-          </a:fontRef>
-        </p:style>
-        <p:txBody>
-          <a:bodyPr rtlCol="0" anchor="ctr"/>
-          <a:lstStyle/>
-          <a:p>
-            <a:pPr algn="ctr"/>
-            <a:fld id="{3A98EE3D-8CD1-4C3F-BD1C-C98C9596463C}" type="slidenum">
-              <a:rPr lang="it-IT" sz="1200" b="1"/>
-              <a:pPr algn="ctr"/>
-              <a:t>7</a:t>
-            </a:fld>
-            <a:endParaRPr lang="it-IT" b="1" dirty="0"/>
-          </a:p>
-        </p:txBody>
-      </p:sp>
-      <p:sp>
-        <p:nvSpPr>
-          <p:cNvPr id="13" name="Segnaposto contenuto 5">
-            <a:extLst>
-              <a:ext uri="{FF2B5EF4-FFF2-40B4-BE49-F238E27FC236}">
-                <a16:creationId xmlns:a16="http://schemas.microsoft.com/office/drawing/2014/main" id="{B17E8C38-DDF5-41B9-B467-914D34FF3AAB}"/>
-              </a:ext>
-            </a:extLst>
-          </p:cNvPr>
-          <p:cNvSpPr txBox="1">
-            <a:spLocks/>
-          </p:cNvSpPr>
-          <p:nvPr/>
-        </p:nvSpPr>
-        <p:spPr>
-          <a:xfrm>
-            <a:off x="6620787" y="1452869"/>
-            <a:ext cx="4542547" cy="4590875"/>
-          </a:xfrm>
-          <a:prstGeom prst="rect">
-            <a:avLst/>
-          </a:prstGeom>
-        </p:spPr>
-        <p:txBody>
-          <a:bodyPr vert="horz" lIns="0" tIns="45720" rIns="0" bIns="45720" rtlCol="0" anchor="t">
-            <a:normAutofit/>
-          </a:bodyPr>
-          <a:lstStyle>
-            <a:lvl1pPr marL="266700" indent="-266700" algn="l" defTabSz="914400" rtl="0" eaLnBrk="1" latinLnBrk="0" hangingPunct="1">
-              <a:lnSpc>
-                <a:spcPct val="100000"/>
-              </a:lnSpc>
-              <a:spcBef>
-                <a:spcPts val="1200"/>
-              </a:spcBef>
-              <a:spcAft>
-                <a:spcPts val="200"/>
-              </a:spcAft>
-              <a:buClr>
-                <a:schemeClr val="accent1"/>
-              </a:buClr>
-              <a:buSzPct val="100000"/>
-              <a:buFont typeface="Wingdings" panose="05000000000000000000" pitchFamily="2" charset="2"/>
-              <a:buChar char="§"/>
-              <a:defRPr sz="2400" kern="1200">
-                <a:solidFill>
-                  <a:schemeClr val="tx1">
-                    <a:lumMod val="75000"/>
-                    <a:lumOff val="25000"/>
-                  </a:schemeClr>
-                </a:solidFill>
-                <a:latin typeface="+mn-lt"/>
-                <a:ea typeface="+mn-ea"/>
-                <a:cs typeface="+mn-cs"/>
-              </a:defRPr>
-            </a:lvl1pPr>
-            <a:lvl2pPr marL="384048" indent="-182880" algn="l" defTabSz="914400" rtl="0" eaLnBrk="1" latinLnBrk="0" hangingPunct="1">
-              <a:lnSpc>
-                <a:spcPct val="100000"/>
-              </a:lnSpc>
-              <a:spcBef>
-                <a:spcPts val="200"/>
-              </a:spcBef>
-              <a:spcAft>
-                <a:spcPts val="400"/>
-              </a:spcAft>
-              <a:buClr>
-                <a:schemeClr val="accent1"/>
-              </a:buClr>
-              <a:buFont typeface="Wingdings" panose="05000000000000000000" pitchFamily="2" charset="2"/>
-              <a:buChar char="§"/>
-              <a:defRPr sz="2000" kern="1200">
-                <a:solidFill>
-                  <a:schemeClr val="tx1">
-                    <a:lumMod val="75000"/>
-                    <a:lumOff val="25000"/>
-                  </a:schemeClr>
-                </a:solidFill>
-                <a:latin typeface="+mn-lt"/>
-                <a:ea typeface="+mn-ea"/>
-                <a:cs typeface="+mn-cs"/>
-              </a:defRPr>
-            </a:lvl2pPr>
-            <a:lvl3pPr marL="566928" indent="-182880" algn="l" defTabSz="914400" rtl="0" eaLnBrk="1" latinLnBrk="0" hangingPunct="1">
-              <a:lnSpc>
-                <a:spcPct val="100000"/>
-              </a:lnSpc>
-              <a:spcBef>
-                <a:spcPts val="200"/>
-              </a:spcBef>
-              <a:spcAft>
-                <a:spcPts val="400"/>
-              </a:spcAft>
-              <a:buClr>
-                <a:schemeClr val="accent1"/>
-              </a:buClr>
-              <a:buFont typeface="Wingdings" panose="05000000000000000000" pitchFamily="2" charset="2"/>
-              <a:buChar char="§"/>
-              <a:defRPr sz="1600" kern="1200">
-                <a:solidFill>
-                  <a:schemeClr val="tx1">
-                    <a:lumMod val="75000"/>
-                    <a:lumOff val="25000"/>
-                  </a:schemeClr>
-                </a:solidFill>
-                <a:latin typeface="+mn-lt"/>
-                <a:ea typeface="+mn-ea"/>
-                <a:cs typeface="+mn-cs"/>
-              </a:defRPr>
-            </a:lvl3pPr>
-            <a:lvl4pPr marL="749808" indent="-182880" algn="l" defTabSz="914400" rtl="0" eaLnBrk="1" latinLnBrk="0" hangingPunct="1">
-              <a:lnSpc>
-                <a:spcPct val="100000"/>
-              </a:lnSpc>
-              <a:spcBef>
-                <a:spcPts val="200"/>
-              </a:spcBef>
-              <a:spcAft>
-                <a:spcPts val="400"/>
-              </a:spcAft>
-              <a:buClr>
-                <a:schemeClr val="accent1"/>
-              </a:buClr>
-              <a:buFont typeface="Wingdings" panose="05000000000000000000" pitchFamily="2" charset="2"/>
-              <a:buChar char="§"/>
-              <a:defRPr sz="1600" kern="1200">
-                <a:solidFill>
-                  <a:schemeClr val="tx1">
-                    <a:lumMod val="75000"/>
-                    <a:lumOff val="25000"/>
-                  </a:schemeClr>
-                </a:solidFill>
-                <a:latin typeface="+mn-lt"/>
-                <a:ea typeface="+mn-ea"/>
-                <a:cs typeface="+mn-cs"/>
-              </a:defRPr>
-            </a:lvl4pPr>
-            <a:lvl5pPr marL="932688" indent="-182880" algn="l" defTabSz="914400" rtl="0" eaLnBrk="1" latinLnBrk="0" hangingPunct="1">
-              <a:lnSpc>
-                <a:spcPct val="100000"/>
-              </a:lnSpc>
-              <a:spcBef>
-                <a:spcPts val="200"/>
-              </a:spcBef>
-              <a:spcAft>
-                <a:spcPts val="400"/>
-              </a:spcAft>
-              <a:buClr>
-                <a:schemeClr val="accent1"/>
-              </a:buClr>
-              <a:buFont typeface="Wingdings" panose="05000000000000000000" pitchFamily="2" charset="2"/>
-              <a:buChar char="§"/>
-              <a:defRPr sz="1600" kern="1200">
-                <a:solidFill>
-                  <a:schemeClr val="tx1">
-                    <a:lumMod val="75000"/>
-                    <a:lumOff val="25000"/>
-                  </a:schemeClr>
-                </a:solidFill>
-                <a:latin typeface="+mn-lt"/>
-                <a:ea typeface="+mn-ea"/>
-                <a:cs typeface="+mn-cs"/>
-              </a:defRPr>
-            </a:lvl5pPr>
-            <a:lvl6pPr marL="1100000" indent="-228600" algn="l" defTabSz="914400" rtl="0" eaLnBrk="1" latinLnBrk="0" hangingPunct="1">
-              <a:lnSpc>
-                <a:spcPct val="90000"/>
-              </a:lnSpc>
-              <a:spcBef>
-                <a:spcPts val="200"/>
-              </a:spcBef>
-              <a:spcAft>
-                <a:spcPts val="400"/>
-              </a:spcAft>
-              <a:buClr>
-                <a:schemeClr val="accent1"/>
-              </a:buClr>
-              <a:buFont typeface="Calibri" pitchFamily="34" charset="0"/>
-              <a:buChar char="◦"/>
-              <a:defRPr sz="1400" kern="1200">
-                <a:solidFill>
-                  <a:schemeClr val="tx1">
-                    <a:lumMod val="75000"/>
-                    <a:lumOff val="25000"/>
-                  </a:schemeClr>
-                </a:solidFill>
-                <a:latin typeface="+mn-lt"/>
-                <a:ea typeface="+mn-ea"/>
-                <a:cs typeface="+mn-cs"/>
-              </a:defRPr>
-            </a:lvl6pPr>
-            <a:lvl7pPr marL="1300000" indent="-228600" algn="l" defTabSz="914400" rtl="0" eaLnBrk="1" latinLnBrk="0" hangingPunct="1">
-              <a:lnSpc>
-                <a:spcPct val="90000"/>
-              </a:lnSpc>
-              <a:spcBef>
-                <a:spcPts val="200"/>
-              </a:spcBef>
-              <a:spcAft>
-                <a:spcPts val="400"/>
-              </a:spcAft>
-              <a:buClr>
-                <a:schemeClr val="accent1"/>
-              </a:buClr>
-              <a:buFont typeface="Calibri" pitchFamily="34" charset="0"/>
-              <a:buChar char="◦"/>
-              <a:defRPr sz="1400" kern="1200">
-                <a:solidFill>
-                  <a:schemeClr val="tx1">
-                    <a:lumMod val="75000"/>
-                    <a:lumOff val="25000"/>
-                  </a:schemeClr>
-                </a:solidFill>
-                <a:latin typeface="+mn-lt"/>
-                <a:ea typeface="+mn-ea"/>
-                <a:cs typeface="+mn-cs"/>
-              </a:defRPr>
-            </a:lvl7pPr>
-            <a:lvl8pPr marL="1500000" indent="-228600" algn="l" defTabSz="914400" rtl="0" eaLnBrk="1" latinLnBrk="0" hangingPunct="1">
-              <a:lnSpc>
-                <a:spcPct val="90000"/>
-              </a:lnSpc>
-              <a:spcBef>
-                <a:spcPts val="200"/>
-              </a:spcBef>
-              <a:spcAft>
-                <a:spcPts val="400"/>
-              </a:spcAft>
-              <a:buClr>
-                <a:schemeClr val="accent1"/>
-              </a:buClr>
-              <a:buFont typeface="Calibri" pitchFamily="34" charset="0"/>
-              <a:buChar char="◦"/>
-              <a:defRPr sz="1400" kern="1200">
-                <a:solidFill>
-                  <a:schemeClr val="tx1">
-                    <a:lumMod val="75000"/>
-                    <a:lumOff val="25000"/>
-                  </a:schemeClr>
-                </a:solidFill>
-                <a:latin typeface="+mn-lt"/>
-                <a:ea typeface="+mn-ea"/>
-                <a:cs typeface="+mn-cs"/>
-              </a:defRPr>
-            </a:lvl8pPr>
-            <a:lvl9pPr marL="1700000" indent="-228600" algn="l" defTabSz="914400" rtl="0" eaLnBrk="1" latinLnBrk="0" hangingPunct="1">
-              <a:lnSpc>
-                <a:spcPct val="90000"/>
-              </a:lnSpc>
-              <a:spcBef>
-                <a:spcPts val="200"/>
-              </a:spcBef>
-              <a:spcAft>
-                <a:spcPts val="400"/>
-              </a:spcAft>
-              <a:buClr>
-                <a:schemeClr val="accent1"/>
-              </a:buClr>
-              <a:buFont typeface="Calibri" pitchFamily="34" charset="0"/>
-              <a:buChar char="◦"/>
-              <a:defRPr sz="1400" kern="1200">
-                <a:solidFill>
-                  <a:schemeClr val="tx1">
-                    <a:lumMod val="75000"/>
-                    <a:lumOff val="25000"/>
-                  </a:schemeClr>
-                </a:solidFill>
-                <a:latin typeface="+mn-lt"/>
-                <a:ea typeface="+mn-ea"/>
-                <a:cs typeface="+mn-cs"/>
-              </a:defRPr>
-            </a:lvl9pPr>
-          </a:lstStyle>
-          <a:p>
-            <a:endParaRPr lang="it-IT" dirty="0">
-              <a:latin typeface="+mj-lt"/>
-            </a:endParaRPr>
-          </a:p>
-          <a:p>
-            <a:pPr marL="0" indent="0">
-              <a:buNone/>
-            </a:pPr>
-            <a:endParaRPr lang="it-IT" dirty="0">
-              <a:latin typeface="+mj-lt"/>
-            </a:endParaRPr>
-          </a:p>
-        </p:txBody>
-      </p:sp>
-      <mc:AlternateContent xmlns:mc="http://schemas.openxmlformats.org/markup-compatibility/2006" xmlns:a14="http://schemas.microsoft.com/office/drawing/2010/main">
-        <mc:Choice Requires="a14">
+      <mc:AlternateContent xmlns:mc="http://schemas.openxmlformats.org/markup-compatibility/2006">
+        <mc:Choice xmlns:a14="http://schemas.microsoft.com/office/drawing/2010/main" Requires="a14">
           <p:sp>
             <p:nvSpPr>
               <p:cNvPr id="14" name="CasellaDiTesto 13">
@@ -18041,7 +17738,7 @@
             <p:spPr>
               <a:xfrm>
                 <a:off x="8543583" y="322636"/>
-                <a:ext cx="3168273" cy="6186309"/>
+                <a:ext cx="3168273" cy="6463308"/>
               </a:xfrm>
               <a:prstGeom prst="rect">
                 <a:avLst/>
@@ -18080,6 +17777,20 @@
                   <a:t>opamp</a:t>
                 </a:r>
                 <a:endParaRPr lang="it-IT" dirty="0"/>
+              </a:p>
+              <a:p>
+                <a:pPr marL="285750" indent="-285750">
+                  <a:buFont typeface="Arial" panose="020B0604020202020204" pitchFamily="34" charset="0"/>
+                  <a:buChar char="•"/>
+                </a:pPr>
+                <a:r>
+                  <a:rPr lang="it-IT" dirty="0">
+                    <a:latin typeface="Calibri" panose="020F0502020204030204" pitchFamily="34" charset="0"/>
+                    <a:ea typeface="Calibri" panose="020F0502020204030204" pitchFamily="34" charset="0"/>
+                    <a:cs typeface="Times New Roman" panose="02020603050405020304" pitchFamily="18" charset="0"/>
+                  </a:rPr>
+                  <a:t>Ci interessiamo subito alla stessa frequenza dove il modello precedente prima non funzionava correttamente. Notiamo che l’onda quadra è bistrattata ma l’onda triangolare c’è ed è simile a quella che si aspetteremmo</a:t>
+                </a:r>
               </a:p>
               <a:p>
                 <a:pPr marL="285750" indent="-285750">
@@ -18158,6 +17869,35 @@
                       </a:rPr>
                       <m:t>𝑉</m:t>
                     </m:r>
+                  </m:oMath>
+                </a14:m>
+                <a:r>
+                  <a:rPr lang="it-IT" sz="1800" i="1" dirty="0">
+                    <a:effectLst/>
+                    <a:latin typeface="Cambria Math" panose="02040503050406030204" pitchFamily="18" charset="0"/>
+                    <a:ea typeface="Calibri" panose="020F0502020204030204" pitchFamily="34" charset="0"/>
+                    <a:cs typeface="Times New Roman" panose="02020603050405020304" pitchFamily="18" charset="0"/>
+                  </a:rPr>
+                  <a:t> </a:t>
+                </a:r>
+                <a:r>
+                  <a:rPr lang="it-IT" dirty="0">
+                    <a:latin typeface="Calibri" panose="020F0502020204030204" pitchFamily="34" charset="0"/>
+                    <a:ea typeface="Calibri" panose="020F0502020204030204" pitchFamily="34" charset="0"/>
+                    <a:cs typeface="Times New Roman" panose="02020603050405020304" pitchFamily="18" charset="0"/>
+                  </a:rPr>
+                  <a:t>e ci aspettiamo</a:t>
+                </a:r>
+                <a:r>
+                  <a:rPr lang="it-IT" i="1" dirty="0">
+                    <a:latin typeface="Cambria Math" panose="02040503050406030204" pitchFamily="18" charset="0"/>
+                    <a:ea typeface="Calibri" panose="020F0502020204030204" pitchFamily="34" charset="0"/>
+                    <a:cs typeface="Times New Roman" panose="02020603050405020304" pitchFamily="18" charset="0"/>
+                  </a:rPr>
+                  <a:t> </a:t>
+                </a:r>
+                <a14:m>
+                  <m:oMath xmlns:m="http://schemas.openxmlformats.org/officeDocument/2006/math">
                     <m:r>
                       <a:rPr lang="it-IT" sz="1800" b="0" i="1" smtClean="0">
                         <a:effectLst/>
@@ -18165,39 +17905,7 @@
                         <a:ea typeface="Calibri" panose="020F0502020204030204" pitchFamily="34" charset="0"/>
                         <a:cs typeface="Times New Roman" panose="02020603050405020304" pitchFamily="18" charset="0"/>
                       </a:rPr>
-                      <m:t> </m:t>
-                    </m:r>
-                  </m:oMath>
-                </a14:m>
-                <a:endParaRPr lang="it-IT" sz="1800" b="0" i="1" dirty="0">
-                  <a:effectLst/>
-                  <a:latin typeface="Cambria Math" panose="02040503050406030204" pitchFamily="18" charset="0"/>
-                  <a:ea typeface="Calibri" panose="020F0502020204030204" pitchFamily="34" charset="0"/>
-                  <a:cs typeface="Times New Roman" panose="02020603050405020304" pitchFamily="18" charset="0"/>
-                </a:endParaRPr>
-              </a:p>
-              <a:p>
-                <a:pPr marL="285750" indent="-285750">
-                  <a:buFont typeface="Arial" panose="020B0604020202020204" pitchFamily="34" charset="0"/>
-                  <a:buChar char="•"/>
-                </a:pPr>
-                <a:r>
-                  <a:rPr lang="it-IT" dirty="0">
-                    <a:ea typeface="Calibri" panose="020F0502020204030204" pitchFamily="34" charset="0"/>
-                    <a:cs typeface="Times New Roman" panose="02020603050405020304" pitchFamily="18" charset="0"/>
-                  </a:rPr>
-                  <a:t>F </a:t>
-                </a:r>
-                <a14:m>
-                  <m:oMath xmlns:m="http://schemas.openxmlformats.org/officeDocument/2006/math">
-                    <m:r>
-                      <a:rPr lang="it-IT" sz="1800" i="1">
-                        <a:effectLst/>
-                        <a:latin typeface="Cambria Math" panose="02040503050406030204" pitchFamily="18" charset="0"/>
-                        <a:ea typeface="Calibri" panose="020F0502020204030204" pitchFamily="34" charset="0"/>
-                        <a:cs typeface="Times New Roman" panose="02020603050405020304" pitchFamily="18" charset="0"/>
-                      </a:rPr>
-                      <m:t>=250</m:t>
+                      <m:t>𝑓</m:t>
                     </m:r>
                     <m:r>
                       <a:rPr lang="it-IT" sz="1800" b="0" i="1" smtClean="0">
@@ -18206,7 +17914,7 @@
                         <a:ea typeface="Calibri" panose="020F0502020204030204" pitchFamily="34" charset="0"/>
                         <a:cs typeface="Times New Roman" panose="02020603050405020304" pitchFamily="18" charset="0"/>
                       </a:rPr>
-                      <m:t>0</m:t>
+                      <m:t>=2500</m:t>
                     </m:r>
                     <m:r>
                       <a:rPr lang="it-IT" sz="1800" i="1">
@@ -18270,21 +17978,7 @@
                     <a:ea typeface="Calibri" panose="020F0502020204030204" pitchFamily="34" charset="0"/>
                     <a:cs typeface="Times New Roman" panose="02020603050405020304" pitchFamily="18" charset="0"/>
                   </a:rPr>
-                  <a:t>Ci interessiamo subito alla stessa frequenza dove il modello precedente prima non funzionava correttamente. Notiamo che l’onda quadra è bistrattata ma l’onda triangolare c’è ed è simile a quella che si aspetteremmo</a:t>
-                </a:r>
-              </a:p>
-              <a:p>
-                <a:pPr marL="285750" indent="-285750">
-                  <a:buFont typeface="Arial" panose="020B0604020202020204" pitchFamily="34" charset="0"/>
-                  <a:buChar char="•"/>
-                </a:pPr>
-                <a:r>
-                  <a:rPr lang="it-IT" dirty="0">
-                    <a:latin typeface="Calibri" panose="020F0502020204030204" pitchFamily="34" charset="0"/>
-                    <a:ea typeface="Calibri" panose="020F0502020204030204" pitchFamily="34" charset="0"/>
-                    <a:cs typeface="Times New Roman" panose="02020603050405020304" pitchFamily="18" charset="0"/>
-                  </a:rPr>
-                  <a:t>In compenso l’onda sinusoidale è perfetta ma nessuna delle onde ha la frequenza che ci aspettiamo perché                  </a:t>
+                  <a:t>Ma nessuna delle onde ha la frequenza che ci aspettiamo perché  </a:t>
                 </a:r>
                 <a14:m>
                   <m:oMath xmlns:m="http://schemas.openxmlformats.org/officeDocument/2006/math">
@@ -18333,8 +18027,28 @@
                   </m:oMath>
                 </a14:m>
                 <a:r>
-                  <a:rPr lang="it-IT" dirty="0"/>
-                  <a:t> </a:t>
+                  <a:rPr lang="it-IT" dirty="0">
+                    <a:latin typeface="Calibri" panose="020F0502020204030204" pitchFamily="34" charset="0"/>
+                    <a:ea typeface="Calibri" panose="020F0502020204030204" pitchFamily="34" charset="0"/>
+                    <a:cs typeface="Times New Roman" panose="02020603050405020304" pitchFamily="18" charset="0"/>
+                  </a:rPr>
+                  <a:t>. La forma </a:t>
+                </a:r>
+                <a:r>
+                  <a:rPr lang="it-IT" dirty="0" err="1">
+                    <a:latin typeface="Calibri" panose="020F0502020204030204" pitchFamily="34" charset="0"/>
+                    <a:ea typeface="Calibri" panose="020F0502020204030204" pitchFamily="34" charset="0"/>
+                    <a:cs typeface="Times New Roman" panose="02020603050405020304" pitchFamily="18" charset="0"/>
+                  </a:rPr>
+                  <a:t>delll’onda</a:t>
+                </a:r>
+                <a:r>
+                  <a:rPr lang="it-IT" dirty="0">
+                    <a:latin typeface="Calibri" panose="020F0502020204030204" pitchFamily="34" charset="0"/>
+                    <a:ea typeface="Calibri" panose="020F0502020204030204" pitchFamily="34" charset="0"/>
+                    <a:cs typeface="Times New Roman" panose="02020603050405020304" pitchFamily="18" charset="0"/>
+                  </a:rPr>
+                  <a:t> sinusoidale è buona</a:t>
                 </a:r>
                 <a:endParaRPr lang="it-IT" sz="1800" dirty="0">
                   <a:effectLst/>
@@ -18349,7 +18063,7 @@
             </p:txBody>
           </p:sp>
         </mc:Choice>
-        <mc:Fallback xmlns="">
+        <mc:Fallback>
           <p:sp>
             <p:nvSpPr>
               <p:cNvPr id="14" name="CasellaDiTesto 13">
@@ -18367,7 +18081,7 @@
             <p:spPr>
               <a:xfrm>
                 <a:off x="8543583" y="322636"/>
-                <a:ext cx="3168273" cy="6186309"/>
+                <a:ext cx="3168273" cy="6463308"/>
               </a:xfrm>
               <a:prstGeom prst="rect">
                 <a:avLst/>
@@ -18375,7 +18089,7 @@
               <a:blipFill>
                 <a:blip r:embed="rId5"/>
                 <a:stretch>
-                  <a:fillRect l="-1734" t="-591" r="-1734"/>
+                  <a:fillRect l="-1734" t="-566" r="-1927"/>
                 </a:stretch>
               </a:blipFill>
             </p:spPr>
@@ -18470,6 +18184,14 @@
 <file path=ppt/slides/slide8.xml><?xml version="1.0" encoding="utf-8"?>
 <p:sld xmlns:a="http://schemas.openxmlformats.org/drawingml/2006/main" xmlns:r="http://schemas.openxmlformats.org/officeDocument/2006/relationships" xmlns:p="http://schemas.openxmlformats.org/presentationml/2006/main">
   <p:cSld>
+    <p:bg>
+      <p:bgPr>
+        <a:solidFill>
+          <a:schemeClr val="bg1"/>
+        </a:solidFill>
+        <a:effectLst/>
+      </p:bgPr>
+    </p:bg>
     <p:spTree>
       <p:nvGrpSpPr>
         <p:cNvPr id="1" name=""/>
@@ -18486,32 +18208,107 @@
       </p:grpSpPr>
       <p:sp>
         <p:nvSpPr>
-          <p:cNvPr id="4" name="Rettangolo 3">
-            <a:extLst>
-              <a:ext uri="{FF2B5EF4-FFF2-40B4-BE49-F238E27FC236}">
-                <a16:creationId xmlns:a16="http://schemas.microsoft.com/office/drawing/2014/main" id="{D22E5227-66DC-4545-A93A-3BAE57987144}"/>
-              </a:ext>
-            </a:extLst>
-          </p:cNvPr>
-          <p:cNvSpPr/>
+          <p:cNvPr id="6" name="Titolo 5">
+            <a:extLst>
+              <a:ext uri="{FF2B5EF4-FFF2-40B4-BE49-F238E27FC236}">
+                <a16:creationId xmlns:a16="http://schemas.microsoft.com/office/drawing/2014/main" id="{CE09A200-4838-4284-BD1E-19701CABB5FE}"/>
+              </a:ext>
+            </a:extLst>
+          </p:cNvPr>
+          <p:cNvSpPr>
+            <a:spLocks noGrp="1"/>
+          </p:cNvSpPr>
+          <p:nvPr>
+            <p:ph type="title"/>
+          </p:nvPr>
+        </p:nvSpPr>
+        <p:spPr>
+          <a:xfrm>
+            <a:off x="1097280" y="286603"/>
+            <a:ext cx="10058400" cy="1450757"/>
+          </a:xfrm>
+        </p:spPr>
+        <p:txBody>
+          <a:bodyPr rtlCol="0">
+            <a:normAutofit/>
+          </a:bodyPr>
+          <a:lstStyle/>
+          <a:p>
+            <a:pPr rtl="0"/>
+            <a:r>
+              <a:rPr lang="it-IT" sz="4800" dirty="0">
+                <a:solidFill>
+                  <a:schemeClr val="tx1">
+                    <a:lumMod val="75000"/>
+                    <a:lumOff val="25000"/>
+                  </a:schemeClr>
+                </a:solidFill>
+              </a:rPr>
+              <a:t>Considerazioni finali</a:t>
+            </a:r>
+            <a:endParaRPr lang="it-IT" dirty="0"/>
+          </a:p>
+        </p:txBody>
+      </p:sp>
+      <p:pic>
+        <p:nvPicPr>
+          <p:cNvPr id="4" name="Elemento grafico 3">
+            <a:extLst>
+              <a:ext uri="{FF2B5EF4-FFF2-40B4-BE49-F238E27FC236}">
+                <a16:creationId xmlns:a16="http://schemas.microsoft.com/office/drawing/2014/main" id="{ED0A95A1-BC85-4809-B935-6A9B3C054422}"/>
+              </a:ext>
+            </a:extLst>
+          </p:cNvPr>
+          <p:cNvPicPr>
+            <a:picLocks noChangeAspect="1"/>
+          </p:cNvPicPr>
           <p:nvPr/>
-        </p:nvSpPr>
-        <p:spPr>
-          <a:xfrm>
-            <a:off x="590927" y="2477070"/>
-            <a:ext cx="2955837" cy="457195"/>
+        </p:nvPicPr>
+        <p:blipFill>
+          <a:blip r:embed="rId3" cstate="print">
+            <a:extLst>
+              <a:ext uri="{28A0092B-C50C-407E-A947-70E740481C1C}">
+                <a14:useLocalDpi xmlns:a14="http://schemas.microsoft.com/office/drawing/2010/main" val="0"/>
+              </a:ext>
+              <a:ext uri="{96DAC541-7B7A-43D3-8B79-37D633B846F1}">
+                <asvg:svgBlip xmlns:asvg="http://schemas.microsoft.com/office/drawing/2016/SVG/main" r:embed="rId4"/>
+              </a:ext>
+            </a:extLst>
+          </a:blip>
+          <a:stretch>
+            <a:fillRect/>
+          </a:stretch>
+        </p:blipFill>
+        <p:spPr>
+          <a:xfrm>
+            <a:off x="207095" y="6043750"/>
+            <a:ext cx="1770209" cy="700341"/>
           </a:xfrm>
           <a:prstGeom prst="rect">
             <a:avLst/>
           </a:prstGeom>
-          <a:solidFill>
-            <a:schemeClr val="bg1"/>
-          </a:solidFill>
-          <a:ln>
-            <a:solidFill>
-              <a:schemeClr val="bg1"/>
-            </a:solidFill>
-          </a:ln>
+        </p:spPr>
+      </p:pic>
+      <p:sp>
+        <p:nvSpPr>
+          <p:cNvPr id="10" name="Connettore 9">
+            <a:extLst>
+              <a:ext uri="{FF2B5EF4-FFF2-40B4-BE49-F238E27FC236}">
+                <a16:creationId xmlns:a16="http://schemas.microsoft.com/office/drawing/2014/main" id="{7DA3C5E2-1B7C-406E-9A80-B7F344044586}"/>
+              </a:ext>
+            </a:extLst>
+          </p:cNvPr>
+          <p:cNvSpPr/>
+          <p:nvPr/>
+        </p:nvSpPr>
+        <p:spPr>
+          <a:xfrm>
+            <a:off x="11455401" y="6273800"/>
+            <a:ext cx="512910" cy="470291"/>
+          </a:xfrm>
+          <a:prstGeom prst="flowChartConnector">
+            <a:avLst/>
+          </a:prstGeom>
         </p:spPr>
         <p:style>
           <a:lnRef idx="2">
@@ -18534,91 +18331,6 @@
           <a:lstStyle/>
           <a:p>
             <a:pPr algn="ctr"/>
-            <a:endParaRPr lang="it-IT"/>
-          </a:p>
-        </p:txBody>
-      </p:sp>
-      <p:pic>
-        <p:nvPicPr>
-          <p:cNvPr id="10" name="Elemento grafico 9">
-            <a:extLst>
-              <a:ext uri="{FF2B5EF4-FFF2-40B4-BE49-F238E27FC236}">
-                <a16:creationId xmlns:a16="http://schemas.microsoft.com/office/drawing/2014/main" id="{54A47743-7725-4A33-93CA-EFB89C10D1EC}"/>
-              </a:ext>
-            </a:extLst>
-          </p:cNvPr>
-          <p:cNvPicPr>
-            <a:picLocks noChangeAspect="1"/>
-          </p:cNvPicPr>
-          <p:nvPr/>
-        </p:nvPicPr>
-        <p:blipFill>
-          <a:blip r:embed="rId3" cstate="print">
-            <a:extLst>
-              <a:ext uri="{28A0092B-C50C-407E-A947-70E740481C1C}">
-                <a14:useLocalDpi xmlns:a14="http://schemas.microsoft.com/office/drawing/2010/main" val="0"/>
-              </a:ext>
-              <a:ext uri="{96DAC541-7B7A-43D3-8B79-37D633B846F1}">
-                <asvg:svgBlip xmlns:asvg="http://schemas.microsoft.com/office/drawing/2016/SVG/main" r:embed="rId4"/>
-              </a:ext>
-            </a:extLst>
-          </a:blip>
-          <a:stretch>
-            <a:fillRect/>
-          </a:stretch>
-        </p:blipFill>
-        <p:spPr>
-          <a:xfrm>
-            <a:off x="207095" y="6043750"/>
-            <a:ext cx="1770209" cy="700341"/>
-          </a:xfrm>
-          <a:prstGeom prst="rect">
-            <a:avLst/>
-          </a:prstGeom>
-        </p:spPr>
-      </p:pic>
-      <p:sp>
-        <p:nvSpPr>
-          <p:cNvPr id="12" name="Connettore 11">
-            <a:extLst>
-              <a:ext uri="{FF2B5EF4-FFF2-40B4-BE49-F238E27FC236}">
-                <a16:creationId xmlns:a16="http://schemas.microsoft.com/office/drawing/2014/main" id="{92095D8C-8CCA-4CC6-B2D2-E1BC4732F321}"/>
-              </a:ext>
-            </a:extLst>
-          </p:cNvPr>
-          <p:cNvSpPr/>
-          <p:nvPr/>
-        </p:nvSpPr>
-        <p:spPr>
-          <a:xfrm>
-            <a:off x="11455401" y="6273800"/>
-            <a:ext cx="512910" cy="470291"/>
-          </a:xfrm>
-          <a:prstGeom prst="flowChartConnector">
-            <a:avLst/>
-          </a:prstGeom>
-        </p:spPr>
-        <p:style>
-          <a:lnRef idx="2">
-            <a:schemeClr val="accent1">
-              <a:shade val="50000"/>
-            </a:schemeClr>
-          </a:lnRef>
-          <a:fillRef idx="1">
-            <a:schemeClr val="accent1"/>
-          </a:fillRef>
-          <a:effectRef idx="0">
-            <a:schemeClr val="accent1"/>
-          </a:effectRef>
-          <a:fontRef idx="minor">
-            <a:schemeClr val="lt1"/>
-          </a:fontRef>
-        </p:style>
-        <p:txBody>
-          <a:bodyPr rtlCol="0" anchor="ctr"/>
-          <a:lstStyle/>
-          <a:p>
-            <a:pPr algn="ctr"/>
             <a:fld id="{3A98EE3D-8CD1-4C3F-BD1C-C98C9596463C}" type="slidenum">
               <a:rPr lang="it-IT" sz="1200" b="1"/>
               <a:pPr algn="ctr"/>
@@ -18628,345 +18340,14 @@
           </a:p>
         </p:txBody>
       </p:sp>
-      <p:sp>
-        <p:nvSpPr>
-          <p:cNvPr id="13" name="Segnaposto contenuto 5">
-            <a:extLst>
-              <a:ext uri="{FF2B5EF4-FFF2-40B4-BE49-F238E27FC236}">
-                <a16:creationId xmlns:a16="http://schemas.microsoft.com/office/drawing/2014/main" id="{B17E8C38-DDF5-41B9-B467-914D34FF3AAB}"/>
-              </a:ext>
-            </a:extLst>
-          </p:cNvPr>
-          <p:cNvSpPr txBox="1">
-            <a:spLocks/>
-          </p:cNvSpPr>
-          <p:nvPr/>
-        </p:nvSpPr>
-        <p:spPr>
-          <a:xfrm>
-            <a:off x="6620787" y="1452869"/>
-            <a:ext cx="4542547" cy="4590875"/>
-          </a:xfrm>
-          <a:prstGeom prst="rect">
-            <a:avLst/>
-          </a:prstGeom>
-        </p:spPr>
-        <p:txBody>
-          <a:bodyPr vert="horz" lIns="0" tIns="45720" rIns="0" bIns="45720" rtlCol="0" anchor="t">
-            <a:normAutofit/>
-          </a:bodyPr>
-          <a:lstStyle>
-            <a:lvl1pPr marL="266700" indent="-266700" algn="l" defTabSz="914400" rtl="0" eaLnBrk="1" latinLnBrk="0" hangingPunct="1">
-              <a:lnSpc>
-                <a:spcPct val="100000"/>
-              </a:lnSpc>
-              <a:spcBef>
-                <a:spcPts val="1200"/>
-              </a:spcBef>
-              <a:spcAft>
-                <a:spcPts val="200"/>
-              </a:spcAft>
-              <a:buClr>
-                <a:schemeClr val="accent1"/>
-              </a:buClr>
-              <a:buSzPct val="100000"/>
-              <a:buFont typeface="Wingdings" panose="05000000000000000000" pitchFamily="2" charset="2"/>
-              <a:buChar char="§"/>
-              <a:defRPr sz="2400" kern="1200">
-                <a:solidFill>
-                  <a:schemeClr val="tx1">
-                    <a:lumMod val="75000"/>
-                    <a:lumOff val="25000"/>
-                  </a:schemeClr>
-                </a:solidFill>
-                <a:latin typeface="+mn-lt"/>
-                <a:ea typeface="+mn-ea"/>
-                <a:cs typeface="+mn-cs"/>
-              </a:defRPr>
-            </a:lvl1pPr>
-            <a:lvl2pPr marL="384048" indent="-182880" algn="l" defTabSz="914400" rtl="0" eaLnBrk="1" latinLnBrk="0" hangingPunct="1">
-              <a:lnSpc>
-                <a:spcPct val="100000"/>
-              </a:lnSpc>
-              <a:spcBef>
-                <a:spcPts val="200"/>
-              </a:spcBef>
-              <a:spcAft>
-                <a:spcPts val="400"/>
-              </a:spcAft>
-              <a:buClr>
-                <a:schemeClr val="accent1"/>
-              </a:buClr>
-              <a:buFont typeface="Wingdings" panose="05000000000000000000" pitchFamily="2" charset="2"/>
-              <a:buChar char="§"/>
-              <a:defRPr sz="2000" kern="1200">
-                <a:solidFill>
-                  <a:schemeClr val="tx1">
-                    <a:lumMod val="75000"/>
-                    <a:lumOff val="25000"/>
-                  </a:schemeClr>
-                </a:solidFill>
-                <a:latin typeface="+mn-lt"/>
-                <a:ea typeface="+mn-ea"/>
-                <a:cs typeface="+mn-cs"/>
-              </a:defRPr>
-            </a:lvl2pPr>
-            <a:lvl3pPr marL="566928" indent="-182880" algn="l" defTabSz="914400" rtl="0" eaLnBrk="1" latinLnBrk="0" hangingPunct="1">
-              <a:lnSpc>
-                <a:spcPct val="100000"/>
-              </a:lnSpc>
-              <a:spcBef>
-                <a:spcPts val="200"/>
-              </a:spcBef>
-              <a:spcAft>
-                <a:spcPts val="400"/>
-              </a:spcAft>
-              <a:buClr>
-                <a:schemeClr val="accent1"/>
-              </a:buClr>
-              <a:buFont typeface="Wingdings" panose="05000000000000000000" pitchFamily="2" charset="2"/>
-              <a:buChar char="§"/>
-              <a:defRPr sz="1600" kern="1200">
-                <a:solidFill>
-                  <a:schemeClr val="tx1">
-                    <a:lumMod val="75000"/>
-                    <a:lumOff val="25000"/>
-                  </a:schemeClr>
-                </a:solidFill>
-                <a:latin typeface="+mn-lt"/>
-                <a:ea typeface="+mn-ea"/>
-                <a:cs typeface="+mn-cs"/>
-              </a:defRPr>
-            </a:lvl3pPr>
-            <a:lvl4pPr marL="749808" indent="-182880" algn="l" defTabSz="914400" rtl="0" eaLnBrk="1" latinLnBrk="0" hangingPunct="1">
-              <a:lnSpc>
-                <a:spcPct val="100000"/>
-              </a:lnSpc>
-              <a:spcBef>
-                <a:spcPts val="200"/>
-              </a:spcBef>
-              <a:spcAft>
-                <a:spcPts val="400"/>
-              </a:spcAft>
-              <a:buClr>
-                <a:schemeClr val="accent1"/>
-              </a:buClr>
-              <a:buFont typeface="Wingdings" panose="05000000000000000000" pitchFamily="2" charset="2"/>
-              <a:buChar char="§"/>
-              <a:defRPr sz="1600" kern="1200">
-                <a:solidFill>
-                  <a:schemeClr val="tx1">
-                    <a:lumMod val="75000"/>
-                    <a:lumOff val="25000"/>
-                  </a:schemeClr>
-                </a:solidFill>
-                <a:latin typeface="+mn-lt"/>
-                <a:ea typeface="+mn-ea"/>
-                <a:cs typeface="+mn-cs"/>
-              </a:defRPr>
-            </a:lvl4pPr>
-            <a:lvl5pPr marL="932688" indent="-182880" algn="l" defTabSz="914400" rtl="0" eaLnBrk="1" latinLnBrk="0" hangingPunct="1">
-              <a:lnSpc>
-                <a:spcPct val="100000"/>
-              </a:lnSpc>
-              <a:spcBef>
-                <a:spcPts val="200"/>
-              </a:spcBef>
-              <a:spcAft>
-                <a:spcPts val="400"/>
-              </a:spcAft>
-              <a:buClr>
-                <a:schemeClr val="accent1"/>
-              </a:buClr>
-              <a:buFont typeface="Wingdings" panose="05000000000000000000" pitchFamily="2" charset="2"/>
-              <a:buChar char="§"/>
-              <a:defRPr sz="1600" kern="1200">
-                <a:solidFill>
-                  <a:schemeClr val="tx1">
-                    <a:lumMod val="75000"/>
-                    <a:lumOff val="25000"/>
-                  </a:schemeClr>
-                </a:solidFill>
-                <a:latin typeface="+mn-lt"/>
-                <a:ea typeface="+mn-ea"/>
-                <a:cs typeface="+mn-cs"/>
-              </a:defRPr>
-            </a:lvl5pPr>
-            <a:lvl6pPr marL="1100000" indent="-228600" algn="l" defTabSz="914400" rtl="0" eaLnBrk="1" latinLnBrk="0" hangingPunct="1">
-              <a:lnSpc>
-                <a:spcPct val="90000"/>
-              </a:lnSpc>
-              <a:spcBef>
-                <a:spcPts val="200"/>
-              </a:spcBef>
-              <a:spcAft>
-                <a:spcPts val="400"/>
-              </a:spcAft>
-              <a:buClr>
-                <a:schemeClr val="accent1"/>
-              </a:buClr>
-              <a:buFont typeface="Calibri" pitchFamily="34" charset="0"/>
-              <a:buChar char="◦"/>
-              <a:defRPr sz="1400" kern="1200">
-                <a:solidFill>
-                  <a:schemeClr val="tx1">
-                    <a:lumMod val="75000"/>
-                    <a:lumOff val="25000"/>
-                  </a:schemeClr>
-                </a:solidFill>
-                <a:latin typeface="+mn-lt"/>
-                <a:ea typeface="+mn-ea"/>
-                <a:cs typeface="+mn-cs"/>
-              </a:defRPr>
-            </a:lvl6pPr>
-            <a:lvl7pPr marL="1300000" indent="-228600" algn="l" defTabSz="914400" rtl="0" eaLnBrk="1" latinLnBrk="0" hangingPunct="1">
-              <a:lnSpc>
-                <a:spcPct val="90000"/>
-              </a:lnSpc>
-              <a:spcBef>
-                <a:spcPts val="200"/>
-              </a:spcBef>
-              <a:spcAft>
-                <a:spcPts val="400"/>
-              </a:spcAft>
-              <a:buClr>
-                <a:schemeClr val="accent1"/>
-              </a:buClr>
-              <a:buFont typeface="Calibri" pitchFamily="34" charset="0"/>
-              <a:buChar char="◦"/>
-              <a:defRPr sz="1400" kern="1200">
-                <a:solidFill>
-                  <a:schemeClr val="tx1">
-                    <a:lumMod val="75000"/>
-                    <a:lumOff val="25000"/>
-                  </a:schemeClr>
-                </a:solidFill>
-                <a:latin typeface="+mn-lt"/>
-                <a:ea typeface="+mn-ea"/>
-                <a:cs typeface="+mn-cs"/>
-              </a:defRPr>
-            </a:lvl7pPr>
-            <a:lvl8pPr marL="1500000" indent="-228600" algn="l" defTabSz="914400" rtl="0" eaLnBrk="1" latinLnBrk="0" hangingPunct="1">
-              <a:lnSpc>
-                <a:spcPct val="90000"/>
-              </a:lnSpc>
-              <a:spcBef>
-                <a:spcPts val="200"/>
-              </a:spcBef>
-              <a:spcAft>
-                <a:spcPts val="400"/>
-              </a:spcAft>
-              <a:buClr>
-                <a:schemeClr val="accent1"/>
-              </a:buClr>
-              <a:buFont typeface="Calibri" pitchFamily="34" charset="0"/>
-              <a:buChar char="◦"/>
-              <a:defRPr sz="1400" kern="1200">
-                <a:solidFill>
-                  <a:schemeClr val="tx1">
-                    <a:lumMod val="75000"/>
-                    <a:lumOff val="25000"/>
-                  </a:schemeClr>
-                </a:solidFill>
-                <a:latin typeface="+mn-lt"/>
-                <a:ea typeface="+mn-ea"/>
-                <a:cs typeface="+mn-cs"/>
-              </a:defRPr>
-            </a:lvl8pPr>
-            <a:lvl9pPr marL="1700000" indent="-228600" algn="l" defTabSz="914400" rtl="0" eaLnBrk="1" latinLnBrk="0" hangingPunct="1">
-              <a:lnSpc>
-                <a:spcPct val="90000"/>
-              </a:lnSpc>
-              <a:spcBef>
-                <a:spcPts val="200"/>
-              </a:spcBef>
-              <a:spcAft>
-                <a:spcPts val="400"/>
-              </a:spcAft>
-              <a:buClr>
-                <a:schemeClr val="accent1"/>
-              </a:buClr>
-              <a:buFont typeface="Calibri" pitchFamily="34" charset="0"/>
-              <a:buChar char="◦"/>
-              <a:defRPr sz="1400" kern="1200">
-                <a:solidFill>
-                  <a:schemeClr val="tx1">
-                    <a:lumMod val="75000"/>
-                    <a:lumOff val="25000"/>
-                  </a:schemeClr>
-                </a:solidFill>
-                <a:latin typeface="+mn-lt"/>
-                <a:ea typeface="+mn-ea"/>
-                <a:cs typeface="+mn-cs"/>
-              </a:defRPr>
-            </a:lvl9pPr>
-          </a:lstStyle>
-          <a:p>
-            <a:endParaRPr lang="it-IT" dirty="0">
-              <a:latin typeface="+mj-lt"/>
-            </a:endParaRPr>
-          </a:p>
-          <a:p>
-            <a:pPr marL="0" indent="0">
-              <a:buNone/>
-            </a:pPr>
-            <a:endParaRPr lang="it-IT" dirty="0">
-              <a:latin typeface="+mj-lt"/>
-            </a:endParaRPr>
-          </a:p>
-        </p:txBody>
-      </p:sp>
-      <p:sp>
-        <p:nvSpPr>
-          <p:cNvPr id="15" name="Titolo 4">
-            <a:extLst>
-              <a:ext uri="{FF2B5EF4-FFF2-40B4-BE49-F238E27FC236}">
-                <a16:creationId xmlns:a16="http://schemas.microsoft.com/office/drawing/2014/main" id="{EFBB75AF-4B31-098D-32F9-BC061358964E}"/>
-              </a:ext>
-            </a:extLst>
-          </p:cNvPr>
-          <p:cNvSpPr>
-            <a:spLocks noGrp="1"/>
-          </p:cNvSpPr>
-          <p:nvPr>
-            <p:ph type="title"/>
-          </p:nvPr>
-        </p:nvSpPr>
-        <p:spPr>
-          <a:xfrm>
-            <a:off x="590927" y="535936"/>
-            <a:ext cx="9439764" cy="700340"/>
-          </a:xfrm>
-        </p:spPr>
-        <p:txBody>
-          <a:bodyPr vert="horz" lIns="91440" tIns="45720" rIns="91440" bIns="45720" rtlCol="0" anchor="b">
-            <a:noAutofit/>
-          </a:bodyPr>
-          <a:lstStyle/>
-          <a:p>
-            <a:pPr rtl="0"/>
-            <a:r>
-              <a:rPr lang="it-IT" sz="4400" dirty="0">
-                <a:solidFill>
-                  <a:schemeClr val="tx1">
-                    <a:lumMod val="75000"/>
-                    <a:lumOff val="25000"/>
-                  </a:schemeClr>
-                </a:solidFill>
-              </a:rPr>
-              <a:t>Considerazioni finali</a:t>
-            </a:r>
-          </a:p>
-        </p:txBody>
-      </p:sp>
-      <mc:AlternateContent xmlns:mc="http://schemas.openxmlformats.org/markup-compatibility/2006" xmlns:a14="http://schemas.microsoft.com/office/drawing/2010/main">
-        <mc:Choice Requires="a14">
+      <mc:AlternateContent xmlns:mc="http://schemas.openxmlformats.org/markup-compatibility/2006">
+        <mc:Choice xmlns:a14="http://schemas.microsoft.com/office/drawing/2010/main" Requires="a14">
           <p:sp>
             <p:nvSpPr>
-              <p:cNvPr id="16" name="Segnaposto contenuto 2">
+              <p:cNvPr id="3" name="Segnaposto contenuto 2">
                 <a:extLst>
                   <a:ext uri="{FF2B5EF4-FFF2-40B4-BE49-F238E27FC236}">
-                    <a16:creationId xmlns:a16="http://schemas.microsoft.com/office/drawing/2014/main" id="{2D28C155-A62A-94C1-AF5F-EA612997C9CC}"/>
+                    <a16:creationId xmlns:a16="http://schemas.microsoft.com/office/drawing/2014/main" id="{6D7CDB3C-6D9E-E037-D3E4-1736AE201560}"/>
                   </a:ext>
                 </a:extLst>
               </p:cNvPr>
@@ -18979,18 +18360,18 @@
             </p:nvSpPr>
             <p:spPr>
               <a:xfrm>
-                <a:off x="758377" y="1452868"/>
-                <a:ext cx="10842695" cy="3045241"/>
+                <a:off x="758378" y="1929343"/>
+                <a:ext cx="10556167" cy="3483166"/>
               </a:xfrm>
             </p:spPr>
             <p:txBody>
               <a:bodyPr>
-                <a:normAutofit/>
+                <a:noAutofit/>
               </a:bodyPr>
               <a:lstStyle/>
               <a:p>
                 <a:r>
-                  <a:rPr lang="it-IT" dirty="0"/>
+                  <a:rPr lang="it-IT" sz="2400" dirty="0"/>
                   <a:t>Abbiamo notato che in quest’ultimo modello la situazione si normalizza con una R1=600 ovvero per una frequenza max di </a:t>
                 </a:r>
                 <a14:m>
@@ -19025,43 +18406,40 @@
                   </m:oMath>
                 </a14:m>
                 <a:r>
-                  <a:rPr lang="it-IT" dirty="0"/>
+                  <a:rPr lang="it-IT" sz="2400" dirty="0"/>
                   <a:t> dopo i quali le caratteristiche che ci aspettiamo vengono via via sempre meno</a:t>
                 </a:r>
               </a:p>
               <a:p>
                 <a:r>
-                  <a:rPr lang="it-IT" dirty="0"/>
+                  <a:rPr lang="it-IT" sz="2400" dirty="0"/>
                   <a:t>A tale frequenza anche il primo modello funziona correttamente ma fornisce un’onda sinusoidale di più scarsa qualità (è più vicina a una triangolare)</a:t>
                 </a:r>
               </a:p>
               <a:p>
                 <a:r>
-                  <a:rPr lang="it-IT" dirty="0"/>
+                  <a:rPr lang="it-IT" sz="2400" dirty="0"/>
                   <a:t>Considerando ciò, abbiamo deciso di progettare una board utilizzando l’AD8627 come </a:t>
                 </a:r>
                 <a:r>
-                  <a:rPr lang="it-IT" dirty="0" err="1"/>
+                  <a:rPr lang="it-IT" sz="2400" dirty="0" err="1"/>
                   <a:t>opamp</a:t>
                 </a:r>
                 <a:r>
-                  <a:rPr lang="it-IT" dirty="0"/>
+                  <a:rPr lang="it-IT" sz="2400" dirty="0"/>
                   <a:t> per via delle sue migliori qualità ad alte frequenze</a:t>
                 </a:r>
-              </a:p>
-              <a:p>
-                <a:endParaRPr lang="it-IT" dirty="0"/>
               </a:p>
             </p:txBody>
           </p:sp>
         </mc:Choice>
-        <mc:Fallback xmlns="">
+        <mc:Fallback>
           <p:sp>
             <p:nvSpPr>
-              <p:cNvPr id="16" name="Segnaposto contenuto 2">
+              <p:cNvPr id="3" name="Segnaposto contenuto 2">
                 <a:extLst>
                   <a:ext uri="{FF2B5EF4-FFF2-40B4-BE49-F238E27FC236}">
-                    <a16:creationId xmlns:a16="http://schemas.microsoft.com/office/drawing/2014/main" id="{2D28C155-A62A-94C1-AF5F-EA612997C9CC}"/>
+                    <a16:creationId xmlns:a16="http://schemas.microsoft.com/office/drawing/2014/main" id="{6D7CDB3C-6D9E-E037-D3E4-1736AE201560}"/>
                   </a:ext>
                 </a:extLst>
               </p:cNvPr>
@@ -19074,13 +18452,13 @@
             </p:nvSpPr>
             <p:spPr>
               <a:xfrm>
-                <a:off x="758377" y="1452868"/>
-                <a:ext cx="10842695" cy="3045241"/>
+                <a:off x="758378" y="1929343"/>
+                <a:ext cx="10556167" cy="3483166"/>
               </a:xfrm>
               <a:blipFill>
                 <a:blip r:embed="rId5"/>
                 <a:stretch>
-                  <a:fillRect l="-1574" t="-1600" r="-2024" b="-3200"/>
+                  <a:fillRect l="-1617" t="-1399"/>
                 </a:stretch>
               </a:blipFill>
             </p:spPr>
@@ -19102,7 +18480,7 @@
     </p:spTree>
     <p:extLst>
       <p:ext uri="{BB962C8B-B14F-4D97-AF65-F5344CB8AC3E}">
-        <p14:creationId xmlns:p14="http://schemas.microsoft.com/office/powerpoint/2010/main" val="504424119"/>
+        <p14:creationId xmlns:p14="http://schemas.microsoft.com/office/powerpoint/2010/main" val="2156060875"/>
       </p:ext>
     </p:extLst>
   </p:cSld>
@@ -19115,6 +18493,14 @@
 <file path=ppt/slides/slide9.xml><?xml version="1.0" encoding="utf-8"?>
 <p:sld xmlns:a="http://schemas.openxmlformats.org/drawingml/2006/main" xmlns:r="http://schemas.openxmlformats.org/officeDocument/2006/relationships" xmlns:p="http://schemas.openxmlformats.org/presentationml/2006/main">
   <p:cSld>
+    <p:bg>
+      <p:bgPr>
+        <a:solidFill>
+          <a:schemeClr val="bg1"/>
+        </a:solidFill>
+        <a:effectLst/>
+      </p:bgPr>
+    </p:bg>
     <p:spTree>
       <p:nvGrpSpPr>
         <p:cNvPr id="1" name=""/>
@@ -19131,32 +18517,107 @@
       </p:grpSpPr>
       <p:sp>
         <p:nvSpPr>
-          <p:cNvPr id="4" name="Rettangolo 3">
-            <a:extLst>
-              <a:ext uri="{FF2B5EF4-FFF2-40B4-BE49-F238E27FC236}">
-                <a16:creationId xmlns:a16="http://schemas.microsoft.com/office/drawing/2014/main" id="{D22E5227-66DC-4545-A93A-3BAE57987144}"/>
-              </a:ext>
-            </a:extLst>
-          </p:cNvPr>
-          <p:cNvSpPr/>
+          <p:cNvPr id="6" name="Titolo 5">
+            <a:extLst>
+              <a:ext uri="{FF2B5EF4-FFF2-40B4-BE49-F238E27FC236}">
+                <a16:creationId xmlns:a16="http://schemas.microsoft.com/office/drawing/2014/main" id="{CE09A200-4838-4284-BD1E-19701CABB5FE}"/>
+              </a:ext>
+            </a:extLst>
+          </p:cNvPr>
+          <p:cNvSpPr>
+            <a:spLocks noGrp="1"/>
+          </p:cNvSpPr>
+          <p:nvPr>
+            <p:ph type="title"/>
+          </p:nvPr>
+        </p:nvSpPr>
+        <p:spPr>
+          <a:xfrm>
+            <a:off x="1097280" y="286603"/>
+            <a:ext cx="10058400" cy="1450757"/>
+          </a:xfrm>
+        </p:spPr>
+        <p:txBody>
+          <a:bodyPr rtlCol="0">
+            <a:normAutofit/>
+          </a:bodyPr>
+          <a:lstStyle/>
+          <a:p>
+            <a:pPr rtl="0"/>
+            <a:r>
+              <a:rPr lang="it-IT" sz="4800" dirty="0">
+                <a:solidFill>
+                  <a:schemeClr val="tx1">
+                    <a:lumMod val="75000"/>
+                    <a:lumOff val="25000"/>
+                  </a:schemeClr>
+                </a:solidFill>
+              </a:rPr>
+              <a:t>EAGLE: Schema</a:t>
+            </a:r>
+            <a:endParaRPr lang="it-IT" dirty="0"/>
+          </a:p>
+        </p:txBody>
+      </p:sp>
+      <p:pic>
+        <p:nvPicPr>
+          <p:cNvPr id="4" name="Elemento grafico 3">
+            <a:extLst>
+              <a:ext uri="{FF2B5EF4-FFF2-40B4-BE49-F238E27FC236}">
+                <a16:creationId xmlns:a16="http://schemas.microsoft.com/office/drawing/2014/main" id="{ED0A95A1-BC85-4809-B935-6A9B3C054422}"/>
+              </a:ext>
+            </a:extLst>
+          </p:cNvPr>
+          <p:cNvPicPr>
+            <a:picLocks noChangeAspect="1"/>
+          </p:cNvPicPr>
           <p:nvPr/>
-        </p:nvSpPr>
-        <p:spPr>
-          <a:xfrm>
-            <a:off x="590927" y="2477070"/>
-            <a:ext cx="2955837" cy="457195"/>
+        </p:nvPicPr>
+        <p:blipFill>
+          <a:blip r:embed="rId3" cstate="print">
+            <a:extLst>
+              <a:ext uri="{28A0092B-C50C-407E-A947-70E740481C1C}">
+                <a14:useLocalDpi xmlns:a14="http://schemas.microsoft.com/office/drawing/2010/main" val="0"/>
+              </a:ext>
+              <a:ext uri="{96DAC541-7B7A-43D3-8B79-37D633B846F1}">
+                <asvg:svgBlip xmlns:asvg="http://schemas.microsoft.com/office/drawing/2016/SVG/main" r:embed="rId4"/>
+              </a:ext>
+            </a:extLst>
+          </a:blip>
+          <a:stretch>
+            <a:fillRect/>
+          </a:stretch>
+        </p:blipFill>
+        <p:spPr>
+          <a:xfrm>
+            <a:off x="207095" y="6043750"/>
+            <a:ext cx="1770209" cy="700341"/>
           </a:xfrm>
           <a:prstGeom prst="rect">
             <a:avLst/>
           </a:prstGeom>
-          <a:solidFill>
-            <a:schemeClr val="bg1"/>
-          </a:solidFill>
-          <a:ln>
-            <a:solidFill>
-              <a:schemeClr val="bg1"/>
-            </a:solidFill>
-          </a:ln>
+        </p:spPr>
+      </p:pic>
+      <p:sp>
+        <p:nvSpPr>
+          <p:cNvPr id="10" name="Connettore 9">
+            <a:extLst>
+              <a:ext uri="{FF2B5EF4-FFF2-40B4-BE49-F238E27FC236}">
+                <a16:creationId xmlns:a16="http://schemas.microsoft.com/office/drawing/2014/main" id="{7DA3C5E2-1B7C-406E-9A80-B7F344044586}"/>
+              </a:ext>
+            </a:extLst>
+          </p:cNvPr>
+          <p:cNvSpPr/>
+          <p:nvPr/>
+        </p:nvSpPr>
+        <p:spPr>
+          <a:xfrm>
+            <a:off x="11455401" y="6273800"/>
+            <a:ext cx="512910" cy="470291"/>
+          </a:xfrm>
+          <a:prstGeom prst="flowChartConnector">
+            <a:avLst/>
+          </a:prstGeom>
         </p:spPr>
         <p:style>
           <a:lnRef idx="2">
@@ -19179,91 +18640,6 @@
           <a:lstStyle/>
           <a:p>
             <a:pPr algn="ctr"/>
-            <a:endParaRPr lang="it-IT"/>
-          </a:p>
-        </p:txBody>
-      </p:sp>
-      <p:pic>
-        <p:nvPicPr>
-          <p:cNvPr id="10" name="Elemento grafico 9">
-            <a:extLst>
-              <a:ext uri="{FF2B5EF4-FFF2-40B4-BE49-F238E27FC236}">
-                <a16:creationId xmlns:a16="http://schemas.microsoft.com/office/drawing/2014/main" id="{54A47743-7725-4A33-93CA-EFB89C10D1EC}"/>
-              </a:ext>
-            </a:extLst>
-          </p:cNvPr>
-          <p:cNvPicPr>
-            <a:picLocks noChangeAspect="1"/>
-          </p:cNvPicPr>
-          <p:nvPr/>
-        </p:nvPicPr>
-        <p:blipFill>
-          <a:blip r:embed="rId3" cstate="print">
-            <a:extLst>
-              <a:ext uri="{28A0092B-C50C-407E-A947-70E740481C1C}">
-                <a14:useLocalDpi xmlns:a14="http://schemas.microsoft.com/office/drawing/2010/main" val="0"/>
-              </a:ext>
-              <a:ext uri="{96DAC541-7B7A-43D3-8B79-37D633B846F1}">
-                <asvg:svgBlip xmlns:asvg="http://schemas.microsoft.com/office/drawing/2016/SVG/main" r:embed="rId4"/>
-              </a:ext>
-            </a:extLst>
-          </a:blip>
-          <a:stretch>
-            <a:fillRect/>
-          </a:stretch>
-        </p:blipFill>
-        <p:spPr>
-          <a:xfrm>
-            <a:off x="207095" y="6043750"/>
-            <a:ext cx="1770209" cy="700341"/>
-          </a:xfrm>
-          <a:prstGeom prst="rect">
-            <a:avLst/>
-          </a:prstGeom>
-        </p:spPr>
-      </p:pic>
-      <p:sp>
-        <p:nvSpPr>
-          <p:cNvPr id="12" name="Connettore 11">
-            <a:extLst>
-              <a:ext uri="{FF2B5EF4-FFF2-40B4-BE49-F238E27FC236}">
-                <a16:creationId xmlns:a16="http://schemas.microsoft.com/office/drawing/2014/main" id="{92095D8C-8CCA-4CC6-B2D2-E1BC4732F321}"/>
-              </a:ext>
-            </a:extLst>
-          </p:cNvPr>
-          <p:cNvSpPr/>
-          <p:nvPr/>
-        </p:nvSpPr>
-        <p:spPr>
-          <a:xfrm>
-            <a:off x="11455401" y="6273800"/>
-            <a:ext cx="512910" cy="470291"/>
-          </a:xfrm>
-          <a:prstGeom prst="flowChartConnector">
-            <a:avLst/>
-          </a:prstGeom>
-        </p:spPr>
-        <p:style>
-          <a:lnRef idx="2">
-            <a:schemeClr val="accent1">
-              <a:shade val="50000"/>
-            </a:schemeClr>
-          </a:lnRef>
-          <a:fillRef idx="1">
-            <a:schemeClr val="accent1"/>
-          </a:fillRef>
-          <a:effectRef idx="0">
-            <a:schemeClr val="accent1"/>
-          </a:effectRef>
-          <a:fontRef idx="minor">
-            <a:schemeClr val="lt1"/>
-          </a:fontRef>
-        </p:style>
-        <p:txBody>
-          <a:bodyPr rtlCol="0" anchor="ctr"/>
-          <a:lstStyle/>
-          <a:p>
-            <a:pPr algn="ctr"/>
             <a:fld id="{3A98EE3D-8CD1-4C3F-BD1C-C98C9596463C}" type="slidenum">
               <a:rPr lang="it-IT" sz="1200" b="1"/>
               <a:pPr algn="ctr"/>
@@ -19273,343 +18649,12 @@
           </a:p>
         </p:txBody>
       </p:sp>
-      <p:sp>
-        <p:nvSpPr>
-          <p:cNvPr id="13" name="Segnaposto contenuto 5">
-            <a:extLst>
-              <a:ext uri="{FF2B5EF4-FFF2-40B4-BE49-F238E27FC236}">
-                <a16:creationId xmlns:a16="http://schemas.microsoft.com/office/drawing/2014/main" id="{B17E8C38-DDF5-41B9-B467-914D34FF3AAB}"/>
-              </a:ext>
-            </a:extLst>
-          </p:cNvPr>
-          <p:cNvSpPr txBox="1">
-            <a:spLocks/>
-          </p:cNvSpPr>
-          <p:nvPr/>
-        </p:nvSpPr>
-        <p:spPr>
-          <a:xfrm>
-            <a:off x="6620787" y="1452869"/>
-            <a:ext cx="4542547" cy="4590875"/>
-          </a:xfrm>
-          <a:prstGeom prst="rect">
-            <a:avLst/>
-          </a:prstGeom>
-        </p:spPr>
-        <p:txBody>
-          <a:bodyPr vert="horz" lIns="0" tIns="45720" rIns="0" bIns="45720" rtlCol="0" anchor="t">
-            <a:normAutofit/>
-          </a:bodyPr>
-          <a:lstStyle>
-            <a:lvl1pPr marL="266700" indent="-266700" algn="l" defTabSz="914400" rtl="0" eaLnBrk="1" latinLnBrk="0" hangingPunct="1">
-              <a:lnSpc>
-                <a:spcPct val="100000"/>
-              </a:lnSpc>
-              <a:spcBef>
-                <a:spcPts val="1200"/>
-              </a:spcBef>
-              <a:spcAft>
-                <a:spcPts val="200"/>
-              </a:spcAft>
-              <a:buClr>
-                <a:schemeClr val="accent1"/>
-              </a:buClr>
-              <a:buSzPct val="100000"/>
-              <a:buFont typeface="Wingdings" panose="05000000000000000000" pitchFamily="2" charset="2"/>
-              <a:buChar char="§"/>
-              <a:defRPr sz="2400" kern="1200">
-                <a:solidFill>
-                  <a:schemeClr val="tx1">
-                    <a:lumMod val="75000"/>
-                    <a:lumOff val="25000"/>
-                  </a:schemeClr>
-                </a:solidFill>
-                <a:latin typeface="+mn-lt"/>
-                <a:ea typeface="+mn-ea"/>
-                <a:cs typeface="+mn-cs"/>
-              </a:defRPr>
-            </a:lvl1pPr>
-            <a:lvl2pPr marL="384048" indent="-182880" algn="l" defTabSz="914400" rtl="0" eaLnBrk="1" latinLnBrk="0" hangingPunct="1">
-              <a:lnSpc>
-                <a:spcPct val="100000"/>
-              </a:lnSpc>
-              <a:spcBef>
-                <a:spcPts val="200"/>
-              </a:spcBef>
-              <a:spcAft>
-                <a:spcPts val="400"/>
-              </a:spcAft>
-              <a:buClr>
-                <a:schemeClr val="accent1"/>
-              </a:buClr>
-              <a:buFont typeface="Wingdings" panose="05000000000000000000" pitchFamily="2" charset="2"/>
-              <a:buChar char="§"/>
-              <a:defRPr sz="2000" kern="1200">
-                <a:solidFill>
-                  <a:schemeClr val="tx1">
-                    <a:lumMod val="75000"/>
-                    <a:lumOff val="25000"/>
-                  </a:schemeClr>
-                </a:solidFill>
-                <a:latin typeface="+mn-lt"/>
-                <a:ea typeface="+mn-ea"/>
-                <a:cs typeface="+mn-cs"/>
-              </a:defRPr>
-            </a:lvl2pPr>
-            <a:lvl3pPr marL="566928" indent="-182880" algn="l" defTabSz="914400" rtl="0" eaLnBrk="1" latinLnBrk="0" hangingPunct="1">
-              <a:lnSpc>
-                <a:spcPct val="100000"/>
-              </a:lnSpc>
-              <a:spcBef>
-                <a:spcPts val="200"/>
-              </a:spcBef>
-              <a:spcAft>
-                <a:spcPts val="400"/>
-              </a:spcAft>
-              <a:buClr>
-                <a:schemeClr val="accent1"/>
-              </a:buClr>
-              <a:buFont typeface="Wingdings" panose="05000000000000000000" pitchFamily="2" charset="2"/>
-              <a:buChar char="§"/>
-              <a:defRPr sz="1600" kern="1200">
-                <a:solidFill>
-                  <a:schemeClr val="tx1">
-                    <a:lumMod val="75000"/>
-                    <a:lumOff val="25000"/>
-                  </a:schemeClr>
-                </a:solidFill>
-                <a:latin typeface="+mn-lt"/>
-                <a:ea typeface="+mn-ea"/>
-                <a:cs typeface="+mn-cs"/>
-              </a:defRPr>
-            </a:lvl3pPr>
-            <a:lvl4pPr marL="749808" indent="-182880" algn="l" defTabSz="914400" rtl="0" eaLnBrk="1" latinLnBrk="0" hangingPunct="1">
-              <a:lnSpc>
-                <a:spcPct val="100000"/>
-              </a:lnSpc>
-              <a:spcBef>
-                <a:spcPts val="200"/>
-              </a:spcBef>
-              <a:spcAft>
-                <a:spcPts val="400"/>
-              </a:spcAft>
-              <a:buClr>
-                <a:schemeClr val="accent1"/>
-              </a:buClr>
-              <a:buFont typeface="Wingdings" panose="05000000000000000000" pitchFamily="2" charset="2"/>
-              <a:buChar char="§"/>
-              <a:defRPr sz="1600" kern="1200">
-                <a:solidFill>
-                  <a:schemeClr val="tx1">
-                    <a:lumMod val="75000"/>
-                    <a:lumOff val="25000"/>
-                  </a:schemeClr>
-                </a:solidFill>
-                <a:latin typeface="+mn-lt"/>
-                <a:ea typeface="+mn-ea"/>
-                <a:cs typeface="+mn-cs"/>
-              </a:defRPr>
-            </a:lvl4pPr>
-            <a:lvl5pPr marL="932688" indent="-182880" algn="l" defTabSz="914400" rtl="0" eaLnBrk="1" latinLnBrk="0" hangingPunct="1">
-              <a:lnSpc>
-                <a:spcPct val="100000"/>
-              </a:lnSpc>
-              <a:spcBef>
-                <a:spcPts val="200"/>
-              </a:spcBef>
-              <a:spcAft>
-                <a:spcPts val="400"/>
-              </a:spcAft>
-              <a:buClr>
-                <a:schemeClr val="accent1"/>
-              </a:buClr>
-              <a:buFont typeface="Wingdings" panose="05000000000000000000" pitchFamily="2" charset="2"/>
-              <a:buChar char="§"/>
-              <a:defRPr sz="1600" kern="1200">
-                <a:solidFill>
-                  <a:schemeClr val="tx1">
-                    <a:lumMod val="75000"/>
-                    <a:lumOff val="25000"/>
-                  </a:schemeClr>
-                </a:solidFill>
-                <a:latin typeface="+mn-lt"/>
-                <a:ea typeface="+mn-ea"/>
-                <a:cs typeface="+mn-cs"/>
-              </a:defRPr>
-            </a:lvl5pPr>
-            <a:lvl6pPr marL="1100000" indent="-228600" algn="l" defTabSz="914400" rtl="0" eaLnBrk="1" latinLnBrk="0" hangingPunct="1">
-              <a:lnSpc>
-                <a:spcPct val="90000"/>
-              </a:lnSpc>
-              <a:spcBef>
-                <a:spcPts val="200"/>
-              </a:spcBef>
-              <a:spcAft>
-                <a:spcPts val="400"/>
-              </a:spcAft>
-              <a:buClr>
-                <a:schemeClr val="accent1"/>
-              </a:buClr>
-              <a:buFont typeface="Calibri" pitchFamily="34" charset="0"/>
-              <a:buChar char="◦"/>
-              <a:defRPr sz="1400" kern="1200">
-                <a:solidFill>
-                  <a:schemeClr val="tx1">
-                    <a:lumMod val="75000"/>
-                    <a:lumOff val="25000"/>
-                  </a:schemeClr>
-                </a:solidFill>
-                <a:latin typeface="+mn-lt"/>
-                <a:ea typeface="+mn-ea"/>
-                <a:cs typeface="+mn-cs"/>
-              </a:defRPr>
-            </a:lvl6pPr>
-            <a:lvl7pPr marL="1300000" indent="-228600" algn="l" defTabSz="914400" rtl="0" eaLnBrk="1" latinLnBrk="0" hangingPunct="1">
-              <a:lnSpc>
-                <a:spcPct val="90000"/>
-              </a:lnSpc>
-              <a:spcBef>
-                <a:spcPts val="200"/>
-              </a:spcBef>
-              <a:spcAft>
-                <a:spcPts val="400"/>
-              </a:spcAft>
-              <a:buClr>
-                <a:schemeClr val="accent1"/>
-              </a:buClr>
-              <a:buFont typeface="Calibri" pitchFamily="34" charset="0"/>
-              <a:buChar char="◦"/>
-              <a:defRPr sz="1400" kern="1200">
-                <a:solidFill>
-                  <a:schemeClr val="tx1">
-                    <a:lumMod val="75000"/>
-                    <a:lumOff val="25000"/>
-                  </a:schemeClr>
-                </a:solidFill>
-                <a:latin typeface="+mn-lt"/>
-                <a:ea typeface="+mn-ea"/>
-                <a:cs typeface="+mn-cs"/>
-              </a:defRPr>
-            </a:lvl7pPr>
-            <a:lvl8pPr marL="1500000" indent="-228600" algn="l" defTabSz="914400" rtl="0" eaLnBrk="1" latinLnBrk="0" hangingPunct="1">
-              <a:lnSpc>
-                <a:spcPct val="90000"/>
-              </a:lnSpc>
-              <a:spcBef>
-                <a:spcPts val="200"/>
-              </a:spcBef>
-              <a:spcAft>
-                <a:spcPts val="400"/>
-              </a:spcAft>
-              <a:buClr>
-                <a:schemeClr val="accent1"/>
-              </a:buClr>
-              <a:buFont typeface="Calibri" pitchFamily="34" charset="0"/>
-              <a:buChar char="◦"/>
-              <a:defRPr sz="1400" kern="1200">
-                <a:solidFill>
-                  <a:schemeClr val="tx1">
-                    <a:lumMod val="75000"/>
-                    <a:lumOff val="25000"/>
-                  </a:schemeClr>
-                </a:solidFill>
-                <a:latin typeface="+mn-lt"/>
-                <a:ea typeface="+mn-ea"/>
-                <a:cs typeface="+mn-cs"/>
-              </a:defRPr>
-            </a:lvl8pPr>
-            <a:lvl9pPr marL="1700000" indent="-228600" algn="l" defTabSz="914400" rtl="0" eaLnBrk="1" latinLnBrk="0" hangingPunct="1">
-              <a:lnSpc>
-                <a:spcPct val="90000"/>
-              </a:lnSpc>
-              <a:spcBef>
-                <a:spcPts val="200"/>
-              </a:spcBef>
-              <a:spcAft>
-                <a:spcPts val="400"/>
-              </a:spcAft>
-              <a:buClr>
-                <a:schemeClr val="accent1"/>
-              </a:buClr>
-              <a:buFont typeface="Calibri" pitchFamily="34" charset="0"/>
-              <a:buChar char="◦"/>
-              <a:defRPr sz="1400" kern="1200">
-                <a:solidFill>
-                  <a:schemeClr val="tx1">
-                    <a:lumMod val="75000"/>
-                    <a:lumOff val="25000"/>
-                  </a:schemeClr>
-                </a:solidFill>
-                <a:latin typeface="+mn-lt"/>
-                <a:ea typeface="+mn-ea"/>
-                <a:cs typeface="+mn-cs"/>
-              </a:defRPr>
-            </a:lvl9pPr>
-          </a:lstStyle>
-          <a:p>
-            <a:endParaRPr lang="it-IT" dirty="0">
-              <a:latin typeface="+mj-lt"/>
-            </a:endParaRPr>
-          </a:p>
-          <a:p>
-            <a:pPr marL="0" indent="0">
-              <a:buNone/>
-            </a:pPr>
-            <a:endParaRPr lang="it-IT" dirty="0">
-              <a:latin typeface="+mj-lt"/>
-            </a:endParaRPr>
-          </a:p>
-        </p:txBody>
-      </p:sp>
-      <p:sp>
-        <p:nvSpPr>
-          <p:cNvPr id="15" name="Titolo 4">
-            <a:extLst>
-              <a:ext uri="{FF2B5EF4-FFF2-40B4-BE49-F238E27FC236}">
-                <a16:creationId xmlns:a16="http://schemas.microsoft.com/office/drawing/2014/main" id="{EFBB75AF-4B31-098D-32F9-BC061358964E}"/>
-              </a:ext>
-            </a:extLst>
-          </p:cNvPr>
-          <p:cNvSpPr>
-            <a:spLocks noGrp="1"/>
-          </p:cNvSpPr>
-          <p:nvPr>
-            <p:ph type="title"/>
-          </p:nvPr>
-        </p:nvSpPr>
-        <p:spPr>
-          <a:xfrm>
-            <a:off x="590927" y="535936"/>
-            <a:ext cx="5098673" cy="700340"/>
-          </a:xfrm>
-        </p:spPr>
-        <p:txBody>
-          <a:bodyPr vert="horz" lIns="91440" tIns="45720" rIns="91440" bIns="45720" rtlCol="0" anchor="b">
-            <a:noAutofit/>
-          </a:bodyPr>
-          <a:lstStyle/>
-          <a:p>
-            <a:pPr rtl="0"/>
-            <a:r>
-              <a:rPr lang="it-IT" sz="4400" dirty="0">
-                <a:solidFill>
-                  <a:schemeClr val="tx1">
-                    <a:lumMod val="75000"/>
-                    <a:lumOff val="25000"/>
-                  </a:schemeClr>
-                </a:solidFill>
-              </a:rPr>
-              <a:t>Progettazione EAGLE</a:t>
-            </a:r>
-          </a:p>
-        </p:txBody>
-      </p:sp>
       <p:pic>
         <p:nvPicPr>
-          <p:cNvPr id="3" name="Immagine 2">
-            <a:extLst>
-              <a:ext uri="{FF2B5EF4-FFF2-40B4-BE49-F238E27FC236}">
-                <a16:creationId xmlns:a16="http://schemas.microsoft.com/office/drawing/2014/main" id="{E28E803A-BA81-5F40-0B78-6B8866A702DD}"/>
+          <p:cNvPr id="7" name="Immagine 6">
+            <a:extLst>
+              <a:ext uri="{FF2B5EF4-FFF2-40B4-BE49-F238E27FC236}">
+                <a16:creationId xmlns:a16="http://schemas.microsoft.com/office/drawing/2014/main" id="{B50551BD-073B-445A-4D92-375A74A65B0C}"/>
               </a:ext>
             </a:extLst>
           </p:cNvPr>
@@ -19626,7 +18671,7 @@
         </p:blipFill>
         <p:spPr>
           <a:xfrm>
-            <a:off x="2289450" y="1236276"/>
+            <a:off x="2289450" y="1737360"/>
             <a:ext cx="7613099" cy="4326599"/>
           </a:xfrm>
           <a:prstGeom prst="rect">
@@ -19642,7 +18687,7 @@
     </p:spTree>
     <p:extLst>
       <p:ext uri="{BB962C8B-B14F-4D97-AF65-F5344CB8AC3E}">
-        <p14:creationId xmlns:p14="http://schemas.microsoft.com/office/powerpoint/2010/main" val="3606261379"/>
+        <p14:creationId xmlns:p14="http://schemas.microsoft.com/office/powerpoint/2010/main" val="4170287558"/>
       </p:ext>
     </p:extLst>
   </p:cSld>
@@ -20526,6 +19571,15 @@
 </file>
 
 <file path=customXml/item1.xml><?xml version="1.0" encoding="utf-8"?>
+<p:properties xmlns:p="http://schemas.microsoft.com/office/2006/metadata/properties" xmlns:xsi="http://www.w3.org/2001/XMLSchema-instance" xmlns:pc="http://schemas.microsoft.com/office/infopath/2007/PartnerControls">
+  <documentManagement>
+    <Status xmlns="71af3243-3dd4-4a8d-8c0d-dd76da1f02a5">Not started</Status>
+    <MediaServiceKeyPoints xmlns="71af3243-3dd4-4a8d-8c0d-dd76da1f02a5" xsi:nil="true"/>
+  </documentManagement>
+</p:properties>
+</file>
+
+<file path=customXml/item2.xml><?xml version="1.0" encoding="utf-8"?>
 <ct:contentTypeSchema xmlns:ct="http://schemas.microsoft.com/office/2006/metadata/contentType" xmlns:ma="http://schemas.microsoft.com/office/2006/metadata/properties/metaAttributes" ct:_="" ma:_="" ma:contentTypeName="Document" ma:contentTypeID="0x01010079F111ED35F8CC479449609E8A0923A6" ma:contentTypeVersion="12" ma:contentTypeDescription="Create a new document." ma:contentTypeScope="" ma:versionID="fa6e671f1cd7e4d96ff9652be322dd5e">
   <xsd:schema xmlns:xsd="http://www.w3.org/2001/XMLSchema" xmlns:xs="http://www.w3.org/2001/XMLSchema" xmlns:p="http://schemas.microsoft.com/office/2006/metadata/properties" xmlns:ns2="71af3243-3dd4-4a8d-8c0d-dd76da1f02a5" xmlns:ns3="16c05727-aa75-4e4a-9b5f-8a80a1165891" targetNamespace="http://schemas.microsoft.com/office/2006/metadata/properties" ma:root="true" ma:fieldsID="4e2496f70b101db0b8013f30a071bbf7" ns2:_="" ns3:_="">
     <xsd:import namespace="71af3243-3dd4-4a8d-8c0d-dd76da1f02a5"/>
@@ -20746,15 +19800,6 @@
 </ct:contentTypeSchema>
 </file>
 
-<file path=customXml/item2.xml><?xml version="1.0" encoding="utf-8"?>
-<p:properties xmlns:p="http://schemas.microsoft.com/office/2006/metadata/properties" xmlns:xsi="http://www.w3.org/2001/XMLSchema-instance" xmlns:pc="http://schemas.microsoft.com/office/infopath/2007/PartnerControls">
-  <documentManagement>
-    <Status xmlns="71af3243-3dd4-4a8d-8c0d-dd76da1f02a5">Not started</Status>
-    <MediaServiceKeyPoints xmlns="71af3243-3dd4-4a8d-8c0d-dd76da1f02a5" xsi:nil="true"/>
-  </documentManagement>
-</p:properties>
-</file>
-
 <file path=customXml/item3.xml><?xml version="1.0" encoding="utf-8"?>
 <?mso-contentType ?>
 <FormTemplates xmlns="http://schemas.microsoft.com/sharepoint/v3/contenttype/forms">
@@ -20765,6 +19810,16 @@
 </file>
 
 <file path=customXml/itemProps1.xml><?xml version="1.0" encoding="utf-8"?>
+<ds:datastoreItem xmlns:ds="http://schemas.openxmlformats.org/officeDocument/2006/customXml" ds:itemID="{A4E879E6-8FFE-4154-8F2A-F7518B89B376}">
+  <ds:schemaRefs>
+    <ds:schemaRef ds:uri="http://schemas.microsoft.com/office/2006/metadata/properties"/>
+    <ds:schemaRef ds:uri="http://schemas.microsoft.com/office/infopath/2007/PartnerControls"/>
+    <ds:schemaRef ds:uri="71af3243-3dd4-4a8d-8c0d-dd76da1f02a5"/>
+  </ds:schemaRefs>
+</ds:datastoreItem>
+</file>
+
+<file path=customXml/itemProps2.xml><?xml version="1.0" encoding="utf-8"?>
 <ds:datastoreItem xmlns:ds="http://schemas.openxmlformats.org/officeDocument/2006/customXml" ds:itemID="{A941CA7C-A0BF-44EF-B2E5-7539C3B9B0B6}">
   <ds:schemaRefs>
     <ds:schemaRef ds:uri="http://schemas.microsoft.com/office/2006/metadata/contentType"/>
@@ -20783,16 +19838,6 @@
 </ds:datastoreItem>
 </file>
 
-<file path=customXml/itemProps2.xml><?xml version="1.0" encoding="utf-8"?>
-<ds:datastoreItem xmlns:ds="http://schemas.openxmlformats.org/officeDocument/2006/customXml" ds:itemID="{A4E879E6-8FFE-4154-8F2A-F7518B89B376}">
-  <ds:schemaRefs>
-    <ds:schemaRef ds:uri="http://schemas.microsoft.com/office/2006/metadata/properties"/>
-    <ds:schemaRef ds:uri="http://schemas.microsoft.com/office/infopath/2007/PartnerControls"/>
-    <ds:schemaRef ds:uri="71af3243-3dd4-4a8d-8c0d-dd76da1f02a5"/>
-  </ds:schemaRefs>
-</ds:datastoreItem>
-</file>
-
 <file path=customXml/itemProps3.xml><?xml version="1.0" encoding="utf-8"?>
 <ds:datastoreItem xmlns:ds="http://schemas.openxmlformats.org/officeDocument/2006/customXml" ds:itemID="{7E0A2CB4-6869-426F-8BC4-A32C90CBE263}">
   <ds:schemaRefs>

--- a/presentazione/presentazione.pptx
+++ b/presentazione/presentazione.pptx
@@ -240,7 +240,7 @@
             <a:pPr rtl="0"/>
             <a:fld id="{36FC0A7B-6666-4F41-AD03-C74B76B10001}" type="datetime1">
               <a:rPr lang="it-IT" smtClean="0"/>
-              <a:t>04/07/2022</a:t>
+              <a:t>05/07/2022</a:t>
             </a:fld>
             <a:endParaRPr lang="it-IT" dirty="0"/>
           </a:p>
@@ -421,7 +421,7 @@
             <a:fld id="{110E367B-2E0B-461C-8280-86016408BD7C}" type="datetime1">
               <a:rPr lang="it-IT" smtClean="0"/>
               <a:pPr/>
-              <a:t>04/07/2022</a:t>
+              <a:t>05/07/2022</a:t>
             </a:fld>
             <a:endParaRPr lang="it-IT" dirty="0"/>
           </a:p>
@@ -1713,7 +1713,7 @@
             <a:pPr rtl="0"/>
             <a:fld id="{BC5A5791-EFA9-42A2-8E0D-DBC7A027EB39}" type="datetime1">
               <a:rPr lang="it-IT" noProof="0" smtClean="0"/>
-              <a:t>04/07/2022</a:t>
+              <a:t>05/07/2022</a:t>
             </a:fld>
             <a:endParaRPr lang="it-IT" noProof="0" dirty="0"/>
           </a:p>
@@ -2341,7 +2341,7 @@
             <a:pPr rtl="0"/>
             <a:fld id="{FF17C169-DBE1-4B6A-9921-1E108A1C6C42}" type="datetime1">
               <a:rPr lang="it-IT" noProof="0" smtClean="0"/>
-              <a:t>04/07/2022</a:t>
+              <a:t>05/07/2022</a:t>
             </a:fld>
             <a:endParaRPr lang="it-IT" noProof="0" dirty="0"/>
           </a:p>
@@ -2698,7 +2698,7 @@
             <a:pPr rtl="0"/>
             <a:fld id="{6C0ABBAF-B24C-4448-B75C-ADB9350121F9}" type="datetime1">
               <a:rPr lang="it-IT" noProof="0" smtClean="0"/>
-              <a:t>04/07/2022</a:t>
+              <a:t>05/07/2022</a:t>
             </a:fld>
             <a:endParaRPr lang="it-IT" noProof="0" dirty="0"/>
           </a:p>
@@ -3097,7 +3097,7 @@
             <a:pPr rtl="0"/>
             <a:fld id="{26E56894-810F-46F6-9A4E-7CB650138CD2}" type="datetime1">
               <a:rPr lang="it-IT" noProof="0" smtClean="0"/>
-              <a:t>04/07/2022</a:t>
+              <a:t>05/07/2022</a:t>
             </a:fld>
             <a:endParaRPr lang="it-IT" noProof="0" dirty="0"/>
           </a:p>
@@ -3580,7 +3580,7 @@
             <a:pPr rtl="0"/>
             <a:fld id="{6BDF9918-2BB5-43D7-98E9-1FB3954C3638}" type="datetime1">
               <a:rPr lang="it-IT" noProof="0" smtClean="0"/>
-              <a:t>04/07/2022</a:t>
+              <a:t>05/07/2022</a:t>
             </a:fld>
             <a:endParaRPr lang="it-IT" noProof="0" dirty="0"/>
           </a:p>
@@ -3971,7 +3971,7 @@
             <a:pPr rtl="0"/>
             <a:fld id="{983F2180-7340-4006-8F9F-3B15285D3035}" type="datetime1">
               <a:rPr lang="it-IT" noProof="0" smtClean="0"/>
-              <a:t>04/07/2022</a:t>
+              <a:t>05/07/2022</a:t>
             </a:fld>
             <a:endParaRPr lang="it-IT" noProof="0" dirty="0"/>
           </a:p>
@@ -4339,7 +4339,7 @@
             <a:pPr rtl="0"/>
             <a:fld id="{47C567FE-B98A-4D3F-9213-316EA9EC55A5}" type="datetime1">
               <a:rPr lang="it-IT" noProof="0" smtClean="0"/>
-              <a:t>04/07/2022</a:t>
+              <a:t>05/07/2022</a:t>
             </a:fld>
             <a:endParaRPr lang="it-IT" noProof="0" dirty="0"/>
           </a:p>
@@ -4832,7 +4832,7 @@
             <a:pPr rtl="0"/>
             <a:fld id="{BC922104-62E9-446F-9FB1-A32B08927891}" type="datetime1">
               <a:rPr lang="it-IT" noProof="0" smtClean="0"/>
-              <a:t>04/07/2022</a:t>
+              <a:t>05/07/2022</a:t>
             </a:fld>
             <a:endParaRPr lang="it-IT" noProof="0" dirty="0"/>
           </a:p>
@@ -5332,7 +5332,7 @@
             <a:pPr rtl="0"/>
             <a:fld id="{192B49F1-2FC8-466C-ABE0-4929E08403C1}" type="datetime1">
               <a:rPr lang="it-IT" noProof="0" smtClean="0"/>
-              <a:t>04/07/2022</a:t>
+              <a:t>05/07/2022</a:t>
             </a:fld>
             <a:endParaRPr lang="it-IT" noProof="0" dirty="0"/>
           </a:p>
@@ -5769,7 +5769,7 @@
             <a:pPr rtl="0"/>
             <a:fld id="{D669DC07-792B-4D17-B0C3-BB835168107E}" type="datetime1">
               <a:rPr lang="it-IT" noProof="0" smtClean="0"/>
-              <a:t>04/07/2022</a:t>
+              <a:t>05/07/2022</a:t>
             </a:fld>
             <a:endParaRPr lang="it-IT" noProof="0" dirty="0"/>
           </a:p>
@@ -6026,7 +6026,7 @@
             <a:pPr rtl="0"/>
             <a:fld id="{C95873E1-B6E7-4F22-ACBC-2B4E759526F9}" type="datetime1">
               <a:rPr lang="it-IT" noProof="0" smtClean="0"/>
-              <a:t>04/07/2022</a:t>
+              <a:t>05/07/2022</a:t>
             </a:fld>
             <a:endParaRPr lang="it-IT" noProof="0" dirty="0"/>
           </a:p>
@@ -6259,7 +6259,7 @@
             <a:pPr rtl="0"/>
             <a:fld id="{EDF35B73-1E84-4E1D-9C62-04B6DA1DCD89}" type="datetime1">
               <a:rPr lang="it-IT" noProof="0" smtClean="0"/>
-              <a:t>04/07/2022</a:t>
+              <a:t>05/07/2022</a:t>
             </a:fld>
             <a:endParaRPr lang="it-IT" noProof="0" dirty="0"/>
           </a:p>
@@ -6667,7 +6667,7 @@
             <a:pPr rtl="0"/>
             <a:fld id="{EF217D74-4249-45DE-AFC1-DB41000B186F}" type="datetime1">
               <a:rPr lang="it-IT" noProof="0" smtClean="0"/>
-              <a:t>04/07/2022</a:t>
+              <a:t>05/07/2022</a:t>
             </a:fld>
             <a:endParaRPr lang="it-IT" noProof="0" dirty="0"/>
           </a:p>
@@ -6911,7 +6911,7 @@
             <a:pPr rtl="0"/>
             <a:fld id="{02821AFD-43C1-409E-AABC-CA19CBFB6E3C}" type="datetime1">
               <a:rPr lang="it-IT" noProof="0" smtClean="0"/>
-              <a:t>04/07/2022</a:t>
+              <a:t>05/07/2022</a:t>
             </a:fld>
             <a:endParaRPr lang="it-IT" noProof="0" dirty="0"/>
           </a:p>
@@ -7111,7 +7111,7 @@
             <a:pPr rtl="0"/>
             <a:fld id="{25D5A028-43A2-4639-BEEA-82C2B46D2F75}" type="datetime1">
               <a:rPr lang="it-IT" noProof="0" smtClean="0"/>
-              <a:t>04/07/2022</a:t>
+              <a:t>05/07/2022</a:t>
             </a:fld>
             <a:endParaRPr lang="it-IT" noProof="0" dirty="0"/>
           </a:p>
@@ -7571,7 +7571,7 @@
             <a:pPr rtl="0"/>
             <a:fld id="{0AC1AF47-3649-4D70-8624-44F2D47949BF}" type="datetime1">
               <a:rPr lang="it-IT" noProof="0" smtClean="0"/>
-              <a:t>04/07/2022</a:t>
+              <a:t>05/07/2022</a:t>
             </a:fld>
             <a:endParaRPr lang="it-IT" noProof="0" dirty="0"/>
           </a:p>
@@ -8155,7 +8155,7 @@
             <a:pPr rtl="0"/>
             <a:fld id="{0C86549E-7F36-460D-B45B-E31862ACF4DC}" type="datetime1">
               <a:rPr lang="it-IT" noProof="0" smtClean="0"/>
-              <a:t>04/07/2022</a:t>
+              <a:t>05/07/2022</a:t>
             </a:fld>
             <a:endParaRPr lang="it-IT" noProof="0" dirty="0"/>
           </a:p>
@@ -8559,7 +8559,7 @@
             <a:pPr rtl="0"/>
             <a:fld id="{5AD476CA-C764-4FAD-8146-5EA1029A9E33}" type="datetime1">
               <a:rPr lang="it-IT" noProof="0" smtClean="0"/>
-              <a:t>04/07/2022</a:t>
+              <a:t>05/07/2022</a:t>
             </a:fld>
             <a:endParaRPr lang="it-IT" noProof="0" dirty="0"/>
           </a:p>
@@ -8702,7 +8702,7 @@
             <a:pPr rtl="0"/>
             <a:fld id="{8718CE71-08A2-40CC-B75F-5DA9EAC27385}" type="datetime1">
               <a:rPr lang="it-IT" noProof="0" smtClean="0"/>
-              <a:t>04/07/2022</a:t>
+              <a:t>05/07/2022</a:t>
             </a:fld>
             <a:endParaRPr lang="it-IT" noProof="0" dirty="0"/>
           </a:p>
@@ -8894,7 +8894,7 @@
             <a:pPr rtl="0"/>
             <a:fld id="{2F6EAE58-4589-466E-80D1-72C9CC21B379}" type="datetime1">
               <a:rPr lang="it-IT" noProof="0" smtClean="0"/>
-              <a:t>04/07/2022</a:t>
+              <a:t>05/07/2022</a:t>
             </a:fld>
             <a:endParaRPr lang="it-IT" noProof="0" dirty="0"/>
           </a:p>
@@ -9210,7 +9210,7 @@
             <a:pPr rtl="0"/>
             <a:fld id="{415EA518-E098-4533-A7FE-3A70CD273BA1}" type="datetime1">
               <a:rPr lang="it-IT" noProof="0" smtClean="0"/>
-              <a:t>04/07/2022</a:t>
+              <a:t>05/07/2022</a:t>
             </a:fld>
             <a:endParaRPr lang="it-IT" noProof="0" dirty="0"/>
           </a:p>
@@ -13895,7 +13895,7 @@
           <a:p>
             <a:r>
               <a:rPr lang="it-IT" dirty="0"/>
-              <a:t>Pensando fosse un problema di guadagno, abbiamo provato a modificare i valori delle varie resistenze, al fine di trovare quali impattassero sulla durata del segnale in output.</a:t>
+              <a:t>Ipotizzando fosse un problema di guadagno, abbiamo provato a modificare i valori delle varie resistenze, al fine di trovare quali impattassero sulla durata del segnale in output.</a:t>
             </a:r>
           </a:p>
           <a:p>
@@ -15443,8 +15443,8 @@
           </a:prstGeom>
         </p:spPr>
       </p:pic>
-      <mc:AlternateContent xmlns:mc="http://schemas.openxmlformats.org/markup-compatibility/2006">
-        <mc:Choice xmlns:a14="http://schemas.microsoft.com/office/drawing/2010/main" Requires="a14">
+      <mc:AlternateContent xmlns:mc="http://schemas.openxmlformats.org/markup-compatibility/2006" xmlns:a14="http://schemas.microsoft.com/office/drawing/2010/main">
+        <mc:Choice Requires="a14">
           <p:sp>
             <p:nvSpPr>
               <p:cNvPr id="14" name="CasellaDiTesto 13">
@@ -15748,16 +15748,7 @@
                         <a:ea typeface="Calibri" panose="020F0502020204030204" pitchFamily="34" charset="0"/>
                         <a:cs typeface="Times New Roman" panose="02020603050405020304" pitchFamily="18" charset="0"/>
                       </a:rPr>
-                      <m:t>.</m:t>
-                    </m:r>
-                    <m:r>
-                      <a:rPr lang="it-IT" sz="1800" b="0" i="1" smtClean="0">
-                        <a:effectLst/>
-                        <a:latin typeface="Cambria Math" panose="02040503050406030204" pitchFamily="18" charset="0"/>
-                        <a:ea typeface="Calibri" panose="020F0502020204030204" pitchFamily="34" charset="0"/>
-                        <a:cs typeface="Times New Roman" panose="02020603050405020304" pitchFamily="18" charset="0"/>
-                      </a:rPr>
-                      <m:t> </m:t>
+                      <m:t>. </m:t>
                     </m:r>
                   </m:oMath>
                 </a14:m>
@@ -16107,7 +16098,7 @@
             </p:txBody>
           </p:sp>
         </mc:Choice>
-        <mc:Fallback>
+        <mc:Fallback xmlns="">
           <p:sp>
             <p:nvSpPr>
               <p:cNvPr id="14" name="CasellaDiTesto 13">
@@ -16631,7 +16622,7 @@
             <p:spPr>
               <a:xfrm>
                 <a:off x="8432800" y="572655"/>
-                <a:ext cx="3327311" cy="6186309"/>
+                <a:ext cx="3327311" cy="6463308"/>
               </a:xfrm>
               <a:prstGeom prst="rect">
                 <a:avLst/>
@@ -16787,26 +16778,29 @@
                       <m:t> </m:t>
                     </m:r>
                     <m:r>
-                      <a:rPr lang="it-IT" i="1"/>
+                      <a:rPr lang="it-IT" i="1">
+                        <a:latin typeface="Cambria Math" panose="02040503050406030204" pitchFamily="18" charset="0"/>
+                      </a:rPr>
                       <m:t>𝑓</m:t>
                     </m:r>
                     <m:r>
-                      <a:rPr lang="it-IT" i="1"/>
-                      <m:t>=25</m:t>
+                      <a:rPr lang="it-IT" i="1">
+                        <a:latin typeface="Cambria Math" panose="02040503050406030204" pitchFamily="18" charset="0"/>
+                      </a:rPr>
+                      <m:t>=2500 </m:t>
                     </m:r>
                     <m:r>
-                      <a:rPr lang="it-IT" b="0" i="1" smtClean="0">
+                      <a:rPr lang="it-IT" i="1">
                         <a:latin typeface="Cambria Math" panose="02040503050406030204" pitchFamily="18" charset="0"/>
                       </a:rPr>
-                      <m:t>00 </m:t>
-                    </m:r>
-                    <m:r>
-                      <a:rPr lang="it-IT" i="1"/>
                       <m:t>𝑘𝐻𝑧</m:t>
                     </m:r>
                   </m:oMath>
                 </a14:m>
-                <a:endParaRPr lang="it-IT" dirty="0"/>
+                <a:r>
+                  <a:rPr lang="it-IT" dirty="0"/>
+                  <a:t> che non corrisponde</a:t>
+                </a:r>
               </a:p>
               <a:p>
                 <a:pPr marL="285750" indent="-285750">
@@ -16870,7 +16864,7 @@
             <p:spPr>
               <a:xfrm>
                 <a:off x="8432800" y="572655"/>
-                <a:ext cx="3327311" cy="6186309"/>
+                <a:ext cx="3327311" cy="6463308"/>
               </a:xfrm>
               <a:prstGeom prst="rect">
                 <a:avLst/>
@@ -16878,7 +16872,7 @@
               <a:blipFill>
                 <a:blip r:embed="rId5"/>
                 <a:stretch>
-                  <a:fillRect l="-1465" t="-591" r="-2015"/>
+                  <a:fillRect l="-1465" t="-566" r="-2015"/>
                 </a:stretch>
               </a:blipFill>
             </p:spPr>
@@ -17202,7 +17196,7 @@
             </a:r>
             <a:r>
               <a:rPr lang="it-IT" dirty="0" err="1"/>
-              <a:t>ltspice</a:t>
+              <a:t>LTspice</a:t>
             </a:r>
             <a:r>
               <a:rPr lang="it-IT" dirty="0"/>
@@ -17738,7 +17732,7 @@
             <p:spPr>
               <a:xfrm>
                 <a:off x="8543583" y="322636"/>
-                <a:ext cx="3168273" cy="6463308"/>
+                <a:ext cx="3168273" cy="6186309"/>
               </a:xfrm>
               <a:prstGeom prst="rect">
                 <a:avLst/>
@@ -17789,7 +17783,7 @@
                     <a:ea typeface="Calibri" panose="020F0502020204030204" pitchFamily="34" charset="0"/>
                     <a:cs typeface="Times New Roman" panose="02020603050405020304" pitchFamily="18" charset="0"/>
                   </a:rPr>
-                  <a:t>Ci interessiamo subito alla stessa frequenza dove il modello precedente prima non funzionava correttamente. Notiamo che l’onda quadra è bistrattata ma l’onda triangolare c’è ed è simile a quella che si aspetteremmo</a:t>
+                  <a:t>Ci interessiamo subito alla stessa frequenza dove il modello precedente non funzionava correttamente. Notiamo che l’onda quadra è bistrattata ma l’onda triangolare c’è ed è simile a quella che si aspetteremmo</a:t>
                 </a:r>
               </a:p>
               <a:p>
@@ -18081,7 +18075,7 @@
             <p:spPr>
               <a:xfrm>
                 <a:off x="8543583" y="322636"/>
-                <a:ext cx="3168273" cy="6463308"/>
+                <a:ext cx="3168273" cy="6186309"/>
               </a:xfrm>
               <a:prstGeom prst="rect">
                 <a:avLst/>
@@ -18089,7 +18083,7 @@
               <a:blipFill>
                 <a:blip r:embed="rId5"/>
                 <a:stretch>
-                  <a:fillRect l="-1734" t="-566" r="-1927"/>
+                  <a:fillRect l="-1734" t="-591" r="-2890"/>
                 </a:stretch>
               </a:blipFill>
             </p:spPr>
@@ -18372,7 +18366,7 @@
               <a:p>
                 <a:r>
                   <a:rPr lang="it-IT" sz="2400" dirty="0"/>
-                  <a:t>Abbiamo notato che in quest’ultimo modello la situazione si normalizza con una R1=600 ovvero per una frequenza max di </a:t>
+                  <a:t>Abbiamo notato in quest’ultimo modello che la situazione si normalizza con una R1=600 ovvero per una frequenza max di </a:t>
                 </a:r>
                 <a14:m>
                   <m:oMath xmlns:m="http://schemas.openxmlformats.org/officeDocument/2006/math">
@@ -19571,15 +19565,6 @@
 </file>
 
 <file path=customXml/item1.xml><?xml version="1.0" encoding="utf-8"?>
-<p:properties xmlns:p="http://schemas.microsoft.com/office/2006/metadata/properties" xmlns:xsi="http://www.w3.org/2001/XMLSchema-instance" xmlns:pc="http://schemas.microsoft.com/office/infopath/2007/PartnerControls">
-  <documentManagement>
-    <Status xmlns="71af3243-3dd4-4a8d-8c0d-dd76da1f02a5">Not started</Status>
-    <MediaServiceKeyPoints xmlns="71af3243-3dd4-4a8d-8c0d-dd76da1f02a5" xsi:nil="true"/>
-  </documentManagement>
-</p:properties>
-</file>
-
-<file path=customXml/item2.xml><?xml version="1.0" encoding="utf-8"?>
 <ct:contentTypeSchema xmlns:ct="http://schemas.microsoft.com/office/2006/metadata/contentType" xmlns:ma="http://schemas.microsoft.com/office/2006/metadata/properties/metaAttributes" ct:_="" ma:_="" ma:contentTypeName="Document" ma:contentTypeID="0x01010079F111ED35F8CC479449609E8A0923A6" ma:contentTypeVersion="12" ma:contentTypeDescription="Create a new document." ma:contentTypeScope="" ma:versionID="fa6e671f1cd7e4d96ff9652be322dd5e">
   <xsd:schema xmlns:xsd="http://www.w3.org/2001/XMLSchema" xmlns:xs="http://www.w3.org/2001/XMLSchema" xmlns:p="http://schemas.microsoft.com/office/2006/metadata/properties" xmlns:ns2="71af3243-3dd4-4a8d-8c0d-dd76da1f02a5" xmlns:ns3="16c05727-aa75-4e4a-9b5f-8a80a1165891" targetNamespace="http://schemas.microsoft.com/office/2006/metadata/properties" ma:root="true" ma:fieldsID="4e2496f70b101db0b8013f30a071bbf7" ns2:_="" ns3:_="">
     <xsd:import namespace="71af3243-3dd4-4a8d-8c0d-dd76da1f02a5"/>
@@ -19800,6 +19785,15 @@
 </ct:contentTypeSchema>
 </file>
 
+<file path=customXml/item2.xml><?xml version="1.0" encoding="utf-8"?>
+<p:properties xmlns:p="http://schemas.microsoft.com/office/2006/metadata/properties" xmlns:xsi="http://www.w3.org/2001/XMLSchema-instance" xmlns:pc="http://schemas.microsoft.com/office/infopath/2007/PartnerControls">
+  <documentManagement>
+    <Status xmlns="71af3243-3dd4-4a8d-8c0d-dd76da1f02a5">Not started</Status>
+    <MediaServiceKeyPoints xmlns="71af3243-3dd4-4a8d-8c0d-dd76da1f02a5" xsi:nil="true"/>
+  </documentManagement>
+</p:properties>
+</file>
+
 <file path=customXml/item3.xml><?xml version="1.0" encoding="utf-8"?>
 <?mso-contentType ?>
 <FormTemplates xmlns="http://schemas.microsoft.com/sharepoint/v3/contenttype/forms">
@@ -19810,16 +19804,6 @@
 </file>
 
 <file path=customXml/itemProps1.xml><?xml version="1.0" encoding="utf-8"?>
-<ds:datastoreItem xmlns:ds="http://schemas.openxmlformats.org/officeDocument/2006/customXml" ds:itemID="{A4E879E6-8FFE-4154-8F2A-F7518B89B376}">
-  <ds:schemaRefs>
-    <ds:schemaRef ds:uri="http://schemas.microsoft.com/office/2006/metadata/properties"/>
-    <ds:schemaRef ds:uri="http://schemas.microsoft.com/office/infopath/2007/PartnerControls"/>
-    <ds:schemaRef ds:uri="71af3243-3dd4-4a8d-8c0d-dd76da1f02a5"/>
-  </ds:schemaRefs>
-</ds:datastoreItem>
-</file>
-
-<file path=customXml/itemProps2.xml><?xml version="1.0" encoding="utf-8"?>
 <ds:datastoreItem xmlns:ds="http://schemas.openxmlformats.org/officeDocument/2006/customXml" ds:itemID="{A941CA7C-A0BF-44EF-B2E5-7539C3B9B0B6}">
   <ds:schemaRefs>
     <ds:schemaRef ds:uri="http://schemas.microsoft.com/office/2006/metadata/contentType"/>
@@ -19838,6 +19822,16 @@
 </ds:datastoreItem>
 </file>
 
+<file path=customXml/itemProps2.xml><?xml version="1.0" encoding="utf-8"?>
+<ds:datastoreItem xmlns:ds="http://schemas.openxmlformats.org/officeDocument/2006/customXml" ds:itemID="{A4E879E6-8FFE-4154-8F2A-F7518B89B376}">
+  <ds:schemaRefs>
+    <ds:schemaRef ds:uri="http://schemas.microsoft.com/office/2006/metadata/properties"/>
+    <ds:schemaRef ds:uri="http://schemas.microsoft.com/office/infopath/2007/PartnerControls"/>
+    <ds:schemaRef ds:uri="71af3243-3dd4-4a8d-8c0d-dd76da1f02a5"/>
+  </ds:schemaRefs>
+</ds:datastoreItem>
+</file>
+
 <file path=customXml/itemProps3.xml><?xml version="1.0" encoding="utf-8"?>
 <ds:datastoreItem xmlns:ds="http://schemas.openxmlformats.org/officeDocument/2006/customXml" ds:itemID="{7E0A2CB4-6869-426F-8BC4-A32C90CBE263}">
   <ds:schemaRefs>
